--- a/Dot Net/Business.pptx
+++ b/Dot Net/Business.pptx
@@ -11,6 +11,7 @@
     <p:sldId id="259" r:id="rId5"/>
     <p:sldId id="260" r:id="rId6"/>
     <p:sldId id="261" r:id="rId7"/>
+    <p:sldId id="262" r:id="rId8"/>
   </p:sldIdLst>
   <p:sldSz cx="12192000" cy="6858000"/>
   <p:notesSz cx="6858000" cy="9144000"/>
@@ -109,6 +110,11 @@
       </a:defRPr>
     </a:lvl9pPr>
   </p:defaultTextStyle>
+  <p:extLst>
+    <p:ext uri="{EFAFB233-063F-42B5-8137-9DF3F51BA10A}">
+      <p15:sldGuideLst xmlns:p15="http://schemas.microsoft.com/office/powerpoint/2012/main"/>
+    </p:ext>
+  </p:extLst>
 </p:presentation>
 </file>
 
@@ -297,7 +303,7 @@
           <a:p>
             <a:fld id="{C744FA5D-EF1D-489D-8D8F-1FF7B7B6D702}" type="datetimeFigureOut">
               <a:rPr lang="en-US" smtClean="0"/>
-              <a:t>2/1/2026</a:t>
+              <a:t>2/4/2026</a:t>
             </a:fld>
             <a:endParaRPr lang="en-US"/>
           </a:p>
@@ -595,7 +601,7 @@
           <a:p>
             <a:fld id="{C744FA5D-EF1D-489D-8D8F-1FF7B7B6D702}" type="datetimeFigureOut">
               <a:rPr lang="en-US" smtClean="0"/>
-              <a:t>2/1/2026</a:t>
+              <a:t>2/4/2026</a:t>
             </a:fld>
             <a:endParaRPr lang="en-US"/>
           </a:p>
@@ -787,7 +793,7 @@
           <a:p>
             <a:fld id="{C744FA5D-EF1D-489D-8D8F-1FF7B7B6D702}" type="datetimeFigureOut">
               <a:rPr lang="en-US" smtClean="0"/>
-              <a:t>2/1/2026</a:t>
+              <a:t>2/4/2026</a:t>
             </a:fld>
             <a:endParaRPr lang="en-US"/>
           </a:p>
@@ -1048,7 +1054,7 @@
           <a:p>
             <a:fld id="{C744FA5D-EF1D-489D-8D8F-1FF7B7B6D702}" type="datetimeFigureOut">
               <a:rPr lang="en-US" smtClean="0"/>
-              <a:t>2/1/2026</a:t>
+              <a:t>2/4/2026</a:t>
             </a:fld>
             <a:endParaRPr lang="en-US"/>
           </a:p>
@@ -1472,7 +1478,7 @@
           <a:p>
             <a:fld id="{C744FA5D-EF1D-489D-8D8F-1FF7B7B6D702}" type="datetimeFigureOut">
               <a:rPr lang="en-US" smtClean="0"/>
-              <a:t>2/1/2026</a:t>
+              <a:t>2/4/2026</a:t>
             </a:fld>
             <a:endParaRPr lang="en-US"/>
           </a:p>
@@ -2009,7 +2015,7 @@
           <a:p>
             <a:fld id="{C744FA5D-EF1D-489D-8D8F-1FF7B7B6D702}" type="datetimeFigureOut">
               <a:rPr lang="en-US" smtClean="0"/>
-              <a:t>2/1/2026</a:t>
+              <a:t>2/4/2026</a:t>
             </a:fld>
             <a:endParaRPr lang="en-US"/>
           </a:p>
@@ -2873,7 +2879,7 @@
           <a:p>
             <a:fld id="{C744FA5D-EF1D-489D-8D8F-1FF7B7B6D702}" type="datetimeFigureOut">
               <a:rPr lang="en-US" smtClean="0"/>
-              <a:t>2/1/2026</a:t>
+              <a:t>2/4/2026</a:t>
             </a:fld>
             <a:endParaRPr lang="en-US"/>
           </a:p>
@@ -3043,7 +3049,7 @@
           <a:p>
             <a:fld id="{C744FA5D-EF1D-489D-8D8F-1FF7B7B6D702}" type="datetimeFigureOut">
               <a:rPr lang="en-US" smtClean="0"/>
-              <a:t>2/1/2026</a:t>
+              <a:t>2/4/2026</a:t>
             </a:fld>
             <a:endParaRPr lang="en-US"/>
           </a:p>
@@ -3227,7 +3233,7 @@
           <a:p>
             <a:fld id="{C744FA5D-EF1D-489D-8D8F-1FF7B7B6D702}" type="datetimeFigureOut">
               <a:rPr lang="en-US" smtClean="0"/>
-              <a:t>2/1/2026</a:t>
+              <a:t>2/4/2026</a:t>
             </a:fld>
             <a:endParaRPr lang="en-US"/>
           </a:p>
@@ -3397,7 +3403,7 @@
           <a:p>
             <a:fld id="{C744FA5D-EF1D-489D-8D8F-1FF7B7B6D702}" type="datetimeFigureOut">
               <a:rPr lang="en-US" smtClean="0"/>
-              <a:t>2/1/2026</a:t>
+              <a:t>2/4/2026</a:t>
             </a:fld>
             <a:endParaRPr lang="en-US"/>
           </a:p>
@@ -3641,7 +3647,7 @@
           <a:p>
             <a:fld id="{C744FA5D-EF1D-489D-8D8F-1FF7B7B6D702}" type="datetimeFigureOut">
               <a:rPr lang="en-US" smtClean="0"/>
-              <a:t>2/1/2026</a:t>
+              <a:t>2/4/2026</a:t>
             </a:fld>
             <a:endParaRPr lang="en-US"/>
           </a:p>
@@ -3877,7 +3883,7 @@
           <a:p>
             <a:fld id="{C744FA5D-EF1D-489D-8D8F-1FF7B7B6D702}" type="datetimeFigureOut">
               <a:rPr lang="en-US" smtClean="0"/>
-              <a:t>2/1/2026</a:t>
+              <a:t>2/4/2026</a:t>
             </a:fld>
             <a:endParaRPr lang="en-US"/>
           </a:p>
@@ -4343,7 +4349,7 @@
           <a:p>
             <a:fld id="{C744FA5D-EF1D-489D-8D8F-1FF7B7B6D702}" type="datetimeFigureOut">
               <a:rPr lang="en-US" smtClean="0"/>
-              <a:t>2/1/2026</a:t>
+              <a:t>2/4/2026</a:t>
             </a:fld>
             <a:endParaRPr lang="en-US"/>
           </a:p>
@@ -4461,7 +4467,7 @@
           <a:p>
             <a:fld id="{C744FA5D-EF1D-489D-8D8F-1FF7B7B6D702}" type="datetimeFigureOut">
               <a:rPr lang="en-US" smtClean="0"/>
-              <a:t>2/1/2026</a:t>
+              <a:t>2/4/2026</a:t>
             </a:fld>
             <a:endParaRPr lang="en-US"/>
           </a:p>
@@ -4556,7 +4562,7 @@
           <a:p>
             <a:fld id="{C744FA5D-EF1D-489D-8D8F-1FF7B7B6D702}" type="datetimeFigureOut">
               <a:rPr lang="en-US" smtClean="0"/>
-              <a:t>2/1/2026</a:t>
+              <a:t>2/4/2026</a:t>
             </a:fld>
             <a:endParaRPr lang="en-US"/>
           </a:p>
@@ -4811,7 +4817,7 @@
           <a:p>
             <a:fld id="{C744FA5D-EF1D-489D-8D8F-1FF7B7B6D702}" type="datetimeFigureOut">
               <a:rPr lang="en-US" smtClean="0"/>
-              <a:t>2/1/2026</a:t>
+              <a:t>2/4/2026</a:t>
             </a:fld>
             <a:endParaRPr lang="en-US"/>
           </a:p>
@@ -5111,7 +5117,7 @@
           <a:p>
             <a:fld id="{C744FA5D-EF1D-489D-8D8F-1FF7B7B6D702}" type="datetimeFigureOut">
               <a:rPr lang="en-US" smtClean="0"/>
-              <a:t>2/1/2026</a:t>
+              <a:t>2/4/2026</a:t>
             </a:fld>
             <a:endParaRPr lang="en-US"/>
           </a:p>
@@ -5345,7 +5351,7 @@
           <a:p>
             <a:fld id="{C744FA5D-EF1D-489D-8D8F-1FF7B7B6D702}" type="datetimeFigureOut">
               <a:rPr lang="en-US" smtClean="0"/>
-              <a:t>2/1/2026</a:t>
+              <a:t>2/4/2026</a:t>
             </a:fld>
             <a:endParaRPr lang="en-US"/>
           </a:p>
@@ -6177,7 +6183,7 @@
             <a:pPr algn="r" rtl="1"/>
             <a:r>
               <a:rPr lang="ar-EG" sz="2400" dirty="0"/>
-              <a:t>هي شركة تؤمن الجهة الممولة أولا على سبيل المثال عميل أخذ تمويل 200 ألف وتوفى قبل إكمال السداد شركة التأمين تسدد باقي المديونية للبنك او الجهة الممولة</a:t>
+              <a:t>هي شركة تؤمن الجهة الممولة. على سبيل المثال عميل أخذ تمويل 200 ألف وتوفى قبل إكمال السداد شركة التأمين تسدد باقي المديونية للبنك او الجهة الممولة</a:t>
             </a:r>
           </a:p>
           <a:p>
@@ -6941,10 +6947,9 @@
           <a:p>
             <a:pPr algn="r" rtl="1"/>
             <a:r>
-              <a:rPr lang="ar-EG" b="1"/>
+              <a:rPr lang="ar-EG" b="1" dirty="0"/>
               <a:t>مثال بحالة خسارة 50000</a:t>
             </a:r>
-            <a:endParaRPr lang="ar-EG" b="1" dirty="0"/>
           </a:p>
           <a:p>
             <a:pPr algn="r" rtl="1"/>
@@ -6986,7 +6991,7 @@
         </p:blipFill>
         <p:spPr>
           <a:xfrm>
-            <a:off x="90121" y="3991184"/>
+            <a:off x="90121" y="3883029"/>
             <a:ext cx="7215031" cy="2866815"/>
           </a:xfrm>
           <a:prstGeom prst="rect">
@@ -6998,6 +7003,86 @@
     <p:extLst>
       <p:ext uri="{BB962C8B-B14F-4D97-AF65-F5344CB8AC3E}">
         <p14:creationId xmlns:p14="http://schemas.microsoft.com/office/powerpoint/2010/main" val="1888439780"/>
+      </p:ext>
+    </p:extLst>
+  </p:cSld>
+  <p:clrMapOvr>
+    <a:masterClrMapping/>
+  </p:clrMapOvr>
+</p:sld>
+</file>
+
+<file path=ppt/slides/slide7.xml><?xml version="1.0" encoding="utf-8"?>
+<p:sld xmlns:a="http://schemas.openxmlformats.org/drawingml/2006/main" xmlns:r="http://schemas.openxmlformats.org/officeDocument/2006/relationships" xmlns:p="http://schemas.openxmlformats.org/presentationml/2006/main">
+  <p:cSld>
+    <p:spTree>
+      <p:nvGrpSpPr>
+        <p:cNvPr id="1" name=""/>
+        <p:cNvGrpSpPr/>
+        <p:nvPr/>
+      </p:nvGrpSpPr>
+      <p:grpSpPr>
+        <a:xfrm>
+          <a:off x="0" y="0"/>
+          <a:ext cx="0" cy="0"/>
+          <a:chOff x="0" y="0"/>
+          <a:chExt cx="0" cy="0"/>
+        </a:xfrm>
+      </p:grpSpPr>
+      <p:sp>
+        <p:nvSpPr>
+          <p:cNvPr id="2" name="Title 1">
+            <a:extLst>
+              <a:ext uri="{FF2B5EF4-FFF2-40B4-BE49-F238E27FC236}">
+                <a16:creationId xmlns:a16="http://schemas.microsoft.com/office/drawing/2014/main" id="{A1733EBA-13F1-0001-D2A2-41EE1A618A96}"/>
+              </a:ext>
+            </a:extLst>
+          </p:cNvPr>
+          <p:cNvSpPr>
+            <a:spLocks noGrp="1"/>
+          </p:cNvSpPr>
+          <p:nvPr>
+            <p:ph type="title"/>
+          </p:nvPr>
+        </p:nvSpPr>
+        <p:spPr/>
+        <p:txBody>
+          <a:bodyPr/>
+          <a:lstStyle/>
+          <a:p>
+            <a:endParaRPr lang="en-US"/>
+          </a:p>
+        </p:txBody>
+      </p:sp>
+      <p:sp>
+        <p:nvSpPr>
+          <p:cNvPr id="3" name="Content Placeholder 2">
+            <a:extLst>
+              <a:ext uri="{FF2B5EF4-FFF2-40B4-BE49-F238E27FC236}">
+                <a16:creationId xmlns:a16="http://schemas.microsoft.com/office/drawing/2014/main" id="{62A0C5F3-D5BE-7FF0-05F1-97D23484FB8C}"/>
+              </a:ext>
+            </a:extLst>
+          </p:cNvPr>
+          <p:cNvSpPr>
+            <a:spLocks noGrp="1"/>
+          </p:cNvSpPr>
+          <p:nvPr>
+            <p:ph idx="1"/>
+          </p:nvPr>
+        </p:nvSpPr>
+        <p:spPr/>
+        <p:txBody>
+          <a:bodyPr/>
+          <a:lstStyle/>
+          <a:p>
+            <a:endParaRPr lang="en-US" dirty="0"/>
+          </a:p>
+        </p:txBody>
+      </p:sp>
+    </p:spTree>
+    <p:extLst>
+      <p:ext uri="{BB962C8B-B14F-4D97-AF65-F5344CB8AC3E}">
+        <p14:creationId xmlns:p14="http://schemas.microsoft.com/office/powerpoint/2010/main" val="2591581950"/>
       </p:ext>
     </p:extLst>
   </p:cSld>

--- a/Dot Net/Business.pptx
+++ b/Dot Net/Business.pptx
@@ -11,7 +11,15 @@
     <p:sldId id="259" r:id="rId5"/>
     <p:sldId id="260" r:id="rId6"/>
     <p:sldId id="261" r:id="rId7"/>
-    <p:sldId id="262" r:id="rId8"/>
+    <p:sldId id="263" r:id="rId8"/>
+    <p:sldId id="262" r:id="rId9"/>
+    <p:sldId id="264" r:id="rId10"/>
+    <p:sldId id="265" r:id="rId11"/>
+    <p:sldId id="266" r:id="rId12"/>
+    <p:sldId id="267" r:id="rId13"/>
+    <p:sldId id="269" r:id="rId14"/>
+    <p:sldId id="268" r:id="rId15"/>
+    <p:sldId id="270" r:id="rId16"/>
   </p:sldIdLst>
   <p:sldSz cx="12192000" cy="6858000"/>
   <p:notesSz cx="6858000" cy="9144000"/>
@@ -303,7 +311,7 @@
           <a:p>
             <a:fld id="{C744FA5D-EF1D-489D-8D8F-1FF7B7B6D702}" type="datetimeFigureOut">
               <a:rPr lang="en-US" smtClean="0"/>
-              <a:t>2/4/2026</a:t>
+              <a:t>2/9/2026</a:t>
             </a:fld>
             <a:endParaRPr lang="en-US"/>
           </a:p>
@@ -601,7 +609,7 @@
           <a:p>
             <a:fld id="{C744FA5D-EF1D-489D-8D8F-1FF7B7B6D702}" type="datetimeFigureOut">
               <a:rPr lang="en-US" smtClean="0"/>
-              <a:t>2/4/2026</a:t>
+              <a:t>2/9/2026</a:t>
             </a:fld>
             <a:endParaRPr lang="en-US"/>
           </a:p>
@@ -793,7 +801,7 @@
           <a:p>
             <a:fld id="{C744FA5D-EF1D-489D-8D8F-1FF7B7B6D702}" type="datetimeFigureOut">
               <a:rPr lang="en-US" smtClean="0"/>
-              <a:t>2/4/2026</a:t>
+              <a:t>2/9/2026</a:t>
             </a:fld>
             <a:endParaRPr lang="en-US"/>
           </a:p>
@@ -1054,7 +1062,7 @@
           <a:p>
             <a:fld id="{C744FA5D-EF1D-489D-8D8F-1FF7B7B6D702}" type="datetimeFigureOut">
               <a:rPr lang="en-US" smtClean="0"/>
-              <a:t>2/4/2026</a:t>
+              <a:t>2/9/2026</a:t>
             </a:fld>
             <a:endParaRPr lang="en-US"/>
           </a:p>
@@ -1478,7 +1486,7 @@
           <a:p>
             <a:fld id="{C744FA5D-EF1D-489D-8D8F-1FF7B7B6D702}" type="datetimeFigureOut">
               <a:rPr lang="en-US" smtClean="0"/>
-              <a:t>2/4/2026</a:t>
+              <a:t>2/9/2026</a:t>
             </a:fld>
             <a:endParaRPr lang="en-US"/>
           </a:p>
@@ -2015,7 +2023,7 @@
           <a:p>
             <a:fld id="{C744FA5D-EF1D-489D-8D8F-1FF7B7B6D702}" type="datetimeFigureOut">
               <a:rPr lang="en-US" smtClean="0"/>
-              <a:t>2/4/2026</a:t>
+              <a:t>2/9/2026</a:t>
             </a:fld>
             <a:endParaRPr lang="en-US"/>
           </a:p>
@@ -2879,7 +2887,7 @@
           <a:p>
             <a:fld id="{C744FA5D-EF1D-489D-8D8F-1FF7B7B6D702}" type="datetimeFigureOut">
               <a:rPr lang="en-US" smtClean="0"/>
-              <a:t>2/4/2026</a:t>
+              <a:t>2/9/2026</a:t>
             </a:fld>
             <a:endParaRPr lang="en-US"/>
           </a:p>
@@ -3049,7 +3057,7 @@
           <a:p>
             <a:fld id="{C744FA5D-EF1D-489D-8D8F-1FF7B7B6D702}" type="datetimeFigureOut">
               <a:rPr lang="en-US" smtClean="0"/>
-              <a:t>2/4/2026</a:t>
+              <a:t>2/9/2026</a:t>
             </a:fld>
             <a:endParaRPr lang="en-US"/>
           </a:p>
@@ -3233,7 +3241,7 @@
           <a:p>
             <a:fld id="{C744FA5D-EF1D-489D-8D8F-1FF7B7B6D702}" type="datetimeFigureOut">
               <a:rPr lang="en-US" smtClean="0"/>
-              <a:t>2/4/2026</a:t>
+              <a:t>2/9/2026</a:t>
             </a:fld>
             <a:endParaRPr lang="en-US"/>
           </a:p>
@@ -3403,7 +3411,7 @@
           <a:p>
             <a:fld id="{C744FA5D-EF1D-489D-8D8F-1FF7B7B6D702}" type="datetimeFigureOut">
               <a:rPr lang="en-US" smtClean="0"/>
-              <a:t>2/4/2026</a:t>
+              <a:t>2/9/2026</a:t>
             </a:fld>
             <a:endParaRPr lang="en-US"/>
           </a:p>
@@ -3647,7 +3655,7 @@
           <a:p>
             <a:fld id="{C744FA5D-EF1D-489D-8D8F-1FF7B7B6D702}" type="datetimeFigureOut">
               <a:rPr lang="en-US" smtClean="0"/>
-              <a:t>2/4/2026</a:t>
+              <a:t>2/9/2026</a:t>
             </a:fld>
             <a:endParaRPr lang="en-US"/>
           </a:p>
@@ -3883,7 +3891,7 @@
           <a:p>
             <a:fld id="{C744FA5D-EF1D-489D-8D8F-1FF7B7B6D702}" type="datetimeFigureOut">
               <a:rPr lang="en-US" smtClean="0"/>
-              <a:t>2/4/2026</a:t>
+              <a:t>2/9/2026</a:t>
             </a:fld>
             <a:endParaRPr lang="en-US"/>
           </a:p>
@@ -4349,7 +4357,7 @@
           <a:p>
             <a:fld id="{C744FA5D-EF1D-489D-8D8F-1FF7B7B6D702}" type="datetimeFigureOut">
               <a:rPr lang="en-US" smtClean="0"/>
-              <a:t>2/4/2026</a:t>
+              <a:t>2/9/2026</a:t>
             </a:fld>
             <a:endParaRPr lang="en-US"/>
           </a:p>
@@ -4467,7 +4475,7 @@
           <a:p>
             <a:fld id="{C744FA5D-EF1D-489D-8D8F-1FF7B7B6D702}" type="datetimeFigureOut">
               <a:rPr lang="en-US" smtClean="0"/>
-              <a:t>2/4/2026</a:t>
+              <a:t>2/9/2026</a:t>
             </a:fld>
             <a:endParaRPr lang="en-US"/>
           </a:p>
@@ -4562,7 +4570,7 @@
           <a:p>
             <a:fld id="{C744FA5D-EF1D-489D-8D8F-1FF7B7B6D702}" type="datetimeFigureOut">
               <a:rPr lang="en-US" smtClean="0"/>
-              <a:t>2/4/2026</a:t>
+              <a:t>2/9/2026</a:t>
             </a:fld>
             <a:endParaRPr lang="en-US"/>
           </a:p>
@@ -4817,7 +4825,7 @@
           <a:p>
             <a:fld id="{C744FA5D-EF1D-489D-8D8F-1FF7B7B6D702}" type="datetimeFigureOut">
               <a:rPr lang="en-US" smtClean="0"/>
-              <a:t>2/4/2026</a:t>
+              <a:t>2/9/2026</a:t>
             </a:fld>
             <a:endParaRPr lang="en-US"/>
           </a:p>
@@ -5117,7 +5125,7 @@
           <a:p>
             <a:fld id="{C744FA5D-EF1D-489D-8D8F-1FF7B7B6D702}" type="datetimeFigureOut">
               <a:rPr lang="en-US" smtClean="0"/>
-              <a:t>2/4/2026</a:t>
+              <a:t>2/9/2026</a:t>
             </a:fld>
             <a:endParaRPr lang="en-US"/>
           </a:p>
@@ -5351,7 +5359,7 @@
           <a:p>
             <a:fld id="{C744FA5D-EF1D-489D-8D8F-1FF7B7B6D702}" type="datetimeFigureOut">
               <a:rPr lang="en-US" smtClean="0"/>
-              <a:t>2/4/2026</a:t>
+              <a:t>2/9/2026</a:t>
             </a:fld>
             <a:endParaRPr lang="en-US"/>
           </a:p>
@@ -6099,6 +6107,574 @@
 </p:sld>
 </file>
 
+<file path=ppt/slides/slide10.xml><?xml version="1.0" encoding="utf-8"?>
+<p:sld xmlns:a="http://schemas.openxmlformats.org/drawingml/2006/main" xmlns:r="http://schemas.openxmlformats.org/officeDocument/2006/relationships" xmlns:p="http://schemas.openxmlformats.org/presentationml/2006/main">
+  <p:cSld>
+    <p:spTree>
+      <p:nvGrpSpPr>
+        <p:cNvPr id="1" name=""/>
+        <p:cNvGrpSpPr/>
+        <p:nvPr/>
+      </p:nvGrpSpPr>
+      <p:grpSpPr>
+        <a:xfrm>
+          <a:off x="0" y="0"/>
+          <a:ext cx="0" cy="0"/>
+          <a:chOff x="0" y="0"/>
+          <a:chExt cx="0" cy="0"/>
+        </a:xfrm>
+      </p:grpSpPr>
+      <p:sp>
+        <p:nvSpPr>
+          <p:cNvPr id="2" name="Title 1">
+            <a:extLst>
+              <a:ext uri="{FF2B5EF4-FFF2-40B4-BE49-F238E27FC236}">
+                <a16:creationId xmlns:a16="http://schemas.microsoft.com/office/drawing/2014/main" id="{A08E5A12-5031-578B-73A6-5281966AFC97}"/>
+              </a:ext>
+            </a:extLst>
+          </p:cNvPr>
+          <p:cNvSpPr>
+            <a:spLocks noGrp="1"/>
+          </p:cNvSpPr>
+          <p:nvPr>
+            <p:ph type="title"/>
+          </p:nvPr>
+        </p:nvSpPr>
+        <p:spPr>
+          <a:xfrm>
+            <a:off x="913795" y="0"/>
+            <a:ext cx="10353762" cy="707923"/>
+          </a:xfrm>
+        </p:spPr>
+        <p:txBody>
+          <a:bodyPr/>
+          <a:lstStyle/>
+          <a:p>
+            <a:r>
+              <a:rPr lang="ar-EG" b="1" dirty="0">
+                <a:solidFill>
+                  <a:srgbClr val="FF0000"/>
+                </a:solidFill>
+              </a:rPr>
+              <a:t>مراجعة أولية</a:t>
+            </a:r>
+            <a:endParaRPr lang="en-US" b="1" dirty="0">
+              <a:solidFill>
+                <a:srgbClr val="FF0000"/>
+              </a:solidFill>
+            </a:endParaRPr>
+          </a:p>
+        </p:txBody>
+      </p:sp>
+      <p:sp>
+        <p:nvSpPr>
+          <p:cNvPr id="3" name="Content Placeholder 2">
+            <a:extLst>
+              <a:ext uri="{FF2B5EF4-FFF2-40B4-BE49-F238E27FC236}">
+                <a16:creationId xmlns:a16="http://schemas.microsoft.com/office/drawing/2014/main" id="{C6D0CF99-5768-3261-B86E-3BECA925F909}"/>
+              </a:ext>
+            </a:extLst>
+          </p:cNvPr>
+          <p:cNvSpPr>
+            <a:spLocks noGrp="1"/>
+          </p:cNvSpPr>
+          <p:nvPr>
+            <p:ph idx="1"/>
+          </p:nvPr>
+        </p:nvSpPr>
+        <p:spPr/>
+        <p:txBody>
+          <a:bodyPr/>
+          <a:lstStyle/>
+          <a:p>
+            <a:endParaRPr lang="en-US"/>
+          </a:p>
+        </p:txBody>
+      </p:sp>
+    </p:spTree>
+    <p:extLst>
+      <p:ext uri="{BB962C8B-B14F-4D97-AF65-F5344CB8AC3E}">
+        <p14:creationId xmlns:p14="http://schemas.microsoft.com/office/powerpoint/2010/main" val="1918177873"/>
+      </p:ext>
+    </p:extLst>
+  </p:cSld>
+  <p:clrMapOvr>
+    <a:masterClrMapping/>
+  </p:clrMapOvr>
+</p:sld>
+</file>
+
+<file path=ppt/slides/slide11.xml><?xml version="1.0" encoding="utf-8"?>
+<p:sld xmlns:a="http://schemas.openxmlformats.org/drawingml/2006/main" xmlns:r="http://schemas.openxmlformats.org/officeDocument/2006/relationships" xmlns:p="http://schemas.openxmlformats.org/presentationml/2006/main">
+  <p:cSld>
+    <p:spTree>
+      <p:nvGrpSpPr>
+        <p:cNvPr id="1" name=""/>
+        <p:cNvGrpSpPr/>
+        <p:nvPr/>
+      </p:nvGrpSpPr>
+      <p:grpSpPr>
+        <a:xfrm>
+          <a:off x="0" y="0"/>
+          <a:ext cx="0" cy="0"/>
+          <a:chOff x="0" y="0"/>
+          <a:chExt cx="0" cy="0"/>
+        </a:xfrm>
+      </p:grpSpPr>
+      <p:sp>
+        <p:nvSpPr>
+          <p:cNvPr id="2" name="Title 1">
+            <a:extLst>
+              <a:ext uri="{FF2B5EF4-FFF2-40B4-BE49-F238E27FC236}">
+                <a16:creationId xmlns:a16="http://schemas.microsoft.com/office/drawing/2014/main" id="{56BD6999-6FBE-7FD0-77E3-BEFCDD7438B5}"/>
+              </a:ext>
+            </a:extLst>
+          </p:cNvPr>
+          <p:cNvSpPr>
+            <a:spLocks noGrp="1"/>
+          </p:cNvSpPr>
+          <p:nvPr>
+            <p:ph type="title"/>
+          </p:nvPr>
+        </p:nvSpPr>
+        <p:spPr/>
+        <p:txBody>
+          <a:bodyPr/>
+          <a:lstStyle/>
+          <a:p>
+            <a:r>
+              <a:rPr lang="ar-EG" dirty="0"/>
+              <a:t>زيارة ميدانية</a:t>
+            </a:r>
+            <a:endParaRPr lang="en-US" dirty="0"/>
+          </a:p>
+        </p:txBody>
+      </p:sp>
+      <p:sp>
+        <p:nvSpPr>
+          <p:cNvPr id="3" name="Content Placeholder 2">
+            <a:extLst>
+              <a:ext uri="{FF2B5EF4-FFF2-40B4-BE49-F238E27FC236}">
+                <a16:creationId xmlns:a16="http://schemas.microsoft.com/office/drawing/2014/main" id="{26B4D821-A659-22F6-D27B-58D7BE5B7C48}"/>
+              </a:ext>
+            </a:extLst>
+          </p:cNvPr>
+          <p:cNvSpPr>
+            <a:spLocks noGrp="1"/>
+          </p:cNvSpPr>
+          <p:nvPr>
+            <p:ph idx="1"/>
+          </p:nvPr>
+        </p:nvSpPr>
+        <p:spPr/>
+        <p:txBody>
+          <a:bodyPr/>
+          <a:lstStyle/>
+          <a:p>
+            <a:endParaRPr lang="en-US"/>
+          </a:p>
+        </p:txBody>
+      </p:sp>
+    </p:spTree>
+    <p:extLst>
+      <p:ext uri="{BB962C8B-B14F-4D97-AF65-F5344CB8AC3E}">
+        <p14:creationId xmlns:p14="http://schemas.microsoft.com/office/powerpoint/2010/main" val="23238293"/>
+      </p:ext>
+    </p:extLst>
+  </p:cSld>
+  <p:clrMapOvr>
+    <a:masterClrMapping/>
+  </p:clrMapOvr>
+</p:sld>
+</file>
+
+<file path=ppt/slides/slide12.xml><?xml version="1.0" encoding="utf-8"?>
+<p:sld xmlns:a="http://schemas.openxmlformats.org/drawingml/2006/main" xmlns:r="http://schemas.openxmlformats.org/officeDocument/2006/relationships" xmlns:p="http://schemas.openxmlformats.org/presentationml/2006/main">
+  <p:cSld>
+    <p:spTree>
+      <p:nvGrpSpPr>
+        <p:cNvPr id="1" name=""/>
+        <p:cNvGrpSpPr/>
+        <p:nvPr/>
+      </p:nvGrpSpPr>
+      <p:grpSpPr>
+        <a:xfrm>
+          <a:off x="0" y="0"/>
+          <a:ext cx="0" cy="0"/>
+          <a:chOff x="0" y="0"/>
+          <a:chExt cx="0" cy="0"/>
+        </a:xfrm>
+      </p:grpSpPr>
+      <p:sp>
+        <p:nvSpPr>
+          <p:cNvPr id="2" name="Title 1">
+            <a:extLst>
+              <a:ext uri="{FF2B5EF4-FFF2-40B4-BE49-F238E27FC236}">
+                <a16:creationId xmlns:a16="http://schemas.microsoft.com/office/drawing/2014/main" id="{9B04BEF7-16AD-EB38-03A0-9E38308744E8}"/>
+              </a:ext>
+            </a:extLst>
+          </p:cNvPr>
+          <p:cNvSpPr>
+            <a:spLocks noGrp="1"/>
+          </p:cNvSpPr>
+          <p:nvPr>
+            <p:ph type="title"/>
+          </p:nvPr>
+        </p:nvSpPr>
+        <p:spPr/>
+        <p:txBody>
+          <a:bodyPr/>
+          <a:lstStyle/>
+          <a:p>
+            <a:r>
+              <a:rPr lang="ar-EG" b="1" dirty="0">
+                <a:solidFill>
+                  <a:srgbClr val="FF0000"/>
+                </a:solidFill>
+              </a:rPr>
+              <a:t>التحليل الائتماني</a:t>
+            </a:r>
+            <a:endParaRPr lang="en-US" b="1" dirty="0">
+              <a:solidFill>
+                <a:srgbClr val="FF0000"/>
+              </a:solidFill>
+            </a:endParaRPr>
+          </a:p>
+        </p:txBody>
+      </p:sp>
+      <p:sp>
+        <p:nvSpPr>
+          <p:cNvPr id="3" name="Content Placeholder 2">
+            <a:extLst>
+              <a:ext uri="{FF2B5EF4-FFF2-40B4-BE49-F238E27FC236}">
+                <a16:creationId xmlns:a16="http://schemas.microsoft.com/office/drawing/2014/main" id="{4B9905FB-09D5-E179-2DB7-D3AC27E86338}"/>
+              </a:ext>
+            </a:extLst>
+          </p:cNvPr>
+          <p:cNvSpPr>
+            <a:spLocks noGrp="1"/>
+          </p:cNvSpPr>
+          <p:nvPr>
+            <p:ph idx="1"/>
+          </p:nvPr>
+        </p:nvSpPr>
+        <p:spPr/>
+        <p:txBody>
+          <a:bodyPr/>
+          <a:lstStyle/>
+          <a:p>
+            <a:endParaRPr lang="en-US"/>
+          </a:p>
+        </p:txBody>
+      </p:sp>
+    </p:spTree>
+    <p:extLst>
+      <p:ext uri="{BB962C8B-B14F-4D97-AF65-F5344CB8AC3E}">
+        <p14:creationId xmlns:p14="http://schemas.microsoft.com/office/powerpoint/2010/main" val="1533443015"/>
+      </p:ext>
+    </p:extLst>
+  </p:cSld>
+  <p:clrMapOvr>
+    <a:masterClrMapping/>
+  </p:clrMapOvr>
+</p:sld>
+</file>
+
+<file path=ppt/slides/slide13.xml><?xml version="1.0" encoding="utf-8"?>
+<p:sld xmlns:a="http://schemas.openxmlformats.org/drawingml/2006/main" xmlns:r="http://schemas.openxmlformats.org/officeDocument/2006/relationships" xmlns:p="http://schemas.openxmlformats.org/presentationml/2006/main">
+  <p:cSld>
+    <p:spTree>
+      <p:nvGrpSpPr>
+        <p:cNvPr id="1" name=""/>
+        <p:cNvGrpSpPr/>
+        <p:nvPr/>
+      </p:nvGrpSpPr>
+      <p:grpSpPr>
+        <a:xfrm>
+          <a:off x="0" y="0"/>
+          <a:ext cx="0" cy="0"/>
+          <a:chOff x="0" y="0"/>
+          <a:chExt cx="0" cy="0"/>
+        </a:xfrm>
+      </p:grpSpPr>
+      <p:sp>
+        <p:nvSpPr>
+          <p:cNvPr id="2" name="Title 1">
+            <a:extLst>
+              <a:ext uri="{FF2B5EF4-FFF2-40B4-BE49-F238E27FC236}">
+                <a16:creationId xmlns:a16="http://schemas.microsoft.com/office/drawing/2014/main" id="{73DBE4A9-0D80-63E2-93A1-0CD590C2F5FE}"/>
+              </a:ext>
+            </a:extLst>
+          </p:cNvPr>
+          <p:cNvSpPr>
+            <a:spLocks noGrp="1"/>
+          </p:cNvSpPr>
+          <p:nvPr>
+            <p:ph type="title"/>
+          </p:nvPr>
+        </p:nvSpPr>
+        <p:spPr>
+          <a:xfrm>
+            <a:off x="913795" y="0"/>
+            <a:ext cx="10353762" cy="668594"/>
+          </a:xfrm>
+        </p:spPr>
+        <p:txBody>
+          <a:bodyPr>
+            <a:normAutofit fontScale="90000"/>
+          </a:bodyPr>
+          <a:lstStyle/>
+          <a:p>
+            <a:r>
+              <a:rPr lang="ar-EG" b="1" dirty="0">
+                <a:solidFill>
+                  <a:srgbClr val="FF0000"/>
+                </a:solidFill>
+              </a:rPr>
+              <a:t>تحميل المستندات</a:t>
+            </a:r>
+            <a:endParaRPr lang="en-US" b="1" dirty="0">
+              <a:solidFill>
+                <a:srgbClr val="FF0000"/>
+              </a:solidFill>
+            </a:endParaRPr>
+          </a:p>
+        </p:txBody>
+      </p:sp>
+      <p:sp>
+        <p:nvSpPr>
+          <p:cNvPr id="3" name="Content Placeholder 2">
+            <a:extLst>
+              <a:ext uri="{FF2B5EF4-FFF2-40B4-BE49-F238E27FC236}">
+                <a16:creationId xmlns:a16="http://schemas.microsoft.com/office/drawing/2014/main" id="{D8EFC7BF-7EA3-03B6-F9DF-0E2BE48F01F0}"/>
+              </a:ext>
+            </a:extLst>
+          </p:cNvPr>
+          <p:cNvSpPr>
+            <a:spLocks noGrp="1"/>
+          </p:cNvSpPr>
+          <p:nvPr>
+            <p:ph idx="1"/>
+          </p:nvPr>
+        </p:nvSpPr>
+        <p:spPr/>
+        <p:txBody>
+          <a:bodyPr/>
+          <a:lstStyle/>
+          <a:p>
+            <a:endParaRPr lang="en-US"/>
+          </a:p>
+        </p:txBody>
+      </p:sp>
+    </p:spTree>
+    <p:extLst>
+      <p:ext uri="{BB962C8B-B14F-4D97-AF65-F5344CB8AC3E}">
+        <p14:creationId xmlns:p14="http://schemas.microsoft.com/office/powerpoint/2010/main" val="4094810955"/>
+      </p:ext>
+    </p:extLst>
+  </p:cSld>
+  <p:clrMapOvr>
+    <a:masterClrMapping/>
+  </p:clrMapOvr>
+</p:sld>
+</file>
+
+<file path=ppt/slides/slide14.xml><?xml version="1.0" encoding="utf-8"?>
+<p:sld xmlns:a="http://schemas.openxmlformats.org/drawingml/2006/main" xmlns:r="http://schemas.openxmlformats.org/officeDocument/2006/relationships" xmlns:p="http://schemas.openxmlformats.org/presentationml/2006/main">
+  <p:cSld>
+    <p:spTree>
+      <p:nvGrpSpPr>
+        <p:cNvPr id="1" name=""/>
+        <p:cNvGrpSpPr/>
+        <p:nvPr/>
+      </p:nvGrpSpPr>
+      <p:grpSpPr>
+        <a:xfrm>
+          <a:off x="0" y="0"/>
+          <a:ext cx="0" cy="0"/>
+          <a:chOff x="0" y="0"/>
+          <a:chExt cx="0" cy="0"/>
+        </a:xfrm>
+      </p:grpSpPr>
+      <p:sp>
+        <p:nvSpPr>
+          <p:cNvPr id="2" name="Title 1">
+            <a:extLst>
+              <a:ext uri="{FF2B5EF4-FFF2-40B4-BE49-F238E27FC236}">
+                <a16:creationId xmlns:a16="http://schemas.microsoft.com/office/drawing/2014/main" id="{100A2CEE-E4B4-FDA8-29CD-E7103B522F79}"/>
+              </a:ext>
+            </a:extLst>
+          </p:cNvPr>
+          <p:cNvSpPr>
+            <a:spLocks noGrp="1"/>
+          </p:cNvSpPr>
+          <p:nvPr>
+            <p:ph type="title"/>
+          </p:nvPr>
+        </p:nvSpPr>
+        <p:spPr>
+          <a:xfrm>
+            <a:off x="844969" y="0"/>
+            <a:ext cx="10353762" cy="698090"/>
+          </a:xfrm>
+        </p:spPr>
+        <p:txBody>
+          <a:bodyPr>
+            <a:normAutofit fontScale="90000"/>
+          </a:bodyPr>
+          <a:lstStyle/>
+          <a:p>
+            <a:r>
+              <a:rPr lang="ar-EG" b="1" dirty="0">
+                <a:solidFill>
+                  <a:srgbClr val="FF0000"/>
+                </a:solidFill>
+              </a:rPr>
+              <a:t>المراجعة المركزية</a:t>
+            </a:r>
+            <a:endParaRPr lang="en-US" b="1" dirty="0">
+              <a:solidFill>
+                <a:srgbClr val="FF0000"/>
+              </a:solidFill>
+            </a:endParaRPr>
+          </a:p>
+        </p:txBody>
+      </p:sp>
+      <p:sp>
+        <p:nvSpPr>
+          <p:cNvPr id="3" name="Content Placeholder 2">
+            <a:extLst>
+              <a:ext uri="{FF2B5EF4-FFF2-40B4-BE49-F238E27FC236}">
+                <a16:creationId xmlns:a16="http://schemas.microsoft.com/office/drawing/2014/main" id="{EA6FB638-B82F-DC6A-F0B1-71E66F335DC0}"/>
+              </a:ext>
+            </a:extLst>
+          </p:cNvPr>
+          <p:cNvSpPr>
+            <a:spLocks noGrp="1"/>
+          </p:cNvSpPr>
+          <p:nvPr>
+            <p:ph idx="1"/>
+          </p:nvPr>
+        </p:nvSpPr>
+        <p:spPr/>
+        <p:txBody>
+          <a:bodyPr/>
+          <a:lstStyle/>
+          <a:p>
+            <a:endParaRPr lang="en-US"/>
+          </a:p>
+        </p:txBody>
+      </p:sp>
+    </p:spTree>
+    <p:extLst>
+      <p:ext uri="{BB962C8B-B14F-4D97-AF65-F5344CB8AC3E}">
+        <p14:creationId xmlns:p14="http://schemas.microsoft.com/office/powerpoint/2010/main" val="742449397"/>
+      </p:ext>
+    </p:extLst>
+  </p:cSld>
+  <p:clrMapOvr>
+    <a:masterClrMapping/>
+  </p:clrMapOvr>
+</p:sld>
+</file>
+
+<file path=ppt/slides/slide15.xml><?xml version="1.0" encoding="utf-8"?>
+<p:sld xmlns:a="http://schemas.openxmlformats.org/drawingml/2006/main" xmlns:r="http://schemas.openxmlformats.org/officeDocument/2006/relationships" xmlns:p="http://schemas.openxmlformats.org/presentationml/2006/main">
+  <p:cSld>
+    <p:spTree>
+      <p:nvGrpSpPr>
+        <p:cNvPr id="1" name=""/>
+        <p:cNvGrpSpPr/>
+        <p:nvPr/>
+      </p:nvGrpSpPr>
+      <p:grpSpPr>
+        <a:xfrm>
+          <a:off x="0" y="0"/>
+          <a:ext cx="0" cy="0"/>
+          <a:chOff x="0" y="0"/>
+          <a:chExt cx="0" cy="0"/>
+        </a:xfrm>
+      </p:grpSpPr>
+      <p:sp>
+        <p:nvSpPr>
+          <p:cNvPr id="2" name="Title 1">
+            <a:extLst>
+              <a:ext uri="{FF2B5EF4-FFF2-40B4-BE49-F238E27FC236}">
+                <a16:creationId xmlns:a16="http://schemas.microsoft.com/office/drawing/2014/main" id="{636A297D-FA92-F0E4-599A-68EAB03047C0}"/>
+              </a:ext>
+            </a:extLst>
+          </p:cNvPr>
+          <p:cNvSpPr>
+            <a:spLocks noGrp="1"/>
+          </p:cNvSpPr>
+          <p:nvPr>
+            <p:ph type="title"/>
+          </p:nvPr>
+        </p:nvSpPr>
+        <p:spPr>
+          <a:xfrm>
+            <a:off x="913795" y="0"/>
+            <a:ext cx="10353762" cy="766916"/>
+          </a:xfrm>
+        </p:spPr>
+        <p:txBody>
+          <a:bodyPr/>
+          <a:lstStyle/>
+          <a:p>
+            <a:r>
+              <a:rPr lang="ar-EG" b="1">
+                <a:solidFill>
+                  <a:srgbClr val="FF0000"/>
+                </a:solidFill>
+              </a:rPr>
+              <a:t>الصرف</a:t>
+            </a:r>
+            <a:endParaRPr lang="en-US" b="1" dirty="0">
+              <a:solidFill>
+                <a:srgbClr val="FF0000"/>
+              </a:solidFill>
+            </a:endParaRPr>
+          </a:p>
+        </p:txBody>
+      </p:sp>
+      <p:sp>
+        <p:nvSpPr>
+          <p:cNvPr id="3" name="Content Placeholder 2">
+            <a:extLst>
+              <a:ext uri="{FF2B5EF4-FFF2-40B4-BE49-F238E27FC236}">
+                <a16:creationId xmlns:a16="http://schemas.microsoft.com/office/drawing/2014/main" id="{24E0624C-F15D-C0E6-7DF1-8E90C1166A7A}"/>
+              </a:ext>
+            </a:extLst>
+          </p:cNvPr>
+          <p:cNvSpPr>
+            <a:spLocks noGrp="1"/>
+          </p:cNvSpPr>
+          <p:nvPr>
+            <p:ph idx="1"/>
+          </p:nvPr>
+        </p:nvSpPr>
+        <p:spPr/>
+        <p:txBody>
+          <a:bodyPr/>
+          <a:lstStyle/>
+          <a:p>
+            <a:endParaRPr lang="en-US"/>
+          </a:p>
+        </p:txBody>
+      </p:sp>
+    </p:spTree>
+    <p:extLst>
+      <p:ext uri="{BB962C8B-B14F-4D97-AF65-F5344CB8AC3E}">
+        <p14:creationId xmlns:p14="http://schemas.microsoft.com/office/powerpoint/2010/main" val="4075432564"/>
+      </p:ext>
+    </p:extLst>
+  </p:cSld>
+  <p:clrMapOvr>
+    <a:masterClrMapping/>
+  </p:clrMapOvr>
+</p:sld>
+</file>
+
 <file path=ppt/slides/slide2.xml><?xml version="1.0" encoding="utf-8"?>
 <p:sld xmlns:a="http://schemas.openxmlformats.org/drawingml/2006/main" xmlns:r="http://schemas.openxmlformats.org/officeDocument/2006/relationships" xmlns:p="http://schemas.openxmlformats.org/presentationml/2006/main">
   <p:cSld>
@@ -7034,6 +7610,75 @@
           <p:cNvPr id="2" name="Title 1">
             <a:extLst>
               <a:ext uri="{FF2B5EF4-FFF2-40B4-BE49-F238E27FC236}">
+                <a16:creationId xmlns:a16="http://schemas.microsoft.com/office/drawing/2014/main" id="{DF26BFB9-CD17-9F48-9D2D-CDB2C527E941}"/>
+              </a:ext>
+            </a:extLst>
+          </p:cNvPr>
+          <p:cNvSpPr>
+            <a:spLocks noGrp="1"/>
+          </p:cNvSpPr>
+          <p:nvPr>
+            <p:ph type="title"/>
+          </p:nvPr>
+        </p:nvSpPr>
+        <p:spPr>
+          <a:xfrm>
+            <a:off x="1031782" y="2458550"/>
+            <a:ext cx="10353762" cy="970450"/>
+          </a:xfrm>
+        </p:spPr>
+        <p:txBody>
+          <a:bodyPr>
+            <a:normAutofit/>
+          </a:bodyPr>
+          <a:lstStyle/>
+          <a:p>
+            <a:r>
+              <a:rPr lang="en-US" sz="4400" b="1" dirty="0">
+                <a:solidFill>
+                  <a:srgbClr val="FF0000"/>
+                </a:solidFill>
+              </a:rPr>
+              <a:t>MICRO, Core, Master</a:t>
+            </a:r>
+          </a:p>
+        </p:txBody>
+      </p:sp>
+    </p:spTree>
+    <p:extLst>
+      <p:ext uri="{BB962C8B-B14F-4D97-AF65-F5344CB8AC3E}">
+        <p14:creationId xmlns:p14="http://schemas.microsoft.com/office/powerpoint/2010/main" val="1029230028"/>
+      </p:ext>
+    </p:extLst>
+  </p:cSld>
+  <p:clrMapOvr>
+    <a:masterClrMapping/>
+  </p:clrMapOvr>
+</p:sld>
+</file>
+
+<file path=ppt/slides/slide8.xml><?xml version="1.0" encoding="utf-8"?>
+<p:sld xmlns:a="http://schemas.openxmlformats.org/drawingml/2006/main" xmlns:r="http://schemas.openxmlformats.org/officeDocument/2006/relationships" xmlns:p="http://schemas.openxmlformats.org/presentationml/2006/main">
+  <p:cSld>
+    <p:spTree>
+      <p:nvGrpSpPr>
+        <p:cNvPr id="1" name=""/>
+        <p:cNvGrpSpPr/>
+        <p:nvPr/>
+      </p:nvGrpSpPr>
+      <p:grpSpPr>
+        <a:xfrm>
+          <a:off x="0" y="0"/>
+          <a:ext cx="0" cy="0"/>
+          <a:chOff x="0" y="0"/>
+          <a:chExt cx="0" cy="0"/>
+        </a:xfrm>
+      </p:grpSpPr>
+      <p:sp>
+        <p:nvSpPr>
+          <p:cNvPr id="2" name="Title 1">
+            <a:extLst>
+              <a:ext uri="{FF2B5EF4-FFF2-40B4-BE49-F238E27FC236}">
                 <a16:creationId xmlns:a16="http://schemas.microsoft.com/office/drawing/2014/main" id="{A1733EBA-13F1-0001-D2A2-41EE1A618A96}"/>
               </a:ext>
             </a:extLst>
@@ -7045,12 +7690,26 @@
             <p:ph type="title"/>
           </p:nvPr>
         </p:nvSpPr>
-        <p:spPr/>
-        <p:txBody>
-          <a:bodyPr/>
-          <a:lstStyle/>
-          <a:p>
-            <a:endParaRPr lang="en-US"/>
+        <p:spPr>
+          <a:xfrm>
+            <a:off x="913795" y="0"/>
+            <a:ext cx="10353762" cy="619432"/>
+          </a:xfrm>
+        </p:spPr>
+        <p:txBody>
+          <a:bodyPr>
+            <a:normAutofit fontScale="90000"/>
+          </a:bodyPr>
+          <a:lstStyle/>
+          <a:p>
+            <a:r>
+              <a:rPr lang="en-US" b="1" dirty="0">
+                <a:solidFill>
+                  <a:srgbClr val="FF0000"/>
+                </a:solidFill>
+              </a:rPr>
+              <a:t>Micro, Master, Core Flow Steps</a:t>
+            </a:r>
           </a:p>
         </p:txBody>
       </p:sp>
@@ -7070,12 +7729,190 @@
             <p:ph idx="1"/>
           </p:nvPr>
         </p:nvSpPr>
-        <p:spPr/>
-        <p:txBody>
-          <a:bodyPr/>
-          <a:lstStyle/>
-          <a:p>
-            <a:endParaRPr lang="en-US" dirty="0"/>
+        <p:spPr>
+          <a:xfrm>
+            <a:off x="334296" y="737419"/>
+            <a:ext cx="11552903" cy="5978014"/>
+          </a:xfrm>
+        </p:spPr>
+        <p:txBody>
+          <a:bodyPr>
+            <a:normAutofit/>
+          </a:bodyPr>
+          <a:lstStyle/>
+          <a:p>
+            <a:pPr marL="494100" indent="-457200" algn="r" rtl="1">
+              <a:buFont typeface="+mj-lt"/>
+              <a:buAutoNum type="arabicPeriod"/>
+            </a:pPr>
+            <a:r>
+              <a:rPr lang="ar-EG" sz="2200" b="1" dirty="0">
+                <a:solidFill>
+                  <a:srgbClr val="FF0000"/>
+                </a:solidFill>
+              </a:rPr>
+              <a:t>إدخال طلب</a:t>
+            </a:r>
+          </a:p>
+          <a:p>
+            <a:pPr marL="871200" lvl="1" indent="-457200" algn="r" rtl="1"/>
+            <a:r>
+              <a:rPr lang="en-US" b="1" dirty="0"/>
+              <a:t>Operator: loan </a:t>
+            </a:r>
+            <a:r>
+              <a:rPr lang="en-US" b="1"/>
+              <a:t>officer ()</a:t>
+            </a:r>
+            <a:endParaRPr lang="ar-EG" b="1" dirty="0"/>
+          </a:p>
+          <a:p>
+            <a:pPr marL="494100" indent="-457200" algn="r" rtl="1">
+              <a:buFont typeface="+mj-lt"/>
+              <a:buAutoNum type="arabicPeriod"/>
+            </a:pPr>
+            <a:r>
+              <a:rPr lang="ar-EG" sz="2200" b="1" dirty="0">
+                <a:solidFill>
+                  <a:srgbClr val="FF0000"/>
+                </a:solidFill>
+              </a:rPr>
+              <a:t>مراجعة أولية</a:t>
+            </a:r>
+            <a:endParaRPr lang="en-US" sz="2200" b="1" dirty="0">
+              <a:solidFill>
+                <a:srgbClr val="FF0000"/>
+              </a:solidFill>
+            </a:endParaRPr>
+          </a:p>
+          <a:p>
+            <a:pPr marL="871200" lvl="1" indent="-457200" algn="r" rtl="1"/>
+            <a:r>
+              <a:rPr lang="en-US" b="1" dirty="0"/>
+              <a:t>Operator: CO</a:t>
+            </a:r>
+            <a:endParaRPr lang="ar-EG" b="1" dirty="0"/>
+          </a:p>
+          <a:p>
+            <a:pPr marL="494100" indent="-457200" algn="r" rtl="1">
+              <a:buFont typeface="+mj-lt"/>
+              <a:buAutoNum type="arabicPeriod"/>
+            </a:pPr>
+            <a:r>
+              <a:rPr lang="ar-EG" sz="2200" b="1" dirty="0">
+                <a:solidFill>
+                  <a:srgbClr val="FF0000"/>
+                </a:solidFill>
+              </a:rPr>
+              <a:t>زيارة ميدانية</a:t>
+            </a:r>
+            <a:endParaRPr lang="en-US" sz="2200" b="1" dirty="0">
+              <a:solidFill>
+                <a:srgbClr val="FF0000"/>
+              </a:solidFill>
+            </a:endParaRPr>
+          </a:p>
+          <a:p>
+            <a:pPr marL="871200" lvl="1" indent="-457200" algn="r" rtl="1"/>
+            <a:r>
+              <a:rPr lang="en-US" b="1" dirty="0"/>
+              <a:t>Operator: CO</a:t>
+            </a:r>
+            <a:endParaRPr lang="ar-EG" b="1" dirty="0"/>
+          </a:p>
+          <a:p>
+            <a:pPr marL="494100" indent="-457200" algn="r" rtl="1">
+              <a:buFont typeface="+mj-lt"/>
+              <a:buAutoNum type="arabicPeriod"/>
+            </a:pPr>
+            <a:r>
+              <a:rPr lang="ar-EG" sz="2200" b="1" dirty="0">
+                <a:solidFill>
+                  <a:srgbClr val="FF0000"/>
+                </a:solidFill>
+              </a:rPr>
+              <a:t>تحليل الائتمانى</a:t>
+            </a:r>
+            <a:endParaRPr lang="en-US" sz="2200" b="1" dirty="0">
+              <a:solidFill>
+                <a:srgbClr val="FF0000"/>
+              </a:solidFill>
+            </a:endParaRPr>
+          </a:p>
+          <a:p>
+            <a:pPr marL="871200" lvl="1" indent="-457200" algn="r" rtl="1"/>
+            <a:r>
+              <a:rPr lang="en-US" b="1" dirty="0"/>
+              <a:t>Operator: CO</a:t>
+            </a:r>
+          </a:p>
+          <a:p>
+            <a:pPr marL="494100" indent="-457200" algn="r" rtl="1">
+              <a:buFont typeface="+mj-lt"/>
+              <a:buAutoNum type="arabicPeriod"/>
+            </a:pPr>
+            <a:r>
+              <a:rPr lang="ar-EG" sz="2200" b="1" dirty="0">
+                <a:solidFill>
+                  <a:srgbClr val="FF0000"/>
+                </a:solidFill>
+              </a:rPr>
+              <a:t>تحميل المستندات</a:t>
+            </a:r>
+            <a:endParaRPr lang="en-US" sz="2200" b="1" dirty="0">
+              <a:solidFill>
+                <a:srgbClr val="FF0000"/>
+              </a:solidFill>
+            </a:endParaRPr>
+          </a:p>
+          <a:p>
+            <a:pPr marL="871200" lvl="1" indent="-457200" algn="r" rtl="1"/>
+            <a:r>
+              <a:rPr lang="en-US" b="1" dirty="0"/>
+              <a:t>Operator: Branch Manager</a:t>
+            </a:r>
+            <a:endParaRPr lang="ar-EG" b="1" dirty="0"/>
+          </a:p>
+          <a:p>
+            <a:pPr marL="494100" indent="-457200" algn="r" rtl="1">
+              <a:buFont typeface="+mj-lt"/>
+              <a:buAutoNum type="arabicPeriod"/>
+            </a:pPr>
+            <a:r>
+              <a:rPr lang="ar-EG" sz="2200" b="1" dirty="0">
+                <a:solidFill>
+                  <a:srgbClr val="FF0000"/>
+                </a:solidFill>
+              </a:rPr>
+              <a:t>المراجعة المركزية</a:t>
+            </a:r>
+            <a:endParaRPr lang="en-US" sz="2200" b="1" dirty="0">
+              <a:solidFill>
+                <a:srgbClr val="FF0000"/>
+              </a:solidFill>
+            </a:endParaRPr>
+          </a:p>
+          <a:p>
+            <a:pPr marL="871200" lvl="1" indent="-457200" algn="r" rtl="1"/>
+            <a:r>
+              <a:rPr lang="en-US" b="1" dirty="0"/>
+              <a:t>Operator: Credit</a:t>
+            </a:r>
+            <a:endParaRPr lang="ar-EG" b="1" dirty="0"/>
+          </a:p>
+          <a:p>
+            <a:pPr marL="494100" indent="-457200" algn="r" rtl="1">
+              <a:buFont typeface="+mj-lt"/>
+              <a:buAutoNum type="arabicPeriod"/>
+            </a:pPr>
+            <a:r>
+              <a:rPr lang="ar-EG" sz="2200" b="1" dirty="0">
+                <a:solidFill>
+                  <a:srgbClr val="FF0000"/>
+                </a:solidFill>
+              </a:rPr>
+              <a:t>الصرف</a:t>
+            </a:r>
           </a:p>
         </p:txBody>
       </p:sp>
@@ -7083,6 +7920,103 @@
     <p:extLst>
       <p:ext uri="{BB962C8B-B14F-4D97-AF65-F5344CB8AC3E}">
         <p14:creationId xmlns:p14="http://schemas.microsoft.com/office/powerpoint/2010/main" val="2591581950"/>
+      </p:ext>
+    </p:extLst>
+  </p:cSld>
+  <p:clrMapOvr>
+    <a:masterClrMapping/>
+  </p:clrMapOvr>
+</p:sld>
+</file>
+
+<file path=ppt/slides/slide9.xml><?xml version="1.0" encoding="utf-8"?>
+<p:sld xmlns:a="http://schemas.openxmlformats.org/drawingml/2006/main" xmlns:r="http://schemas.openxmlformats.org/officeDocument/2006/relationships" xmlns:p="http://schemas.openxmlformats.org/presentationml/2006/main">
+  <p:cSld>
+    <p:spTree>
+      <p:nvGrpSpPr>
+        <p:cNvPr id="1" name=""/>
+        <p:cNvGrpSpPr/>
+        <p:nvPr/>
+      </p:nvGrpSpPr>
+      <p:grpSpPr>
+        <a:xfrm>
+          <a:off x="0" y="0"/>
+          <a:ext cx="0" cy="0"/>
+          <a:chOff x="0" y="0"/>
+          <a:chExt cx="0" cy="0"/>
+        </a:xfrm>
+      </p:grpSpPr>
+      <p:sp>
+        <p:nvSpPr>
+          <p:cNvPr id="2" name="Title 1">
+            <a:extLst>
+              <a:ext uri="{FF2B5EF4-FFF2-40B4-BE49-F238E27FC236}">
+                <a16:creationId xmlns:a16="http://schemas.microsoft.com/office/drawing/2014/main" id="{6A66689A-AF67-DBC5-65AC-34D515217C60}"/>
+              </a:ext>
+            </a:extLst>
+          </p:cNvPr>
+          <p:cNvSpPr>
+            <a:spLocks noGrp="1"/>
+          </p:cNvSpPr>
+          <p:nvPr>
+            <p:ph type="title"/>
+          </p:nvPr>
+        </p:nvSpPr>
+        <p:spPr>
+          <a:xfrm>
+            <a:off x="1012118" y="0"/>
+            <a:ext cx="10353762" cy="970450"/>
+          </a:xfrm>
+        </p:spPr>
+        <p:txBody>
+          <a:bodyPr/>
+          <a:lstStyle/>
+          <a:p>
+            <a:r>
+              <a:rPr lang="ar-EG" b="1" dirty="0">
+                <a:solidFill>
+                  <a:srgbClr val="FF0000"/>
+                </a:solidFill>
+              </a:rPr>
+              <a:t>إدخال طلب</a:t>
+            </a:r>
+            <a:endParaRPr lang="en-US" b="1" dirty="0">
+              <a:solidFill>
+                <a:srgbClr val="FF0000"/>
+              </a:solidFill>
+            </a:endParaRPr>
+          </a:p>
+        </p:txBody>
+      </p:sp>
+      <p:sp>
+        <p:nvSpPr>
+          <p:cNvPr id="3" name="Content Placeholder 2">
+            <a:extLst>
+              <a:ext uri="{FF2B5EF4-FFF2-40B4-BE49-F238E27FC236}">
+                <a16:creationId xmlns:a16="http://schemas.microsoft.com/office/drawing/2014/main" id="{4391F90C-EE0A-D684-B8D5-359DE45E4FA0}"/>
+              </a:ext>
+            </a:extLst>
+          </p:cNvPr>
+          <p:cNvSpPr>
+            <a:spLocks noGrp="1"/>
+          </p:cNvSpPr>
+          <p:nvPr>
+            <p:ph idx="1"/>
+          </p:nvPr>
+        </p:nvSpPr>
+        <p:spPr/>
+        <p:txBody>
+          <a:bodyPr/>
+          <a:lstStyle/>
+          <a:p>
+            <a:endParaRPr lang="en-US"/>
+          </a:p>
+        </p:txBody>
+      </p:sp>
+    </p:spTree>
+    <p:extLst>
+      <p:ext uri="{BB962C8B-B14F-4D97-AF65-F5344CB8AC3E}">
+        <p14:creationId xmlns:p14="http://schemas.microsoft.com/office/powerpoint/2010/main" val="1808073869"/>
       </p:ext>
     </p:extLst>
   </p:cSld>

--- a/Dot Net/Business.pptx
+++ b/Dot Net/Business.pptx
@@ -14,12 +14,21 @@
     <p:sldId id="263" r:id="rId8"/>
     <p:sldId id="262" r:id="rId9"/>
     <p:sldId id="264" r:id="rId10"/>
-    <p:sldId id="265" r:id="rId11"/>
-    <p:sldId id="266" r:id="rId12"/>
-    <p:sldId id="267" r:id="rId13"/>
-    <p:sldId id="269" r:id="rId14"/>
-    <p:sldId id="268" r:id="rId15"/>
-    <p:sldId id="270" r:id="rId16"/>
+    <p:sldId id="277" r:id="rId11"/>
+    <p:sldId id="265" r:id="rId12"/>
+    <p:sldId id="266" r:id="rId13"/>
+    <p:sldId id="267" r:id="rId14"/>
+    <p:sldId id="269" r:id="rId15"/>
+    <p:sldId id="268" r:id="rId16"/>
+    <p:sldId id="270" r:id="rId17"/>
+    <p:sldId id="271" r:id="rId18"/>
+    <p:sldId id="272" r:id="rId19"/>
+    <p:sldId id="273" r:id="rId20"/>
+    <p:sldId id="274" r:id="rId21"/>
+    <p:sldId id="275" r:id="rId22"/>
+    <p:sldId id="276" r:id="rId23"/>
+    <p:sldId id="278" r:id="rId24"/>
+    <p:sldId id="279" r:id="rId25"/>
   </p:sldIdLst>
   <p:sldSz cx="12192000" cy="6858000"/>
   <p:notesSz cx="6858000" cy="9144000"/>
@@ -311,7 +320,7 @@
           <a:p>
             <a:fld id="{C744FA5D-EF1D-489D-8D8F-1FF7B7B6D702}" type="datetimeFigureOut">
               <a:rPr lang="en-US" smtClean="0"/>
-              <a:t>2/9/2026</a:t>
+              <a:t>2/11/2026</a:t>
             </a:fld>
             <a:endParaRPr lang="en-US"/>
           </a:p>
@@ -609,7 +618,7 @@
           <a:p>
             <a:fld id="{C744FA5D-EF1D-489D-8D8F-1FF7B7B6D702}" type="datetimeFigureOut">
               <a:rPr lang="en-US" smtClean="0"/>
-              <a:t>2/9/2026</a:t>
+              <a:t>2/11/2026</a:t>
             </a:fld>
             <a:endParaRPr lang="en-US"/>
           </a:p>
@@ -801,7 +810,7 @@
           <a:p>
             <a:fld id="{C744FA5D-EF1D-489D-8D8F-1FF7B7B6D702}" type="datetimeFigureOut">
               <a:rPr lang="en-US" smtClean="0"/>
-              <a:t>2/9/2026</a:t>
+              <a:t>2/11/2026</a:t>
             </a:fld>
             <a:endParaRPr lang="en-US"/>
           </a:p>
@@ -1062,7 +1071,7 @@
           <a:p>
             <a:fld id="{C744FA5D-EF1D-489D-8D8F-1FF7B7B6D702}" type="datetimeFigureOut">
               <a:rPr lang="en-US" smtClean="0"/>
-              <a:t>2/9/2026</a:t>
+              <a:t>2/11/2026</a:t>
             </a:fld>
             <a:endParaRPr lang="en-US"/>
           </a:p>
@@ -1486,7 +1495,7 @@
           <a:p>
             <a:fld id="{C744FA5D-EF1D-489D-8D8F-1FF7B7B6D702}" type="datetimeFigureOut">
               <a:rPr lang="en-US" smtClean="0"/>
-              <a:t>2/9/2026</a:t>
+              <a:t>2/11/2026</a:t>
             </a:fld>
             <a:endParaRPr lang="en-US"/>
           </a:p>
@@ -2023,7 +2032,7 @@
           <a:p>
             <a:fld id="{C744FA5D-EF1D-489D-8D8F-1FF7B7B6D702}" type="datetimeFigureOut">
               <a:rPr lang="en-US" smtClean="0"/>
-              <a:t>2/9/2026</a:t>
+              <a:t>2/11/2026</a:t>
             </a:fld>
             <a:endParaRPr lang="en-US"/>
           </a:p>
@@ -2887,7 +2896,7 @@
           <a:p>
             <a:fld id="{C744FA5D-EF1D-489D-8D8F-1FF7B7B6D702}" type="datetimeFigureOut">
               <a:rPr lang="en-US" smtClean="0"/>
-              <a:t>2/9/2026</a:t>
+              <a:t>2/11/2026</a:t>
             </a:fld>
             <a:endParaRPr lang="en-US"/>
           </a:p>
@@ -3057,7 +3066,7 @@
           <a:p>
             <a:fld id="{C744FA5D-EF1D-489D-8D8F-1FF7B7B6D702}" type="datetimeFigureOut">
               <a:rPr lang="en-US" smtClean="0"/>
-              <a:t>2/9/2026</a:t>
+              <a:t>2/11/2026</a:t>
             </a:fld>
             <a:endParaRPr lang="en-US"/>
           </a:p>
@@ -3241,7 +3250,7 @@
           <a:p>
             <a:fld id="{C744FA5D-EF1D-489D-8D8F-1FF7B7B6D702}" type="datetimeFigureOut">
               <a:rPr lang="en-US" smtClean="0"/>
-              <a:t>2/9/2026</a:t>
+              <a:t>2/11/2026</a:t>
             </a:fld>
             <a:endParaRPr lang="en-US"/>
           </a:p>
@@ -3411,7 +3420,7 @@
           <a:p>
             <a:fld id="{C744FA5D-EF1D-489D-8D8F-1FF7B7B6D702}" type="datetimeFigureOut">
               <a:rPr lang="en-US" smtClean="0"/>
-              <a:t>2/9/2026</a:t>
+              <a:t>2/11/2026</a:t>
             </a:fld>
             <a:endParaRPr lang="en-US"/>
           </a:p>
@@ -3655,7 +3664,7 @@
           <a:p>
             <a:fld id="{C744FA5D-EF1D-489D-8D8F-1FF7B7B6D702}" type="datetimeFigureOut">
               <a:rPr lang="en-US" smtClean="0"/>
-              <a:t>2/9/2026</a:t>
+              <a:t>2/11/2026</a:t>
             </a:fld>
             <a:endParaRPr lang="en-US"/>
           </a:p>
@@ -3891,7 +3900,7 @@
           <a:p>
             <a:fld id="{C744FA5D-EF1D-489D-8D8F-1FF7B7B6D702}" type="datetimeFigureOut">
               <a:rPr lang="en-US" smtClean="0"/>
-              <a:t>2/9/2026</a:t>
+              <a:t>2/11/2026</a:t>
             </a:fld>
             <a:endParaRPr lang="en-US"/>
           </a:p>
@@ -4357,7 +4366,7 @@
           <a:p>
             <a:fld id="{C744FA5D-EF1D-489D-8D8F-1FF7B7B6D702}" type="datetimeFigureOut">
               <a:rPr lang="en-US" smtClean="0"/>
-              <a:t>2/9/2026</a:t>
+              <a:t>2/11/2026</a:t>
             </a:fld>
             <a:endParaRPr lang="en-US"/>
           </a:p>
@@ -4475,7 +4484,7 @@
           <a:p>
             <a:fld id="{C744FA5D-EF1D-489D-8D8F-1FF7B7B6D702}" type="datetimeFigureOut">
               <a:rPr lang="en-US" smtClean="0"/>
-              <a:t>2/9/2026</a:t>
+              <a:t>2/11/2026</a:t>
             </a:fld>
             <a:endParaRPr lang="en-US"/>
           </a:p>
@@ -4570,7 +4579,7 @@
           <a:p>
             <a:fld id="{C744FA5D-EF1D-489D-8D8F-1FF7B7B6D702}" type="datetimeFigureOut">
               <a:rPr lang="en-US" smtClean="0"/>
-              <a:t>2/9/2026</a:t>
+              <a:t>2/11/2026</a:t>
             </a:fld>
             <a:endParaRPr lang="en-US"/>
           </a:p>
@@ -4825,7 +4834,7 @@
           <a:p>
             <a:fld id="{C744FA5D-EF1D-489D-8D8F-1FF7B7B6D702}" type="datetimeFigureOut">
               <a:rPr lang="en-US" smtClean="0"/>
-              <a:t>2/9/2026</a:t>
+              <a:t>2/11/2026</a:t>
             </a:fld>
             <a:endParaRPr lang="en-US"/>
           </a:p>
@@ -5125,7 +5134,7 @@
           <a:p>
             <a:fld id="{C744FA5D-EF1D-489D-8D8F-1FF7B7B6D702}" type="datetimeFigureOut">
               <a:rPr lang="en-US" smtClean="0"/>
-              <a:t>2/9/2026</a:t>
+              <a:t>2/11/2026</a:t>
             </a:fld>
             <a:endParaRPr lang="en-US"/>
           </a:p>
@@ -5359,7 +5368,7 @@
           <a:p>
             <a:fld id="{C744FA5D-EF1D-489D-8D8F-1FF7B7B6D702}" type="datetimeFigureOut">
               <a:rPr lang="en-US" smtClean="0"/>
-              <a:t>2/9/2026</a:t>
+              <a:t>2/11/2026</a:t>
             </a:fld>
             <a:endParaRPr lang="en-US"/>
           </a:p>
@@ -6129,7 +6138,7 @@
           <p:cNvPr id="2" name="Title 1">
             <a:extLst>
               <a:ext uri="{FF2B5EF4-FFF2-40B4-BE49-F238E27FC236}">
-                <a16:creationId xmlns:a16="http://schemas.microsoft.com/office/drawing/2014/main" id="{A08E5A12-5031-578B-73A6-5281966AFC97}"/>
+                <a16:creationId xmlns:a16="http://schemas.microsoft.com/office/drawing/2014/main" id="{62A86539-538E-CE9F-800C-FD9E8FA4CC1D}"/>
               </a:ext>
             </a:extLst>
           </p:cNvPr>
@@ -6143,26 +6152,22 @@
         <p:spPr>
           <a:xfrm>
             <a:off x="913795" y="0"/>
-            <a:ext cx="10353762" cy="707923"/>
+            <a:ext cx="10353762" cy="570271"/>
           </a:xfrm>
         </p:spPr>
         <p:txBody>
-          <a:bodyPr/>
+          <a:bodyPr>
+            <a:normAutofit fontScale="90000"/>
+          </a:bodyPr>
           <a:lstStyle/>
           <a:p>
             <a:r>
               <a:rPr lang="ar-EG" b="1" dirty="0">
-                <a:solidFill>
-                  <a:srgbClr val="FF0000"/>
-                </a:solidFill>
+                <a:effectLst/>
               </a:rPr>
-              <a:t>مراجعة أولية</a:t>
-            </a:r>
-            <a:endParaRPr lang="en-US" b="1" dirty="0">
-              <a:solidFill>
-                <a:srgbClr val="FF0000"/>
-              </a:solidFill>
-            </a:endParaRPr>
+              <a:t>طلب تمويل</a:t>
+            </a:r>
+            <a:endParaRPr lang="en-US" dirty="0"/>
           </a:p>
         </p:txBody>
       </p:sp>
@@ -6171,7 +6176,7 @@
           <p:cNvPr id="3" name="Content Placeholder 2">
             <a:extLst>
               <a:ext uri="{FF2B5EF4-FFF2-40B4-BE49-F238E27FC236}">
-                <a16:creationId xmlns:a16="http://schemas.microsoft.com/office/drawing/2014/main" id="{C6D0CF99-5768-3261-B86E-3BECA925F909}"/>
+                <a16:creationId xmlns:a16="http://schemas.microsoft.com/office/drawing/2014/main" id="{E18F61E0-6387-C307-C046-3505F3EF2D2F}"/>
               </a:ext>
             </a:extLst>
           </p:cNvPr>
@@ -6182,19 +6187,150 @@
             <p:ph idx="1"/>
           </p:nvPr>
         </p:nvSpPr>
-        <p:spPr/>
+        <p:spPr>
+          <a:xfrm>
+            <a:off x="196644" y="570271"/>
+            <a:ext cx="11857703" cy="6194323"/>
+          </a:xfrm>
+        </p:spPr>
         <p:txBody>
           <a:bodyPr/>
           <a:lstStyle/>
           <a:p>
-            <a:endParaRPr lang="en-US"/>
+            <a:pPr algn="r" rtl="1"/>
+            <a:r>
+              <a:rPr lang="ar-EG" b="1" dirty="0">
+                <a:effectLst/>
+              </a:rPr>
+              <a:t>تمديد فترة السداد (</a:t>
+            </a:r>
+            <a:r>
+              <a:rPr lang="en-US" b="1" dirty="0">
+                <a:effectLst/>
+              </a:rPr>
+              <a:t>extension</a:t>
+            </a:r>
+            <a:r>
+              <a:rPr lang="ar-EG" b="1" dirty="0">
+                <a:effectLst/>
+              </a:rPr>
+              <a:t>)</a:t>
+            </a:r>
+            <a:endParaRPr lang="en-US" b="1" dirty="0">
+              <a:effectLst/>
+            </a:endParaRPr>
+          </a:p>
+          <a:p>
+            <a:pPr lvl="1" algn="r" rtl="1"/>
+            <a:r>
+              <a:rPr lang="ar-EG" dirty="0">
+                <a:effectLst/>
+              </a:rPr>
+              <a:t>هذا النوع يركز على </a:t>
+            </a:r>
+            <a:r>
+              <a:rPr lang="ar-EG" b="1" dirty="0">
+                <a:effectLst/>
+              </a:rPr>
+              <a:t>الزمن</a:t>
+            </a:r>
+            <a:r>
+              <a:rPr lang="ar-EG" dirty="0">
+                <a:effectLst/>
+              </a:rPr>
+              <a:t>؛ أي إعطاؤك وقتاً أطول لدفع نفس المبلغ المتبقي عليك، مما يؤدي غالباً لتقليل قيمة القسط الشهري.</a:t>
+            </a:r>
+            <a:endParaRPr lang="en-US" dirty="0">
+              <a:effectLst/>
+            </a:endParaRPr>
+          </a:p>
+          <a:p>
+            <a:pPr lvl="1" algn="r" rtl="1"/>
+            <a:r>
+              <a:rPr lang="ar-EG" b="1" dirty="0">
+                <a:effectLst/>
+              </a:rPr>
+              <a:t>مثال:</a:t>
+            </a:r>
+            <a:r>
+              <a:rPr lang="ar-EG" dirty="0">
+                <a:effectLst/>
+              </a:rPr>
+              <a:t> حصلت على تمويل بمبلغ 50,000 جنيه لمدة سنتين، وبعد مرور سنة تعثرت ظروفك وأصبح القسط كبيراً عليك. تطلب "تجديد" لتمديد السنة المتبقية لتصبح سنتين إضافيتين، فيقل القسط الشهري لكنك ستدفع فوائد لفترة أطول.</a:t>
+            </a:r>
+            <a:endParaRPr lang="en-US" b="1" dirty="0">
+              <a:effectLst/>
+            </a:endParaRPr>
+          </a:p>
+          <a:p>
+            <a:pPr algn="r" rtl="1"/>
+            <a:r>
+              <a:rPr lang="ar-EG" b="1" dirty="0">
+                <a:effectLst/>
+              </a:rPr>
+              <a:t>زيادة مبلغ التمويل </a:t>
+            </a:r>
+            <a:r>
+              <a:rPr lang="en-US" b="1" dirty="0">
+                <a:effectLst/>
+              </a:rPr>
+              <a:t>(Top-up)</a:t>
+            </a:r>
+          </a:p>
+          <a:p>
+            <a:pPr lvl="1" algn="r" rtl="1"/>
+            <a:r>
+              <a:rPr lang="ar-EG" dirty="0"/>
+              <a:t>هذا النوع يركز على السيولة؛ وهو مخصص للعملاء الملتزمين الذين سددوا جزءاً من القرض ويريدون العودة للمبلغ الأصلي أو زيادته.</a:t>
+            </a:r>
+          </a:p>
+          <a:p>
+            <a:pPr lvl="1" algn="r" rtl="1"/>
+            <a:r>
+              <a:rPr lang="ar-EG" dirty="0"/>
+              <a:t>مثال: كان لديك قرض بـ 100,000 جنيه، وسددت منه 60,000 جنيه (المتبقي عليك 40,000 فقط). تطلب "تجديد" ليرفع البنك القرض مرة أخرى إلى 100,000 جنيه. في هذه الحالة، يتم سداد الـ 40,000 القديمة وتستلم أنت 60,000 جنيه كاش في يدك لتبدأ دورة سداد جديدة.</a:t>
+            </a:r>
+            <a:endParaRPr lang="en-US" dirty="0"/>
+          </a:p>
+          <a:p>
+            <a:pPr algn="r" rtl="1"/>
+            <a:r>
+              <a:rPr lang="ar-EG" b="1" dirty="0"/>
+              <a:t>إعادة الجدولة (</a:t>
+            </a:r>
+            <a:r>
+              <a:rPr lang="en-US" b="1" dirty="0"/>
+              <a:t>Rescheduling</a:t>
+            </a:r>
+            <a:r>
+              <a:rPr lang="ar-EG" b="1" dirty="0"/>
+              <a:t>)</a:t>
+            </a:r>
+          </a:p>
+          <a:p>
+            <a:pPr lvl="1" algn="r" rtl="1"/>
+            <a:r>
+              <a:rPr lang="ar-EG" dirty="0"/>
+              <a:t>هذا النوع يركز على تغيير الشروط؛ ويحدث عادةً عند حدوث تغيير جذري في حالتك المالية أو لتغيير نوع الفائدة.</a:t>
+            </a:r>
+          </a:p>
+          <a:p>
+            <a:pPr lvl="1" algn="r" rtl="1"/>
+            <a:r>
+              <a:rPr lang="ar-EG" dirty="0"/>
+              <a:t>مثال: لديك قرض بضمان مرتبك، وقررت ترك عملك وبدء مشروعك الخاص. تطلب من جهة التمويل "تجديد" القرض ليصبح بضمان "سجل تجاري" أو بضمان "أصل عقاري" بدلاً من الراتب، مع تغيير قيمة الأقساط لتناسب دخلك الجديد من المشروع.</a:t>
+            </a:r>
+          </a:p>
+          <a:p>
+            <a:pPr algn="r" rtl="1"/>
+            <a:endParaRPr lang="en-US" dirty="0"/>
           </a:p>
         </p:txBody>
       </p:sp>
     </p:spTree>
     <p:extLst>
       <p:ext uri="{BB962C8B-B14F-4D97-AF65-F5344CB8AC3E}">
-        <p14:creationId xmlns:p14="http://schemas.microsoft.com/office/powerpoint/2010/main" val="1918177873"/>
+        <p14:creationId xmlns:p14="http://schemas.microsoft.com/office/powerpoint/2010/main" val="2612447190"/>
       </p:ext>
     </p:extLst>
   </p:cSld>
@@ -6226,7 +6362,7 @@
           <p:cNvPr id="2" name="Title 1">
             <a:extLst>
               <a:ext uri="{FF2B5EF4-FFF2-40B4-BE49-F238E27FC236}">
-                <a16:creationId xmlns:a16="http://schemas.microsoft.com/office/drawing/2014/main" id="{56BD6999-6FBE-7FD0-77E3-BEFCDD7438B5}"/>
+                <a16:creationId xmlns:a16="http://schemas.microsoft.com/office/drawing/2014/main" id="{A08E5A12-5031-578B-73A6-5281966AFC97}"/>
               </a:ext>
             </a:extLst>
           </p:cNvPr>
@@ -6237,16 +6373,29 @@
             <p:ph type="title"/>
           </p:nvPr>
         </p:nvSpPr>
-        <p:spPr/>
+        <p:spPr>
+          <a:xfrm>
+            <a:off x="913795" y="0"/>
+            <a:ext cx="10353762" cy="707923"/>
+          </a:xfrm>
+        </p:spPr>
         <p:txBody>
           <a:bodyPr/>
           <a:lstStyle/>
           <a:p>
             <a:r>
-              <a:rPr lang="ar-EG" dirty="0"/>
-              <a:t>زيارة ميدانية</a:t>
-            </a:r>
-            <a:endParaRPr lang="en-US" dirty="0"/>
+              <a:rPr lang="ar-EG" b="1" dirty="0">
+                <a:solidFill>
+                  <a:srgbClr val="FF0000"/>
+                </a:solidFill>
+              </a:rPr>
+              <a:t>مراجعة أولية</a:t>
+            </a:r>
+            <a:endParaRPr lang="en-US" b="1" dirty="0">
+              <a:solidFill>
+                <a:srgbClr val="FF0000"/>
+              </a:solidFill>
+            </a:endParaRPr>
           </a:p>
         </p:txBody>
       </p:sp>
@@ -6255,7 +6404,7 @@
           <p:cNvPr id="3" name="Content Placeholder 2">
             <a:extLst>
               <a:ext uri="{FF2B5EF4-FFF2-40B4-BE49-F238E27FC236}">
-                <a16:creationId xmlns:a16="http://schemas.microsoft.com/office/drawing/2014/main" id="{26B4D821-A659-22F6-D27B-58D7BE5B7C48}"/>
+                <a16:creationId xmlns:a16="http://schemas.microsoft.com/office/drawing/2014/main" id="{C6D0CF99-5768-3261-B86E-3BECA925F909}"/>
               </a:ext>
             </a:extLst>
           </p:cNvPr>
@@ -6278,7 +6427,7 @@
     </p:spTree>
     <p:extLst>
       <p:ext uri="{BB962C8B-B14F-4D97-AF65-F5344CB8AC3E}">
-        <p14:creationId xmlns:p14="http://schemas.microsoft.com/office/powerpoint/2010/main" val="23238293"/>
+        <p14:creationId xmlns:p14="http://schemas.microsoft.com/office/powerpoint/2010/main" val="1918177873"/>
       </p:ext>
     </p:extLst>
   </p:cSld>
@@ -6310,7 +6459,7 @@
           <p:cNvPr id="2" name="Title 1">
             <a:extLst>
               <a:ext uri="{FF2B5EF4-FFF2-40B4-BE49-F238E27FC236}">
-                <a16:creationId xmlns:a16="http://schemas.microsoft.com/office/drawing/2014/main" id="{9B04BEF7-16AD-EB38-03A0-9E38308744E8}"/>
+                <a16:creationId xmlns:a16="http://schemas.microsoft.com/office/drawing/2014/main" id="{56BD6999-6FBE-7FD0-77E3-BEFCDD7438B5}"/>
               </a:ext>
             </a:extLst>
           </p:cNvPr>
@@ -6327,18 +6476,10 @@
           <a:lstStyle/>
           <a:p>
             <a:r>
-              <a:rPr lang="ar-EG" b="1" dirty="0">
-                <a:solidFill>
-                  <a:srgbClr val="FF0000"/>
-                </a:solidFill>
-              </a:rPr>
-              <a:t>التحليل الائتماني</a:t>
-            </a:r>
-            <a:endParaRPr lang="en-US" b="1" dirty="0">
-              <a:solidFill>
-                <a:srgbClr val="FF0000"/>
-              </a:solidFill>
-            </a:endParaRPr>
+              <a:rPr lang="ar-EG" dirty="0"/>
+              <a:t>زيارة ميدانية</a:t>
+            </a:r>
+            <a:endParaRPr lang="en-US" dirty="0"/>
           </a:p>
         </p:txBody>
       </p:sp>
@@ -6347,7 +6488,7 @@
           <p:cNvPr id="3" name="Content Placeholder 2">
             <a:extLst>
               <a:ext uri="{FF2B5EF4-FFF2-40B4-BE49-F238E27FC236}">
-                <a16:creationId xmlns:a16="http://schemas.microsoft.com/office/drawing/2014/main" id="{4B9905FB-09D5-E179-2DB7-D3AC27E86338}"/>
+                <a16:creationId xmlns:a16="http://schemas.microsoft.com/office/drawing/2014/main" id="{26B4D821-A659-22F6-D27B-58D7BE5B7C48}"/>
               </a:ext>
             </a:extLst>
           </p:cNvPr>
@@ -6370,7 +6511,7 @@
     </p:spTree>
     <p:extLst>
       <p:ext uri="{BB962C8B-B14F-4D97-AF65-F5344CB8AC3E}">
-        <p14:creationId xmlns:p14="http://schemas.microsoft.com/office/powerpoint/2010/main" val="1533443015"/>
+        <p14:creationId xmlns:p14="http://schemas.microsoft.com/office/powerpoint/2010/main" val="23238293"/>
       </p:ext>
     </p:extLst>
   </p:cSld>
@@ -6402,7 +6543,7 @@
           <p:cNvPr id="2" name="Title 1">
             <a:extLst>
               <a:ext uri="{FF2B5EF4-FFF2-40B4-BE49-F238E27FC236}">
-                <a16:creationId xmlns:a16="http://schemas.microsoft.com/office/drawing/2014/main" id="{73DBE4A9-0D80-63E2-93A1-0CD590C2F5FE}"/>
+                <a16:creationId xmlns:a16="http://schemas.microsoft.com/office/drawing/2014/main" id="{9B04BEF7-16AD-EB38-03A0-9E38308744E8}"/>
               </a:ext>
             </a:extLst>
           </p:cNvPr>
@@ -6413,16 +6554,9 @@
             <p:ph type="title"/>
           </p:nvPr>
         </p:nvSpPr>
-        <p:spPr>
-          <a:xfrm>
-            <a:off x="913795" y="0"/>
-            <a:ext cx="10353762" cy="668594"/>
-          </a:xfrm>
-        </p:spPr>
-        <p:txBody>
-          <a:bodyPr>
-            <a:normAutofit fontScale="90000"/>
-          </a:bodyPr>
+        <p:spPr/>
+        <p:txBody>
+          <a:bodyPr/>
           <a:lstStyle/>
           <a:p>
             <a:r>
@@ -6431,7 +6565,7 @@
                   <a:srgbClr val="FF0000"/>
                 </a:solidFill>
               </a:rPr>
-              <a:t>تحميل المستندات</a:t>
+              <a:t>التحليل الائتماني</a:t>
             </a:r>
             <a:endParaRPr lang="en-US" b="1" dirty="0">
               <a:solidFill>
@@ -6446,7 +6580,7 @@
           <p:cNvPr id="3" name="Content Placeholder 2">
             <a:extLst>
               <a:ext uri="{FF2B5EF4-FFF2-40B4-BE49-F238E27FC236}">
-                <a16:creationId xmlns:a16="http://schemas.microsoft.com/office/drawing/2014/main" id="{D8EFC7BF-7EA3-03B6-F9DF-0E2BE48F01F0}"/>
+                <a16:creationId xmlns:a16="http://schemas.microsoft.com/office/drawing/2014/main" id="{4B9905FB-09D5-E179-2DB7-D3AC27E86338}"/>
               </a:ext>
             </a:extLst>
           </p:cNvPr>
@@ -6469,7 +6603,7 @@
     </p:spTree>
     <p:extLst>
       <p:ext uri="{BB962C8B-B14F-4D97-AF65-F5344CB8AC3E}">
-        <p14:creationId xmlns:p14="http://schemas.microsoft.com/office/powerpoint/2010/main" val="4094810955"/>
+        <p14:creationId xmlns:p14="http://schemas.microsoft.com/office/powerpoint/2010/main" val="1533443015"/>
       </p:ext>
     </p:extLst>
   </p:cSld>
@@ -6501,7 +6635,7 @@
           <p:cNvPr id="2" name="Title 1">
             <a:extLst>
               <a:ext uri="{FF2B5EF4-FFF2-40B4-BE49-F238E27FC236}">
-                <a16:creationId xmlns:a16="http://schemas.microsoft.com/office/drawing/2014/main" id="{100A2CEE-E4B4-FDA8-29CD-E7103B522F79}"/>
+                <a16:creationId xmlns:a16="http://schemas.microsoft.com/office/drawing/2014/main" id="{73DBE4A9-0D80-63E2-93A1-0CD590C2F5FE}"/>
               </a:ext>
             </a:extLst>
           </p:cNvPr>
@@ -6514,8 +6648,8 @@
         </p:nvSpPr>
         <p:spPr>
           <a:xfrm>
-            <a:off x="844969" y="0"/>
-            <a:ext cx="10353762" cy="698090"/>
+            <a:off x="913795" y="0"/>
+            <a:ext cx="10353762" cy="668594"/>
           </a:xfrm>
         </p:spPr>
         <p:txBody>
@@ -6530,7 +6664,7 @@
                   <a:srgbClr val="FF0000"/>
                 </a:solidFill>
               </a:rPr>
-              <a:t>المراجعة المركزية</a:t>
+              <a:t>تحميل المستندات</a:t>
             </a:r>
             <a:endParaRPr lang="en-US" b="1" dirty="0">
               <a:solidFill>
@@ -6545,7 +6679,7 @@
           <p:cNvPr id="3" name="Content Placeholder 2">
             <a:extLst>
               <a:ext uri="{FF2B5EF4-FFF2-40B4-BE49-F238E27FC236}">
-                <a16:creationId xmlns:a16="http://schemas.microsoft.com/office/drawing/2014/main" id="{EA6FB638-B82F-DC6A-F0B1-71E66F335DC0}"/>
+                <a16:creationId xmlns:a16="http://schemas.microsoft.com/office/drawing/2014/main" id="{D8EFC7BF-7EA3-03B6-F9DF-0E2BE48F01F0}"/>
               </a:ext>
             </a:extLst>
           </p:cNvPr>
@@ -6568,7 +6702,7 @@
     </p:spTree>
     <p:extLst>
       <p:ext uri="{BB962C8B-B14F-4D97-AF65-F5344CB8AC3E}">
-        <p14:creationId xmlns:p14="http://schemas.microsoft.com/office/powerpoint/2010/main" val="742449397"/>
+        <p14:creationId xmlns:p14="http://schemas.microsoft.com/office/powerpoint/2010/main" val="4094810955"/>
       </p:ext>
     </p:extLst>
   </p:cSld>
@@ -6600,6 +6734,105 @@
           <p:cNvPr id="2" name="Title 1">
             <a:extLst>
               <a:ext uri="{FF2B5EF4-FFF2-40B4-BE49-F238E27FC236}">
+                <a16:creationId xmlns:a16="http://schemas.microsoft.com/office/drawing/2014/main" id="{100A2CEE-E4B4-FDA8-29CD-E7103B522F79}"/>
+              </a:ext>
+            </a:extLst>
+          </p:cNvPr>
+          <p:cNvSpPr>
+            <a:spLocks noGrp="1"/>
+          </p:cNvSpPr>
+          <p:nvPr>
+            <p:ph type="title"/>
+          </p:nvPr>
+        </p:nvSpPr>
+        <p:spPr>
+          <a:xfrm>
+            <a:off x="844969" y="0"/>
+            <a:ext cx="10353762" cy="698090"/>
+          </a:xfrm>
+        </p:spPr>
+        <p:txBody>
+          <a:bodyPr>
+            <a:normAutofit fontScale="90000"/>
+          </a:bodyPr>
+          <a:lstStyle/>
+          <a:p>
+            <a:r>
+              <a:rPr lang="ar-EG" b="1" dirty="0">
+                <a:solidFill>
+                  <a:srgbClr val="FF0000"/>
+                </a:solidFill>
+              </a:rPr>
+              <a:t>المراجعة المركزية</a:t>
+            </a:r>
+            <a:endParaRPr lang="en-US" b="1" dirty="0">
+              <a:solidFill>
+                <a:srgbClr val="FF0000"/>
+              </a:solidFill>
+            </a:endParaRPr>
+          </a:p>
+        </p:txBody>
+      </p:sp>
+      <p:sp>
+        <p:nvSpPr>
+          <p:cNvPr id="3" name="Content Placeholder 2">
+            <a:extLst>
+              <a:ext uri="{FF2B5EF4-FFF2-40B4-BE49-F238E27FC236}">
+                <a16:creationId xmlns:a16="http://schemas.microsoft.com/office/drawing/2014/main" id="{EA6FB638-B82F-DC6A-F0B1-71E66F335DC0}"/>
+              </a:ext>
+            </a:extLst>
+          </p:cNvPr>
+          <p:cNvSpPr>
+            <a:spLocks noGrp="1"/>
+          </p:cNvSpPr>
+          <p:nvPr>
+            <p:ph idx="1"/>
+          </p:nvPr>
+        </p:nvSpPr>
+        <p:spPr/>
+        <p:txBody>
+          <a:bodyPr/>
+          <a:lstStyle/>
+          <a:p>
+            <a:endParaRPr lang="en-US"/>
+          </a:p>
+        </p:txBody>
+      </p:sp>
+    </p:spTree>
+    <p:extLst>
+      <p:ext uri="{BB962C8B-B14F-4D97-AF65-F5344CB8AC3E}">
+        <p14:creationId xmlns:p14="http://schemas.microsoft.com/office/powerpoint/2010/main" val="742449397"/>
+      </p:ext>
+    </p:extLst>
+  </p:cSld>
+  <p:clrMapOvr>
+    <a:masterClrMapping/>
+  </p:clrMapOvr>
+</p:sld>
+</file>
+
+<file path=ppt/slides/slide16.xml><?xml version="1.0" encoding="utf-8"?>
+<p:sld xmlns:a="http://schemas.openxmlformats.org/drawingml/2006/main" xmlns:r="http://schemas.openxmlformats.org/officeDocument/2006/relationships" xmlns:p="http://schemas.openxmlformats.org/presentationml/2006/main">
+  <p:cSld>
+    <p:spTree>
+      <p:nvGrpSpPr>
+        <p:cNvPr id="1" name=""/>
+        <p:cNvGrpSpPr/>
+        <p:nvPr/>
+      </p:nvGrpSpPr>
+      <p:grpSpPr>
+        <a:xfrm>
+          <a:off x="0" y="0"/>
+          <a:ext cx="0" cy="0"/>
+          <a:chOff x="0" y="0"/>
+          <a:chExt cx="0" cy="0"/>
+        </a:xfrm>
+      </p:grpSpPr>
+      <p:sp>
+        <p:nvSpPr>
+          <p:cNvPr id="2" name="Title 1">
+            <a:extLst>
+              <a:ext uri="{FF2B5EF4-FFF2-40B4-BE49-F238E27FC236}">
                 <a16:creationId xmlns:a16="http://schemas.microsoft.com/office/drawing/2014/main" id="{636A297D-FA92-F0E4-599A-68EAB03047C0}"/>
               </a:ext>
             </a:extLst>
@@ -6666,6 +6899,489 @@
     <p:extLst>
       <p:ext uri="{BB962C8B-B14F-4D97-AF65-F5344CB8AC3E}">
         <p14:creationId xmlns:p14="http://schemas.microsoft.com/office/powerpoint/2010/main" val="4075432564"/>
+      </p:ext>
+    </p:extLst>
+  </p:cSld>
+  <p:clrMapOvr>
+    <a:masterClrMapping/>
+  </p:clrMapOvr>
+</p:sld>
+</file>
+
+<file path=ppt/slides/slide17.xml><?xml version="1.0" encoding="utf-8"?>
+<p:sld xmlns:a="http://schemas.openxmlformats.org/drawingml/2006/main" xmlns:r="http://schemas.openxmlformats.org/officeDocument/2006/relationships" xmlns:p="http://schemas.openxmlformats.org/presentationml/2006/main">
+  <p:cSld>
+    <p:spTree>
+      <p:nvGrpSpPr>
+        <p:cNvPr id="1" name=""/>
+        <p:cNvGrpSpPr/>
+        <p:nvPr/>
+      </p:nvGrpSpPr>
+      <p:grpSpPr>
+        <a:xfrm>
+          <a:off x="0" y="0"/>
+          <a:ext cx="0" cy="0"/>
+          <a:chOff x="0" y="0"/>
+          <a:chExt cx="0" cy="0"/>
+        </a:xfrm>
+      </p:grpSpPr>
+      <p:sp>
+        <p:nvSpPr>
+          <p:cNvPr id="2" name="Title 1">
+            <a:extLst>
+              <a:ext uri="{FF2B5EF4-FFF2-40B4-BE49-F238E27FC236}">
+                <a16:creationId xmlns:a16="http://schemas.microsoft.com/office/drawing/2014/main" id="{3FABF588-5A22-7C5C-254E-26F8B556C2F8}"/>
+              </a:ext>
+            </a:extLst>
+          </p:cNvPr>
+          <p:cNvSpPr>
+            <a:spLocks noGrp="1"/>
+          </p:cNvSpPr>
+          <p:nvPr>
+            <p:ph type="title"/>
+          </p:nvPr>
+        </p:nvSpPr>
+        <p:spPr>
+          <a:xfrm>
+            <a:off x="913795" y="0"/>
+            <a:ext cx="10353762" cy="353961"/>
+          </a:xfrm>
+        </p:spPr>
+        <p:txBody>
+          <a:bodyPr>
+            <a:noAutofit/>
+          </a:bodyPr>
+          <a:lstStyle/>
+          <a:p>
+            <a:r>
+              <a:rPr lang="en-US" sz="3200" b="1" dirty="0">
+                <a:solidFill>
+                  <a:srgbClr val="FF0000"/>
+                </a:solidFill>
+              </a:rPr>
+              <a:t>Branch at Common</a:t>
+            </a:r>
+          </a:p>
+        </p:txBody>
+      </p:sp>
+      <p:sp>
+        <p:nvSpPr>
+          <p:cNvPr id="3" name="Content Placeholder 2">
+            <a:extLst>
+              <a:ext uri="{FF2B5EF4-FFF2-40B4-BE49-F238E27FC236}">
+                <a16:creationId xmlns:a16="http://schemas.microsoft.com/office/drawing/2014/main" id="{66405C29-9092-F04A-2677-BCF8645824E8}"/>
+              </a:ext>
+            </a:extLst>
+          </p:cNvPr>
+          <p:cNvSpPr>
+            <a:spLocks noGrp="1"/>
+          </p:cNvSpPr>
+          <p:nvPr>
+            <p:ph idx="1"/>
+          </p:nvPr>
+        </p:nvSpPr>
+        <p:spPr>
+          <a:xfrm>
+            <a:off x="255639" y="442453"/>
+            <a:ext cx="11729884" cy="6243482"/>
+          </a:xfrm>
+        </p:spPr>
+        <p:txBody>
+          <a:bodyPr numCol="2">
+            <a:normAutofit/>
+          </a:bodyPr>
+          <a:lstStyle/>
+          <a:p>
+            <a:r>
+              <a:rPr lang="en-US" sz="1800" b="1" dirty="0"/>
+              <a:t>int BranchId</a:t>
+            </a:r>
+          </a:p>
+          <a:p>
+            <a:r>
+              <a:rPr lang="en-US" sz="1800" b="1" dirty="0"/>
+              <a:t>BranchNameAR</a:t>
+            </a:r>
+          </a:p>
+          <a:p>
+            <a:r>
+              <a:rPr lang="en-US" sz="1800" b="1" dirty="0"/>
+              <a:t>BranchNameEn</a:t>
+            </a:r>
+          </a:p>
+          <a:p>
+            <a:r>
+              <a:rPr lang="en-US" sz="1800" b="1" dirty="0"/>
+              <a:t>AddressAR</a:t>
+            </a:r>
+          </a:p>
+          <a:p>
+            <a:r>
+              <a:rPr lang="en-US" sz="1800" b="1" dirty="0"/>
+              <a:t>AddressEn</a:t>
+            </a:r>
+          </a:p>
+          <a:p>
+            <a:r>
+              <a:rPr lang="en-US" sz="1800" b="1" dirty="0" err="1"/>
+              <a:t>ExterNum</a:t>
+            </a:r>
+            <a:endParaRPr lang="en-US" sz="1800" b="1" dirty="0"/>
+          </a:p>
+          <a:p>
+            <a:r>
+              <a:rPr lang="en-US" sz="1800" b="1" dirty="0" err="1"/>
+              <a:t>PhoneNum</a:t>
+            </a:r>
+            <a:endParaRPr lang="en-US" sz="1800" b="1" dirty="0"/>
+          </a:p>
+          <a:p>
+            <a:r>
+              <a:rPr lang="en-US" sz="1800" b="1" dirty="0"/>
+              <a:t>RegionId</a:t>
+            </a:r>
+            <a:endParaRPr lang="ar-EG" sz="1800" b="1" dirty="0"/>
+          </a:p>
+          <a:p>
+            <a:r>
+              <a:rPr lang="en-US" sz="1800" b="1" dirty="0"/>
+              <a:t>OriginalRegionId</a:t>
+            </a:r>
+            <a:endParaRPr lang="ar-EG" sz="1800" b="1" dirty="0"/>
+          </a:p>
+          <a:p>
+            <a:r>
+              <a:rPr lang="en-US" sz="1800" b="1" dirty="0"/>
+              <a:t>GovId</a:t>
+            </a:r>
+            <a:endParaRPr lang="ar-EG" sz="1800" b="1" dirty="0"/>
+          </a:p>
+          <a:p>
+            <a:r>
+              <a:rPr lang="en-US" sz="1800" b="1" dirty="0" err="1"/>
+              <a:t>Code_district</a:t>
+            </a:r>
+            <a:endParaRPr lang="ar-EG" sz="1800" b="1" dirty="0"/>
+          </a:p>
+          <a:p>
+            <a:r>
+              <a:rPr lang="en-US" sz="1800" b="1" dirty="0" err="1"/>
+              <a:t>Code_Section</a:t>
+            </a:r>
+            <a:endParaRPr lang="en-US" sz="1800" b="1" dirty="0"/>
+          </a:p>
+          <a:p>
+            <a:r>
+              <a:rPr lang="en-US" sz="1800" b="1" dirty="0"/>
+              <a:t>FBT_ID</a:t>
+            </a:r>
+          </a:p>
+          <a:p>
+            <a:r>
+              <a:rPr lang="en-US" sz="1800" b="1" dirty="0"/>
+              <a:t>IP</a:t>
+            </a:r>
+          </a:p>
+          <a:p>
+            <a:r>
+              <a:rPr lang="en-US" sz="1800" b="1" dirty="0" err="1"/>
+              <a:t>Branch_code</a:t>
+            </a:r>
+            <a:endParaRPr lang="en-US" sz="1800" b="1" dirty="0"/>
+          </a:p>
+          <a:p>
+            <a:r>
+              <a:rPr lang="en-US" b="1" dirty="0"/>
+              <a:t>Latitude</a:t>
+            </a:r>
+          </a:p>
+          <a:p>
+            <a:r>
+              <a:rPr lang="en-US" b="1" dirty="0"/>
+              <a:t>Longitude</a:t>
+            </a:r>
+          </a:p>
+          <a:p>
+            <a:endParaRPr lang="en-US" sz="1800" b="1" dirty="0"/>
+          </a:p>
+        </p:txBody>
+      </p:sp>
+    </p:spTree>
+    <p:extLst>
+      <p:ext uri="{BB962C8B-B14F-4D97-AF65-F5344CB8AC3E}">
+        <p14:creationId xmlns:p14="http://schemas.microsoft.com/office/powerpoint/2010/main" val="2313052998"/>
+      </p:ext>
+    </p:extLst>
+  </p:cSld>
+  <p:clrMapOvr>
+    <a:masterClrMapping/>
+  </p:clrMapOvr>
+</p:sld>
+</file>
+
+<file path=ppt/slides/slide18.xml><?xml version="1.0" encoding="utf-8"?>
+<p:sld xmlns:a="http://schemas.openxmlformats.org/drawingml/2006/main" xmlns:r="http://schemas.openxmlformats.org/officeDocument/2006/relationships" xmlns:p="http://schemas.openxmlformats.org/presentationml/2006/main">
+  <p:cSld>
+    <p:spTree>
+      <p:nvGrpSpPr>
+        <p:cNvPr id="1" name=""/>
+        <p:cNvGrpSpPr/>
+        <p:nvPr/>
+      </p:nvGrpSpPr>
+      <p:grpSpPr>
+        <a:xfrm>
+          <a:off x="0" y="0"/>
+          <a:ext cx="0" cy="0"/>
+          <a:chOff x="0" y="0"/>
+          <a:chExt cx="0" cy="0"/>
+        </a:xfrm>
+      </p:grpSpPr>
+      <p:sp>
+        <p:nvSpPr>
+          <p:cNvPr id="2" name="Title 1">
+            <a:extLst>
+              <a:ext uri="{FF2B5EF4-FFF2-40B4-BE49-F238E27FC236}">
+                <a16:creationId xmlns:a16="http://schemas.microsoft.com/office/drawing/2014/main" id="{3AC52536-DCCC-8C3D-9370-41602B2F1CB9}"/>
+              </a:ext>
+            </a:extLst>
+          </p:cNvPr>
+          <p:cNvSpPr>
+            <a:spLocks noGrp="1"/>
+          </p:cNvSpPr>
+          <p:nvPr>
+            <p:ph type="title"/>
+          </p:nvPr>
+        </p:nvSpPr>
+        <p:spPr>
+          <a:xfrm>
+            <a:off x="913795" y="0"/>
+            <a:ext cx="10353762" cy="609600"/>
+          </a:xfrm>
+        </p:spPr>
+        <p:txBody>
+          <a:bodyPr>
+            <a:normAutofit fontScale="90000"/>
+          </a:bodyPr>
+          <a:lstStyle/>
+          <a:p>
+            <a:r>
+              <a:rPr lang="en-US" b="1" dirty="0">
+                <a:solidFill>
+                  <a:srgbClr val="FF0000"/>
+                </a:solidFill>
+              </a:rPr>
+              <a:t>Region at </a:t>
+            </a:r>
+          </a:p>
+        </p:txBody>
+      </p:sp>
+      <p:sp>
+        <p:nvSpPr>
+          <p:cNvPr id="3" name="Content Placeholder 2">
+            <a:extLst>
+              <a:ext uri="{FF2B5EF4-FFF2-40B4-BE49-F238E27FC236}">
+                <a16:creationId xmlns:a16="http://schemas.microsoft.com/office/drawing/2014/main" id="{5BEA9423-2224-07FD-FD9F-8B5FEDB393E2}"/>
+              </a:ext>
+            </a:extLst>
+          </p:cNvPr>
+          <p:cNvSpPr>
+            <a:spLocks noGrp="1"/>
+          </p:cNvSpPr>
+          <p:nvPr>
+            <p:ph idx="1"/>
+          </p:nvPr>
+        </p:nvSpPr>
+        <p:spPr>
+          <a:xfrm>
+            <a:off x="314632" y="609601"/>
+            <a:ext cx="11611897" cy="6076334"/>
+          </a:xfrm>
+        </p:spPr>
+        <p:txBody>
+          <a:bodyPr>
+            <a:normAutofit/>
+          </a:bodyPr>
+          <a:lstStyle/>
+          <a:p>
+            <a:r>
+              <a:rPr lang="en-US" sz="1800" dirty="0"/>
+              <a:t>RegionId</a:t>
+            </a:r>
+          </a:p>
+          <a:p>
+            <a:r>
+              <a:rPr lang="en-US" sz="1800" dirty="0"/>
+              <a:t>RegionNameAR</a:t>
+            </a:r>
+          </a:p>
+          <a:p>
+            <a:r>
+              <a:rPr lang="en-US" sz="1800" dirty="0"/>
+              <a:t>RegionNameEn</a:t>
+            </a:r>
+          </a:p>
+          <a:p>
+            <a:endParaRPr lang="en-US" sz="1800" dirty="0"/>
+          </a:p>
+        </p:txBody>
+      </p:sp>
+    </p:spTree>
+    <p:extLst>
+      <p:ext uri="{BB962C8B-B14F-4D97-AF65-F5344CB8AC3E}">
+        <p14:creationId xmlns:p14="http://schemas.microsoft.com/office/powerpoint/2010/main" val="1815469462"/>
+      </p:ext>
+    </p:extLst>
+  </p:cSld>
+  <p:clrMapOvr>
+    <a:masterClrMapping/>
+  </p:clrMapOvr>
+</p:sld>
+</file>
+
+<file path=ppt/slides/slide19.xml><?xml version="1.0" encoding="utf-8"?>
+<p:sld xmlns:a="http://schemas.openxmlformats.org/drawingml/2006/main" xmlns:r="http://schemas.openxmlformats.org/officeDocument/2006/relationships" xmlns:p="http://schemas.openxmlformats.org/presentationml/2006/main">
+  <p:cSld>
+    <p:spTree>
+      <p:nvGrpSpPr>
+        <p:cNvPr id="1" name=""/>
+        <p:cNvGrpSpPr/>
+        <p:nvPr/>
+      </p:nvGrpSpPr>
+      <p:grpSpPr>
+        <a:xfrm>
+          <a:off x="0" y="0"/>
+          <a:ext cx="0" cy="0"/>
+          <a:chOff x="0" y="0"/>
+          <a:chExt cx="0" cy="0"/>
+        </a:xfrm>
+      </p:grpSpPr>
+      <p:sp>
+        <p:nvSpPr>
+          <p:cNvPr id="2" name="Title 1">
+            <a:extLst>
+              <a:ext uri="{FF2B5EF4-FFF2-40B4-BE49-F238E27FC236}">
+                <a16:creationId xmlns:a16="http://schemas.microsoft.com/office/drawing/2014/main" id="{563EAB15-CC51-C498-9EEC-A137D0323F46}"/>
+              </a:ext>
+            </a:extLst>
+          </p:cNvPr>
+          <p:cNvSpPr>
+            <a:spLocks noGrp="1"/>
+          </p:cNvSpPr>
+          <p:nvPr>
+            <p:ph type="title"/>
+          </p:nvPr>
+        </p:nvSpPr>
+        <p:spPr>
+          <a:xfrm>
+            <a:off x="919119" y="0"/>
+            <a:ext cx="10353762" cy="589935"/>
+          </a:xfrm>
+        </p:spPr>
+        <p:txBody>
+          <a:bodyPr>
+            <a:normAutofit fontScale="90000"/>
+          </a:bodyPr>
+          <a:lstStyle/>
+          <a:p>
+            <a:r>
+              <a:rPr lang="en-US" b="1" dirty="0">
+                <a:solidFill>
+                  <a:srgbClr val="FF0000"/>
+                </a:solidFill>
+              </a:rPr>
+              <a:t>Governorate at common</a:t>
+            </a:r>
+          </a:p>
+        </p:txBody>
+      </p:sp>
+      <p:sp>
+        <p:nvSpPr>
+          <p:cNvPr id="3" name="Content Placeholder 2">
+            <a:extLst>
+              <a:ext uri="{FF2B5EF4-FFF2-40B4-BE49-F238E27FC236}">
+                <a16:creationId xmlns:a16="http://schemas.microsoft.com/office/drawing/2014/main" id="{8EEA33DE-45C9-F8E4-0DAE-47A71E2D1B22}"/>
+              </a:ext>
+            </a:extLst>
+          </p:cNvPr>
+          <p:cNvSpPr>
+            <a:spLocks noGrp="1"/>
+          </p:cNvSpPr>
+          <p:nvPr>
+            <p:ph idx="1"/>
+          </p:nvPr>
+        </p:nvSpPr>
+        <p:spPr>
+          <a:xfrm>
+            <a:off x="196644" y="589935"/>
+            <a:ext cx="11769213" cy="6154994"/>
+          </a:xfrm>
+        </p:spPr>
+        <p:txBody>
+          <a:bodyPr>
+            <a:normAutofit/>
+          </a:bodyPr>
+          <a:lstStyle/>
+          <a:p>
+            <a:r>
+              <a:rPr lang="en-US" sz="1800" dirty="0"/>
+              <a:t>GovId</a:t>
+            </a:r>
+          </a:p>
+          <a:p>
+            <a:r>
+              <a:rPr lang="en-US" sz="1800" dirty="0" err="1"/>
+              <a:t>GovCode</a:t>
+            </a:r>
+            <a:endParaRPr lang="en-US" sz="1800" dirty="0"/>
+          </a:p>
+          <a:p>
+            <a:r>
+              <a:rPr lang="en-US" sz="1800" dirty="0" err="1"/>
+              <a:t>GovNameAR</a:t>
+            </a:r>
+            <a:endParaRPr lang="en-US" sz="1800" dirty="0"/>
+          </a:p>
+          <a:p>
+            <a:r>
+              <a:rPr lang="en-US" sz="1800" dirty="0" err="1"/>
+              <a:t>GovNameEn</a:t>
+            </a:r>
+            <a:endParaRPr lang="en-US" sz="1800" dirty="0"/>
+          </a:p>
+          <a:p>
+            <a:r>
+              <a:rPr lang="en-US" sz="1800" dirty="0"/>
+              <a:t>RegionId </a:t>
+            </a:r>
+            <a:r>
+              <a:rPr lang="en-US" sz="1800" dirty="0">
+                <a:sym typeface="Wingdings" panose="05000000000000000000" pitchFamily="2" charset="2"/>
+              </a:rPr>
+              <a:t> </a:t>
+            </a:r>
+            <a:r>
+              <a:rPr lang="ar-EG" sz="1800" dirty="0">
+                <a:sym typeface="Wingdings" panose="05000000000000000000" pitchFamily="2" charset="2"/>
+              </a:rPr>
+              <a:t>بحري او قبلى</a:t>
+            </a:r>
+            <a:endParaRPr lang="en-US" sz="1800" dirty="0"/>
+          </a:p>
+          <a:p>
+            <a:r>
+              <a:rPr lang="en-US" sz="1800" dirty="0"/>
+              <a:t>OriginalRegionId</a:t>
+            </a:r>
+          </a:p>
+          <a:p>
+            <a:endParaRPr lang="en-US" sz="1600" dirty="0"/>
+          </a:p>
+        </p:txBody>
+      </p:sp>
+    </p:spTree>
+    <p:extLst>
+      <p:ext uri="{BB962C8B-B14F-4D97-AF65-F5344CB8AC3E}">
+        <p14:creationId xmlns:p14="http://schemas.microsoft.com/office/powerpoint/2010/main" val="3769174919"/>
       </p:ext>
     </p:extLst>
   </p:cSld>
@@ -6790,6 +7506,733 @@
     <p:extLst>
       <p:ext uri="{BB962C8B-B14F-4D97-AF65-F5344CB8AC3E}">
         <p14:creationId xmlns:p14="http://schemas.microsoft.com/office/powerpoint/2010/main" val="2028952304"/>
+      </p:ext>
+    </p:extLst>
+  </p:cSld>
+  <p:clrMapOvr>
+    <a:masterClrMapping/>
+  </p:clrMapOvr>
+</p:sld>
+</file>
+
+<file path=ppt/slides/slide20.xml><?xml version="1.0" encoding="utf-8"?>
+<p:sld xmlns:a="http://schemas.openxmlformats.org/drawingml/2006/main" xmlns:r="http://schemas.openxmlformats.org/officeDocument/2006/relationships" xmlns:p="http://schemas.openxmlformats.org/presentationml/2006/main">
+  <p:cSld>
+    <p:spTree>
+      <p:nvGrpSpPr>
+        <p:cNvPr id="1" name=""/>
+        <p:cNvGrpSpPr/>
+        <p:nvPr/>
+      </p:nvGrpSpPr>
+      <p:grpSpPr>
+        <a:xfrm>
+          <a:off x="0" y="0"/>
+          <a:ext cx="0" cy="0"/>
+          <a:chOff x="0" y="0"/>
+          <a:chExt cx="0" cy="0"/>
+        </a:xfrm>
+      </p:grpSpPr>
+      <p:sp>
+        <p:nvSpPr>
+          <p:cNvPr id="2" name="Title 1">
+            <a:extLst>
+              <a:ext uri="{FF2B5EF4-FFF2-40B4-BE49-F238E27FC236}">
+                <a16:creationId xmlns:a16="http://schemas.microsoft.com/office/drawing/2014/main" id="{A2BAD0F1-7946-1FB5-D0C6-936DDB98C545}"/>
+              </a:ext>
+            </a:extLst>
+          </p:cNvPr>
+          <p:cNvSpPr>
+            <a:spLocks noGrp="1"/>
+          </p:cNvSpPr>
+          <p:nvPr>
+            <p:ph type="title"/>
+          </p:nvPr>
+        </p:nvSpPr>
+        <p:spPr>
+          <a:xfrm>
+            <a:off x="913795" y="0"/>
+            <a:ext cx="10353762" cy="589935"/>
+          </a:xfrm>
+        </p:spPr>
+        <p:txBody>
+          <a:bodyPr>
+            <a:normAutofit fontScale="90000"/>
+          </a:bodyPr>
+          <a:lstStyle/>
+          <a:p>
+            <a:r>
+              <a:rPr lang="en-US" b="1" dirty="0" err="1">
+                <a:solidFill>
+                  <a:srgbClr val="FF0000"/>
+                </a:solidFill>
+              </a:rPr>
+              <a:t>Original_Region</a:t>
+            </a:r>
+            <a:r>
+              <a:rPr lang="en-US" b="1" dirty="0">
+                <a:solidFill>
+                  <a:srgbClr val="FF0000"/>
+                </a:solidFill>
+              </a:rPr>
+              <a:t> entity at common</a:t>
+            </a:r>
+          </a:p>
+        </p:txBody>
+      </p:sp>
+      <p:sp>
+        <p:nvSpPr>
+          <p:cNvPr id="3" name="Content Placeholder 2">
+            <a:extLst>
+              <a:ext uri="{FF2B5EF4-FFF2-40B4-BE49-F238E27FC236}">
+                <a16:creationId xmlns:a16="http://schemas.microsoft.com/office/drawing/2014/main" id="{7ECECAF3-0EA8-1856-F13A-4BCD070DD6A4}"/>
+              </a:ext>
+            </a:extLst>
+          </p:cNvPr>
+          <p:cNvSpPr>
+            <a:spLocks noGrp="1"/>
+          </p:cNvSpPr>
+          <p:nvPr>
+            <p:ph idx="1"/>
+          </p:nvPr>
+        </p:nvSpPr>
+        <p:spPr>
+          <a:xfrm>
+            <a:off x="344129" y="589935"/>
+            <a:ext cx="11592232" cy="6164826"/>
+          </a:xfrm>
+        </p:spPr>
+        <p:txBody>
+          <a:bodyPr/>
+          <a:lstStyle/>
+          <a:p>
+            <a:r>
+              <a:rPr lang="en-US" dirty="0"/>
+              <a:t>int </a:t>
+            </a:r>
+            <a:r>
+              <a:rPr lang="en-US" dirty="0" err="1"/>
+              <a:t>OR_Id</a:t>
+            </a:r>
+            <a:endParaRPr lang="en-US" dirty="0"/>
+          </a:p>
+          <a:p>
+            <a:r>
+              <a:rPr lang="en-US" dirty="0"/>
+              <a:t>RegionNameAR</a:t>
+            </a:r>
+          </a:p>
+          <a:p>
+            <a:r>
+              <a:rPr lang="en-US" dirty="0"/>
+              <a:t>RegionNameEn</a:t>
+            </a:r>
+          </a:p>
+          <a:p>
+            <a:r>
+              <a:rPr lang="en-US" dirty="0"/>
+              <a:t>GovId</a:t>
+            </a:r>
+          </a:p>
+          <a:p>
+            <a:r>
+              <a:rPr lang="en-US" dirty="0"/>
+              <a:t>RegionId</a:t>
+            </a:r>
+          </a:p>
+        </p:txBody>
+      </p:sp>
+    </p:spTree>
+    <p:extLst>
+      <p:ext uri="{BB962C8B-B14F-4D97-AF65-F5344CB8AC3E}">
+        <p14:creationId xmlns:p14="http://schemas.microsoft.com/office/powerpoint/2010/main" val="468598693"/>
+      </p:ext>
+    </p:extLst>
+  </p:cSld>
+  <p:clrMapOvr>
+    <a:masterClrMapping/>
+  </p:clrMapOvr>
+</p:sld>
+</file>
+
+<file path=ppt/slides/slide21.xml><?xml version="1.0" encoding="utf-8"?>
+<p:sld xmlns:a="http://schemas.openxmlformats.org/drawingml/2006/main" xmlns:r="http://schemas.openxmlformats.org/officeDocument/2006/relationships" xmlns:p="http://schemas.openxmlformats.org/presentationml/2006/main">
+  <p:cSld>
+    <p:spTree>
+      <p:nvGrpSpPr>
+        <p:cNvPr id="1" name=""/>
+        <p:cNvGrpSpPr/>
+        <p:nvPr/>
+      </p:nvGrpSpPr>
+      <p:grpSpPr>
+        <a:xfrm>
+          <a:off x="0" y="0"/>
+          <a:ext cx="0" cy="0"/>
+          <a:chOff x="0" y="0"/>
+          <a:chExt cx="0" cy="0"/>
+        </a:xfrm>
+      </p:grpSpPr>
+      <p:sp>
+        <p:nvSpPr>
+          <p:cNvPr id="2" name="Title 1">
+            <a:extLst>
+              <a:ext uri="{FF2B5EF4-FFF2-40B4-BE49-F238E27FC236}">
+                <a16:creationId xmlns:a16="http://schemas.microsoft.com/office/drawing/2014/main" id="{32D7BD2B-CA6A-CF07-0740-8E555031D199}"/>
+              </a:ext>
+            </a:extLst>
+          </p:cNvPr>
+          <p:cNvSpPr>
+            <a:spLocks noGrp="1"/>
+          </p:cNvSpPr>
+          <p:nvPr>
+            <p:ph type="title"/>
+          </p:nvPr>
+        </p:nvSpPr>
+        <p:spPr>
+          <a:xfrm>
+            <a:off x="913795" y="0"/>
+            <a:ext cx="10353762" cy="403123"/>
+          </a:xfrm>
+        </p:spPr>
+        <p:txBody>
+          <a:bodyPr>
+            <a:normAutofit fontScale="90000"/>
+          </a:bodyPr>
+          <a:lstStyle/>
+          <a:p>
+            <a:r>
+              <a:rPr lang="en-US" b="1" dirty="0" err="1">
+                <a:solidFill>
+                  <a:srgbClr val="FF0000"/>
+                </a:solidFill>
+              </a:rPr>
+              <a:t>Flow_Branch_Type</a:t>
+            </a:r>
+            <a:r>
+              <a:rPr lang="en-US" b="1" dirty="0">
+                <a:solidFill>
+                  <a:srgbClr val="FF0000"/>
+                </a:solidFill>
+              </a:rPr>
+              <a:t> Entity</a:t>
+            </a:r>
+          </a:p>
+        </p:txBody>
+      </p:sp>
+      <p:sp>
+        <p:nvSpPr>
+          <p:cNvPr id="3" name="Content Placeholder 2">
+            <a:extLst>
+              <a:ext uri="{FF2B5EF4-FFF2-40B4-BE49-F238E27FC236}">
+                <a16:creationId xmlns:a16="http://schemas.microsoft.com/office/drawing/2014/main" id="{51BE9E88-259D-3524-74F4-5BE0DDE16F69}"/>
+              </a:ext>
+            </a:extLst>
+          </p:cNvPr>
+          <p:cNvSpPr>
+            <a:spLocks noGrp="1"/>
+          </p:cNvSpPr>
+          <p:nvPr>
+            <p:ph idx="1"/>
+          </p:nvPr>
+        </p:nvSpPr>
+        <p:spPr>
+          <a:xfrm>
+            <a:off x="117986" y="501445"/>
+            <a:ext cx="11926529" cy="6204155"/>
+          </a:xfrm>
+        </p:spPr>
+        <p:txBody>
+          <a:bodyPr/>
+          <a:lstStyle/>
+          <a:p>
+            <a:r>
+              <a:rPr lang="en-US" dirty="0"/>
+              <a:t>int FBT_ID</a:t>
+            </a:r>
+          </a:p>
+          <a:p>
+            <a:r>
+              <a:rPr lang="en-US" dirty="0"/>
+              <a:t>string Type</a:t>
+            </a:r>
+          </a:p>
+          <a:p>
+            <a:r>
+              <a:rPr lang="en-US" dirty="0"/>
+              <a:t>string </a:t>
+            </a:r>
+            <a:r>
+              <a:rPr lang="en-US" dirty="0" err="1"/>
+              <a:t>TypeE</a:t>
+            </a:r>
+            <a:endParaRPr lang="en-US" dirty="0"/>
+          </a:p>
+          <a:p>
+            <a:endParaRPr lang="en-US" dirty="0"/>
+          </a:p>
+        </p:txBody>
+      </p:sp>
+    </p:spTree>
+    <p:extLst>
+      <p:ext uri="{BB962C8B-B14F-4D97-AF65-F5344CB8AC3E}">
+        <p14:creationId xmlns:p14="http://schemas.microsoft.com/office/powerpoint/2010/main" val="647317556"/>
+      </p:ext>
+    </p:extLst>
+  </p:cSld>
+  <p:clrMapOvr>
+    <a:masterClrMapping/>
+  </p:clrMapOvr>
+</p:sld>
+</file>
+
+<file path=ppt/slides/slide22.xml><?xml version="1.0" encoding="utf-8"?>
+<p:sld xmlns:a="http://schemas.openxmlformats.org/drawingml/2006/main" xmlns:r="http://schemas.openxmlformats.org/officeDocument/2006/relationships" xmlns:p="http://schemas.openxmlformats.org/presentationml/2006/main">
+  <p:cSld>
+    <p:spTree>
+      <p:nvGrpSpPr>
+        <p:cNvPr id="1" name=""/>
+        <p:cNvGrpSpPr/>
+        <p:nvPr/>
+      </p:nvGrpSpPr>
+      <p:grpSpPr>
+        <a:xfrm>
+          <a:off x="0" y="0"/>
+          <a:ext cx="0" cy="0"/>
+          <a:chOff x="0" y="0"/>
+          <a:chExt cx="0" cy="0"/>
+        </a:xfrm>
+      </p:grpSpPr>
+      <p:sp>
+        <p:nvSpPr>
+          <p:cNvPr id="2" name="Title 1">
+            <a:extLst>
+              <a:ext uri="{FF2B5EF4-FFF2-40B4-BE49-F238E27FC236}">
+                <a16:creationId xmlns:a16="http://schemas.microsoft.com/office/drawing/2014/main" id="{09B9A69E-06CE-97FD-204E-1EAB56654B9A}"/>
+              </a:ext>
+            </a:extLst>
+          </p:cNvPr>
+          <p:cNvSpPr>
+            <a:spLocks noGrp="1"/>
+          </p:cNvSpPr>
+          <p:nvPr>
+            <p:ph type="title"/>
+          </p:nvPr>
+        </p:nvSpPr>
+        <p:spPr>
+          <a:xfrm>
+            <a:off x="795808" y="0"/>
+            <a:ext cx="10353762" cy="530942"/>
+          </a:xfrm>
+        </p:spPr>
+        <p:txBody>
+          <a:bodyPr>
+            <a:normAutofit fontScale="90000"/>
+          </a:bodyPr>
+          <a:lstStyle/>
+          <a:p>
+            <a:r>
+              <a:rPr lang="en-US" b="1" dirty="0" err="1">
+                <a:solidFill>
+                  <a:srgbClr val="FF0000"/>
+                </a:solidFill>
+              </a:rPr>
+              <a:t>BranchGovernRegion</a:t>
+            </a:r>
+            <a:r>
+              <a:rPr lang="en-US" b="1" dirty="0">
+                <a:solidFill>
+                  <a:srgbClr val="FF0000"/>
+                </a:solidFill>
+              </a:rPr>
+              <a:t> VM</a:t>
+            </a:r>
+          </a:p>
+        </p:txBody>
+      </p:sp>
+      <p:sp>
+        <p:nvSpPr>
+          <p:cNvPr id="3" name="Content Placeholder 2">
+            <a:extLst>
+              <a:ext uri="{FF2B5EF4-FFF2-40B4-BE49-F238E27FC236}">
+                <a16:creationId xmlns:a16="http://schemas.microsoft.com/office/drawing/2014/main" id="{8C64C52F-88D2-D45B-14B5-1C9472A1F8DB}"/>
+              </a:ext>
+            </a:extLst>
+          </p:cNvPr>
+          <p:cNvSpPr>
+            <a:spLocks noGrp="1"/>
+          </p:cNvSpPr>
+          <p:nvPr>
+            <p:ph idx="1"/>
+          </p:nvPr>
+        </p:nvSpPr>
+        <p:spPr>
+          <a:xfrm>
+            <a:off x="353960" y="530943"/>
+            <a:ext cx="11533239" cy="6135328"/>
+          </a:xfrm>
+        </p:spPr>
+        <p:txBody>
+          <a:bodyPr>
+            <a:normAutofit/>
+          </a:bodyPr>
+          <a:lstStyle/>
+          <a:p>
+            <a:r>
+              <a:rPr lang="en-US" sz="1800" dirty="0"/>
+              <a:t>BranchId     		// From Table branch</a:t>
+            </a:r>
+          </a:p>
+          <a:p>
+            <a:r>
+              <a:rPr lang="en-US" sz="1800" dirty="0" err="1"/>
+              <a:t>Branch_code</a:t>
+            </a:r>
+            <a:r>
+              <a:rPr lang="en-US" sz="1800" dirty="0"/>
+              <a:t>		// From Table branch</a:t>
+            </a:r>
+          </a:p>
+          <a:p>
+            <a:r>
+              <a:rPr lang="en-US" sz="1800" dirty="0" err="1"/>
+              <a:t>ExterNum</a:t>
+            </a:r>
+            <a:r>
+              <a:rPr lang="en-US" sz="1800" dirty="0"/>
+              <a:t>		// From Table branch</a:t>
+            </a:r>
+          </a:p>
+          <a:p>
+            <a:endParaRPr lang="en-US" sz="1800" dirty="0"/>
+          </a:p>
+        </p:txBody>
+      </p:sp>
+    </p:spTree>
+    <p:extLst>
+      <p:ext uri="{BB962C8B-B14F-4D97-AF65-F5344CB8AC3E}">
+        <p14:creationId xmlns:p14="http://schemas.microsoft.com/office/powerpoint/2010/main" val="1678316031"/>
+      </p:ext>
+    </p:extLst>
+  </p:cSld>
+  <p:clrMapOvr>
+    <a:masterClrMapping/>
+  </p:clrMapOvr>
+</p:sld>
+</file>
+
+<file path=ppt/slides/slide23.xml><?xml version="1.0" encoding="utf-8"?>
+<p:sld xmlns:a="http://schemas.openxmlformats.org/drawingml/2006/main" xmlns:r="http://schemas.openxmlformats.org/officeDocument/2006/relationships" xmlns:p="http://schemas.openxmlformats.org/presentationml/2006/main">
+  <p:cSld>
+    <p:spTree>
+      <p:nvGrpSpPr>
+        <p:cNvPr id="1" name=""/>
+        <p:cNvGrpSpPr/>
+        <p:nvPr/>
+      </p:nvGrpSpPr>
+      <p:grpSpPr>
+        <a:xfrm>
+          <a:off x="0" y="0"/>
+          <a:ext cx="0" cy="0"/>
+          <a:chOff x="0" y="0"/>
+          <a:chExt cx="0" cy="0"/>
+        </a:xfrm>
+      </p:grpSpPr>
+      <p:sp>
+        <p:nvSpPr>
+          <p:cNvPr id="2" name="Title 1">
+            <a:extLst>
+              <a:ext uri="{FF2B5EF4-FFF2-40B4-BE49-F238E27FC236}">
+                <a16:creationId xmlns:a16="http://schemas.microsoft.com/office/drawing/2014/main" id="{3543CE53-308B-7AB5-E6DC-09A37427C286}"/>
+              </a:ext>
+            </a:extLst>
+          </p:cNvPr>
+          <p:cNvSpPr>
+            <a:spLocks noGrp="1"/>
+          </p:cNvSpPr>
+          <p:nvPr>
+            <p:ph type="title"/>
+          </p:nvPr>
+        </p:nvSpPr>
+        <p:spPr>
+          <a:xfrm>
+            <a:off x="206477" y="0"/>
+            <a:ext cx="11779045" cy="599768"/>
+          </a:xfrm>
+        </p:spPr>
+        <p:txBody>
+          <a:bodyPr>
+            <a:normAutofit fontScale="90000"/>
+          </a:bodyPr>
+          <a:lstStyle/>
+          <a:p>
+            <a:r>
+              <a:rPr lang="en-US" b="1" dirty="0" err="1">
+                <a:solidFill>
+                  <a:srgbClr val="FF0000"/>
+                </a:solidFill>
+              </a:rPr>
+              <a:t>Trans_GPS_Tracking</a:t>
+            </a:r>
+            <a:endParaRPr lang="en-US" b="1" dirty="0">
+              <a:solidFill>
+                <a:srgbClr val="FF0000"/>
+              </a:solidFill>
+            </a:endParaRPr>
+          </a:p>
+        </p:txBody>
+      </p:sp>
+      <p:sp>
+        <p:nvSpPr>
+          <p:cNvPr id="3" name="Content Placeholder 2">
+            <a:extLst>
+              <a:ext uri="{FF2B5EF4-FFF2-40B4-BE49-F238E27FC236}">
+                <a16:creationId xmlns:a16="http://schemas.microsoft.com/office/drawing/2014/main" id="{21169C85-3764-A8D2-5E7F-25BFA22E03A0}"/>
+              </a:ext>
+            </a:extLst>
+          </p:cNvPr>
+          <p:cNvSpPr>
+            <a:spLocks noGrp="1"/>
+          </p:cNvSpPr>
+          <p:nvPr>
+            <p:ph idx="1"/>
+          </p:nvPr>
+        </p:nvSpPr>
+        <p:spPr>
+          <a:xfrm>
+            <a:off x="226142" y="599769"/>
+            <a:ext cx="11779045" cy="6115664"/>
+          </a:xfrm>
+        </p:spPr>
+        <p:txBody>
+          <a:bodyPr/>
+          <a:lstStyle/>
+          <a:p>
+            <a:r>
+              <a:rPr lang="en-US" dirty="0"/>
+              <a:t>int </a:t>
+            </a:r>
+            <a:r>
+              <a:rPr lang="en-US" dirty="0" err="1"/>
+              <a:t>GPST_Id</a:t>
+            </a:r>
+            <a:r>
+              <a:rPr lang="en-US" dirty="0"/>
+              <a:t> </a:t>
+            </a:r>
+          </a:p>
+          <a:p>
+            <a:r>
+              <a:rPr lang="en-US" dirty="0"/>
+              <a:t>int </a:t>
+            </a:r>
+            <a:r>
+              <a:rPr lang="en-US" dirty="0" err="1"/>
+              <a:t>UserID</a:t>
+            </a:r>
+            <a:r>
+              <a:rPr lang="en-US" dirty="0"/>
+              <a:t> </a:t>
+            </a:r>
+          </a:p>
+          <a:p>
+            <a:r>
+              <a:rPr lang="en-US" dirty="0" err="1"/>
+              <a:t>DateTime</a:t>
+            </a:r>
+            <a:r>
+              <a:rPr lang="en-US" dirty="0"/>
+              <a:t> </a:t>
+            </a:r>
+            <a:r>
+              <a:rPr lang="en-US" dirty="0" err="1"/>
+              <a:t>ActionDate</a:t>
+            </a:r>
+            <a:r>
+              <a:rPr lang="en-US" dirty="0"/>
+              <a:t>  </a:t>
+            </a:r>
+          </a:p>
+          <a:p>
+            <a:r>
+              <a:rPr lang="en-US" dirty="0"/>
+              <a:t>string Step  </a:t>
+            </a:r>
+          </a:p>
+          <a:p>
+            <a:r>
+              <a:rPr lang="en-US" dirty="0"/>
+              <a:t>string  Latitude </a:t>
+            </a:r>
+          </a:p>
+          <a:p>
+            <a:r>
+              <a:rPr lang="en-US" dirty="0"/>
+              <a:t>string Longitude </a:t>
+            </a:r>
+          </a:p>
+          <a:p>
+            <a:r>
+              <a:rPr lang="en-US" dirty="0"/>
+              <a:t>string Address </a:t>
+            </a:r>
+          </a:p>
+          <a:p>
+            <a:r>
+              <a:rPr lang="en-US" dirty="0"/>
+              <a:t>decimal </a:t>
+            </a:r>
+            <a:r>
+              <a:rPr lang="en-US" dirty="0" err="1"/>
+              <a:t>RequestID</a:t>
+            </a:r>
+            <a:r>
+              <a:rPr lang="en-US" dirty="0"/>
+              <a:t> </a:t>
+            </a:r>
+          </a:p>
+          <a:p>
+            <a:r>
+              <a:rPr lang="en-US" dirty="0"/>
+              <a:t>string Status </a:t>
+            </a:r>
+          </a:p>
+        </p:txBody>
+      </p:sp>
+    </p:spTree>
+    <p:extLst>
+      <p:ext uri="{BB962C8B-B14F-4D97-AF65-F5344CB8AC3E}">
+        <p14:creationId xmlns:p14="http://schemas.microsoft.com/office/powerpoint/2010/main" val="1266257650"/>
+      </p:ext>
+    </p:extLst>
+  </p:cSld>
+  <p:clrMapOvr>
+    <a:masterClrMapping/>
+  </p:clrMapOvr>
+</p:sld>
+</file>
+
+<file path=ppt/slides/slide24.xml><?xml version="1.0" encoding="utf-8"?>
+<p:sld xmlns:a="http://schemas.openxmlformats.org/drawingml/2006/main" xmlns:r="http://schemas.openxmlformats.org/officeDocument/2006/relationships" xmlns:p="http://schemas.openxmlformats.org/presentationml/2006/main">
+  <p:cSld>
+    <p:spTree>
+      <p:nvGrpSpPr>
+        <p:cNvPr id="1" name=""/>
+        <p:cNvGrpSpPr/>
+        <p:nvPr/>
+      </p:nvGrpSpPr>
+      <p:grpSpPr>
+        <a:xfrm>
+          <a:off x="0" y="0"/>
+          <a:ext cx="0" cy="0"/>
+          <a:chOff x="0" y="0"/>
+          <a:chExt cx="0" cy="0"/>
+        </a:xfrm>
+      </p:grpSpPr>
+      <p:sp>
+        <p:nvSpPr>
+          <p:cNvPr id="2" name="Title 1">
+            <a:extLst>
+              <a:ext uri="{FF2B5EF4-FFF2-40B4-BE49-F238E27FC236}">
+                <a16:creationId xmlns:a16="http://schemas.microsoft.com/office/drawing/2014/main" id="{B4EC5ABE-BF9E-001D-EBAF-5DD540BC2175}"/>
+              </a:ext>
+            </a:extLst>
+          </p:cNvPr>
+          <p:cNvSpPr>
+            <a:spLocks noGrp="1"/>
+          </p:cNvSpPr>
+          <p:nvPr>
+            <p:ph type="title"/>
+          </p:nvPr>
+        </p:nvSpPr>
+        <p:spPr>
+          <a:xfrm>
+            <a:off x="913795" y="0"/>
+            <a:ext cx="10353762" cy="530942"/>
+          </a:xfrm>
+        </p:spPr>
+        <p:txBody>
+          <a:bodyPr>
+            <a:normAutofit fontScale="90000"/>
+          </a:bodyPr>
+          <a:lstStyle/>
+          <a:p>
+            <a:r>
+              <a:rPr lang="en-US" sz="2900" b="1" dirty="0" err="1">
+                <a:solidFill>
+                  <a:srgbClr val="FF0000"/>
+                </a:solidFill>
+                <a:effectLst/>
+              </a:rPr>
+              <a:t>Funding_request</a:t>
+            </a:r>
+            <a:r>
+              <a:rPr lang="en-US" sz="2900" b="1" dirty="0">
+                <a:solidFill>
+                  <a:srgbClr val="FF0000"/>
+                </a:solidFill>
+                <a:effectLst/>
+              </a:rPr>
+              <a:t> entity at </a:t>
+            </a:r>
+            <a:r>
+              <a:rPr lang="en-US" sz="2900" b="1" dirty="0" err="1">
+                <a:solidFill>
+                  <a:srgbClr val="FF0000"/>
+                </a:solidFill>
+                <a:effectLst/>
+              </a:rPr>
+              <a:t>FlowChart.Transaction</a:t>
+            </a:r>
+            <a:endParaRPr lang="en-US" sz="2900" b="1" dirty="0">
+              <a:solidFill>
+                <a:srgbClr val="FF0000"/>
+              </a:solidFill>
+              <a:effectLst/>
+            </a:endParaRPr>
+          </a:p>
+        </p:txBody>
+      </p:sp>
+      <p:sp>
+        <p:nvSpPr>
+          <p:cNvPr id="3" name="Content Placeholder 2">
+            <a:extLst>
+              <a:ext uri="{FF2B5EF4-FFF2-40B4-BE49-F238E27FC236}">
+                <a16:creationId xmlns:a16="http://schemas.microsoft.com/office/drawing/2014/main" id="{466D83B8-9737-6D50-1A3C-779CBDBDB609}"/>
+              </a:ext>
+            </a:extLst>
+          </p:cNvPr>
+          <p:cNvSpPr>
+            <a:spLocks noGrp="1"/>
+          </p:cNvSpPr>
+          <p:nvPr>
+            <p:ph idx="1"/>
+          </p:nvPr>
+        </p:nvSpPr>
+        <p:spPr>
+          <a:xfrm>
+            <a:off x="206477" y="530943"/>
+            <a:ext cx="11808542" cy="6194322"/>
+          </a:xfrm>
+        </p:spPr>
+        <p:txBody>
+          <a:bodyPr/>
+          <a:lstStyle/>
+          <a:p>
+            <a:r>
+              <a:rPr lang="en-US" dirty="0"/>
+              <a:t>decimal </a:t>
+            </a:r>
+            <a:r>
+              <a:rPr lang="en-US" dirty="0" err="1"/>
+              <a:t>Request_id</a:t>
+            </a:r>
+            <a:endParaRPr lang="en-US" dirty="0"/>
+          </a:p>
+        </p:txBody>
+      </p:sp>
+    </p:spTree>
+    <p:extLst>
+      <p:ext uri="{BB962C8B-B14F-4D97-AF65-F5344CB8AC3E}">
+        <p14:creationId xmlns:p14="http://schemas.microsoft.com/office/powerpoint/2010/main" val="1535006048"/>
       </p:ext>
     </p:extLst>
   </p:cSld>
@@ -7965,26 +9408,31 @@
         <p:spPr>
           <a:xfrm>
             <a:off x="1012118" y="0"/>
-            <a:ext cx="10353762" cy="970450"/>
+            <a:ext cx="10353762" cy="383458"/>
           </a:xfrm>
         </p:spPr>
         <p:txBody>
-          <a:bodyPr/>
-          <a:lstStyle/>
-          <a:p>
-            <a:r>
-              <a:rPr lang="ar-EG" b="1" dirty="0">
+          <a:bodyPr>
+            <a:noAutofit/>
+          </a:bodyPr>
+          <a:lstStyle/>
+          <a:p>
+            <a:r>
+              <a:rPr lang="ar-EG" sz="3200" b="1" dirty="0">
                 <a:solidFill>
                   <a:srgbClr val="FF0000"/>
                 </a:solidFill>
               </a:rPr>
               <a:t>إدخال طلب</a:t>
             </a:r>
-            <a:endParaRPr lang="en-US" b="1" dirty="0">
-              <a:solidFill>
-                <a:srgbClr val="FF0000"/>
-              </a:solidFill>
-            </a:endParaRPr>
+            <a:r>
+              <a:rPr lang="en-US" sz="3200" b="1" dirty="0">
+                <a:solidFill>
+                  <a:srgbClr val="FF0000"/>
+                </a:solidFill>
+              </a:rPr>
+              <a:t> (Funding Request)</a:t>
+            </a:r>
           </a:p>
         </p:txBody>
       </p:sp>
@@ -8004,12 +9452,304 @@
             <p:ph idx="1"/>
           </p:nvPr>
         </p:nvSpPr>
-        <p:spPr/>
+        <p:spPr>
+          <a:xfrm>
+            <a:off x="334297" y="511276"/>
+            <a:ext cx="11592232" cy="6346723"/>
+          </a:xfrm>
+        </p:spPr>
         <p:txBody>
           <a:bodyPr/>
           <a:lstStyle/>
           <a:p>
-            <a:endParaRPr lang="en-US"/>
+            <a:pPr algn="r" rtl="1"/>
+            <a:r>
+              <a:rPr lang="ar-EG" dirty="0"/>
+              <a:t>نوع التمويل: </a:t>
+            </a:r>
+            <a:r>
+              <a:rPr lang="ar-EG" dirty="0">
+                <a:effectLst/>
+              </a:rPr>
+              <a:t>(مثل تمويل شخصي، تمويل عقاري، أو تمويل مشروعات صغيرة)</a:t>
+            </a:r>
+          </a:p>
+          <a:p>
+            <a:pPr algn="r" rtl="1"/>
+            <a:r>
+              <a:rPr lang="ar-EG" dirty="0">
+                <a:effectLst/>
+              </a:rPr>
+              <a:t>الحالة: </a:t>
+            </a:r>
+            <a:r>
+              <a:rPr lang="ar-EG" b="1" dirty="0">
+                <a:effectLst/>
+              </a:rPr>
+              <a:t>(جديد/تجديد) </a:t>
+            </a:r>
+            <a:r>
+              <a:rPr lang="ar-EG" dirty="0">
+                <a:effectLst/>
+              </a:rPr>
+              <a:t>تُحدد ما إذا كان العميل يتقدم بطلب </a:t>
+            </a:r>
+            <a:r>
+              <a:rPr lang="ar-EG" b="1" dirty="0">
+                <a:effectLst/>
+              </a:rPr>
+              <a:t>لأول مرة</a:t>
+            </a:r>
+            <a:r>
+              <a:rPr lang="ar-EG" dirty="0">
+                <a:effectLst/>
+              </a:rPr>
+              <a:t> (جديد) أو يطلب </a:t>
+            </a:r>
+            <a:r>
+              <a:rPr lang="ar-EG" b="1" dirty="0">
+                <a:effectLst/>
+              </a:rPr>
+              <a:t>إعادة تمويل</a:t>
+            </a:r>
+            <a:r>
+              <a:rPr lang="ar-EG" dirty="0">
+                <a:effectLst/>
+              </a:rPr>
+              <a:t> أو تجديد لقرض قائم بالفعل</a:t>
+            </a:r>
+          </a:p>
+          <a:p>
+            <a:pPr algn="r" rtl="1"/>
+            <a:r>
+              <a:rPr lang="ar-EG" b="1" dirty="0">
+                <a:effectLst/>
+              </a:rPr>
+              <a:t>إسم العميل:</a:t>
+            </a:r>
+            <a:r>
+              <a:rPr lang="ar-EG" dirty="0">
+                <a:effectLst/>
+              </a:rPr>
+              <a:t> الاسم الكامل لمقدم الطلب كما هو مسجل في الأوراق الرسمية</a:t>
+            </a:r>
+          </a:p>
+          <a:p>
+            <a:pPr algn="r" rtl="1"/>
+            <a:r>
+              <a:rPr lang="ar-EG" b="1" dirty="0">
+                <a:effectLst/>
+              </a:rPr>
+              <a:t>المنشأة:</a:t>
+            </a:r>
+            <a:r>
+              <a:rPr lang="ar-EG" dirty="0">
+                <a:effectLst/>
+              </a:rPr>
+              <a:t> تشير إلى </a:t>
+            </a:r>
+            <a:r>
+              <a:rPr lang="ar-EG" b="1" dirty="0">
+                <a:effectLst/>
+              </a:rPr>
+              <a:t>جهة العمل</a:t>
+            </a:r>
+            <a:r>
+              <a:rPr lang="ar-EG" dirty="0">
+                <a:effectLst/>
+              </a:rPr>
+              <a:t> التي يعمل بها العميل أو اسم </a:t>
+            </a:r>
+            <a:r>
+              <a:rPr lang="ar-EG" b="1" dirty="0">
+                <a:effectLst/>
+              </a:rPr>
+              <a:t>المشروع/الشركة</a:t>
+            </a:r>
+            <a:r>
+              <a:rPr lang="ar-EG" dirty="0">
+                <a:effectLst/>
+              </a:rPr>
+              <a:t> التي يمتلكها ويرغب في تمويلها.</a:t>
+            </a:r>
+          </a:p>
+          <a:p>
+            <a:pPr algn="r" rtl="1"/>
+            <a:r>
+              <a:rPr lang="ar-EG" b="1" dirty="0">
+                <a:effectLst/>
+              </a:rPr>
+              <a:t>إسم الضامن:</a:t>
+            </a:r>
+            <a:r>
+              <a:rPr lang="ar-EG" dirty="0">
+                <a:effectLst/>
+              </a:rPr>
+              <a:t> الشخص الذي يتعهد بسداد القرض في حال تعثر العميل الأساسي.</a:t>
+            </a:r>
+          </a:p>
+          <a:p>
+            <a:pPr algn="r" rtl="1"/>
+            <a:r>
+              <a:rPr lang="ar-EG" b="1" dirty="0">
+                <a:effectLst/>
+              </a:rPr>
+              <a:t>الرقم القومي للضامن:</a:t>
+            </a:r>
+            <a:r>
+              <a:rPr lang="ar-EG" dirty="0">
+                <a:effectLst/>
+              </a:rPr>
+              <a:t> بيانات الهوية الخاصة بالضامن للتحقق من أهليته القانونية والائتمانية.</a:t>
+            </a:r>
+          </a:p>
+          <a:p>
+            <a:pPr algn="r" rtl="1"/>
+            <a:r>
+              <a:rPr lang="ar-EG" b="1" dirty="0">
+                <a:effectLst/>
+              </a:rPr>
+              <a:t>صلة العميل بالضامن:</a:t>
+            </a:r>
+            <a:r>
+              <a:rPr lang="ar-EG" dirty="0">
+                <a:effectLst/>
+              </a:rPr>
+              <a:t> طبيعة العلاقة بينهما (مثل: درجة أولى، صديق، زميل عمل) لتقييم مدى قوة الضمانة</a:t>
+            </a:r>
+          </a:p>
+          <a:p>
+            <a:pPr algn="r" rtl="1"/>
+            <a:r>
+              <a:rPr lang="ar-EG" b="1" dirty="0">
+                <a:solidFill>
+                  <a:srgbClr val="FFFF00"/>
+                </a:solidFill>
+                <a:effectLst/>
+              </a:rPr>
+              <a:t>المبلغ المطلوب</a:t>
+            </a:r>
+            <a:r>
+              <a:rPr lang="ar-EG" b="1" dirty="0">
+                <a:effectLst/>
+              </a:rPr>
+              <a:t>:</a:t>
+            </a:r>
+            <a:r>
+              <a:rPr lang="ar-EG" dirty="0">
+                <a:effectLst/>
+              </a:rPr>
+              <a:t> إجمالي المبلغ الذي </a:t>
+            </a:r>
+            <a:r>
+              <a:rPr lang="ar-EG" b="1" dirty="0">
+                <a:effectLst/>
+              </a:rPr>
+              <a:t>يأمل</a:t>
+            </a:r>
+            <a:r>
+              <a:rPr lang="ar-EG" dirty="0">
+                <a:effectLst/>
+              </a:rPr>
+              <a:t> العميل في الحصول عليه من جهة التمويل</a:t>
+            </a:r>
+          </a:p>
+          <a:p>
+            <a:pPr algn="r" rtl="1"/>
+            <a:r>
+              <a:rPr lang="ar-EG" b="1" dirty="0">
+                <a:solidFill>
+                  <a:srgbClr val="FFFF00"/>
+                </a:solidFill>
+                <a:effectLst/>
+              </a:rPr>
+              <a:t>قيمة التمويل</a:t>
+            </a:r>
+            <a:r>
+              <a:rPr lang="ar-EG" b="1" dirty="0">
+                <a:effectLst/>
+              </a:rPr>
+              <a:t>:</a:t>
+            </a:r>
+            <a:r>
+              <a:rPr lang="ar-EG" dirty="0">
+                <a:effectLst/>
+              </a:rPr>
+              <a:t> </a:t>
+            </a:r>
+            <a:r>
+              <a:rPr lang="ar-EG" b="1" dirty="0">
+                <a:solidFill>
+                  <a:schemeClr val="tx1"/>
+                </a:solidFill>
+                <a:effectLst/>
+              </a:rPr>
+              <a:t>مبلغ التمويل الذي توافق </a:t>
+            </a:r>
+            <a:r>
+              <a:rPr lang="ar-EG" dirty="0">
+                <a:effectLst/>
+              </a:rPr>
+              <a:t>جهة التمويل مبدئياً على منحه بناءً على دراسة حالة العميل</a:t>
+            </a:r>
+          </a:p>
+          <a:p>
+            <a:pPr algn="r" rtl="1"/>
+            <a:r>
+              <a:rPr lang="ar-EG" b="1" dirty="0">
+                <a:solidFill>
+                  <a:srgbClr val="FFFF00"/>
+                </a:solidFill>
+                <a:effectLst/>
+              </a:rPr>
+              <a:t>القيمة الفعلية للتمويل</a:t>
+            </a:r>
+            <a:r>
+              <a:rPr lang="ar-EG" b="1" dirty="0">
+                <a:effectLst/>
+              </a:rPr>
+              <a:t>:</a:t>
+            </a:r>
+            <a:r>
+              <a:rPr lang="ar-EG" dirty="0">
+                <a:effectLst/>
+              </a:rPr>
+              <a:t> المبلغ الصافي الذي سيستلمه العميل فعلياً بعد خصم أي رسوم إدارية أو مصاريف بنكية</a:t>
+            </a:r>
+          </a:p>
+          <a:p>
+            <a:pPr algn="r" rtl="1"/>
+            <a:r>
+              <a:rPr lang="ar-EG" b="1" dirty="0">
+                <a:effectLst/>
+              </a:rPr>
+              <a:t>الهدف من التمويل : </a:t>
+            </a:r>
+            <a:r>
+              <a:rPr lang="ar-EG" dirty="0">
+                <a:effectLst/>
+              </a:rPr>
+              <a:t>الغرض من الحصول على المال (مثل: شراء أصول، توسعة مشروع، سداد ديون أخرى).</a:t>
+            </a:r>
+          </a:p>
+          <a:p>
+            <a:pPr algn="r" rtl="1"/>
+            <a:r>
+              <a:rPr lang="ar-EG" b="1" dirty="0">
+                <a:effectLst/>
+              </a:rPr>
+              <a:t>جهة الصرف : ا</a:t>
+            </a:r>
+            <a:r>
+              <a:rPr lang="ar-EG" dirty="0">
+                <a:effectLst/>
+              </a:rPr>
+              <a:t>لمكان أو الطريقة التي سيتم بها تحويل الأموال (مثل: صرف نقدي، شيك لجهة موردة، أو إيداع في حساب بنكي محدد).</a:t>
+            </a:r>
+          </a:p>
+          <a:p>
+            <a:pPr algn="r" rtl="1"/>
+            <a:endParaRPr lang="en-US" dirty="0"/>
           </a:p>
         </p:txBody>
       </p:sp>

--- a/Dot Net/Business.pptx
+++ b/Dot Net/Business.pptx
@@ -26,9 +26,19 @@
     <p:sldId id="273" r:id="rId20"/>
     <p:sldId id="274" r:id="rId21"/>
     <p:sldId id="275" r:id="rId22"/>
-    <p:sldId id="276" r:id="rId23"/>
-    <p:sldId id="278" r:id="rId24"/>
-    <p:sldId id="279" r:id="rId25"/>
+    <p:sldId id="278" r:id="rId23"/>
+    <p:sldId id="279" r:id="rId24"/>
+    <p:sldId id="280" r:id="rId25"/>
+    <p:sldId id="285" r:id="rId26"/>
+    <p:sldId id="286" r:id="rId27"/>
+    <p:sldId id="287" r:id="rId28"/>
+    <p:sldId id="281" r:id="rId29"/>
+    <p:sldId id="288" r:id="rId30"/>
+    <p:sldId id="282" r:id="rId31"/>
+    <p:sldId id="283" r:id="rId32"/>
+    <p:sldId id="284" r:id="rId33"/>
+    <p:sldId id="276" r:id="rId34"/>
+    <p:sldId id="289" r:id="rId35"/>
   </p:sldIdLst>
   <p:sldSz cx="12192000" cy="6858000"/>
   <p:notesSz cx="6858000" cy="9144000"/>
@@ -320,7 +330,7 @@
           <a:p>
             <a:fld id="{C744FA5D-EF1D-489D-8D8F-1FF7B7B6D702}" type="datetimeFigureOut">
               <a:rPr lang="en-US" smtClean="0"/>
-              <a:t>2/11/2026</a:t>
+              <a:t>2/12/2026</a:t>
             </a:fld>
             <a:endParaRPr lang="en-US"/>
           </a:p>
@@ -618,7 +628,7 @@
           <a:p>
             <a:fld id="{C744FA5D-EF1D-489D-8D8F-1FF7B7B6D702}" type="datetimeFigureOut">
               <a:rPr lang="en-US" smtClean="0"/>
-              <a:t>2/11/2026</a:t>
+              <a:t>2/12/2026</a:t>
             </a:fld>
             <a:endParaRPr lang="en-US"/>
           </a:p>
@@ -810,7 +820,7 @@
           <a:p>
             <a:fld id="{C744FA5D-EF1D-489D-8D8F-1FF7B7B6D702}" type="datetimeFigureOut">
               <a:rPr lang="en-US" smtClean="0"/>
-              <a:t>2/11/2026</a:t>
+              <a:t>2/12/2026</a:t>
             </a:fld>
             <a:endParaRPr lang="en-US"/>
           </a:p>
@@ -1071,7 +1081,7 @@
           <a:p>
             <a:fld id="{C744FA5D-EF1D-489D-8D8F-1FF7B7B6D702}" type="datetimeFigureOut">
               <a:rPr lang="en-US" smtClean="0"/>
-              <a:t>2/11/2026</a:t>
+              <a:t>2/12/2026</a:t>
             </a:fld>
             <a:endParaRPr lang="en-US"/>
           </a:p>
@@ -1495,7 +1505,7 @@
           <a:p>
             <a:fld id="{C744FA5D-EF1D-489D-8D8F-1FF7B7B6D702}" type="datetimeFigureOut">
               <a:rPr lang="en-US" smtClean="0"/>
-              <a:t>2/11/2026</a:t>
+              <a:t>2/12/2026</a:t>
             </a:fld>
             <a:endParaRPr lang="en-US"/>
           </a:p>
@@ -2032,7 +2042,7 @@
           <a:p>
             <a:fld id="{C744FA5D-EF1D-489D-8D8F-1FF7B7B6D702}" type="datetimeFigureOut">
               <a:rPr lang="en-US" smtClean="0"/>
-              <a:t>2/11/2026</a:t>
+              <a:t>2/12/2026</a:t>
             </a:fld>
             <a:endParaRPr lang="en-US"/>
           </a:p>
@@ -2896,7 +2906,7 @@
           <a:p>
             <a:fld id="{C744FA5D-EF1D-489D-8D8F-1FF7B7B6D702}" type="datetimeFigureOut">
               <a:rPr lang="en-US" smtClean="0"/>
-              <a:t>2/11/2026</a:t>
+              <a:t>2/12/2026</a:t>
             </a:fld>
             <a:endParaRPr lang="en-US"/>
           </a:p>
@@ -3066,7 +3076,7 @@
           <a:p>
             <a:fld id="{C744FA5D-EF1D-489D-8D8F-1FF7B7B6D702}" type="datetimeFigureOut">
               <a:rPr lang="en-US" smtClean="0"/>
-              <a:t>2/11/2026</a:t>
+              <a:t>2/12/2026</a:t>
             </a:fld>
             <a:endParaRPr lang="en-US"/>
           </a:p>
@@ -3250,7 +3260,7 @@
           <a:p>
             <a:fld id="{C744FA5D-EF1D-489D-8D8F-1FF7B7B6D702}" type="datetimeFigureOut">
               <a:rPr lang="en-US" smtClean="0"/>
-              <a:t>2/11/2026</a:t>
+              <a:t>2/12/2026</a:t>
             </a:fld>
             <a:endParaRPr lang="en-US"/>
           </a:p>
@@ -3420,7 +3430,7 @@
           <a:p>
             <a:fld id="{C744FA5D-EF1D-489D-8D8F-1FF7B7B6D702}" type="datetimeFigureOut">
               <a:rPr lang="en-US" smtClean="0"/>
-              <a:t>2/11/2026</a:t>
+              <a:t>2/12/2026</a:t>
             </a:fld>
             <a:endParaRPr lang="en-US"/>
           </a:p>
@@ -3664,7 +3674,7 @@
           <a:p>
             <a:fld id="{C744FA5D-EF1D-489D-8D8F-1FF7B7B6D702}" type="datetimeFigureOut">
               <a:rPr lang="en-US" smtClean="0"/>
-              <a:t>2/11/2026</a:t>
+              <a:t>2/12/2026</a:t>
             </a:fld>
             <a:endParaRPr lang="en-US"/>
           </a:p>
@@ -3900,7 +3910,7 @@
           <a:p>
             <a:fld id="{C744FA5D-EF1D-489D-8D8F-1FF7B7B6D702}" type="datetimeFigureOut">
               <a:rPr lang="en-US" smtClean="0"/>
-              <a:t>2/11/2026</a:t>
+              <a:t>2/12/2026</a:t>
             </a:fld>
             <a:endParaRPr lang="en-US"/>
           </a:p>
@@ -4366,7 +4376,7 @@
           <a:p>
             <a:fld id="{C744FA5D-EF1D-489D-8D8F-1FF7B7B6D702}" type="datetimeFigureOut">
               <a:rPr lang="en-US" smtClean="0"/>
-              <a:t>2/11/2026</a:t>
+              <a:t>2/12/2026</a:t>
             </a:fld>
             <a:endParaRPr lang="en-US"/>
           </a:p>
@@ -4484,7 +4494,7 @@
           <a:p>
             <a:fld id="{C744FA5D-EF1D-489D-8D8F-1FF7B7B6D702}" type="datetimeFigureOut">
               <a:rPr lang="en-US" smtClean="0"/>
-              <a:t>2/11/2026</a:t>
+              <a:t>2/12/2026</a:t>
             </a:fld>
             <a:endParaRPr lang="en-US"/>
           </a:p>
@@ -4579,7 +4589,7 @@
           <a:p>
             <a:fld id="{C744FA5D-EF1D-489D-8D8F-1FF7B7B6D702}" type="datetimeFigureOut">
               <a:rPr lang="en-US" smtClean="0"/>
-              <a:t>2/11/2026</a:t>
+              <a:t>2/12/2026</a:t>
             </a:fld>
             <a:endParaRPr lang="en-US"/>
           </a:p>
@@ -4834,7 +4844,7 @@
           <a:p>
             <a:fld id="{C744FA5D-EF1D-489D-8D8F-1FF7B7B6D702}" type="datetimeFigureOut">
               <a:rPr lang="en-US" smtClean="0"/>
-              <a:t>2/11/2026</a:t>
+              <a:t>2/12/2026</a:t>
             </a:fld>
             <a:endParaRPr lang="en-US"/>
           </a:p>
@@ -5134,7 +5144,7 @@
           <a:p>
             <a:fld id="{C744FA5D-EF1D-489D-8D8F-1FF7B7B6D702}" type="datetimeFigureOut">
               <a:rPr lang="en-US" smtClean="0"/>
-              <a:t>2/11/2026</a:t>
+              <a:t>2/12/2026</a:t>
             </a:fld>
             <a:endParaRPr lang="en-US"/>
           </a:p>
@@ -5368,7 +5378,7 @@
           <a:p>
             <a:fld id="{C744FA5D-EF1D-489D-8D8F-1FF7B7B6D702}" type="datetimeFigureOut">
               <a:rPr lang="en-US" smtClean="0"/>
-              <a:t>2/11/2026</a:t>
+              <a:t>2/12/2026</a:t>
             </a:fld>
             <a:endParaRPr lang="en-US"/>
           </a:p>
@@ -6093,13 +6103,8 @@
           <a:p>
             <a:r>
               <a:rPr lang="en-US" dirty="0"/>
-              <a:t>By. Ahmed Mohamed </a:t>
-            </a:r>
-            <a:r>
-              <a:rPr lang="en-US" dirty="0" err="1"/>
-              <a:t>samir</a:t>
-            </a:r>
-            <a:endParaRPr lang="en-US" dirty="0"/>
+              <a:t>By. Ahmed Mohamed Samir</a:t>
+            </a:r>
           </a:p>
         </p:txBody>
       </p:sp>
@@ -6167,6 +6172,18 @@
               </a:rPr>
               <a:t>طلب تمويل</a:t>
             </a:r>
+            <a:r>
+              <a:rPr lang="en-US" b="1" dirty="0">
+                <a:effectLst/>
+              </a:rPr>
+              <a:t> </a:t>
+            </a:r>
+            <a:r>
+              <a:rPr lang="ar-EG" b="1" dirty="0">
+                <a:effectLst/>
+              </a:rPr>
+              <a:t>تجديد</a:t>
+            </a:r>
             <a:endParaRPr lang="en-US" dirty="0"/>
           </a:p>
         </p:txBody>
@@ -7806,7 +7823,7 @@
           <p:cNvPr id="2" name="Title 1">
             <a:extLst>
               <a:ext uri="{FF2B5EF4-FFF2-40B4-BE49-F238E27FC236}">
-                <a16:creationId xmlns:a16="http://schemas.microsoft.com/office/drawing/2014/main" id="{09B9A69E-06CE-97FD-204E-1EAB56654B9A}"/>
+                <a16:creationId xmlns:a16="http://schemas.microsoft.com/office/drawing/2014/main" id="{3543CE53-308B-7AB5-E6DC-09A37427C286}"/>
               </a:ext>
             </a:extLst>
           </p:cNvPr>
@@ -7819,8 +7836,8 @@
         </p:nvSpPr>
         <p:spPr>
           <a:xfrm>
-            <a:off x="795808" y="0"/>
-            <a:ext cx="10353762" cy="530942"/>
+            <a:off x="206477" y="0"/>
+            <a:ext cx="11779045" cy="599768"/>
           </a:xfrm>
         </p:spPr>
         <p:txBody>
@@ -7835,16 +7852,13 @@
                   <a:srgbClr val="FF0000"/>
                 </a:solidFill>
               </a:rPr>
-              <a:t>BranchGovernRegion</a:t>
-            </a:r>
-            <a:r>
-              <a:rPr lang="en-US" b="1" dirty="0">
-                <a:solidFill>
-                  <a:srgbClr val="FF0000"/>
-                </a:solidFill>
-              </a:rPr>
-              <a:t> VM</a:t>
-            </a:r>
+              <a:t>Trans_GPS_Tracking</a:t>
+            </a:r>
+            <a:endParaRPr lang="en-US" b="1" dirty="0">
+              <a:solidFill>
+                <a:srgbClr val="FF0000"/>
+              </a:solidFill>
+            </a:endParaRPr>
           </a:p>
         </p:txBody>
       </p:sp>
@@ -7853,7 +7867,7 @@
           <p:cNvPr id="3" name="Content Placeholder 2">
             <a:extLst>
               <a:ext uri="{FF2B5EF4-FFF2-40B4-BE49-F238E27FC236}">
-                <a16:creationId xmlns:a16="http://schemas.microsoft.com/office/drawing/2014/main" id="{8C64C52F-88D2-D45B-14B5-1C9472A1F8DB}"/>
+                <a16:creationId xmlns:a16="http://schemas.microsoft.com/office/drawing/2014/main" id="{21169C85-3764-A8D2-5E7F-25BFA22E03A0}"/>
               </a:ext>
             </a:extLst>
           </p:cNvPr>
@@ -7866,50 +7880,105 @@
         </p:nvSpPr>
         <p:spPr>
           <a:xfrm>
-            <a:off x="353960" y="530943"/>
-            <a:ext cx="11533239" cy="6135328"/>
+            <a:off x="226142" y="599769"/>
+            <a:ext cx="11779045" cy="6115664"/>
           </a:xfrm>
         </p:spPr>
         <p:txBody>
-          <a:bodyPr>
-            <a:normAutofit/>
-          </a:bodyPr>
-          <a:lstStyle/>
-          <a:p>
-            <a:r>
-              <a:rPr lang="en-US" sz="1800" dirty="0"/>
-              <a:t>BranchId     		// From Table branch</a:t>
-            </a:r>
-          </a:p>
-          <a:p>
-            <a:r>
-              <a:rPr lang="en-US" sz="1800" dirty="0" err="1"/>
-              <a:t>Branch_code</a:t>
-            </a:r>
-            <a:r>
-              <a:rPr lang="en-US" sz="1800" dirty="0"/>
-              <a:t>		// From Table branch</a:t>
-            </a:r>
-          </a:p>
-          <a:p>
-            <a:r>
-              <a:rPr lang="en-US" sz="1800" dirty="0" err="1"/>
-              <a:t>ExterNum</a:t>
-            </a:r>
-            <a:r>
-              <a:rPr lang="en-US" sz="1800" dirty="0"/>
-              <a:t>		// From Table branch</a:t>
-            </a:r>
-          </a:p>
-          <a:p>
-            <a:endParaRPr lang="en-US" sz="1800" dirty="0"/>
+          <a:bodyPr/>
+          <a:lstStyle/>
+          <a:p>
+            <a:r>
+              <a:rPr lang="en-US" dirty="0"/>
+              <a:t>int </a:t>
+            </a:r>
+            <a:r>
+              <a:rPr lang="en-US" dirty="0" err="1"/>
+              <a:t>GPST_Id</a:t>
+            </a:r>
+            <a:r>
+              <a:rPr lang="en-US" dirty="0"/>
+              <a:t> </a:t>
+            </a:r>
+          </a:p>
+          <a:p>
+            <a:r>
+              <a:rPr lang="en-US" dirty="0"/>
+              <a:t>int </a:t>
+            </a:r>
+            <a:r>
+              <a:rPr lang="en-US" dirty="0" err="1"/>
+              <a:t>UserID</a:t>
+            </a:r>
+            <a:r>
+              <a:rPr lang="en-US" dirty="0"/>
+              <a:t> </a:t>
+            </a:r>
+          </a:p>
+          <a:p>
+            <a:r>
+              <a:rPr lang="en-US" dirty="0"/>
+              <a:t>DateTime </a:t>
+            </a:r>
+            <a:r>
+              <a:rPr lang="en-US" dirty="0" err="1"/>
+              <a:t>ActionDate</a:t>
+            </a:r>
+            <a:r>
+              <a:rPr lang="en-US" dirty="0"/>
+              <a:t>  </a:t>
+            </a:r>
+          </a:p>
+          <a:p>
+            <a:r>
+              <a:rPr lang="en-US" dirty="0"/>
+              <a:t>string Step  </a:t>
+            </a:r>
+          </a:p>
+          <a:p>
+            <a:r>
+              <a:rPr lang="en-US" dirty="0"/>
+              <a:t>string  Latitude </a:t>
+            </a:r>
+          </a:p>
+          <a:p>
+            <a:r>
+              <a:rPr lang="en-US" dirty="0"/>
+              <a:t>string Longitude </a:t>
+            </a:r>
+          </a:p>
+          <a:p>
+            <a:r>
+              <a:rPr lang="en-US" dirty="0"/>
+              <a:t>string Address </a:t>
+            </a:r>
+          </a:p>
+          <a:p>
+            <a:r>
+              <a:rPr lang="en-US" dirty="0"/>
+              <a:t>decimal </a:t>
+            </a:r>
+            <a:r>
+              <a:rPr lang="en-US" dirty="0" err="1"/>
+              <a:t>RequestID</a:t>
+            </a:r>
+            <a:r>
+              <a:rPr lang="en-US" dirty="0"/>
+              <a:t> </a:t>
+            </a:r>
+          </a:p>
+          <a:p>
+            <a:r>
+              <a:rPr lang="en-US" dirty="0"/>
+              <a:t>string Status </a:t>
+            </a:r>
           </a:p>
         </p:txBody>
       </p:sp>
     </p:spTree>
     <p:extLst>
       <p:ext uri="{BB962C8B-B14F-4D97-AF65-F5344CB8AC3E}">
-        <p14:creationId xmlns:p14="http://schemas.microsoft.com/office/powerpoint/2010/main" val="1678316031"/>
+        <p14:creationId xmlns:p14="http://schemas.microsoft.com/office/powerpoint/2010/main" val="1266257650"/>
       </p:ext>
     </p:extLst>
   </p:cSld>
@@ -7941,7 +8010,7 @@
           <p:cNvPr id="2" name="Title 1">
             <a:extLst>
               <a:ext uri="{FF2B5EF4-FFF2-40B4-BE49-F238E27FC236}">
-                <a16:creationId xmlns:a16="http://schemas.microsoft.com/office/drawing/2014/main" id="{3543CE53-308B-7AB5-E6DC-09A37427C286}"/>
+                <a16:creationId xmlns:a16="http://schemas.microsoft.com/office/drawing/2014/main" id="{B4EC5ABE-BF9E-001D-EBAF-5DD540BC2175}"/>
               </a:ext>
             </a:extLst>
           </p:cNvPr>
@@ -7954,28 +8023,48 @@
         </p:nvSpPr>
         <p:spPr>
           <a:xfrm>
-            <a:off x="206477" y="0"/>
-            <a:ext cx="11779045" cy="599768"/>
+            <a:off x="913795" y="0"/>
+            <a:ext cx="10353762" cy="530942"/>
           </a:xfrm>
         </p:spPr>
         <p:txBody>
           <a:bodyPr>
-            <a:normAutofit fontScale="90000"/>
+            <a:normAutofit/>
           </a:bodyPr>
           <a:lstStyle/>
           <a:p>
             <a:r>
-              <a:rPr lang="en-US" b="1" dirty="0" err="1">
+              <a:rPr lang="en-US" sz="2800" b="1" dirty="0" err="1">
                 <a:solidFill>
                   <a:srgbClr val="FF0000"/>
                 </a:solidFill>
-              </a:rPr>
-              <a:t>Trans_GPS_Tracking</a:t>
-            </a:r>
-            <a:endParaRPr lang="en-US" b="1" dirty="0">
+                <a:effectLst/>
+              </a:rPr>
+              <a:t>Funding_request</a:t>
+            </a:r>
+            <a:r>
+              <a:rPr lang="en-US" sz="2800" b="1" dirty="0">
+                <a:solidFill>
+                  <a:srgbClr val="FF0000"/>
+                </a:solidFill>
+                <a:effectLst/>
+              </a:rPr>
+              <a:t> entity at </a:t>
+            </a:r>
+            <a:r>
+              <a:rPr lang="en-US" sz="2800" b="1" dirty="0" err="1">
+                <a:solidFill>
+                  <a:srgbClr val="FF0000"/>
+                </a:solidFill>
+                <a:effectLst/>
+              </a:rPr>
+              <a:t>FlowChart.Transaction</a:t>
+            </a:r>
+            <a:endParaRPr lang="en-US" sz="2800" b="1" dirty="0">
               <a:solidFill>
                 <a:srgbClr val="FF0000"/>
               </a:solidFill>
+              <a:effectLst/>
             </a:endParaRPr>
           </a:p>
         </p:txBody>
@@ -7985,7 +8074,7 @@
           <p:cNvPr id="3" name="Content Placeholder 2">
             <a:extLst>
               <a:ext uri="{FF2B5EF4-FFF2-40B4-BE49-F238E27FC236}">
-                <a16:creationId xmlns:a16="http://schemas.microsoft.com/office/drawing/2014/main" id="{21169C85-3764-A8D2-5E7F-25BFA22E03A0}"/>
+                <a16:creationId xmlns:a16="http://schemas.microsoft.com/office/drawing/2014/main" id="{466D83B8-9737-6D50-1A3C-779CBDBDB609}"/>
               </a:ext>
             </a:extLst>
           </p:cNvPr>
@@ -7998,109 +8087,290 @@
         </p:nvSpPr>
         <p:spPr>
           <a:xfrm>
-            <a:off x="226142" y="599769"/>
-            <a:ext cx="11779045" cy="6115664"/>
+            <a:off x="206477" y="530943"/>
+            <a:ext cx="11808542" cy="6194322"/>
           </a:xfrm>
         </p:spPr>
         <p:txBody>
-          <a:bodyPr/>
-          <a:lstStyle/>
-          <a:p>
-            <a:r>
-              <a:rPr lang="en-US" dirty="0"/>
+          <a:bodyPr>
+            <a:normAutofit/>
+          </a:bodyPr>
+          <a:lstStyle/>
+          <a:p>
+            <a:r>
+              <a:rPr lang="en-US" sz="1800" b="1" dirty="0">
+                <a:solidFill>
+                  <a:srgbClr val="FF0000"/>
+                </a:solidFill>
+              </a:rPr>
+              <a:t>decimal</a:t>
+            </a:r>
+            <a:r>
+              <a:rPr lang="en-US" sz="1800" dirty="0"/>
+              <a:t> </a:t>
+            </a:r>
+            <a:r>
+              <a:rPr lang="en-US" sz="1800" dirty="0" err="1"/>
+              <a:t>Request_id</a:t>
+            </a:r>
+            <a:endParaRPr lang="en-US" sz="1800" dirty="0"/>
+          </a:p>
+          <a:p>
+            <a:r>
+              <a:rPr lang="en-US" sz="1800" b="1" dirty="0">
+                <a:solidFill>
+                  <a:srgbClr val="FFFF00"/>
+                </a:solidFill>
+              </a:rPr>
+              <a:t>int</a:t>
+            </a:r>
+            <a:r>
+              <a:rPr lang="en-US" sz="1800" dirty="0"/>
+              <a:t> BranchId [FK]</a:t>
+            </a:r>
+          </a:p>
+          <a:p>
+            <a:r>
+              <a:rPr lang="en-US" sz="1800" dirty="0" err="1">
+                <a:effectLst/>
+              </a:rPr>
+              <a:t>ComId</a:t>
+            </a:r>
+            <a:r>
+              <a:rPr lang="en-US" sz="1800" dirty="0">
+                <a:effectLst/>
+              </a:rPr>
+              <a:t> [FK]</a:t>
+            </a:r>
+          </a:p>
+          <a:p>
+            <a:r>
+              <a:rPr lang="en-US" sz="1800" dirty="0" err="1">
+                <a:effectLst/>
+              </a:rPr>
+              <a:t>product_Id</a:t>
+            </a:r>
+            <a:r>
+              <a:rPr lang="en-US" sz="1800" dirty="0">
+                <a:effectLst/>
+              </a:rPr>
+              <a:t> [FK] [</a:t>
+            </a:r>
+            <a:r>
+              <a:rPr lang="ar-EG" sz="1800" dirty="0">
+                <a:effectLst/>
+              </a:rPr>
+              <a:t>نوع التمويل</a:t>
+            </a:r>
+            <a:r>
+              <a:rPr lang="en-US" sz="1800" dirty="0">
+                <a:effectLst/>
+              </a:rPr>
+              <a:t>]</a:t>
+            </a:r>
+            <a:endParaRPr lang="ar-EG" sz="1800" dirty="0">
+              <a:effectLst/>
+            </a:endParaRPr>
+          </a:p>
+          <a:p>
+            <a:r>
+              <a:rPr lang="en-US" sz="1800" dirty="0"/>
+              <a:t>bool </a:t>
+            </a:r>
+            <a:r>
+              <a:rPr lang="en-US" sz="1800" dirty="0" err="1"/>
+              <a:t>Request_status</a:t>
+            </a:r>
+            <a:r>
+              <a:rPr lang="en-US" sz="1800" dirty="0"/>
+              <a:t> [1 new , 0 renew ]</a:t>
+            </a:r>
+            <a:endParaRPr lang="ar-EG" sz="1800" dirty="0"/>
+          </a:p>
+          <a:p>
+            <a:r>
+              <a:rPr lang="en-US" sz="1800" dirty="0"/>
+              <a:t>decimal </a:t>
+            </a:r>
+            <a:r>
+              <a:rPr lang="en-US" sz="1800" dirty="0" err="1"/>
+              <a:t>Customer_ID</a:t>
+            </a:r>
+            <a:r>
+              <a:rPr lang="en-US" sz="1800" dirty="0"/>
+              <a:t> [FK] [</a:t>
+            </a:r>
+            <a:r>
+              <a:rPr lang="ar-EG" sz="1800" dirty="0"/>
+              <a:t>رقم العميل</a:t>
+            </a:r>
+            <a:r>
+              <a:rPr lang="en-US" sz="1800" dirty="0"/>
+              <a:t>]</a:t>
+            </a:r>
+            <a:endParaRPr lang="ar-EG" sz="1800" dirty="0"/>
+          </a:p>
+          <a:p>
+            <a:r>
+              <a:rPr lang="en-US" sz="1800" dirty="0"/>
+              <a:t>decimal? </a:t>
+            </a:r>
+            <a:r>
+              <a:rPr lang="en-US" sz="1800" dirty="0" err="1"/>
+              <a:t>Enterprise_ID</a:t>
+            </a:r>
+            <a:r>
+              <a:rPr lang="en-US" sz="1800" dirty="0"/>
+              <a:t> [FK] [</a:t>
+            </a:r>
+            <a:r>
+              <a:rPr lang="ar-EG" sz="1800" dirty="0"/>
+              <a:t>المنشأة</a:t>
+            </a:r>
+            <a:r>
+              <a:rPr lang="en-US" sz="1800" dirty="0"/>
+              <a:t>]</a:t>
+            </a:r>
+            <a:endParaRPr lang="ar-EG" sz="1800" dirty="0"/>
+          </a:p>
+          <a:p>
+            <a:r>
+              <a:rPr lang="en-US" sz="1800" dirty="0"/>
+              <a:t>decimal </a:t>
+            </a:r>
+            <a:r>
+              <a:rPr lang="en-US" sz="1800" dirty="0" err="1"/>
+              <a:t>Required_amount</a:t>
+            </a:r>
+            <a:r>
+              <a:rPr lang="en-US" sz="1800" dirty="0"/>
+              <a:t> // </a:t>
+            </a:r>
+            <a:r>
+              <a:rPr lang="ar-EG" sz="1800" dirty="0"/>
+              <a:t> المبلغ الذي طلبه العميل</a:t>
+            </a:r>
+            <a:endParaRPr lang="en-US" sz="1800" dirty="0"/>
+          </a:p>
+          <a:p>
+            <a:r>
+              <a:rPr lang="en-US" sz="1800" dirty="0"/>
+              <a:t>decimal </a:t>
+            </a:r>
+            <a:r>
+              <a:rPr lang="en-US" sz="1800" dirty="0" err="1"/>
+              <a:t>Financing_amount</a:t>
+            </a:r>
+            <a:r>
+              <a:rPr lang="en-US" sz="1800" dirty="0"/>
+              <a:t> // </a:t>
+            </a:r>
+            <a:r>
+              <a:rPr lang="ar-EG" sz="1800" dirty="0"/>
+              <a:t>المبلغ الذي وافق عليه البنك أو جهة التمويل</a:t>
+            </a:r>
+            <a:endParaRPr lang="en-US" sz="1800" dirty="0"/>
+          </a:p>
+          <a:p>
+            <a:r>
+              <a:rPr lang="en-US" sz="1800" dirty="0"/>
               <a:t>int </a:t>
             </a:r>
             <a:r>
-              <a:rPr lang="en-US" dirty="0" err="1"/>
-              <a:t>GPST_Id</a:t>
-            </a:r>
-            <a:r>
-              <a:rPr lang="en-US" dirty="0"/>
-              <a:t> </a:t>
-            </a:r>
-          </a:p>
-          <a:p>
-            <a:r>
-              <a:rPr lang="en-US" dirty="0"/>
+              <a:rPr lang="en-US" sz="1800" dirty="0" err="1"/>
+              <a:t>Actual_financing</a:t>
+            </a:r>
+            <a:r>
+              <a:rPr lang="en-US" sz="1800" dirty="0"/>
+              <a:t> // </a:t>
+            </a:r>
+            <a:r>
+              <a:rPr lang="ar-EG" sz="1800" dirty="0"/>
+              <a:t>المبلغ الذي تم صرفه فعلياً للعميل</a:t>
+            </a:r>
+          </a:p>
+          <a:p>
+            <a:r>
+              <a:rPr lang="en-US" sz="1800" dirty="0"/>
+              <a:t>int Repayment period // </a:t>
+            </a:r>
+            <a:r>
+              <a:rPr lang="ar-EG" sz="1800" dirty="0"/>
+              <a:t>عدد الاقساط</a:t>
+            </a:r>
+            <a:endParaRPr lang="en-US" sz="1800" dirty="0"/>
+          </a:p>
+          <a:p>
+            <a:r>
+              <a:rPr lang="en-US" sz="1800" dirty="0" err="1"/>
+              <a:t>purpose_Id</a:t>
+            </a:r>
+            <a:r>
+              <a:rPr lang="en-US" sz="1800" dirty="0"/>
+              <a:t> [FK] // </a:t>
+            </a:r>
+            <a:r>
+              <a:rPr lang="ar-EG" sz="1800" dirty="0"/>
+              <a:t>الهدف من التمويل</a:t>
+            </a:r>
+            <a:endParaRPr lang="en-US" sz="1800" dirty="0"/>
+          </a:p>
+          <a:p>
+            <a:r>
+              <a:rPr lang="en-US" sz="1800" dirty="0"/>
               <a:t>int </a:t>
             </a:r>
             <a:r>
-              <a:rPr lang="en-US" dirty="0" err="1"/>
-              <a:t>UserID</a:t>
-            </a:r>
-            <a:r>
-              <a:rPr lang="en-US" dirty="0"/>
-              <a:t> </a:t>
-            </a:r>
-          </a:p>
-          <a:p>
-            <a:r>
-              <a:rPr lang="en-US" dirty="0" err="1"/>
-              <a:t>DateTime</a:t>
-            </a:r>
-            <a:r>
-              <a:rPr lang="en-US" dirty="0"/>
-              <a:t> </a:t>
-            </a:r>
-            <a:r>
-              <a:rPr lang="en-US" dirty="0" err="1"/>
-              <a:t>ActionDate</a:t>
-            </a:r>
-            <a:r>
-              <a:rPr lang="en-US" dirty="0"/>
-              <a:t>  </a:t>
-            </a:r>
-          </a:p>
-          <a:p>
-            <a:r>
-              <a:rPr lang="en-US" dirty="0"/>
-              <a:t>string Step  </a:t>
-            </a:r>
-          </a:p>
-          <a:p>
-            <a:r>
-              <a:rPr lang="en-US" dirty="0"/>
-              <a:t>string  Latitude </a:t>
-            </a:r>
-          </a:p>
-          <a:p>
-            <a:r>
-              <a:rPr lang="en-US" dirty="0"/>
-              <a:t>string Longitude </a:t>
-            </a:r>
-          </a:p>
-          <a:p>
-            <a:r>
-              <a:rPr lang="en-US" dirty="0"/>
-              <a:t>string Address </a:t>
-            </a:r>
-          </a:p>
-          <a:p>
-            <a:r>
-              <a:rPr lang="en-US" dirty="0"/>
-              <a:t>decimal </a:t>
-            </a:r>
-            <a:r>
-              <a:rPr lang="en-US" dirty="0" err="1"/>
-              <a:t>RequestID</a:t>
-            </a:r>
-            <a:r>
-              <a:rPr lang="en-US" dirty="0"/>
-              <a:t> </a:t>
-            </a:r>
-          </a:p>
-          <a:p>
-            <a:r>
-              <a:rPr lang="en-US" dirty="0"/>
-              <a:t>string Status </a:t>
-            </a:r>
+              <a:rPr lang="en-US" sz="1800" dirty="0" err="1"/>
+              <a:t>status_code</a:t>
+            </a:r>
+            <a:r>
+              <a:rPr lang="en-US" sz="1800" dirty="0"/>
+              <a:t> // </a:t>
+            </a:r>
+            <a:r>
+              <a:rPr lang="ar-EG" sz="1800" dirty="0"/>
+              <a:t>حالة الطلب</a:t>
+            </a:r>
+            <a:r>
+              <a:rPr lang="en-US" sz="1800" dirty="0"/>
+              <a:t> ,  </a:t>
+            </a:r>
+            <a:r>
+              <a:rPr lang="ar-EG" sz="1800" dirty="0"/>
+              <a:t>مرسل او غير مرسل</a:t>
+            </a:r>
+          </a:p>
+          <a:p>
+            <a:r>
+              <a:rPr lang="en-US" sz="1800" dirty="0"/>
+              <a:t>DateTime </a:t>
+            </a:r>
+            <a:r>
+              <a:rPr lang="en-US" sz="1800" dirty="0" err="1"/>
+              <a:t>Creation_Data</a:t>
+            </a:r>
+            <a:r>
+              <a:rPr lang="en-US" sz="1800" dirty="0"/>
+              <a:t> // </a:t>
+            </a:r>
+            <a:endParaRPr lang="ar-EG" sz="1800" dirty="0"/>
+          </a:p>
+          <a:p>
+            <a:endParaRPr lang="en-US" sz="1800" dirty="0"/>
+          </a:p>
+          <a:p>
+            <a:endParaRPr lang="en-US" sz="1800" dirty="0"/>
+          </a:p>
+          <a:p>
+            <a:endParaRPr lang="en-US" sz="1800" dirty="0"/>
           </a:p>
         </p:txBody>
       </p:sp>
     </p:spTree>
     <p:extLst>
       <p:ext uri="{BB962C8B-B14F-4D97-AF65-F5344CB8AC3E}">
-        <p14:creationId xmlns:p14="http://schemas.microsoft.com/office/powerpoint/2010/main" val="1266257650"/>
+        <p14:creationId xmlns:p14="http://schemas.microsoft.com/office/powerpoint/2010/main" val="1535006048"/>
       </p:ext>
     </p:extLst>
   </p:cSld>
@@ -8132,7 +8402,7 @@
           <p:cNvPr id="2" name="Title 1">
             <a:extLst>
               <a:ext uri="{FF2B5EF4-FFF2-40B4-BE49-F238E27FC236}">
-                <a16:creationId xmlns:a16="http://schemas.microsoft.com/office/drawing/2014/main" id="{B4EC5ABE-BF9E-001D-EBAF-5DD540BC2175}"/>
+                <a16:creationId xmlns:a16="http://schemas.microsoft.com/office/drawing/2014/main" id="{1E66A461-930C-DBFD-5099-1D67067ACDE7}"/>
               </a:ext>
             </a:extLst>
           </p:cNvPr>
@@ -8146,17 +8416,17 @@
         <p:spPr>
           <a:xfrm>
             <a:off x="913795" y="0"/>
-            <a:ext cx="10353762" cy="530942"/>
+            <a:ext cx="10353762" cy="550606"/>
           </a:xfrm>
         </p:spPr>
         <p:txBody>
           <a:bodyPr>
-            <a:normAutofit fontScale="90000"/>
+            <a:normAutofit/>
           </a:bodyPr>
           <a:lstStyle/>
           <a:p>
             <a:r>
-              <a:rPr lang="en-US" sz="2900" b="1" dirty="0" err="1">
+              <a:rPr lang="en-US" sz="2800" b="1" dirty="0" err="1">
                 <a:solidFill>
                   <a:srgbClr val="FF0000"/>
                 </a:solidFill>
@@ -8165,7 +8435,7 @@
               <a:t>Funding_request</a:t>
             </a:r>
             <a:r>
-              <a:rPr lang="en-US" sz="2900" b="1" dirty="0">
+              <a:rPr lang="en-US" sz="2800" b="1" dirty="0">
                 <a:solidFill>
                   <a:srgbClr val="FF0000"/>
                 </a:solidFill>
@@ -8174,7 +8444,7 @@
               <a:t> entity at </a:t>
             </a:r>
             <a:r>
-              <a:rPr lang="en-US" sz="2900" b="1" dirty="0" err="1">
+              <a:rPr lang="en-US" sz="2800" b="1" dirty="0" err="1">
                 <a:solidFill>
                   <a:srgbClr val="FF0000"/>
                 </a:solidFill>
@@ -8182,12 +8452,16 @@
               </a:rPr>
               <a:t>FlowChart.Transaction</a:t>
             </a:r>
-            <a:endParaRPr lang="en-US" sz="2900" b="1" dirty="0">
-              <a:solidFill>
-                <a:srgbClr val="FF0000"/>
-              </a:solidFill>
-              <a:effectLst/>
-            </a:endParaRPr>
+            <a:r>
+              <a:rPr lang="en-US" sz="2800" b="1" dirty="0">
+                <a:solidFill>
+                  <a:srgbClr val="FF0000"/>
+                </a:solidFill>
+                <a:effectLst/>
+              </a:rPr>
+              <a:t> [cont.]</a:t>
+            </a:r>
+            <a:endParaRPr lang="en-US" sz="2800" dirty="0"/>
           </a:p>
         </p:txBody>
       </p:sp>
@@ -8196,7 +8470,7 @@
           <p:cNvPr id="3" name="Content Placeholder 2">
             <a:extLst>
               <a:ext uri="{FF2B5EF4-FFF2-40B4-BE49-F238E27FC236}">
-                <a16:creationId xmlns:a16="http://schemas.microsoft.com/office/drawing/2014/main" id="{466D83B8-9737-6D50-1A3C-779CBDBDB609}"/>
+                <a16:creationId xmlns:a16="http://schemas.microsoft.com/office/drawing/2014/main" id="{4DAEF54E-1369-44D7-AF28-AE5CD2599DDD}"/>
               </a:ext>
             </a:extLst>
           </p:cNvPr>
@@ -8209,30 +8483,1317 @@
         </p:nvSpPr>
         <p:spPr>
           <a:xfrm>
-            <a:off x="206477" y="530943"/>
-            <a:ext cx="11808542" cy="6194322"/>
+            <a:off x="147484" y="550606"/>
+            <a:ext cx="12044516" cy="6307394"/>
           </a:xfrm>
         </p:spPr>
         <p:txBody>
-          <a:bodyPr/>
+          <a:bodyPr>
+            <a:normAutofit/>
+          </a:bodyPr>
           <a:lstStyle/>
           <a:p>
             <a:r>
               <a:rPr lang="en-US" dirty="0"/>
-              <a:t>decimal </a:t>
+              <a:t>String </a:t>
             </a:r>
             <a:r>
               <a:rPr lang="en-US" dirty="0" err="1"/>
-              <a:t>Request_id</a:t>
+              <a:t>Account_Code</a:t>
+            </a:r>
+            <a:r>
+              <a:rPr lang="en-US" dirty="0"/>
+              <a:t> // </a:t>
+            </a:r>
+            <a:r>
+              <a:rPr lang="ar-EG" dirty="0">
+                <a:effectLst/>
+              </a:rPr>
+              <a:t>يتم الاضافه وقت صرف التمويل , رقم حساب الدفعات المقدمة الخاصة بالعميل</a:t>
+            </a:r>
+          </a:p>
+          <a:p>
+            <a:r>
+              <a:rPr lang="en-US" dirty="0">
+                <a:effectLst/>
+              </a:rPr>
+              <a:t>int DEBTNO	  // </a:t>
+            </a:r>
+            <a:r>
+              <a:rPr lang="ar-EG" dirty="0">
+                <a:effectLst/>
+              </a:rPr>
+              <a:t>العميل الواحد قد يكون لديه اكثر من قرض فى نفس الوقت فهذا التسلسل الذي يفرق بين القرض الاول والثانى</a:t>
+            </a:r>
+          </a:p>
+          <a:p>
+            <a:pPr lvl="1"/>
+            <a:r>
+              <a:rPr lang="ar-EG" dirty="0">
+                <a:effectLst/>
+              </a:rPr>
+              <a:t>عدد القروض بالنسبه للعميل هذا لان العميل ممكن يأخذ اكثر من قرض ففي كل مره يأخذ فيها العميل قرض يتم مضاعفة الرقم الموجود في هذا الحقل بمعنى أوضح العميل اخذ اول قرض من الشركة يوضع في هذا الحقل رقم 1  واذا قام بسداد القرض واخذ قرض اخر يتم وضع في هذا الحقل 2 وهكذه</a:t>
+            </a:r>
+          </a:p>
+          <a:p>
+            <a:r>
+              <a:rPr lang="en-US" dirty="0">
+                <a:effectLst/>
+              </a:rPr>
+              <a:t>int </a:t>
+            </a:r>
+            <a:r>
+              <a:rPr lang="en-US" dirty="0" err="1"/>
+              <a:t>Layer_code</a:t>
+            </a:r>
+            <a:r>
+              <a:rPr lang="en-US" dirty="0"/>
+              <a:t>  // </a:t>
+            </a:r>
+            <a:r>
+              <a:rPr lang="en-US" dirty="0">
+                <a:effectLst/>
+              </a:rPr>
+              <a:t>The value is obtained through a inquiry within the table </a:t>
+            </a:r>
+            <a:r>
+              <a:rPr lang="en-US" dirty="0" err="1">
+                <a:effectLst/>
+              </a:rPr>
+              <a:t>Flow_Products</a:t>
+            </a:r>
+            <a:r>
+              <a:rPr lang="en-US" dirty="0">
+                <a:effectLst/>
+              </a:rPr>
+              <a:t>.</a:t>
+            </a:r>
+          </a:p>
+          <a:p>
+            <a:r>
+              <a:rPr lang="en-US" dirty="0">
+                <a:effectLst/>
+              </a:rPr>
+              <a:t> </a:t>
+            </a:r>
+            <a:r>
+              <a:rPr lang="en-US" sz="1800" dirty="0">
+                <a:effectLst/>
+              </a:rPr>
+              <a:t>decimal? </a:t>
+            </a:r>
+            <a:r>
+              <a:rPr lang="en-US" sz="1800" dirty="0"/>
+              <a:t>DEBT_VALUE</a:t>
             </a:r>
             <a:endParaRPr lang="en-US" dirty="0"/>
+          </a:p>
+          <a:p>
+            <a:pPr lvl="1"/>
+            <a:r>
+              <a:rPr lang="en-US" sz="1750" dirty="0">
+                <a:effectLst/>
+              </a:rPr>
+              <a:t>It is calculated upon </a:t>
+            </a:r>
+            <a:r>
+              <a:rPr lang="en-US" sz="1750" b="1" dirty="0">
+                <a:effectLst/>
+              </a:rPr>
+              <a:t>Disbursement </a:t>
+            </a:r>
+            <a:r>
+              <a:rPr lang="en-US" sz="1750" dirty="0">
+                <a:effectLst/>
+              </a:rPr>
+              <a:t>and its value = </a:t>
+            </a:r>
+            <a:r>
+              <a:rPr lang="ar-EG" sz="1750" dirty="0">
+                <a:effectLst/>
+              </a:rPr>
+              <a:t>أصل مبلغ القرض الذي وافق عليه البنك</a:t>
+            </a:r>
+            <a:r>
+              <a:rPr lang="en-US" sz="1750" dirty="0">
+                <a:effectLst/>
+              </a:rPr>
+              <a:t> + </a:t>
+            </a:r>
+            <a:r>
+              <a:rPr lang="ar-EG" sz="1750" dirty="0">
+                <a:effectLst/>
+              </a:rPr>
+              <a:t>المصاريف الإدارية التي تضاف على القرض</a:t>
+            </a:r>
+            <a:endParaRPr lang="en-US" sz="1750" dirty="0">
+              <a:effectLst/>
+            </a:endParaRPr>
+          </a:p>
+          <a:p>
+            <a:pPr lvl="1"/>
+            <a:r>
+              <a:rPr lang="ar-EG" dirty="0">
+                <a:effectLst/>
+              </a:rPr>
+              <a:t>قيمة متناقصة مع السداد ويتم الانقاص من هذا المبلغ مع سداد كل قسط للعميل</a:t>
+            </a:r>
+          </a:p>
+          <a:p>
+            <a:r>
+              <a:rPr lang="en-US" sz="1800" dirty="0">
+                <a:effectLst/>
+              </a:rPr>
+              <a:t>decimal? </a:t>
+            </a:r>
+            <a:r>
+              <a:rPr lang="en-US" sz="1800" dirty="0"/>
+              <a:t>PRIMIUM_VALUE : </a:t>
+            </a:r>
+            <a:r>
+              <a:rPr lang="ar-EG" sz="1800" dirty="0"/>
+              <a:t>مبلغ القسط</a:t>
+            </a:r>
+          </a:p>
+          <a:p>
+            <a:pPr lvl="1"/>
+            <a:r>
+              <a:rPr lang="ar-EG" dirty="0">
+                <a:effectLst/>
+              </a:rPr>
+              <a:t>ويكون المصدر من مرحلة الزيارة الميدانية ويكون من خلال حقل قيمة القسط الموجود على شاشة الزيارة الميدانية</a:t>
+            </a:r>
+            <a:endParaRPr lang="ar-EG" sz="1600" dirty="0"/>
+          </a:p>
+          <a:p>
+            <a:r>
+              <a:rPr lang="en-US" dirty="0" err="1">
+                <a:effectLst/>
+              </a:rPr>
+              <a:t>FRC_Id</a:t>
+            </a:r>
+            <a:r>
+              <a:rPr lang="en-US" dirty="0">
+                <a:effectLst/>
+              </a:rPr>
+              <a:t>:  its table is </a:t>
+            </a:r>
+            <a:r>
+              <a:rPr lang="en-US" dirty="0" err="1"/>
+              <a:t>Flow_repayment_cycle</a:t>
+            </a:r>
+            <a:r>
+              <a:rPr lang="en-US" dirty="0"/>
+              <a:t> </a:t>
+            </a:r>
+            <a:endParaRPr lang="en-US" dirty="0">
+              <a:effectLst/>
+            </a:endParaRPr>
+          </a:p>
+          <a:p>
+            <a:pPr lvl="1"/>
+            <a:r>
+              <a:rPr lang="ar-EG" sz="1700" dirty="0"/>
+              <a:t>مدة السداد للقسط سواء كان بالشهر او نصف شهر ا واسبوع وهكذه  وذلك من خلال شاشة تسجيل دورية السداد وجدولها هووأيضا   يتم استخدمه في  شاشة المنتجات  كتعريف من التعريفات الخاصه بالمنتج</a:t>
+            </a:r>
+            <a:endParaRPr lang="en-US" sz="1700" dirty="0"/>
           </a:p>
         </p:txBody>
       </p:sp>
     </p:spTree>
     <p:extLst>
       <p:ext uri="{BB962C8B-B14F-4D97-AF65-F5344CB8AC3E}">
-        <p14:creationId xmlns:p14="http://schemas.microsoft.com/office/powerpoint/2010/main" val="1535006048"/>
+        <p14:creationId xmlns:p14="http://schemas.microsoft.com/office/powerpoint/2010/main" val="4173758407"/>
+      </p:ext>
+    </p:extLst>
+  </p:cSld>
+  <p:clrMapOvr>
+    <a:masterClrMapping/>
+  </p:clrMapOvr>
+</p:sld>
+</file>
+
+<file path=ppt/slides/slide25.xml><?xml version="1.0" encoding="utf-8"?>
+<p:sld xmlns:a="http://schemas.openxmlformats.org/drawingml/2006/main" xmlns:r="http://schemas.openxmlformats.org/officeDocument/2006/relationships" xmlns:p="http://schemas.openxmlformats.org/presentationml/2006/main">
+  <p:cSld>
+    <p:spTree>
+      <p:nvGrpSpPr>
+        <p:cNvPr id="1" name=""/>
+        <p:cNvGrpSpPr/>
+        <p:nvPr/>
+      </p:nvGrpSpPr>
+      <p:grpSpPr>
+        <a:xfrm>
+          <a:off x="0" y="0"/>
+          <a:ext cx="0" cy="0"/>
+          <a:chOff x="0" y="0"/>
+          <a:chExt cx="0" cy="0"/>
+        </a:xfrm>
+      </p:grpSpPr>
+      <p:sp>
+        <p:nvSpPr>
+          <p:cNvPr id="2" name="Title 1">
+            <a:extLst>
+              <a:ext uri="{FF2B5EF4-FFF2-40B4-BE49-F238E27FC236}">
+                <a16:creationId xmlns:a16="http://schemas.microsoft.com/office/drawing/2014/main" id="{40285B4D-5FEA-2016-0B84-B9424D8E1268}"/>
+              </a:ext>
+            </a:extLst>
+          </p:cNvPr>
+          <p:cNvSpPr>
+            <a:spLocks noGrp="1"/>
+          </p:cNvSpPr>
+          <p:nvPr>
+            <p:ph type="title"/>
+          </p:nvPr>
+        </p:nvSpPr>
+        <p:spPr>
+          <a:xfrm>
+            <a:off x="521110" y="0"/>
+            <a:ext cx="10893931" cy="442452"/>
+          </a:xfrm>
+        </p:spPr>
+        <p:txBody>
+          <a:bodyPr>
+            <a:noAutofit/>
+          </a:bodyPr>
+          <a:lstStyle/>
+          <a:p>
+            <a:r>
+              <a:rPr lang="en-US" sz="3200" b="1" dirty="0" err="1">
+                <a:solidFill>
+                  <a:srgbClr val="FF0000"/>
+                </a:solidFill>
+                <a:effectLst/>
+              </a:rPr>
+              <a:t>Funding_request</a:t>
+            </a:r>
+            <a:r>
+              <a:rPr lang="en-US" sz="3200" b="1" dirty="0">
+                <a:solidFill>
+                  <a:srgbClr val="FF0000"/>
+                </a:solidFill>
+                <a:effectLst/>
+              </a:rPr>
+              <a:t> entity at </a:t>
+            </a:r>
+            <a:r>
+              <a:rPr lang="en-US" sz="3200" b="1" dirty="0" err="1">
+                <a:solidFill>
+                  <a:srgbClr val="FF0000"/>
+                </a:solidFill>
+                <a:effectLst/>
+              </a:rPr>
+              <a:t>FlowChart.Transaction</a:t>
+            </a:r>
+            <a:r>
+              <a:rPr lang="en-US" sz="3200" b="1" dirty="0">
+                <a:solidFill>
+                  <a:srgbClr val="FF0000"/>
+                </a:solidFill>
+                <a:effectLst/>
+              </a:rPr>
+              <a:t> [cont.]</a:t>
+            </a:r>
+            <a:endParaRPr lang="en-US" sz="3200" dirty="0"/>
+          </a:p>
+        </p:txBody>
+      </p:sp>
+      <p:sp>
+        <p:nvSpPr>
+          <p:cNvPr id="3" name="Content Placeholder 2">
+            <a:extLst>
+              <a:ext uri="{FF2B5EF4-FFF2-40B4-BE49-F238E27FC236}">
+                <a16:creationId xmlns:a16="http://schemas.microsoft.com/office/drawing/2014/main" id="{5AC57097-1A77-E325-EF9A-CFD5C0B7B27A}"/>
+              </a:ext>
+            </a:extLst>
+          </p:cNvPr>
+          <p:cNvSpPr>
+            <a:spLocks noGrp="1"/>
+          </p:cNvSpPr>
+          <p:nvPr>
+            <p:ph idx="1"/>
+          </p:nvPr>
+        </p:nvSpPr>
+        <p:spPr>
+          <a:xfrm>
+            <a:off x="167148" y="589935"/>
+            <a:ext cx="11867536" cy="6164826"/>
+          </a:xfrm>
+        </p:spPr>
+        <p:txBody>
+          <a:bodyPr/>
+          <a:lstStyle/>
+          <a:p>
+            <a:r>
+              <a:rPr lang="en-US" sz="1800" dirty="0"/>
+              <a:t>F_PRIMIUM_DATE : </a:t>
+            </a:r>
+            <a:r>
+              <a:rPr lang="ar-EG" sz="1800" dirty="0"/>
+              <a:t>تاريخ اول قسط</a:t>
+            </a:r>
+            <a:endParaRPr lang="en-US" sz="1800" dirty="0"/>
+          </a:p>
+          <a:p>
+            <a:pPr lvl="1"/>
+            <a:r>
+              <a:rPr lang="ar-EG" dirty="0"/>
+              <a:t>يتم إضافة هذا الحقل  في صرف القرض فقط   ويتم تحديد تاريخ اول قسط من خلال معرفة نوع المنتج ودورية السداد المرتبطه به ولو هو شهر مثلا نقوم بإضافة </a:t>
+            </a:r>
+            <a:r>
+              <a:rPr lang="ar-EG" b="1" dirty="0">
+                <a:solidFill>
+                  <a:srgbClr val="00B0F0"/>
+                </a:solidFill>
+              </a:rPr>
+              <a:t>التاريخ شهر زيادة من تاريخ الصرف</a:t>
+            </a:r>
+            <a:r>
+              <a:rPr lang="ar-EG" dirty="0"/>
+              <a:t> وهكذه في لو أسبوع او نصف شهر وهكذه</a:t>
+            </a:r>
+            <a:endParaRPr lang="en-US" dirty="0"/>
+          </a:p>
+          <a:p>
+            <a:r>
+              <a:rPr lang="en-US" sz="1800" dirty="0"/>
+              <a:t>L_PRIMIUM_DATE</a:t>
+            </a:r>
+          </a:p>
+          <a:p>
+            <a:pPr lvl="1"/>
+            <a:r>
+              <a:rPr lang="ar-EG" dirty="0"/>
+              <a:t>يتم إضافة هذا الحقل  في صرف القرض فقط  ويتم تحديد تاريخ اخر قسط من خلال عدد الأشهر المحدد من قبل الزيارة الميدنية</a:t>
+            </a:r>
+            <a:endParaRPr lang="en-US" dirty="0"/>
+          </a:p>
+          <a:p>
+            <a:r>
+              <a:rPr lang="en-US" sz="1800" dirty="0"/>
+              <a:t>DateTime  BUSDATE : </a:t>
+            </a:r>
+            <a:r>
+              <a:rPr lang="ar-EG" sz="1800" dirty="0"/>
+              <a:t>تاريخ الصرف</a:t>
+            </a:r>
+          </a:p>
+          <a:p>
+            <a:r>
+              <a:rPr lang="en-US" sz="1800" dirty="0"/>
+              <a:t>EXPDATE</a:t>
+            </a:r>
+            <a:r>
+              <a:rPr lang="ar-EG" sz="1800" dirty="0"/>
+              <a:t> </a:t>
+            </a:r>
+            <a:r>
+              <a:rPr lang="en-US" sz="1800" dirty="0"/>
+              <a:t> :  </a:t>
+            </a:r>
+            <a:r>
+              <a:rPr lang="ar-EG" sz="1800" dirty="0"/>
+              <a:t>تاريخ انتهاء القرض</a:t>
+            </a:r>
+          </a:p>
+          <a:p>
+            <a:pPr lvl="1"/>
+            <a:r>
+              <a:rPr lang="ar-EG" dirty="0"/>
+              <a:t>يتم إضافة هذا الحقل  في صرف القرض فقط  ويتم تحديد تاريخ انتهاء القرض من خلال عدد الأشهر المحدد من قبل الزيارة الميدنية</a:t>
+            </a:r>
+          </a:p>
+          <a:p>
+            <a:pPr lvl="1"/>
+            <a:r>
+              <a:rPr lang="ar-EG" dirty="0"/>
+              <a:t>ويتم التحديث على هذا التاريخ اذا تم السداد قبل انتهار التمويل مثلا اذا سدد سداد معجل</a:t>
+            </a:r>
+          </a:p>
+          <a:p>
+            <a:r>
+              <a:rPr lang="en-US" sz="1800" dirty="0" err="1"/>
+              <a:t>Curr_code</a:t>
+            </a:r>
+            <a:r>
+              <a:rPr lang="en-US" sz="1800" dirty="0"/>
+              <a:t>: [FK]  </a:t>
+            </a:r>
+            <a:r>
+              <a:rPr lang="ar-EG" sz="1800" dirty="0"/>
+              <a:t>العملة</a:t>
+            </a:r>
+            <a:endParaRPr lang="en-US" sz="1800" dirty="0"/>
+          </a:p>
+          <a:p>
+            <a:r>
+              <a:rPr lang="en-US" sz="1800" dirty="0"/>
+              <a:t>decimal? Rate: </a:t>
+            </a:r>
+            <a:r>
+              <a:rPr lang="ar-EG" sz="1800" dirty="0"/>
+              <a:t>سعر الفائدة الذي سيتم تطبيقه على مبلغ التمويل</a:t>
+            </a:r>
+            <a:endParaRPr lang="en-US" sz="1800" dirty="0"/>
+          </a:p>
+          <a:p>
+            <a:r>
+              <a:rPr lang="en-US" sz="1800" dirty="0"/>
+              <a:t>decimal? COM_RAT : </a:t>
+            </a:r>
+            <a:r>
+              <a:rPr lang="ar-EG" sz="1800" dirty="0"/>
+              <a:t>هي مبلغ مقطوع للمصاريف الادارية يتم استقطاعها مرة واحدة فقط عند بداية منح القرض أو التعلية</a:t>
+            </a:r>
+            <a:r>
+              <a:rPr lang="en-US" sz="1800" dirty="0"/>
+              <a:t> </a:t>
+            </a:r>
+            <a:endParaRPr lang="ar-EG" sz="1800" dirty="0"/>
+          </a:p>
+          <a:p>
+            <a:r>
+              <a:rPr lang="en-US" sz="1800" dirty="0"/>
+              <a:t>APP_FEE: </a:t>
+            </a:r>
+            <a:r>
+              <a:rPr lang="ar-EG" sz="1800" dirty="0"/>
+              <a:t>عمولة الطلب  وهى رسوم غير مستردة لانها تغطى تكلفة مراجعة الاوراق والاستعلام الائتماني ايز كور</a:t>
+            </a:r>
+          </a:p>
+          <a:p>
+            <a:r>
+              <a:rPr lang="en-US" dirty="0"/>
+              <a:t>int? </a:t>
+            </a:r>
+            <a:r>
+              <a:rPr lang="en-US" dirty="0" err="1"/>
+              <a:t>bank_code</a:t>
+            </a:r>
+            <a:r>
+              <a:rPr lang="ar-EG" dirty="0"/>
+              <a:t>: </a:t>
+            </a:r>
+            <a:r>
+              <a:rPr lang="en-US" dirty="0"/>
+              <a:t> [FK]: </a:t>
+            </a:r>
+            <a:r>
+              <a:rPr lang="ar-EG" dirty="0">
+                <a:effectLst/>
+              </a:rPr>
+              <a:t>المعرّف الفريد للبنك</a:t>
+            </a:r>
+            <a:endParaRPr lang="en-US" sz="1600" dirty="0"/>
+          </a:p>
+          <a:p>
+            <a:endParaRPr lang="ar-EG" sz="1800" dirty="0"/>
+          </a:p>
+        </p:txBody>
+      </p:sp>
+    </p:spTree>
+    <p:extLst>
+      <p:ext uri="{BB962C8B-B14F-4D97-AF65-F5344CB8AC3E}">
+        <p14:creationId xmlns:p14="http://schemas.microsoft.com/office/powerpoint/2010/main" val="4183244322"/>
+      </p:ext>
+    </p:extLst>
+  </p:cSld>
+  <p:clrMapOvr>
+    <a:masterClrMapping/>
+  </p:clrMapOvr>
+</p:sld>
+</file>
+
+<file path=ppt/slides/slide26.xml><?xml version="1.0" encoding="utf-8"?>
+<p:sld xmlns:a="http://schemas.openxmlformats.org/drawingml/2006/main" xmlns:r="http://schemas.openxmlformats.org/officeDocument/2006/relationships" xmlns:p="http://schemas.openxmlformats.org/presentationml/2006/main">
+  <p:cSld>
+    <p:spTree>
+      <p:nvGrpSpPr>
+        <p:cNvPr id="1" name=""/>
+        <p:cNvGrpSpPr/>
+        <p:nvPr/>
+      </p:nvGrpSpPr>
+      <p:grpSpPr>
+        <a:xfrm>
+          <a:off x="0" y="0"/>
+          <a:ext cx="0" cy="0"/>
+          <a:chOff x="0" y="0"/>
+          <a:chExt cx="0" cy="0"/>
+        </a:xfrm>
+      </p:grpSpPr>
+      <p:sp>
+        <p:nvSpPr>
+          <p:cNvPr id="2" name="Title 1">
+            <a:extLst>
+              <a:ext uri="{FF2B5EF4-FFF2-40B4-BE49-F238E27FC236}">
+                <a16:creationId xmlns:a16="http://schemas.microsoft.com/office/drawing/2014/main" id="{5F560A8C-DE11-C2D1-F442-EDB1FCABCB17}"/>
+              </a:ext>
+            </a:extLst>
+          </p:cNvPr>
+          <p:cNvSpPr>
+            <a:spLocks noGrp="1"/>
+          </p:cNvSpPr>
+          <p:nvPr>
+            <p:ph type="title"/>
+          </p:nvPr>
+        </p:nvSpPr>
+        <p:spPr>
+          <a:xfrm>
+            <a:off x="815473" y="0"/>
+            <a:ext cx="10353762" cy="511277"/>
+          </a:xfrm>
+        </p:spPr>
+        <p:txBody>
+          <a:bodyPr>
+            <a:noAutofit/>
+          </a:bodyPr>
+          <a:lstStyle/>
+          <a:p>
+            <a:r>
+              <a:rPr lang="en-US" sz="2800" b="1" dirty="0" err="1">
+                <a:solidFill>
+                  <a:srgbClr val="FF0000"/>
+                </a:solidFill>
+                <a:effectLst/>
+              </a:rPr>
+              <a:t>Funding_request</a:t>
+            </a:r>
+            <a:r>
+              <a:rPr lang="en-US" sz="2800" b="1" dirty="0">
+                <a:solidFill>
+                  <a:srgbClr val="FF0000"/>
+                </a:solidFill>
+                <a:effectLst/>
+              </a:rPr>
+              <a:t> entity at </a:t>
+            </a:r>
+            <a:r>
+              <a:rPr lang="en-US" sz="2800" b="1" dirty="0" err="1">
+                <a:solidFill>
+                  <a:srgbClr val="FF0000"/>
+                </a:solidFill>
+                <a:effectLst/>
+              </a:rPr>
+              <a:t>FlowChart.Transaction</a:t>
+            </a:r>
+            <a:r>
+              <a:rPr lang="en-US" sz="2800" b="1" dirty="0">
+                <a:solidFill>
+                  <a:srgbClr val="FF0000"/>
+                </a:solidFill>
+                <a:effectLst/>
+              </a:rPr>
+              <a:t> [cont.]</a:t>
+            </a:r>
+            <a:endParaRPr lang="en-US" sz="2800" dirty="0"/>
+          </a:p>
+        </p:txBody>
+      </p:sp>
+      <p:sp>
+        <p:nvSpPr>
+          <p:cNvPr id="3" name="Content Placeholder 2">
+            <a:extLst>
+              <a:ext uri="{FF2B5EF4-FFF2-40B4-BE49-F238E27FC236}">
+                <a16:creationId xmlns:a16="http://schemas.microsoft.com/office/drawing/2014/main" id="{A92D1E62-98B2-C2CA-6447-48C4F3BEB45E}"/>
+              </a:ext>
+            </a:extLst>
+          </p:cNvPr>
+          <p:cNvSpPr>
+            <a:spLocks noGrp="1"/>
+          </p:cNvSpPr>
+          <p:nvPr>
+            <p:ph idx="1"/>
+          </p:nvPr>
+        </p:nvSpPr>
+        <p:spPr>
+          <a:xfrm>
+            <a:off x="226142" y="511277"/>
+            <a:ext cx="11759381" cy="6213988"/>
+          </a:xfrm>
+        </p:spPr>
+        <p:txBody>
+          <a:bodyPr>
+            <a:normAutofit/>
+          </a:bodyPr>
+          <a:lstStyle/>
+          <a:p>
+            <a:r>
+              <a:rPr lang="en-US" sz="1800" dirty="0" err="1"/>
+              <a:t>UserId</a:t>
+            </a:r>
+            <a:r>
+              <a:rPr lang="en-US" sz="1800" dirty="0"/>
+              <a:t>: FK , </a:t>
+            </a:r>
+            <a:r>
+              <a:rPr lang="ar-EG" sz="1800" dirty="0">
+                <a:effectLst/>
+              </a:rPr>
+              <a:t>كود الموظف الذى انشأ القرض</a:t>
+            </a:r>
+            <a:endParaRPr lang="en-US" sz="1800" dirty="0">
+              <a:effectLst/>
+            </a:endParaRPr>
+          </a:p>
+          <a:p>
+            <a:r>
+              <a:rPr lang="en-US" sz="1800" dirty="0" err="1"/>
+              <a:t>Approv_value</a:t>
+            </a:r>
+            <a:r>
+              <a:rPr lang="en-US" sz="1800" dirty="0"/>
+              <a:t> : </a:t>
+            </a:r>
+            <a:r>
+              <a:rPr lang="ar-EG" sz="1800" dirty="0">
+                <a:effectLst/>
+              </a:rPr>
+              <a:t>المبلغ الموصى به من المسئول الاول فقط بدون اى اضافات</a:t>
+            </a:r>
+            <a:endParaRPr lang="en-US" sz="1800" dirty="0"/>
+          </a:p>
+          <a:p>
+            <a:r>
+              <a:rPr lang="en-US" sz="1800" dirty="0" err="1"/>
+              <a:t>Approved_Amount</a:t>
+            </a:r>
+            <a:r>
+              <a:rPr lang="en-US" sz="1800" dirty="0"/>
+              <a:t> : </a:t>
+            </a:r>
+            <a:r>
+              <a:rPr lang="en-US" sz="1800" b="1" dirty="0">
+                <a:solidFill>
+                  <a:srgbClr val="00B0F0"/>
+                </a:solidFill>
+              </a:rPr>
+              <a:t>missed at docs</a:t>
+            </a:r>
+            <a:endParaRPr lang="en-US" sz="1800" dirty="0"/>
+          </a:p>
+          <a:p>
+            <a:r>
+              <a:rPr lang="en-US" sz="1800" dirty="0"/>
+              <a:t>TOTAL_AMOUNT :  </a:t>
+            </a:r>
+            <a:r>
+              <a:rPr lang="ar-EG" sz="1800" dirty="0"/>
+              <a:t>يتم إضافة هذا الحقل من مرحلة الزيارة الميدانية اجمالى المبلغ الموصى به وهو قيمة التمويل المطلوب + الفائده</a:t>
+            </a:r>
+            <a:endParaRPr lang="en-US" sz="1800" b="1" dirty="0">
+              <a:solidFill>
+                <a:srgbClr val="00B0F0"/>
+              </a:solidFill>
+            </a:endParaRPr>
+          </a:p>
+          <a:p>
+            <a:r>
+              <a:rPr lang="en-US" sz="1800" dirty="0" err="1"/>
+              <a:t>NO_Months</a:t>
+            </a:r>
+            <a:r>
+              <a:rPr lang="en-US" sz="1800" dirty="0"/>
+              <a:t> : </a:t>
+            </a:r>
+            <a:r>
+              <a:rPr lang="ar-EG" sz="1800" dirty="0"/>
+              <a:t>عدد الأشهر الموصى به  من مسئول التمويل</a:t>
+            </a:r>
+            <a:endParaRPr lang="en-US" sz="1800" dirty="0"/>
+          </a:p>
+          <a:p>
+            <a:r>
+              <a:rPr lang="en-US" sz="1800" dirty="0" err="1"/>
+              <a:t>Open_date</a:t>
+            </a:r>
+            <a:r>
+              <a:rPr lang="en-US" sz="1800" dirty="0"/>
+              <a:t> : </a:t>
+            </a:r>
+            <a:r>
+              <a:rPr lang="en-US" sz="1800" dirty="0">
+                <a:effectLst/>
+              </a:rPr>
+              <a:t>date of request based on the </a:t>
+            </a:r>
+            <a:r>
+              <a:rPr lang="en-US" sz="1800" dirty="0" err="1">
+                <a:effectLst/>
+              </a:rPr>
+              <a:t>busdate</a:t>
+            </a:r>
+            <a:endParaRPr lang="en-US" sz="1800" dirty="0"/>
+          </a:p>
+          <a:p>
+            <a:r>
+              <a:rPr lang="en-US" sz="1800" dirty="0" err="1"/>
+              <a:t>Yield_periodicity</a:t>
+            </a:r>
+            <a:r>
+              <a:rPr lang="en-US" sz="1800" dirty="0"/>
+              <a:t> : </a:t>
+            </a:r>
+            <a:r>
+              <a:rPr lang="ar-EG" sz="1800" b="1" dirty="0">
+                <a:solidFill>
+                  <a:srgbClr val="00B0F0"/>
+                </a:solidFill>
+              </a:rPr>
+              <a:t>دورية العائد من أجل برنامج الكشك</a:t>
+            </a:r>
+            <a:endParaRPr lang="en-US" sz="1800" b="1" dirty="0">
+              <a:solidFill>
+                <a:srgbClr val="00B0F0"/>
+              </a:solidFill>
+            </a:endParaRPr>
+          </a:p>
+          <a:p>
+            <a:r>
+              <a:rPr lang="en-US" sz="1800" dirty="0" err="1"/>
+              <a:t>Code_ED</a:t>
+            </a:r>
+            <a:r>
+              <a:rPr lang="en-US" sz="1800" dirty="0"/>
+              <a:t> : </a:t>
+            </a:r>
+            <a:r>
+              <a:rPr lang="ar-EG" b="1" dirty="0">
+                <a:effectLst/>
+              </a:rPr>
+              <a:t>المُعرّف الرقمي للجهة المنفذة للصرف</a:t>
+            </a:r>
+            <a:r>
+              <a:rPr lang="ar-EG" dirty="0">
+                <a:effectLst/>
+              </a:rPr>
+              <a:t>.</a:t>
+            </a:r>
+            <a:endParaRPr lang="en-US" sz="1800" dirty="0"/>
+          </a:p>
+          <a:p>
+            <a:r>
+              <a:rPr lang="en-US" sz="1800" dirty="0"/>
+              <a:t>Grant : </a:t>
+            </a:r>
+            <a:r>
+              <a:rPr lang="ar-EG" sz="1800" dirty="0"/>
+              <a:t>في حالة العميل لديه تمويل قائم وبياخد تمويل جديد علي منتج مختلف بقول التمويل الجديد قائم ولا لا قائم=0 وغير قائم =1</a:t>
+            </a:r>
+            <a:endParaRPr lang="en-US" sz="1800" dirty="0"/>
+          </a:p>
+          <a:p>
+            <a:r>
+              <a:rPr lang="en-US" sz="1800" dirty="0" err="1"/>
+              <a:t>PenaltyAmount</a:t>
+            </a:r>
+            <a:r>
+              <a:rPr lang="en-US" sz="1800" dirty="0"/>
+              <a:t> : </a:t>
+            </a:r>
+            <a:r>
+              <a:rPr lang="ar-EG" sz="1800" dirty="0"/>
+              <a:t>اجمالى الغرامات</a:t>
+            </a:r>
+            <a:endParaRPr lang="en-US" sz="1800" dirty="0"/>
+          </a:p>
+          <a:p>
+            <a:r>
+              <a:rPr lang="en-US" dirty="0" err="1"/>
+              <a:t>Flag_History</a:t>
+            </a:r>
+            <a:endParaRPr lang="en-US" dirty="0"/>
+          </a:p>
+          <a:p>
+            <a:r>
+              <a:rPr lang="en-US" dirty="0" err="1"/>
+              <a:t>VisitCount</a:t>
+            </a:r>
+            <a:endParaRPr lang="en-US" dirty="0"/>
+          </a:p>
+        </p:txBody>
+      </p:sp>
+    </p:spTree>
+    <p:extLst>
+      <p:ext uri="{BB962C8B-B14F-4D97-AF65-F5344CB8AC3E}">
+        <p14:creationId xmlns:p14="http://schemas.microsoft.com/office/powerpoint/2010/main" val="1610884128"/>
+      </p:ext>
+    </p:extLst>
+  </p:cSld>
+  <p:clrMapOvr>
+    <a:masterClrMapping/>
+  </p:clrMapOvr>
+</p:sld>
+</file>
+
+<file path=ppt/slides/slide27.xml><?xml version="1.0" encoding="utf-8"?>
+<p:sld xmlns:a="http://schemas.openxmlformats.org/drawingml/2006/main" xmlns:r="http://schemas.openxmlformats.org/officeDocument/2006/relationships" xmlns:p="http://schemas.openxmlformats.org/presentationml/2006/main">
+  <p:cSld>
+    <p:spTree>
+      <p:nvGrpSpPr>
+        <p:cNvPr id="1" name=""/>
+        <p:cNvGrpSpPr/>
+        <p:nvPr/>
+      </p:nvGrpSpPr>
+      <p:grpSpPr>
+        <a:xfrm>
+          <a:off x="0" y="0"/>
+          <a:ext cx="0" cy="0"/>
+          <a:chOff x="0" y="0"/>
+          <a:chExt cx="0" cy="0"/>
+        </a:xfrm>
+      </p:grpSpPr>
+      <p:sp>
+        <p:nvSpPr>
+          <p:cNvPr id="2" name="Title 1">
+            <a:extLst>
+              <a:ext uri="{FF2B5EF4-FFF2-40B4-BE49-F238E27FC236}">
+                <a16:creationId xmlns:a16="http://schemas.microsoft.com/office/drawing/2014/main" id="{AB6D059F-40BC-AB46-49D3-FF85B10058C3}"/>
+              </a:ext>
+            </a:extLst>
+          </p:cNvPr>
+          <p:cNvSpPr>
+            <a:spLocks noGrp="1"/>
+          </p:cNvSpPr>
+          <p:nvPr>
+            <p:ph type="title"/>
+          </p:nvPr>
+        </p:nvSpPr>
+        <p:spPr>
+          <a:xfrm>
+            <a:off x="398206" y="0"/>
+            <a:ext cx="11395587" cy="639097"/>
+          </a:xfrm>
+        </p:spPr>
+        <p:txBody>
+          <a:bodyPr>
+            <a:noAutofit/>
+          </a:bodyPr>
+          <a:lstStyle/>
+          <a:p>
+            <a:r>
+              <a:rPr lang="en-US" sz="2800" b="1" dirty="0" err="1">
+                <a:solidFill>
+                  <a:srgbClr val="FF0000"/>
+                </a:solidFill>
+                <a:effectLst/>
+              </a:rPr>
+              <a:t>Funding_request</a:t>
+            </a:r>
+            <a:r>
+              <a:rPr lang="en-US" sz="2800" b="1" dirty="0">
+                <a:solidFill>
+                  <a:srgbClr val="FF0000"/>
+                </a:solidFill>
+                <a:effectLst/>
+              </a:rPr>
+              <a:t> entity at </a:t>
+            </a:r>
+            <a:r>
+              <a:rPr lang="en-US" sz="2800" b="1" dirty="0" err="1">
+                <a:solidFill>
+                  <a:srgbClr val="FF0000"/>
+                </a:solidFill>
+                <a:effectLst/>
+              </a:rPr>
+              <a:t>FlowChart.Transaction</a:t>
+            </a:r>
+            <a:r>
+              <a:rPr lang="en-US" sz="2800" b="1" dirty="0">
+                <a:solidFill>
+                  <a:srgbClr val="FF0000"/>
+                </a:solidFill>
+                <a:effectLst/>
+              </a:rPr>
+              <a:t> [cont.]</a:t>
+            </a:r>
+            <a:endParaRPr lang="en-US" sz="2800" dirty="0"/>
+          </a:p>
+        </p:txBody>
+      </p:sp>
+      <p:sp>
+        <p:nvSpPr>
+          <p:cNvPr id="3" name="Content Placeholder 2">
+            <a:extLst>
+              <a:ext uri="{FF2B5EF4-FFF2-40B4-BE49-F238E27FC236}">
+                <a16:creationId xmlns:a16="http://schemas.microsoft.com/office/drawing/2014/main" id="{94D7ECD7-CC6A-361C-A01B-D83A127F07ED}"/>
+              </a:ext>
+            </a:extLst>
+          </p:cNvPr>
+          <p:cNvSpPr>
+            <a:spLocks noGrp="1"/>
+          </p:cNvSpPr>
+          <p:nvPr>
+            <p:ph idx="1"/>
+          </p:nvPr>
+        </p:nvSpPr>
+        <p:spPr>
+          <a:xfrm>
+            <a:off x="432619" y="639097"/>
+            <a:ext cx="10834938" cy="6046838"/>
+          </a:xfrm>
+        </p:spPr>
+        <p:txBody>
+          <a:bodyPr>
+            <a:normAutofit/>
+          </a:bodyPr>
+          <a:lstStyle/>
+          <a:p>
+            <a:r>
+              <a:rPr lang="en-US" sz="1800" dirty="0" err="1"/>
+              <a:t>GuarVisitCount</a:t>
+            </a:r>
+            <a:r>
+              <a:rPr lang="en-US" sz="1800" dirty="0"/>
+              <a:t>: </a:t>
+            </a:r>
+            <a:endParaRPr lang="ar-EG" sz="1800" dirty="0"/>
+          </a:p>
+          <a:p>
+            <a:pPr lvl="1"/>
+            <a:r>
+              <a:rPr lang="ar-EG" sz="1600" dirty="0"/>
+              <a:t>بخزن فيه عدد المرات التي لم يستدل علي الضامن فيه لو  الضامن لم يستدل عليه اكثر من  مراتين بيترفض رفض نهلائي</a:t>
+            </a:r>
+          </a:p>
+          <a:p>
+            <a:pPr lvl="1"/>
+            <a:endParaRPr lang="en-US" sz="1600" dirty="0"/>
+          </a:p>
+          <a:p>
+            <a:r>
+              <a:rPr lang="en-US" sz="1800" dirty="0" err="1"/>
+              <a:t>Loan_code</a:t>
+            </a:r>
+            <a:r>
+              <a:rPr lang="en-US" sz="1800" dirty="0"/>
+              <a:t> : </a:t>
+            </a:r>
+            <a:r>
+              <a:rPr lang="ar-EG" sz="1800" dirty="0"/>
+              <a:t>كود التمويل</a:t>
+            </a:r>
+            <a:endParaRPr lang="en-US" sz="1800" dirty="0"/>
+          </a:p>
+          <a:p>
+            <a:r>
+              <a:rPr lang="en-US" sz="1800" dirty="0"/>
+              <a:t>int </a:t>
+            </a:r>
+            <a:r>
+              <a:rPr lang="en-US" sz="1800" dirty="0" err="1"/>
+              <a:t>WriteOffFlag</a:t>
+            </a:r>
+            <a:r>
+              <a:rPr lang="en-US" sz="1800" dirty="0"/>
+              <a:t>: </a:t>
+            </a:r>
+            <a:r>
+              <a:rPr lang="ar-EG" sz="1800" dirty="0"/>
+              <a:t>التوريق</a:t>
+            </a:r>
+            <a:endParaRPr lang="en-US" sz="1800" dirty="0"/>
+          </a:p>
+          <a:p>
+            <a:r>
+              <a:rPr lang="en-US" sz="1800" dirty="0" err="1"/>
+              <a:t>Securitization_Flag</a:t>
+            </a:r>
+            <a:r>
+              <a:rPr lang="en-US" sz="1800" dirty="0"/>
+              <a:t> : </a:t>
+            </a:r>
+            <a:r>
+              <a:rPr lang="ar-EG" sz="1800" dirty="0"/>
+              <a:t>اعدام</a:t>
+            </a:r>
+            <a:endParaRPr lang="en-US" sz="1800" dirty="0"/>
+          </a:p>
+          <a:p>
+            <a:r>
+              <a:rPr lang="en-US" sz="1800" dirty="0" err="1"/>
+              <a:t>IsDisbursmented</a:t>
+            </a:r>
+            <a:r>
+              <a:rPr lang="en-US" sz="1800" dirty="0"/>
+              <a:t> : // actually </a:t>
+            </a:r>
+            <a:r>
+              <a:rPr lang="en-US" sz="1800" dirty="0" err="1"/>
+              <a:t>recieve</a:t>
+            </a:r>
+            <a:r>
+              <a:rPr lang="en-US" sz="1800" dirty="0"/>
+              <a:t> money on his Hand Or not (but  </a:t>
+            </a:r>
+            <a:r>
+              <a:rPr lang="en-US" sz="1800" dirty="0" err="1"/>
+              <a:t>StatusCode</a:t>
+            </a:r>
+            <a:r>
+              <a:rPr lang="en-US" sz="1800" dirty="0"/>
+              <a:t> is still = 9 )</a:t>
+            </a:r>
+          </a:p>
+        </p:txBody>
+      </p:sp>
+    </p:spTree>
+    <p:extLst>
+      <p:ext uri="{BB962C8B-B14F-4D97-AF65-F5344CB8AC3E}">
+        <p14:creationId xmlns:p14="http://schemas.microsoft.com/office/powerpoint/2010/main" val="814710085"/>
+      </p:ext>
+    </p:extLst>
+  </p:cSld>
+  <p:clrMapOvr>
+    <a:masterClrMapping/>
+  </p:clrMapOvr>
+</p:sld>
+</file>
+
+<file path=ppt/slides/slide28.xml><?xml version="1.0" encoding="utf-8"?>
+<p:sld xmlns:a="http://schemas.openxmlformats.org/drawingml/2006/main" xmlns:r="http://schemas.openxmlformats.org/officeDocument/2006/relationships" xmlns:p="http://schemas.openxmlformats.org/presentationml/2006/main">
+  <p:cSld>
+    <p:spTree>
+      <p:nvGrpSpPr>
+        <p:cNvPr id="1" name=""/>
+        <p:cNvGrpSpPr/>
+        <p:nvPr/>
+      </p:nvGrpSpPr>
+      <p:grpSpPr>
+        <a:xfrm>
+          <a:off x="0" y="0"/>
+          <a:ext cx="0" cy="0"/>
+          <a:chOff x="0" y="0"/>
+          <a:chExt cx="0" cy="0"/>
+        </a:xfrm>
+      </p:grpSpPr>
+      <p:sp>
+        <p:nvSpPr>
+          <p:cNvPr id="2" name="Title 1">
+            <a:extLst>
+              <a:ext uri="{FF2B5EF4-FFF2-40B4-BE49-F238E27FC236}">
+                <a16:creationId xmlns:a16="http://schemas.microsoft.com/office/drawing/2014/main" id="{92B90F1D-7211-4F61-C633-61C22E728B85}"/>
+              </a:ext>
+            </a:extLst>
+          </p:cNvPr>
+          <p:cNvSpPr>
+            <a:spLocks noGrp="1"/>
+          </p:cNvSpPr>
+          <p:nvPr>
+            <p:ph type="title"/>
+          </p:nvPr>
+        </p:nvSpPr>
+        <p:spPr>
+          <a:xfrm>
+            <a:off x="913795" y="1"/>
+            <a:ext cx="10353762" cy="550606"/>
+          </a:xfrm>
+        </p:spPr>
+        <p:txBody>
+          <a:bodyPr>
+            <a:normAutofit fontScale="90000"/>
+          </a:bodyPr>
+          <a:lstStyle/>
+          <a:p>
+            <a:r>
+              <a:rPr lang="en-US" b="1" dirty="0">
+                <a:solidFill>
+                  <a:srgbClr val="FF0000"/>
+                </a:solidFill>
+              </a:rPr>
+              <a:t>Flow Status Entity</a:t>
+            </a:r>
+          </a:p>
+        </p:txBody>
+      </p:sp>
+      <p:sp>
+        <p:nvSpPr>
+          <p:cNvPr id="3" name="Content Placeholder 2">
+            <a:extLst>
+              <a:ext uri="{FF2B5EF4-FFF2-40B4-BE49-F238E27FC236}">
+                <a16:creationId xmlns:a16="http://schemas.microsoft.com/office/drawing/2014/main" id="{65F02D0E-6DBC-AF73-5CDA-680ACC90445A}"/>
+              </a:ext>
+            </a:extLst>
+          </p:cNvPr>
+          <p:cNvSpPr>
+            <a:spLocks noGrp="1"/>
+          </p:cNvSpPr>
+          <p:nvPr>
+            <p:ph idx="1"/>
+          </p:nvPr>
+        </p:nvSpPr>
+        <p:spPr>
+          <a:xfrm>
+            <a:off x="452284" y="550607"/>
+            <a:ext cx="11307097" cy="5653548"/>
+          </a:xfrm>
+        </p:spPr>
+        <p:txBody>
+          <a:bodyPr/>
+          <a:lstStyle/>
+          <a:p>
+            <a:r>
+              <a:rPr lang="en-US" dirty="0"/>
+              <a:t>Tamweely.Infrastruture.Data.Project_Modules.FlowChart.SetUp , SWF schema</a:t>
+            </a:r>
+          </a:p>
+          <a:p>
+            <a:r>
+              <a:rPr lang="en-US" dirty="0"/>
+              <a:t>int </a:t>
+            </a:r>
+            <a:r>
+              <a:rPr lang="en-US" dirty="0" err="1"/>
+              <a:t>status_id</a:t>
+            </a:r>
+            <a:r>
+              <a:rPr lang="en-US" dirty="0"/>
+              <a:t> </a:t>
+            </a:r>
+          </a:p>
+          <a:p>
+            <a:r>
+              <a:rPr lang="en-US" dirty="0"/>
+              <a:t>string name</a:t>
+            </a:r>
+          </a:p>
+          <a:p>
+            <a:r>
+              <a:rPr lang="en-US" dirty="0"/>
+              <a:t>int </a:t>
+            </a:r>
+            <a:r>
+              <a:rPr lang="en-US" dirty="0" err="1"/>
+              <a:t>status_code</a:t>
+            </a:r>
+            <a:endParaRPr lang="en-US" dirty="0"/>
+          </a:p>
+        </p:txBody>
+      </p:sp>
+    </p:spTree>
+    <p:extLst>
+      <p:ext uri="{BB962C8B-B14F-4D97-AF65-F5344CB8AC3E}">
+        <p14:creationId xmlns:p14="http://schemas.microsoft.com/office/powerpoint/2010/main" val="3133346828"/>
+      </p:ext>
+    </p:extLst>
+  </p:cSld>
+  <p:clrMapOvr>
+    <a:masterClrMapping/>
+  </p:clrMapOvr>
+</p:sld>
+</file>
+
+<file path=ppt/slides/slide29.xml><?xml version="1.0" encoding="utf-8"?>
+<p:sld xmlns:a="http://schemas.openxmlformats.org/drawingml/2006/main" xmlns:r="http://schemas.openxmlformats.org/officeDocument/2006/relationships" xmlns:p="http://schemas.openxmlformats.org/presentationml/2006/main">
+  <p:cSld>
+    <p:spTree>
+      <p:nvGrpSpPr>
+        <p:cNvPr id="1" name=""/>
+        <p:cNvGrpSpPr/>
+        <p:nvPr/>
+      </p:nvGrpSpPr>
+      <p:grpSpPr>
+        <a:xfrm>
+          <a:off x="0" y="0"/>
+          <a:ext cx="0" cy="0"/>
+          <a:chOff x="0" y="0"/>
+          <a:chExt cx="0" cy="0"/>
+        </a:xfrm>
+      </p:grpSpPr>
+      <p:sp>
+        <p:nvSpPr>
+          <p:cNvPr id="2" name="Title 1">
+            <a:extLst>
+              <a:ext uri="{FF2B5EF4-FFF2-40B4-BE49-F238E27FC236}">
+                <a16:creationId xmlns:a16="http://schemas.microsoft.com/office/drawing/2014/main" id="{A76C32AC-2553-DF57-69EF-10F25DFBA585}"/>
+              </a:ext>
+            </a:extLst>
+          </p:cNvPr>
+          <p:cNvSpPr>
+            <a:spLocks noGrp="1"/>
+          </p:cNvSpPr>
+          <p:nvPr>
+            <p:ph type="title"/>
+          </p:nvPr>
+        </p:nvSpPr>
+        <p:spPr>
+          <a:xfrm>
+            <a:off x="913795" y="0"/>
+            <a:ext cx="10353762" cy="609600"/>
+          </a:xfrm>
+        </p:spPr>
+        <p:txBody>
+          <a:bodyPr>
+            <a:normAutofit fontScale="90000"/>
+          </a:bodyPr>
+          <a:lstStyle/>
+          <a:p>
+            <a:r>
+              <a:rPr lang="en-US" b="1" dirty="0">
+                <a:solidFill>
+                  <a:srgbClr val="FF0000"/>
+                </a:solidFill>
+              </a:rPr>
+              <a:t>Company entity</a:t>
+            </a:r>
+          </a:p>
+        </p:txBody>
+      </p:sp>
+      <p:sp>
+        <p:nvSpPr>
+          <p:cNvPr id="3" name="Content Placeholder 2">
+            <a:extLst>
+              <a:ext uri="{FF2B5EF4-FFF2-40B4-BE49-F238E27FC236}">
+                <a16:creationId xmlns:a16="http://schemas.microsoft.com/office/drawing/2014/main" id="{301C27C4-CEF0-6A83-1EE8-4CA6A731E206}"/>
+              </a:ext>
+            </a:extLst>
+          </p:cNvPr>
+          <p:cNvSpPr>
+            <a:spLocks noGrp="1"/>
+          </p:cNvSpPr>
+          <p:nvPr>
+            <p:ph idx="1"/>
+          </p:nvPr>
+        </p:nvSpPr>
+        <p:spPr>
+          <a:xfrm>
+            <a:off x="285135" y="609600"/>
+            <a:ext cx="11700388" cy="6095999"/>
+          </a:xfrm>
+        </p:spPr>
+        <p:txBody>
+          <a:bodyPr/>
+          <a:lstStyle/>
+          <a:p>
+            <a:r>
+              <a:rPr lang="en-US" dirty="0"/>
+              <a:t>int </a:t>
+            </a:r>
+            <a:r>
+              <a:rPr lang="en-US" dirty="0" err="1"/>
+              <a:t>ComId</a:t>
+            </a:r>
+            <a:endParaRPr lang="en-US" dirty="0"/>
+          </a:p>
+          <a:p>
+            <a:r>
+              <a:rPr lang="en-US" dirty="0" err="1"/>
+              <a:t>ComNameAR</a:t>
+            </a:r>
+            <a:endParaRPr lang="en-US" dirty="0"/>
+          </a:p>
+          <a:p>
+            <a:r>
+              <a:rPr lang="en-US" dirty="0" err="1"/>
+              <a:t>ComNameEn</a:t>
+            </a:r>
+            <a:endParaRPr lang="en-US" dirty="0"/>
+          </a:p>
+        </p:txBody>
+      </p:sp>
+    </p:spTree>
+    <p:extLst>
+      <p:ext uri="{BB962C8B-B14F-4D97-AF65-F5344CB8AC3E}">
+        <p14:creationId xmlns:p14="http://schemas.microsoft.com/office/powerpoint/2010/main" val="2911064299"/>
       </p:ext>
     </p:extLst>
   </p:cSld>
@@ -8406,6 +9967,790 @@
     <p:extLst>
       <p:ext uri="{BB962C8B-B14F-4D97-AF65-F5344CB8AC3E}">
         <p14:creationId xmlns:p14="http://schemas.microsoft.com/office/powerpoint/2010/main" val="970022665"/>
+      </p:ext>
+    </p:extLst>
+  </p:cSld>
+  <p:clrMapOvr>
+    <a:masterClrMapping/>
+  </p:clrMapOvr>
+</p:sld>
+</file>
+
+<file path=ppt/slides/slide30.xml><?xml version="1.0" encoding="utf-8"?>
+<p:sld xmlns:a="http://schemas.openxmlformats.org/drawingml/2006/main" xmlns:r="http://schemas.openxmlformats.org/officeDocument/2006/relationships" xmlns:p="http://schemas.openxmlformats.org/presentationml/2006/main">
+  <p:cSld>
+    <p:spTree>
+      <p:nvGrpSpPr>
+        <p:cNvPr id="1" name=""/>
+        <p:cNvGrpSpPr/>
+        <p:nvPr/>
+      </p:nvGrpSpPr>
+      <p:grpSpPr>
+        <a:xfrm>
+          <a:off x="0" y="0"/>
+          <a:ext cx="0" cy="0"/>
+          <a:chOff x="0" y="0"/>
+          <a:chExt cx="0" cy="0"/>
+        </a:xfrm>
+      </p:grpSpPr>
+      <p:sp>
+        <p:nvSpPr>
+          <p:cNvPr id="2" name="Title 1">
+            <a:extLst>
+              <a:ext uri="{FF2B5EF4-FFF2-40B4-BE49-F238E27FC236}">
+                <a16:creationId xmlns:a16="http://schemas.microsoft.com/office/drawing/2014/main" id="{68F406B8-441A-11E8-B385-FD94F50259DC}"/>
+              </a:ext>
+            </a:extLst>
+          </p:cNvPr>
+          <p:cNvSpPr>
+            <a:spLocks noGrp="1"/>
+          </p:cNvSpPr>
+          <p:nvPr>
+            <p:ph type="title"/>
+          </p:nvPr>
+        </p:nvSpPr>
+        <p:spPr>
+          <a:xfrm>
+            <a:off x="913795" y="0"/>
+            <a:ext cx="10353762" cy="471948"/>
+          </a:xfrm>
+        </p:spPr>
+        <p:txBody>
+          <a:bodyPr>
+            <a:normAutofit fontScale="90000"/>
+          </a:bodyPr>
+          <a:lstStyle/>
+          <a:p>
+            <a:r>
+              <a:rPr lang="en-US" b="1" dirty="0" err="1">
+                <a:solidFill>
+                  <a:srgbClr val="FF0000"/>
+                </a:solidFill>
+              </a:rPr>
+              <a:t>Acc_Chart_Account</a:t>
+            </a:r>
+            <a:r>
+              <a:rPr lang="en-US" b="1" dirty="0">
+                <a:solidFill>
+                  <a:srgbClr val="FF0000"/>
+                </a:solidFill>
+              </a:rPr>
+              <a:t> entity</a:t>
+            </a:r>
+          </a:p>
+        </p:txBody>
+      </p:sp>
+      <p:sp>
+        <p:nvSpPr>
+          <p:cNvPr id="3" name="Content Placeholder 2">
+            <a:extLst>
+              <a:ext uri="{FF2B5EF4-FFF2-40B4-BE49-F238E27FC236}">
+                <a16:creationId xmlns:a16="http://schemas.microsoft.com/office/drawing/2014/main" id="{0C4B6636-C47E-9A5C-7DAD-A3E52C048CAB}"/>
+              </a:ext>
+            </a:extLst>
+          </p:cNvPr>
+          <p:cNvSpPr>
+            <a:spLocks noGrp="1"/>
+          </p:cNvSpPr>
+          <p:nvPr>
+            <p:ph idx="1"/>
+          </p:nvPr>
+        </p:nvSpPr>
+        <p:spPr>
+          <a:xfrm>
+            <a:off x="913795" y="471949"/>
+            <a:ext cx="10353762" cy="5319252"/>
+          </a:xfrm>
+        </p:spPr>
+        <p:txBody>
+          <a:bodyPr/>
+          <a:lstStyle/>
+          <a:p>
+            <a:r>
+              <a:rPr lang="en-US" dirty="0"/>
+              <a:t>namespace </a:t>
+            </a:r>
+            <a:r>
+              <a:rPr lang="en-US" dirty="0" err="1"/>
+              <a:t>Tamweely.Infrastruture.Data.Project_Modules.Accounts</a:t>
+            </a:r>
+            <a:endParaRPr lang="en-US" dirty="0"/>
+          </a:p>
+          <a:p>
+            <a:endParaRPr lang="en-US" dirty="0"/>
+          </a:p>
+        </p:txBody>
+      </p:sp>
+    </p:spTree>
+    <p:extLst>
+      <p:ext uri="{BB962C8B-B14F-4D97-AF65-F5344CB8AC3E}">
+        <p14:creationId xmlns:p14="http://schemas.microsoft.com/office/powerpoint/2010/main" val="999857900"/>
+      </p:ext>
+    </p:extLst>
+  </p:cSld>
+  <p:clrMapOvr>
+    <a:masterClrMapping/>
+  </p:clrMapOvr>
+</p:sld>
+</file>
+
+<file path=ppt/slides/slide31.xml><?xml version="1.0" encoding="utf-8"?>
+<p:sld xmlns:a="http://schemas.openxmlformats.org/drawingml/2006/main" xmlns:r="http://schemas.openxmlformats.org/officeDocument/2006/relationships" xmlns:p="http://schemas.openxmlformats.org/presentationml/2006/main">
+  <p:cSld>
+    <p:spTree>
+      <p:nvGrpSpPr>
+        <p:cNvPr id="1" name=""/>
+        <p:cNvGrpSpPr/>
+        <p:nvPr/>
+      </p:nvGrpSpPr>
+      <p:grpSpPr>
+        <a:xfrm>
+          <a:off x="0" y="0"/>
+          <a:ext cx="0" cy="0"/>
+          <a:chOff x="0" y="0"/>
+          <a:chExt cx="0" cy="0"/>
+        </a:xfrm>
+      </p:grpSpPr>
+      <p:sp>
+        <p:nvSpPr>
+          <p:cNvPr id="2" name="Title 1">
+            <a:extLst>
+              <a:ext uri="{FF2B5EF4-FFF2-40B4-BE49-F238E27FC236}">
+                <a16:creationId xmlns:a16="http://schemas.microsoft.com/office/drawing/2014/main" id="{2D14F211-A475-DBF7-9EED-1D353ADE10A6}"/>
+              </a:ext>
+            </a:extLst>
+          </p:cNvPr>
+          <p:cNvSpPr>
+            <a:spLocks noGrp="1"/>
+          </p:cNvSpPr>
+          <p:nvPr>
+            <p:ph type="title"/>
+          </p:nvPr>
+        </p:nvSpPr>
+        <p:spPr>
+          <a:xfrm>
+            <a:off x="913795" y="0"/>
+            <a:ext cx="10353762" cy="707923"/>
+          </a:xfrm>
+        </p:spPr>
+        <p:txBody>
+          <a:bodyPr/>
+          <a:lstStyle/>
+          <a:p>
+            <a:r>
+              <a:rPr lang="en-US" dirty="0" err="1">
+                <a:solidFill>
+                  <a:srgbClr val="FF0000"/>
+                </a:solidFill>
+              </a:rPr>
+              <a:t>Flow_Products</a:t>
+            </a:r>
+            <a:r>
+              <a:rPr lang="en-US" dirty="0">
+                <a:solidFill>
+                  <a:srgbClr val="FF0000"/>
+                </a:solidFill>
+              </a:rPr>
+              <a:t> entity</a:t>
+            </a:r>
+          </a:p>
+        </p:txBody>
+      </p:sp>
+      <p:sp>
+        <p:nvSpPr>
+          <p:cNvPr id="3" name="Content Placeholder 2">
+            <a:extLst>
+              <a:ext uri="{FF2B5EF4-FFF2-40B4-BE49-F238E27FC236}">
+                <a16:creationId xmlns:a16="http://schemas.microsoft.com/office/drawing/2014/main" id="{9195FB53-6728-18BE-505F-340013210440}"/>
+              </a:ext>
+            </a:extLst>
+          </p:cNvPr>
+          <p:cNvSpPr>
+            <a:spLocks noGrp="1"/>
+          </p:cNvSpPr>
+          <p:nvPr>
+            <p:ph idx="1"/>
+          </p:nvPr>
+        </p:nvSpPr>
+        <p:spPr>
+          <a:xfrm>
+            <a:off x="304800" y="707923"/>
+            <a:ext cx="11749548" cy="6037006"/>
+          </a:xfrm>
+        </p:spPr>
+        <p:txBody>
+          <a:bodyPr/>
+          <a:lstStyle/>
+          <a:p>
+            <a:r>
+              <a:rPr lang="en-US" dirty="0"/>
+              <a:t>namespace Tamweely.Infrastruture.Data.Project_Modules.FlowChart.SetUp , [TWF schema]</a:t>
+            </a:r>
+          </a:p>
+          <a:p>
+            <a:r>
+              <a:rPr lang="en-US" dirty="0" err="1"/>
+              <a:t>product_Id</a:t>
+            </a:r>
+            <a:r>
+              <a:rPr lang="en-US" dirty="0"/>
+              <a:t>: X</a:t>
+            </a:r>
+          </a:p>
+          <a:p>
+            <a:r>
+              <a:rPr lang="en-US" dirty="0" err="1"/>
+              <a:t>Loan_code</a:t>
+            </a:r>
+            <a:r>
+              <a:rPr lang="en-US" dirty="0"/>
+              <a:t>:</a:t>
+            </a:r>
+          </a:p>
+          <a:p>
+            <a:r>
+              <a:rPr lang="en-US" dirty="0" err="1"/>
+              <a:t>Layer_code</a:t>
+            </a:r>
+            <a:r>
+              <a:rPr lang="en-US" dirty="0"/>
+              <a:t>: </a:t>
+            </a:r>
+          </a:p>
+          <a:p>
+            <a:endParaRPr lang="en-US" dirty="0"/>
+          </a:p>
+          <a:p>
+            <a:endParaRPr lang="en-US" dirty="0"/>
+          </a:p>
+        </p:txBody>
+      </p:sp>
+    </p:spTree>
+    <p:extLst>
+      <p:ext uri="{BB962C8B-B14F-4D97-AF65-F5344CB8AC3E}">
+        <p14:creationId xmlns:p14="http://schemas.microsoft.com/office/powerpoint/2010/main" val="3596534220"/>
+      </p:ext>
+    </p:extLst>
+  </p:cSld>
+  <p:clrMapOvr>
+    <a:masterClrMapping/>
+  </p:clrMapOvr>
+</p:sld>
+</file>
+
+<file path=ppt/slides/slide32.xml><?xml version="1.0" encoding="utf-8"?>
+<p:sld xmlns:a="http://schemas.openxmlformats.org/drawingml/2006/main" xmlns:r="http://schemas.openxmlformats.org/officeDocument/2006/relationships" xmlns:p="http://schemas.openxmlformats.org/presentationml/2006/main">
+  <p:cSld>
+    <p:spTree>
+      <p:nvGrpSpPr>
+        <p:cNvPr id="1" name=""/>
+        <p:cNvGrpSpPr/>
+        <p:nvPr/>
+      </p:nvGrpSpPr>
+      <p:grpSpPr>
+        <a:xfrm>
+          <a:off x="0" y="0"/>
+          <a:ext cx="0" cy="0"/>
+          <a:chOff x="0" y="0"/>
+          <a:chExt cx="0" cy="0"/>
+        </a:xfrm>
+      </p:grpSpPr>
+      <p:sp>
+        <p:nvSpPr>
+          <p:cNvPr id="2" name="Title 1">
+            <a:extLst>
+              <a:ext uri="{FF2B5EF4-FFF2-40B4-BE49-F238E27FC236}">
+                <a16:creationId xmlns:a16="http://schemas.microsoft.com/office/drawing/2014/main" id="{FC0D3008-1F1E-7D6F-D61B-97B584425E05}"/>
+              </a:ext>
+            </a:extLst>
+          </p:cNvPr>
+          <p:cNvSpPr>
+            <a:spLocks noGrp="1"/>
+          </p:cNvSpPr>
+          <p:nvPr>
+            <p:ph type="title"/>
+          </p:nvPr>
+        </p:nvSpPr>
+        <p:spPr>
+          <a:xfrm>
+            <a:off x="913795" y="0"/>
+            <a:ext cx="10353762" cy="501445"/>
+          </a:xfrm>
+        </p:spPr>
+        <p:txBody>
+          <a:bodyPr>
+            <a:normAutofit fontScale="90000"/>
+          </a:bodyPr>
+          <a:lstStyle/>
+          <a:p>
+            <a:r>
+              <a:rPr lang="en-US" b="1" dirty="0" err="1">
+                <a:solidFill>
+                  <a:srgbClr val="FF0000"/>
+                </a:solidFill>
+              </a:rPr>
+              <a:t>Flow_repayment_cycle</a:t>
+            </a:r>
+            <a:r>
+              <a:rPr lang="en-US" b="1" dirty="0">
+                <a:solidFill>
+                  <a:srgbClr val="FF0000"/>
+                </a:solidFill>
+              </a:rPr>
+              <a:t> entity</a:t>
+            </a:r>
+          </a:p>
+        </p:txBody>
+      </p:sp>
+      <p:sp>
+        <p:nvSpPr>
+          <p:cNvPr id="3" name="Content Placeholder 2">
+            <a:extLst>
+              <a:ext uri="{FF2B5EF4-FFF2-40B4-BE49-F238E27FC236}">
+                <a16:creationId xmlns:a16="http://schemas.microsoft.com/office/drawing/2014/main" id="{C276E366-E09D-CF9E-BA03-BB86AB6B5C5A}"/>
+              </a:ext>
+            </a:extLst>
+          </p:cNvPr>
+          <p:cNvSpPr>
+            <a:spLocks noGrp="1"/>
+          </p:cNvSpPr>
+          <p:nvPr>
+            <p:ph idx="1"/>
+          </p:nvPr>
+        </p:nvSpPr>
+        <p:spPr>
+          <a:xfrm>
+            <a:off x="294968" y="619433"/>
+            <a:ext cx="11602064" cy="5663380"/>
+          </a:xfrm>
+        </p:spPr>
+        <p:txBody>
+          <a:bodyPr/>
+          <a:lstStyle/>
+          <a:p>
+            <a:r>
+              <a:rPr lang="en-US" dirty="0"/>
+              <a:t>namespace Tamweely.Infrastruture.Data.Project_Modules.FlowChart.SetUp</a:t>
+            </a:r>
+          </a:p>
+          <a:p>
+            <a:r>
+              <a:rPr lang="en-US" dirty="0"/>
+              <a:t>int </a:t>
+            </a:r>
+            <a:r>
+              <a:rPr lang="en-US" dirty="0" err="1"/>
+              <a:t>FRC_Id</a:t>
+            </a:r>
+            <a:r>
+              <a:rPr lang="en-US" dirty="0"/>
+              <a:t> </a:t>
+            </a:r>
+          </a:p>
+          <a:p>
+            <a:r>
+              <a:rPr lang="en-US" dirty="0"/>
+              <a:t>string </a:t>
+            </a:r>
+            <a:r>
+              <a:rPr lang="en-US" dirty="0" err="1"/>
+              <a:t>Name_AR</a:t>
+            </a:r>
+            <a:r>
+              <a:rPr lang="en-US" dirty="0"/>
+              <a:t> </a:t>
+            </a:r>
+          </a:p>
+          <a:p>
+            <a:r>
+              <a:rPr lang="en-US" dirty="0"/>
+              <a:t>string </a:t>
+            </a:r>
+            <a:r>
+              <a:rPr lang="en-US" dirty="0" err="1"/>
+              <a:t>Name_EN</a:t>
+            </a:r>
+            <a:r>
+              <a:rPr lang="en-US" dirty="0"/>
+              <a:t> </a:t>
+            </a:r>
+          </a:p>
+          <a:p>
+            <a:r>
+              <a:rPr lang="en-US" dirty="0"/>
+              <a:t>int </a:t>
+            </a:r>
+            <a:r>
+              <a:rPr lang="en-US" dirty="0" err="1"/>
+              <a:t>Count_days</a:t>
+            </a:r>
+            <a:endParaRPr lang="en-US" dirty="0"/>
+          </a:p>
+          <a:p>
+            <a:r>
+              <a:rPr lang="en-US" dirty="0"/>
+              <a:t>int </a:t>
+            </a:r>
+            <a:r>
+              <a:rPr lang="en-US" dirty="0" err="1"/>
+              <a:t>Day_Month</a:t>
+            </a:r>
+            <a:endParaRPr lang="en-US" dirty="0"/>
+          </a:p>
+          <a:p>
+            <a:r>
+              <a:rPr lang="en-US" dirty="0"/>
+              <a:t>int </a:t>
+            </a:r>
+            <a:r>
+              <a:rPr lang="en-US" dirty="0" err="1"/>
+              <a:t>Days_in_months</a:t>
+            </a:r>
+            <a:endParaRPr lang="en-US" dirty="0"/>
+          </a:p>
+        </p:txBody>
+      </p:sp>
+    </p:spTree>
+    <p:extLst>
+      <p:ext uri="{BB962C8B-B14F-4D97-AF65-F5344CB8AC3E}">
+        <p14:creationId xmlns:p14="http://schemas.microsoft.com/office/powerpoint/2010/main" val="4292290146"/>
+      </p:ext>
+    </p:extLst>
+  </p:cSld>
+  <p:clrMapOvr>
+    <a:masterClrMapping/>
+  </p:clrMapOvr>
+</p:sld>
+</file>
+
+<file path=ppt/slides/slide33.xml><?xml version="1.0" encoding="utf-8"?>
+<p:sld xmlns:a="http://schemas.openxmlformats.org/drawingml/2006/main" xmlns:r="http://schemas.openxmlformats.org/officeDocument/2006/relationships" xmlns:p="http://schemas.openxmlformats.org/presentationml/2006/main">
+  <p:cSld>
+    <p:spTree>
+      <p:nvGrpSpPr>
+        <p:cNvPr id="1" name=""/>
+        <p:cNvGrpSpPr/>
+        <p:nvPr/>
+      </p:nvGrpSpPr>
+      <p:grpSpPr>
+        <a:xfrm>
+          <a:off x="0" y="0"/>
+          <a:ext cx="0" cy="0"/>
+          <a:chOff x="0" y="0"/>
+          <a:chExt cx="0" cy="0"/>
+        </a:xfrm>
+      </p:grpSpPr>
+      <p:sp>
+        <p:nvSpPr>
+          <p:cNvPr id="2" name="Title 1">
+            <a:extLst>
+              <a:ext uri="{FF2B5EF4-FFF2-40B4-BE49-F238E27FC236}">
+                <a16:creationId xmlns:a16="http://schemas.microsoft.com/office/drawing/2014/main" id="{09B9A69E-06CE-97FD-204E-1EAB56654B9A}"/>
+              </a:ext>
+            </a:extLst>
+          </p:cNvPr>
+          <p:cNvSpPr>
+            <a:spLocks noGrp="1"/>
+          </p:cNvSpPr>
+          <p:nvPr>
+            <p:ph type="title"/>
+          </p:nvPr>
+        </p:nvSpPr>
+        <p:spPr>
+          <a:xfrm>
+            <a:off x="795808" y="0"/>
+            <a:ext cx="10353762" cy="530942"/>
+          </a:xfrm>
+        </p:spPr>
+        <p:txBody>
+          <a:bodyPr>
+            <a:normAutofit fontScale="90000"/>
+          </a:bodyPr>
+          <a:lstStyle/>
+          <a:p>
+            <a:r>
+              <a:rPr lang="en-US" b="1" dirty="0" err="1">
+                <a:solidFill>
+                  <a:srgbClr val="FF0000"/>
+                </a:solidFill>
+              </a:rPr>
+              <a:t>BranchGovernRegion</a:t>
+            </a:r>
+            <a:r>
+              <a:rPr lang="en-US" b="1" dirty="0">
+                <a:solidFill>
+                  <a:srgbClr val="FF0000"/>
+                </a:solidFill>
+              </a:rPr>
+              <a:t> VM</a:t>
+            </a:r>
+          </a:p>
+        </p:txBody>
+      </p:sp>
+      <p:sp>
+        <p:nvSpPr>
+          <p:cNvPr id="3" name="Content Placeholder 2">
+            <a:extLst>
+              <a:ext uri="{FF2B5EF4-FFF2-40B4-BE49-F238E27FC236}">
+                <a16:creationId xmlns:a16="http://schemas.microsoft.com/office/drawing/2014/main" id="{8C64C52F-88D2-D45B-14B5-1C9472A1F8DB}"/>
+              </a:ext>
+            </a:extLst>
+          </p:cNvPr>
+          <p:cNvSpPr>
+            <a:spLocks noGrp="1"/>
+          </p:cNvSpPr>
+          <p:nvPr>
+            <p:ph idx="1"/>
+          </p:nvPr>
+        </p:nvSpPr>
+        <p:spPr>
+          <a:xfrm>
+            <a:off x="353960" y="530943"/>
+            <a:ext cx="11533239" cy="6135328"/>
+          </a:xfrm>
+        </p:spPr>
+        <p:txBody>
+          <a:bodyPr>
+            <a:normAutofit/>
+          </a:bodyPr>
+          <a:lstStyle/>
+          <a:p>
+            <a:r>
+              <a:rPr lang="en-US" sz="1800" dirty="0"/>
+              <a:t>BranchId     		// From Table branch</a:t>
+            </a:r>
+          </a:p>
+          <a:p>
+            <a:r>
+              <a:rPr lang="en-US" sz="1800" dirty="0" err="1"/>
+              <a:t>Branch_code</a:t>
+            </a:r>
+            <a:r>
+              <a:rPr lang="en-US" sz="1800" dirty="0"/>
+              <a:t>		// From Table branch</a:t>
+            </a:r>
+          </a:p>
+          <a:p>
+            <a:r>
+              <a:rPr lang="en-US" sz="1800" dirty="0" err="1"/>
+              <a:t>ExterNum</a:t>
+            </a:r>
+            <a:r>
+              <a:rPr lang="en-US" sz="1800" dirty="0"/>
+              <a:t>		// From Table branch</a:t>
+            </a:r>
+          </a:p>
+          <a:p>
+            <a:endParaRPr lang="en-US" sz="1800" dirty="0"/>
+          </a:p>
+        </p:txBody>
+      </p:sp>
+    </p:spTree>
+    <p:extLst>
+      <p:ext uri="{BB962C8B-B14F-4D97-AF65-F5344CB8AC3E}">
+        <p14:creationId xmlns:p14="http://schemas.microsoft.com/office/powerpoint/2010/main" val="1678316031"/>
+      </p:ext>
+    </p:extLst>
+  </p:cSld>
+  <p:clrMapOvr>
+    <a:masterClrMapping/>
+  </p:clrMapOvr>
+</p:sld>
+</file>
+
+<file path=ppt/slides/slide34.xml><?xml version="1.0" encoding="utf-8"?>
+<p:sld xmlns:a="http://schemas.openxmlformats.org/drawingml/2006/main" xmlns:r="http://schemas.openxmlformats.org/officeDocument/2006/relationships" xmlns:p="http://schemas.openxmlformats.org/presentationml/2006/main">
+  <p:cSld>
+    <p:spTree>
+      <p:nvGrpSpPr>
+        <p:cNvPr id="1" name=""/>
+        <p:cNvGrpSpPr/>
+        <p:nvPr/>
+      </p:nvGrpSpPr>
+      <p:grpSpPr>
+        <a:xfrm>
+          <a:off x="0" y="0"/>
+          <a:ext cx="0" cy="0"/>
+          <a:chOff x="0" y="0"/>
+          <a:chExt cx="0" cy="0"/>
+        </a:xfrm>
+      </p:grpSpPr>
+      <p:sp>
+        <p:nvSpPr>
+          <p:cNvPr id="2" name="Title 1">
+            <a:extLst>
+              <a:ext uri="{FF2B5EF4-FFF2-40B4-BE49-F238E27FC236}">
+                <a16:creationId xmlns:a16="http://schemas.microsoft.com/office/drawing/2014/main" id="{4EF5FE32-DD82-CBD6-386F-93F17B98F119}"/>
+              </a:ext>
+            </a:extLst>
+          </p:cNvPr>
+          <p:cNvSpPr>
+            <a:spLocks noGrp="1"/>
+          </p:cNvSpPr>
+          <p:nvPr>
+            <p:ph type="title"/>
+          </p:nvPr>
+        </p:nvSpPr>
+        <p:spPr>
+          <a:xfrm>
+            <a:off x="913795" y="0"/>
+            <a:ext cx="10353762" cy="530942"/>
+          </a:xfrm>
+        </p:spPr>
+        <p:txBody>
+          <a:bodyPr>
+            <a:normAutofit fontScale="90000"/>
+          </a:bodyPr>
+          <a:lstStyle/>
+          <a:p>
+            <a:r>
+              <a:rPr lang="en-US" dirty="0"/>
+              <a:t>Amounts of Funding request</a:t>
+            </a:r>
+          </a:p>
+        </p:txBody>
+      </p:sp>
+      <p:sp>
+        <p:nvSpPr>
+          <p:cNvPr id="3" name="Content Placeholder 2">
+            <a:extLst>
+              <a:ext uri="{FF2B5EF4-FFF2-40B4-BE49-F238E27FC236}">
+                <a16:creationId xmlns:a16="http://schemas.microsoft.com/office/drawing/2014/main" id="{D1726BCA-1DA4-81E2-3DF2-D1E1CF687B83}"/>
+              </a:ext>
+            </a:extLst>
+          </p:cNvPr>
+          <p:cNvSpPr>
+            <a:spLocks noGrp="1"/>
+          </p:cNvSpPr>
+          <p:nvPr>
+            <p:ph idx="1"/>
+          </p:nvPr>
+        </p:nvSpPr>
+        <p:spPr>
+          <a:xfrm>
+            <a:off x="353960" y="530942"/>
+            <a:ext cx="11533239" cy="6056671"/>
+          </a:xfrm>
+        </p:spPr>
+        <p:txBody>
+          <a:bodyPr/>
+          <a:lstStyle/>
+          <a:p>
+            <a:pPr algn="r" rtl="1"/>
+            <a:r>
+              <a:rPr lang="en-US" dirty="0" err="1">
+                <a:effectLst/>
+              </a:rPr>
+              <a:t>Required_amount</a:t>
+            </a:r>
+            <a:r>
+              <a:rPr lang="ar-EG" dirty="0">
+                <a:effectLst/>
+              </a:rPr>
+              <a:t> : المبلغ الذي كتبه العميل في "نموذج الطلب" بناءً على احتياجه الشخصي.</a:t>
+            </a:r>
+          </a:p>
+          <a:p>
+            <a:pPr algn="r" rtl="1"/>
+            <a:r>
+              <a:rPr lang="en-US" dirty="0" err="1">
+                <a:effectLst/>
+              </a:rPr>
+              <a:t>Financing_amount</a:t>
+            </a:r>
+            <a:r>
+              <a:rPr lang="ar-EG" dirty="0">
+                <a:effectLst/>
+              </a:rPr>
+              <a:t> : قيمة التمويل بعد التعلية</a:t>
+            </a:r>
+          </a:p>
+          <a:p>
+            <a:pPr algn="r" rtl="1"/>
+            <a:r>
+              <a:rPr lang="en-US" dirty="0" err="1">
+                <a:effectLst/>
+              </a:rPr>
+              <a:t>Actual_financing</a:t>
+            </a:r>
+            <a:r>
+              <a:rPr lang="ar-EG" dirty="0">
+                <a:effectLst/>
+              </a:rPr>
+              <a:t> : المبلغ الصافى الذى خرج من الخزينة وذهب للعميل</a:t>
+            </a:r>
+            <a:endParaRPr lang="en-US" dirty="0">
+              <a:effectLst/>
+            </a:endParaRPr>
+          </a:p>
+          <a:p>
+            <a:pPr algn="r" rtl="1"/>
+            <a:r>
+              <a:rPr lang="en-US" dirty="0">
+                <a:effectLst/>
+              </a:rPr>
+              <a:t>APP_FEE </a:t>
+            </a:r>
+            <a:r>
+              <a:rPr lang="ar-EG">
+                <a:effectLst/>
+              </a:rPr>
+              <a:t> </a:t>
+            </a:r>
+            <a:r>
+              <a:rPr lang="ar-EG"/>
+              <a:t>: </a:t>
+            </a:r>
+            <a:r>
+              <a:rPr lang="ar-EG">
+                <a:effectLst/>
+              </a:rPr>
+              <a:t>رسوم إدارية ثابتة تُدفع نقداً عند تقديم الورق، وغالباً لا تُسترد حتى لو رُفض الطلب</a:t>
+            </a:r>
+            <a:endParaRPr lang="ar-EG" dirty="0"/>
+          </a:p>
+          <a:p>
+            <a:pPr algn="r" rtl="1"/>
+            <a:r>
+              <a:rPr lang="ar-EG" dirty="0"/>
+              <a:t>: </a:t>
+            </a:r>
+          </a:p>
+          <a:p>
+            <a:pPr algn="r" rtl="1"/>
+            <a:r>
+              <a:rPr lang="ar-EG" dirty="0"/>
+              <a:t> :</a:t>
+            </a:r>
+          </a:p>
+          <a:p>
+            <a:pPr algn="r" rtl="1"/>
+            <a:r>
+              <a:rPr lang="ar-EG" dirty="0"/>
+              <a:t> : </a:t>
+            </a:r>
+          </a:p>
+          <a:p>
+            <a:pPr algn="r" rtl="1"/>
+            <a:r>
+              <a:rPr lang="ar-EG" dirty="0"/>
+              <a:t> : </a:t>
+            </a:r>
+          </a:p>
+          <a:p>
+            <a:pPr algn="r" rtl="1"/>
+            <a:r>
+              <a:rPr lang="ar-EG" dirty="0"/>
+              <a:t> :  </a:t>
+            </a:r>
+            <a:endParaRPr lang="en-US" dirty="0"/>
+          </a:p>
+        </p:txBody>
+      </p:sp>
+    </p:spTree>
+    <p:extLst>
+      <p:ext uri="{BB962C8B-B14F-4D97-AF65-F5344CB8AC3E}">
+        <p14:creationId xmlns:p14="http://schemas.microsoft.com/office/powerpoint/2010/main" val="4263840768"/>
       </p:ext>
     </p:extLst>
   </p:cSld>

--- a/Dot Net/Business.pptx
+++ b/Dot Net/Business.pptx
@@ -37,8 +37,21 @@
     <p:sldId id="282" r:id="rId31"/>
     <p:sldId id="283" r:id="rId32"/>
     <p:sldId id="284" r:id="rId33"/>
-    <p:sldId id="276" r:id="rId34"/>
-    <p:sldId id="289" r:id="rId35"/>
+    <p:sldId id="292" r:id="rId34"/>
+    <p:sldId id="293" r:id="rId35"/>
+    <p:sldId id="294" r:id="rId36"/>
+    <p:sldId id="296" r:id="rId37"/>
+    <p:sldId id="297" r:id="rId38"/>
+    <p:sldId id="299" r:id="rId39"/>
+    <p:sldId id="298" r:id="rId40"/>
+    <p:sldId id="300" r:id="rId41"/>
+    <p:sldId id="301" r:id="rId42"/>
+    <p:sldId id="303" r:id="rId43"/>
+    <p:sldId id="276" r:id="rId44"/>
+    <p:sldId id="289" r:id="rId45"/>
+    <p:sldId id="290" r:id="rId46"/>
+    <p:sldId id="295" r:id="rId47"/>
+    <p:sldId id="302" r:id="rId48"/>
   </p:sldIdLst>
   <p:sldSz cx="12192000" cy="6858000"/>
   <p:notesSz cx="6858000" cy="9144000"/>
@@ -330,7 +343,7 @@
           <a:p>
             <a:fld id="{C744FA5D-EF1D-489D-8D8F-1FF7B7B6D702}" type="datetimeFigureOut">
               <a:rPr lang="en-US" smtClean="0"/>
-              <a:t>2/12/2026</a:t>
+              <a:t>2/16/2026</a:t>
             </a:fld>
             <a:endParaRPr lang="en-US"/>
           </a:p>
@@ -542,7 +555,6 @@
               <a:rPr lang="en-US"/>
               <a:t>Click icon to add picture</a:t>
             </a:r>
-            <a:endParaRPr lang="en-US" dirty="0"/>
           </a:p>
         </p:txBody>
       </p:sp>
@@ -628,7 +640,7 @@
           <a:p>
             <a:fld id="{C744FA5D-EF1D-489D-8D8F-1FF7B7B6D702}" type="datetimeFigureOut">
               <a:rPr lang="en-US" smtClean="0"/>
-              <a:t>2/12/2026</a:t>
+              <a:t>2/16/2026</a:t>
             </a:fld>
             <a:endParaRPr lang="en-US"/>
           </a:p>
@@ -820,7 +832,7 @@
           <a:p>
             <a:fld id="{C744FA5D-EF1D-489D-8D8F-1FF7B7B6D702}" type="datetimeFigureOut">
               <a:rPr lang="en-US" smtClean="0"/>
-              <a:t>2/12/2026</a:t>
+              <a:t>2/16/2026</a:t>
             </a:fld>
             <a:endParaRPr lang="en-US"/>
           </a:p>
@@ -1081,7 +1093,7 @@
           <a:p>
             <a:fld id="{C744FA5D-EF1D-489D-8D8F-1FF7B7B6D702}" type="datetimeFigureOut">
               <a:rPr lang="en-US" smtClean="0"/>
-              <a:t>2/12/2026</a:t>
+              <a:t>2/16/2026</a:t>
             </a:fld>
             <a:endParaRPr lang="en-US"/>
           </a:p>
@@ -1234,7 +1246,7 @@
           <a:p>
             <a:pPr lvl="0"/>
             <a:r>
-              <a:rPr lang="en-US" sz="8000" dirty="0">
+              <a:rPr lang="en-US" sz="8000">
                 <a:solidFill>
                   <a:schemeClr val="tx1"/>
                 </a:solidFill>
@@ -1350,7 +1362,7 @@
           <a:p>
             <a:pPr lvl="0" algn="r"/>
             <a:r>
-              <a:rPr lang="en-US" sz="8000" dirty="0">
+              <a:rPr lang="en-US" sz="8000">
                 <a:solidFill>
                   <a:schemeClr val="tx1"/>
                 </a:solidFill>
@@ -1505,7 +1517,7 @@
           <a:p>
             <a:fld id="{C744FA5D-EF1D-489D-8D8F-1FF7B7B6D702}" type="datetimeFigureOut">
               <a:rPr lang="en-US" smtClean="0"/>
-              <a:t>2/12/2026</a:t>
+              <a:t>2/16/2026</a:t>
             </a:fld>
             <a:endParaRPr lang="en-US"/>
           </a:p>
@@ -2042,7 +2054,7 @@
           <a:p>
             <a:fld id="{C744FA5D-EF1D-489D-8D8F-1FF7B7B6D702}" type="datetimeFigureOut">
               <a:rPr lang="en-US" smtClean="0"/>
-              <a:t>2/12/2026</a:t>
+              <a:t>2/16/2026</a:t>
             </a:fld>
             <a:endParaRPr lang="en-US"/>
           </a:p>
@@ -2384,7 +2396,6 @@
               <a:rPr lang="en-US"/>
               <a:t>Click icon to add picture</a:t>
             </a:r>
-            <a:endParaRPr lang="en-US" dirty="0"/>
           </a:p>
         </p:txBody>
       </p:sp>
@@ -2601,7 +2612,6 @@
               <a:rPr lang="en-US"/>
               <a:t>Click icon to add picture</a:t>
             </a:r>
-            <a:endParaRPr lang="en-US" dirty="0"/>
           </a:p>
         </p:txBody>
       </p:sp>
@@ -2818,7 +2828,6 @@
               <a:rPr lang="en-US"/>
               <a:t>Click icon to add picture</a:t>
             </a:r>
-            <a:endParaRPr lang="en-US" dirty="0"/>
           </a:p>
         </p:txBody>
       </p:sp>
@@ -2906,7 +2915,7 @@
           <a:p>
             <a:fld id="{C744FA5D-EF1D-489D-8D8F-1FF7B7B6D702}" type="datetimeFigureOut">
               <a:rPr lang="en-US" smtClean="0"/>
-              <a:t>2/12/2026</a:t>
+              <a:t>2/16/2026</a:t>
             </a:fld>
             <a:endParaRPr lang="en-US"/>
           </a:p>
@@ -3076,7 +3085,7 @@
           <a:p>
             <a:fld id="{C744FA5D-EF1D-489D-8D8F-1FF7B7B6D702}" type="datetimeFigureOut">
               <a:rPr lang="en-US" smtClean="0"/>
-              <a:t>2/12/2026</a:t>
+              <a:t>2/16/2026</a:t>
             </a:fld>
             <a:endParaRPr lang="en-US"/>
           </a:p>
@@ -3260,7 +3269,7 @@
           <a:p>
             <a:fld id="{C744FA5D-EF1D-489D-8D8F-1FF7B7B6D702}" type="datetimeFigureOut">
               <a:rPr lang="en-US" smtClean="0"/>
-              <a:t>2/12/2026</a:t>
+              <a:t>2/16/2026</a:t>
             </a:fld>
             <a:endParaRPr lang="en-US"/>
           </a:p>
@@ -3430,7 +3439,7 @@
           <a:p>
             <a:fld id="{C744FA5D-EF1D-489D-8D8F-1FF7B7B6D702}" type="datetimeFigureOut">
               <a:rPr lang="en-US" smtClean="0"/>
-              <a:t>2/12/2026</a:t>
+              <a:t>2/16/2026</a:t>
             </a:fld>
             <a:endParaRPr lang="en-US"/>
           </a:p>
@@ -3674,7 +3683,7 @@
           <a:p>
             <a:fld id="{C744FA5D-EF1D-489D-8D8F-1FF7B7B6D702}" type="datetimeFigureOut">
               <a:rPr lang="en-US" smtClean="0"/>
-              <a:t>2/12/2026</a:t>
+              <a:t>2/16/2026</a:t>
             </a:fld>
             <a:endParaRPr lang="en-US"/>
           </a:p>
@@ -3910,7 +3919,7 @@
           <a:p>
             <a:fld id="{C744FA5D-EF1D-489D-8D8F-1FF7B7B6D702}" type="datetimeFigureOut">
               <a:rPr lang="en-US" smtClean="0"/>
-              <a:t>2/12/2026</a:t>
+              <a:t>2/16/2026</a:t>
             </a:fld>
             <a:endParaRPr lang="en-US"/>
           </a:p>
@@ -4376,7 +4385,7 @@
           <a:p>
             <a:fld id="{C744FA5D-EF1D-489D-8D8F-1FF7B7B6D702}" type="datetimeFigureOut">
               <a:rPr lang="en-US" smtClean="0"/>
-              <a:t>2/12/2026</a:t>
+              <a:t>2/16/2026</a:t>
             </a:fld>
             <a:endParaRPr lang="en-US"/>
           </a:p>
@@ -4494,7 +4503,7 @@
           <a:p>
             <a:fld id="{C744FA5D-EF1D-489D-8D8F-1FF7B7B6D702}" type="datetimeFigureOut">
               <a:rPr lang="en-US" smtClean="0"/>
-              <a:t>2/12/2026</a:t>
+              <a:t>2/16/2026</a:t>
             </a:fld>
             <a:endParaRPr lang="en-US"/>
           </a:p>
@@ -4589,7 +4598,7 @@
           <a:p>
             <a:fld id="{C744FA5D-EF1D-489D-8D8F-1FF7B7B6D702}" type="datetimeFigureOut">
               <a:rPr lang="en-US" smtClean="0"/>
-              <a:t>2/12/2026</a:t>
+              <a:t>2/16/2026</a:t>
             </a:fld>
             <a:endParaRPr lang="en-US"/>
           </a:p>
@@ -4844,7 +4853,7 @@
           <a:p>
             <a:fld id="{C744FA5D-EF1D-489D-8D8F-1FF7B7B6D702}" type="datetimeFigureOut">
               <a:rPr lang="en-US" smtClean="0"/>
-              <a:t>2/12/2026</a:t>
+              <a:t>2/16/2026</a:t>
             </a:fld>
             <a:endParaRPr lang="en-US"/>
           </a:p>
@@ -5056,7 +5065,6 @@
               <a:rPr lang="en-US"/>
               <a:t>Click icon to add picture</a:t>
             </a:r>
-            <a:endParaRPr lang="en-US" dirty="0"/>
           </a:p>
         </p:txBody>
       </p:sp>
@@ -5144,7 +5152,7 @@
           <a:p>
             <a:fld id="{C744FA5D-EF1D-489D-8D8F-1FF7B7B6D702}" type="datetimeFigureOut">
               <a:rPr lang="en-US" smtClean="0"/>
-              <a:t>2/12/2026</a:t>
+              <a:t>2/16/2026</a:t>
             </a:fld>
             <a:endParaRPr lang="en-US"/>
           </a:p>
@@ -5378,7 +5386,7 @@
           <a:p>
             <a:fld id="{C744FA5D-EF1D-489D-8D8F-1FF7B7B6D702}" type="datetimeFigureOut">
               <a:rPr lang="en-US" smtClean="0"/>
-              <a:t>2/12/2026</a:t>
+              <a:t>2/16/2026</a:t>
             </a:fld>
             <a:endParaRPr lang="en-US"/>
           </a:p>
@@ -6074,7 +6082,7 @@
           <a:lstStyle/>
           <a:p>
             <a:r>
-              <a:rPr lang="en-US" dirty="0"/>
+              <a:rPr lang="en-US"/>
               <a:t>Apps Business </a:t>
             </a:r>
           </a:p>
@@ -6102,7 +6110,7 @@
           <a:lstStyle/>
           <a:p>
             <a:r>
-              <a:rPr lang="en-US" dirty="0"/>
+              <a:rPr lang="en-US"/>
               <a:t>By. Ahmed Mohamed Samir</a:t>
             </a:r>
           </a:p>
@@ -6167,24 +6175,24 @@
           <a:lstStyle/>
           <a:p>
             <a:r>
-              <a:rPr lang="ar-EG" b="1" dirty="0">
+              <a:rPr lang="ar-EG" b="1">
                 <a:effectLst/>
               </a:rPr>
               <a:t>طلب تمويل</a:t>
             </a:r>
             <a:r>
-              <a:rPr lang="en-US" b="1" dirty="0">
+              <a:rPr lang="en-US" b="1">
                 <a:effectLst/>
               </a:rPr>
               <a:t> </a:t>
             </a:r>
             <a:r>
-              <a:rPr lang="ar-EG" b="1" dirty="0">
+              <a:rPr lang="ar-EG" b="1">
                 <a:effectLst/>
               </a:rPr>
               <a:t>تجديد</a:t>
             </a:r>
-            <a:endParaRPr lang="en-US" dirty="0"/>
+            <a:endParaRPr lang="en-US"/>
           </a:p>
         </p:txBody>
       </p:sp>
@@ -6216,79 +6224,79 @@
           <a:p>
             <a:pPr algn="r" rtl="1"/>
             <a:r>
-              <a:rPr lang="ar-EG" b="1" dirty="0">
+              <a:rPr lang="ar-EG" b="1">
                 <a:effectLst/>
               </a:rPr>
               <a:t>تمديد فترة السداد (</a:t>
             </a:r>
             <a:r>
-              <a:rPr lang="en-US" b="1" dirty="0">
+              <a:rPr lang="en-US" b="1">
                 <a:effectLst/>
               </a:rPr>
               <a:t>extension</a:t>
             </a:r>
             <a:r>
-              <a:rPr lang="ar-EG" b="1" dirty="0">
+              <a:rPr lang="ar-EG" b="1">
                 <a:effectLst/>
               </a:rPr>
               <a:t>)</a:t>
             </a:r>
-            <a:endParaRPr lang="en-US" b="1" dirty="0">
+            <a:endParaRPr lang="en-US" b="1">
               <a:effectLst/>
             </a:endParaRPr>
           </a:p>
           <a:p>
             <a:pPr lvl="1" algn="r" rtl="1"/>
             <a:r>
-              <a:rPr lang="ar-EG" dirty="0">
+              <a:rPr lang="ar-EG">
                 <a:effectLst/>
               </a:rPr>
               <a:t>هذا النوع يركز على </a:t>
             </a:r>
             <a:r>
-              <a:rPr lang="ar-EG" b="1" dirty="0">
+              <a:rPr lang="ar-EG" b="1">
                 <a:effectLst/>
               </a:rPr>
               <a:t>الزمن</a:t>
             </a:r>
             <a:r>
-              <a:rPr lang="ar-EG" dirty="0">
+              <a:rPr lang="ar-EG">
                 <a:effectLst/>
               </a:rPr>
               <a:t>؛ أي إعطاؤك وقتاً أطول لدفع نفس المبلغ المتبقي عليك، مما يؤدي غالباً لتقليل قيمة القسط الشهري.</a:t>
             </a:r>
-            <a:endParaRPr lang="en-US" dirty="0">
+            <a:endParaRPr lang="en-US">
               <a:effectLst/>
             </a:endParaRPr>
           </a:p>
           <a:p>
             <a:pPr lvl="1" algn="r" rtl="1"/>
             <a:r>
-              <a:rPr lang="ar-EG" b="1" dirty="0">
+              <a:rPr lang="ar-EG" b="1">
                 <a:effectLst/>
               </a:rPr>
               <a:t>مثال:</a:t>
             </a:r>
             <a:r>
-              <a:rPr lang="ar-EG" dirty="0">
+              <a:rPr lang="ar-EG">
                 <a:effectLst/>
               </a:rPr>
               <a:t> حصلت على تمويل بمبلغ 50,000 جنيه لمدة سنتين، وبعد مرور سنة تعثرت ظروفك وأصبح القسط كبيراً عليك. تطلب "تجديد" لتمديد السنة المتبقية لتصبح سنتين إضافيتين، فيقل القسط الشهري لكنك ستدفع فوائد لفترة أطول.</a:t>
             </a:r>
-            <a:endParaRPr lang="en-US" b="1" dirty="0">
+            <a:endParaRPr lang="en-US" b="1">
               <a:effectLst/>
             </a:endParaRPr>
           </a:p>
           <a:p>
             <a:pPr algn="r" rtl="1"/>
             <a:r>
-              <a:rPr lang="ar-EG" b="1" dirty="0">
+              <a:rPr lang="ar-EG" b="1">
                 <a:effectLst/>
               </a:rPr>
               <a:t>زيادة مبلغ التمويل </a:t>
             </a:r>
             <a:r>
-              <a:rPr lang="en-US" b="1" dirty="0">
+              <a:rPr lang="en-US" b="1">
                 <a:effectLst/>
               </a:rPr>
               <a:t>(Top-up)</a:t>
@@ -6297,50 +6305,50 @@
           <a:p>
             <a:pPr lvl="1" algn="r" rtl="1"/>
             <a:r>
-              <a:rPr lang="ar-EG" dirty="0"/>
+              <a:rPr lang="ar-EG"/>
               <a:t>هذا النوع يركز على السيولة؛ وهو مخصص للعملاء الملتزمين الذين سددوا جزءاً من القرض ويريدون العودة للمبلغ الأصلي أو زيادته.</a:t>
             </a:r>
           </a:p>
           <a:p>
             <a:pPr lvl="1" algn="r" rtl="1"/>
             <a:r>
-              <a:rPr lang="ar-EG" dirty="0"/>
+              <a:rPr lang="ar-EG"/>
               <a:t>مثال: كان لديك قرض بـ 100,000 جنيه، وسددت منه 60,000 جنيه (المتبقي عليك 40,000 فقط). تطلب "تجديد" ليرفع البنك القرض مرة أخرى إلى 100,000 جنيه. في هذه الحالة، يتم سداد الـ 40,000 القديمة وتستلم أنت 60,000 جنيه كاش في يدك لتبدأ دورة سداد جديدة.</a:t>
             </a:r>
-            <a:endParaRPr lang="en-US" dirty="0"/>
+            <a:endParaRPr lang="en-US"/>
           </a:p>
           <a:p>
             <a:pPr algn="r" rtl="1"/>
             <a:r>
-              <a:rPr lang="ar-EG" b="1" dirty="0"/>
+              <a:rPr lang="ar-EG" b="1"/>
               <a:t>إعادة الجدولة (</a:t>
             </a:r>
             <a:r>
-              <a:rPr lang="en-US" b="1" dirty="0"/>
+              <a:rPr lang="en-US" b="1"/>
               <a:t>Rescheduling</a:t>
             </a:r>
             <a:r>
-              <a:rPr lang="ar-EG" b="1" dirty="0"/>
+              <a:rPr lang="ar-EG" b="1"/>
               <a:t>)</a:t>
             </a:r>
           </a:p>
           <a:p>
             <a:pPr lvl="1" algn="r" rtl="1"/>
             <a:r>
-              <a:rPr lang="ar-EG" dirty="0"/>
+              <a:rPr lang="ar-EG"/>
               <a:t>هذا النوع يركز على تغيير الشروط؛ ويحدث عادةً عند حدوث تغيير جذري في حالتك المالية أو لتغيير نوع الفائدة.</a:t>
             </a:r>
           </a:p>
           <a:p>
             <a:pPr lvl="1" algn="r" rtl="1"/>
             <a:r>
-              <a:rPr lang="ar-EG" dirty="0"/>
+              <a:rPr lang="ar-EG"/>
               <a:t>مثال: لديك قرض بضمان مرتبك، وقررت ترك عملك وبدء مشروعك الخاص. تطلب من جهة التمويل "تجديد" القرض ليصبح بضمان "سجل تجاري" أو بضمان "أصل عقاري" بدلاً من الراتب، مع تغيير قيمة الأقساط لتناسب دخلك الجديد من المشروع.</a:t>
             </a:r>
           </a:p>
           <a:p>
             <a:pPr algn="r" rtl="1"/>
-            <a:endParaRPr lang="en-US" dirty="0"/>
+            <a:endParaRPr lang="en-US"/>
           </a:p>
         </p:txBody>
       </p:sp>
@@ -6401,14 +6409,14 @@
           <a:lstStyle/>
           <a:p>
             <a:r>
-              <a:rPr lang="ar-EG" b="1" dirty="0">
+              <a:rPr lang="ar-EG" b="1">
                 <a:solidFill>
                   <a:srgbClr val="FF0000"/>
                 </a:solidFill>
               </a:rPr>
               <a:t>مراجعة أولية</a:t>
             </a:r>
-            <a:endParaRPr lang="en-US" b="1" dirty="0">
+            <a:endParaRPr lang="en-US" b="1">
               <a:solidFill>
                 <a:srgbClr val="FF0000"/>
               </a:solidFill>
@@ -6493,10 +6501,10 @@
           <a:lstStyle/>
           <a:p>
             <a:r>
-              <a:rPr lang="ar-EG" dirty="0"/>
+              <a:rPr lang="ar-EG"/>
               <a:t>زيارة ميدانية</a:t>
             </a:r>
-            <a:endParaRPr lang="en-US" dirty="0"/>
+            <a:endParaRPr lang="en-US"/>
           </a:p>
         </p:txBody>
       </p:sp>
@@ -6577,14 +6585,14 @@
           <a:lstStyle/>
           <a:p>
             <a:r>
-              <a:rPr lang="ar-EG" b="1" dirty="0">
+              <a:rPr lang="ar-EG" b="1">
                 <a:solidFill>
                   <a:srgbClr val="FF0000"/>
                 </a:solidFill>
               </a:rPr>
               <a:t>التحليل الائتماني</a:t>
             </a:r>
-            <a:endParaRPr lang="en-US" b="1" dirty="0">
+            <a:endParaRPr lang="en-US" b="1">
               <a:solidFill>
                 <a:srgbClr val="FF0000"/>
               </a:solidFill>
@@ -6676,14 +6684,14 @@
           <a:lstStyle/>
           <a:p>
             <a:r>
-              <a:rPr lang="ar-EG" b="1" dirty="0">
+              <a:rPr lang="ar-EG" b="1">
                 <a:solidFill>
                   <a:srgbClr val="FF0000"/>
                 </a:solidFill>
               </a:rPr>
               <a:t>تحميل المستندات</a:t>
             </a:r>
-            <a:endParaRPr lang="en-US" b="1" dirty="0">
+            <a:endParaRPr lang="en-US" b="1">
               <a:solidFill>
                 <a:srgbClr val="FF0000"/>
               </a:solidFill>
@@ -6775,14 +6783,14 @@
           <a:lstStyle/>
           <a:p>
             <a:r>
-              <a:rPr lang="ar-EG" b="1" dirty="0">
+              <a:rPr lang="ar-EG" b="1">
                 <a:solidFill>
                   <a:srgbClr val="FF0000"/>
                 </a:solidFill>
               </a:rPr>
               <a:t>المراجعة المركزية</a:t>
             </a:r>
-            <a:endParaRPr lang="en-US" b="1" dirty="0">
+            <a:endParaRPr lang="en-US" b="1">
               <a:solidFill>
                 <a:srgbClr val="FF0000"/>
               </a:solidFill>
@@ -6879,7 +6887,7 @@
               </a:rPr>
               <a:t>الصرف</a:t>
             </a:r>
-            <a:endParaRPr lang="en-US" b="1" dirty="0">
+            <a:endParaRPr lang="en-US" b="1">
               <a:solidFill>
                 <a:srgbClr val="FF0000"/>
               </a:solidFill>
@@ -6971,7 +6979,7 @@
           <a:lstStyle/>
           <a:p>
             <a:r>
-              <a:rPr lang="en-US" sz="3200" b="1" dirty="0">
+              <a:rPr lang="en-US" sz="3200" b="1">
                 <a:solidFill>
                   <a:srgbClr val="FF0000"/>
                 </a:solidFill>
@@ -7010,119 +7018,149 @@
           <a:lstStyle/>
           <a:p>
             <a:r>
-              <a:rPr lang="en-US" sz="1800" b="1" dirty="0"/>
+              <a:rPr lang="en-US" sz="1800" b="1"/>
               <a:t>int BranchId</a:t>
             </a:r>
           </a:p>
           <a:p>
             <a:r>
-              <a:rPr lang="en-US" sz="1800" b="1" dirty="0"/>
+              <a:rPr lang="en-US" sz="1800" b="1"/>
               <a:t>BranchNameAR</a:t>
             </a:r>
           </a:p>
           <a:p>
             <a:r>
-              <a:rPr lang="en-US" sz="1800" b="1" dirty="0"/>
+              <a:rPr lang="en-US" sz="1800" b="1"/>
               <a:t>BranchNameEn</a:t>
             </a:r>
           </a:p>
           <a:p>
             <a:r>
-              <a:rPr lang="en-US" sz="1800" b="1" dirty="0"/>
+              <a:rPr lang="en-US" sz="1800" b="1"/>
               <a:t>AddressAR</a:t>
             </a:r>
           </a:p>
           <a:p>
             <a:r>
-              <a:rPr lang="en-US" sz="1800" b="1" dirty="0"/>
+              <a:rPr lang="en-US" sz="1800" b="1"/>
               <a:t>AddressEn</a:t>
             </a:r>
           </a:p>
           <a:p>
             <a:r>
-              <a:rPr lang="en-US" sz="1800" b="1" dirty="0" err="1"/>
+              <a:rPr lang="en-US" sz="1800" b="1" err="1"/>
               <a:t>ExterNum</a:t>
             </a:r>
-            <a:endParaRPr lang="en-US" sz="1800" b="1" dirty="0"/>
-          </a:p>
-          <a:p>
-            <a:r>
-              <a:rPr lang="en-US" sz="1800" b="1" dirty="0" err="1"/>
+            <a:endParaRPr lang="en-US" sz="1800" b="1"/>
+          </a:p>
+          <a:p>
+            <a:r>
+              <a:rPr lang="en-US" sz="1800" b="1" err="1"/>
               <a:t>PhoneNum</a:t>
             </a:r>
-            <a:endParaRPr lang="en-US" sz="1800" b="1" dirty="0"/>
-          </a:p>
-          <a:p>
-            <a:r>
-              <a:rPr lang="en-US" sz="1800" b="1" dirty="0"/>
+            <a:endParaRPr lang="en-US" sz="1800" b="1"/>
+          </a:p>
+          <a:p>
+            <a:r>
+              <a:rPr lang="en-US" sz="1800" b="1"/>
               <a:t>RegionId</a:t>
             </a:r>
-            <a:endParaRPr lang="ar-EG" sz="1800" b="1" dirty="0"/>
-          </a:p>
-          <a:p>
-            <a:r>
-              <a:rPr lang="en-US" sz="1800" b="1" dirty="0"/>
+            <a:endParaRPr lang="ar-EG" sz="1800" b="1"/>
+          </a:p>
+          <a:p>
+            <a:r>
+              <a:rPr lang="en-US" sz="1800" b="1"/>
               <a:t>OriginalRegionId</a:t>
             </a:r>
-            <a:endParaRPr lang="ar-EG" sz="1800" b="1" dirty="0"/>
-          </a:p>
-          <a:p>
-            <a:r>
-              <a:rPr lang="en-US" sz="1800" b="1" dirty="0"/>
+            <a:endParaRPr lang="ar-EG" sz="1800" b="1"/>
+          </a:p>
+          <a:p>
+            <a:r>
+              <a:rPr lang="en-US" sz="1800" b="1"/>
               <a:t>GovId</a:t>
             </a:r>
-            <a:endParaRPr lang="ar-EG" sz="1800" b="1" dirty="0"/>
-          </a:p>
-          <a:p>
-            <a:r>
-              <a:rPr lang="en-US" sz="1800" b="1" dirty="0" err="1"/>
+            <a:endParaRPr lang="ar-EG" sz="1800" b="1"/>
+          </a:p>
+          <a:p>
+            <a:r>
+              <a:rPr lang="en-US" sz="1800" b="1" err="1"/>
               <a:t>Code_district</a:t>
             </a:r>
-            <a:endParaRPr lang="ar-EG" sz="1800" b="1" dirty="0"/>
-          </a:p>
-          <a:p>
-            <a:r>
-              <a:rPr lang="en-US" sz="1800" b="1" dirty="0" err="1"/>
+            <a:endParaRPr lang="ar-EG" sz="1800" b="1"/>
+          </a:p>
+          <a:p>
+            <a:r>
+              <a:rPr lang="en-US" sz="1800" b="1" err="1"/>
               <a:t>Code_Section</a:t>
             </a:r>
-            <a:endParaRPr lang="en-US" sz="1800" b="1" dirty="0"/>
-          </a:p>
-          <a:p>
-            <a:r>
-              <a:rPr lang="en-US" sz="1800" b="1" dirty="0"/>
+            <a:endParaRPr lang="en-US" sz="1800" b="1"/>
+          </a:p>
+          <a:p>
+            <a:r>
+              <a:rPr lang="en-US" sz="1800" b="1"/>
               <a:t>FBT_ID</a:t>
             </a:r>
           </a:p>
           <a:p>
             <a:r>
-              <a:rPr lang="en-US" sz="1800" b="1" dirty="0"/>
+              <a:rPr lang="en-US" sz="1800" b="1"/>
               <a:t>IP</a:t>
             </a:r>
           </a:p>
           <a:p>
             <a:r>
-              <a:rPr lang="en-US" sz="1800" b="1" dirty="0" err="1"/>
+              <a:rPr lang="en-US" sz="1800" b="1" err="1"/>
               <a:t>Branch_code</a:t>
             </a:r>
-            <a:endParaRPr lang="en-US" sz="1800" b="1" dirty="0"/>
-          </a:p>
-          <a:p>
-            <a:r>
-              <a:rPr lang="en-US" b="1" dirty="0"/>
+            <a:endParaRPr lang="en-US" sz="1800" b="1"/>
+          </a:p>
+          <a:p>
+            <a:r>
+              <a:rPr lang="en-US" b="1"/>
               <a:t>Latitude</a:t>
             </a:r>
           </a:p>
           <a:p>
             <a:r>
-              <a:rPr lang="en-US" b="1" dirty="0"/>
+              <a:rPr lang="en-US" b="1"/>
               <a:t>Longitude</a:t>
             </a:r>
           </a:p>
           <a:p>
-            <a:endParaRPr lang="en-US" sz="1800" b="1" dirty="0"/>
-          </a:p>
-        </p:txBody>
-      </p:sp>
+            <a:endParaRPr lang="en-US" sz="1800" b="1"/>
+          </a:p>
+        </p:txBody>
+      </p:sp>
+      <p:pic>
+        <p:nvPicPr>
+          <p:cNvPr id="5" name="Picture 4">
+            <a:extLst>
+              <a:ext uri="{FF2B5EF4-FFF2-40B4-BE49-F238E27FC236}">
+                <a16:creationId xmlns:a16="http://schemas.microsoft.com/office/drawing/2014/main" id="{91B0352F-7758-F003-E05D-DF54D9006A5B}"/>
+              </a:ext>
+            </a:extLst>
+          </p:cNvPr>
+          <p:cNvPicPr>
+            <a:picLocks noChangeAspect="1"/>
+          </p:cNvPicPr>
+          <p:nvPr/>
+        </p:nvPicPr>
+        <p:blipFill>
+          <a:blip r:embed="rId2"/>
+          <a:stretch>
+            <a:fillRect/>
+          </a:stretch>
+        </p:blipFill>
+        <p:spPr>
+          <a:xfrm>
+            <a:off x="5391461" y="1424285"/>
+            <a:ext cx="5105667" cy="1141933"/>
+          </a:xfrm>
+          <a:prstGeom prst="rect">
+            <a:avLst/>
+          </a:prstGeom>
+        </p:spPr>
+      </p:pic>
     </p:spTree>
     <p:extLst>
       <p:ext uri="{BB962C8B-B14F-4D97-AF65-F5344CB8AC3E}">
@@ -7182,7 +7220,7 @@
           <a:lstStyle/>
           <a:p>
             <a:r>
-              <a:rPr lang="en-US" b="1" dirty="0">
+              <a:rPr lang="en-US" b="1">
                 <a:solidFill>
                   <a:srgbClr val="FF0000"/>
                 </a:solidFill>
@@ -7221,24 +7259,24 @@
           <a:lstStyle/>
           <a:p>
             <a:r>
-              <a:rPr lang="en-US" sz="1800" dirty="0"/>
+              <a:rPr lang="en-US" sz="1800"/>
               <a:t>RegionId</a:t>
             </a:r>
           </a:p>
           <a:p>
             <a:r>
-              <a:rPr lang="en-US" sz="1800" dirty="0"/>
+              <a:rPr lang="en-US" sz="1800"/>
               <a:t>RegionNameAR</a:t>
             </a:r>
           </a:p>
           <a:p>
             <a:r>
-              <a:rPr lang="en-US" sz="1800" dirty="0"/>
+              <a:rPr lang="en-US" sz="1800"/>
               <a:t>RegionNameEn</a:t>
             </a:r>
           </a:p>
           <a:p>
-            <a:endParaRPr lang="en-US" sz="1800" dirty="0"/>
+            <a:endParaRPr lang="en-US" sz="1800"/>
           </a:p>
         </p:txBody>
       </p:sp>
@@ -7301,7 +7339,7 @@
           <a:lstStyle/>
           <a:p>
             <a:r>
-              <a:rPr lang="en-US" b="1" dirty="0">
+              <a:rPr lang="en-US" b="1">
                 <a:solidFill>
                   <a:srgbClr val="FF0000"/>
                 </a:solidFill>
@@ -7340,58 +7378,58 @@
           <a:lstStyle/>
           <a:p>
             <a:r>
-              <a:rPr lang="en-US" sz="1800" dirty="0"/>
+              <a:rPr lang="en-US" sz="1800"/>
               <a:t>GovId</a:t>
             </a:r>
           </a:p>
           <a:p>
             <a:r>
-              <a:rPr lang="en-US" sz="1800" dirty="0" err="1"/>
+              <a:rPr lang="en-US" sz="1800" err="1"/>
               <a:t>GovCode</a:t>
             </a:r>
-            <a:endParaRPr lang="en-US" sz="1800" dirty="0"/>
-          </a:p>
-          <a:p>
-            <a:r>
-              <a:rPr lang="en-US" sz="1800" dirty="0" err="1"/>
+            <a:endParaRPr lang="en-US" sz="1800"/>
+          </a:p>
+          <a:p>
+            <a:r>
+              <a:rPr lang="en-US" sz="1800" err="1"/>
               <a:t>GovNameAR</a:t>
             </a:r>
-            <a:endParaRPr lang="en-US" sz="1800" dirty="0"/>
-          </a:p>
-          <a:p>
-            <a:r>
-              <a:rPr lang="en-US" sz="1800" dirty="0" err="1"/>
+            <a:endParaRPr lang="en-US" sz="1800"/>
+          </a:p>
+          <a:p>
+            <a:r>
+              <a:rPr lang="en-US" sz="1800" err="1"/>
               <a:t>GovNameEn</a:t>
             </a:r>
-            <a:endParaRPr lang="en-US" sz="1800" dirty="0"/>
-          </a:p>
-          <a:p>
-            <a:r>
-              <a:rPr lang="en-US" sz="1800" dirty="0"/>
+            <a:endParaRPr lang="en-US" sz="1800"/>
+          </a:p>
+          <a:p>
+            <a:r>
+              <a:rPr lang="en-US" sz="1800"/>
               <a:t>RegionId </a:t>
             </a:r>
             <a:r>
-              <a:rPr lang="en-US" sz="1800" dirty="0">
+              <a:rPr lang="en-US" sz="1800">
                 <a:sym typeface="Wingdings" panose="05000000000000000000" pitchFamily="2" charset="2"/>
               </a:rPr>
               <a:t> </a:t>
             </a:r>
             <a:r>
-              <a:rPr lang="ar-EG" sz="1800" dirty="0">
+              <a:rPr lang="ar-EG" sz="1800">
                 <a:sym typeface="Wingdings" panose="05000000000000000000" pitchFamily="2" charset="2"/>
               </a:rPr>
               <a:t>بحري او قبلى</a:t>
             </a:r>
-            <a:endParaRPr lang="en-US" sz="1800" dirty="0"/>
-          </a:p>
-          <a:p>
-            <a:r>
-              <a:rPr lang="en-US" sz="1800" dirty="0"/>
+            <a:endParaRPr lang="en-US" sz="1800"/>
+          </a:p>
+          <a:p>
+            <a:r>
+              <a:rPr lang="en-US" sz="1800"/>
               <a:t>OriginalRegionId</a:t>
             </a:r>
           </a:p>
           <a:p>
-            <a:endParaRPr lang="en-US" sz="1600" dirty="0"/>
+            <a:endParaRPr lang="en-US" sz="1600"/>
           </a:p>
         </p:txBody>
       </p:sp>
@@ -7454,10 +7492,10 @@
           <a:lstStyle/>
           <a:p>
             <a:r>
-              <a:rPr lang="ar-EG" dirty="0"/>
+              <a:rPr lang="ar-EG"/>
               <a:t>شركات التأمين الخاصة بالتمويل</a:t>
             </a:r>
-            <a:endParaRPr lang="en-US" dirty="0"/>
+            <a:endParaRPr lang="en-US"/>
           </a:p>
         </p:txBody>
       </p:sp>
@@ -7491,31 +7529,31 @@
           <a:p>
             <a:pPr algn="r" rtl="1"/>
             <a:r>
-              <a:rPr lang="ar-EG" sz="2400" dirty="0"/>
+              <a:rPr lang="ar-EG" sz="2400"/>
               <a:t>هي شركة تؤمن الجهة الممولة. على سبيل المثال عميل أخذ تمويل 200 ألف وتوفى قبل إكمال السداد شركة التأمين تسدد باقي المديونية للبنك او الجهة الممولة</a:t>
             </a:r>
           </a:p>
           <a:p>
             <a:pPr algn="r" rtl="1"/>
             <a:r>
-              <a:rPr lang="ar-EG" sz="2400" dirty="0"/>
+              <a:rPr lang="ar-EG" sz="2400"/>
               <a:t>سم شركة التأمين </a:t>
             </a:r>
           </a:p>
           <a:p>
             <a:pPr algn="r" rtl="1"/>
             <a:r>
-              <a:rPr lang="ar-EG" sz="2400" dirty="0"/>
+              <a:rPr lang="ar-EG" sz="2400"/>
               <a:t>كود اسم شركة التأمين </a:t>
             </a:r>
             <a:r>
-              <a:rPr lang="en-US" sz="2400" dirty="0"/>
+              <a:rPr lang="en-US" sz="2400"/>
               <a:t>( id )</a:t>
             </a:r>
           </a:p>
           <a:p>
             <a:pPr algn="r" rtl="1"/>
-            <a:endParaRPr lang="en-US" sz="2400" dirty="0"/>
+            <a:endParaRPr lang="en-US" sz="2400"/>
           </a:p>
         </p:txBody>
       </p:sp>
@@ -7578,7 +7616,7 @@
           <a:lstStyle/>
           <a:p>
             <a:r>
-              <a:rPr lang="en-US" b="1" dirty="0" err="1">
+              <a:rPr lang="en-US" b="1" err="1">
                 <a:solidFill>
                   <a:srgbClr val="FF0000"/>
                 </a:solidFill>
@@ -7586,7 +7624,7 @@
               <a:t>Original_Region</a:t>
             </a:r>
             <a:r>
-              <a:rPr lang="en-US" b="1" dirty="0">
+              <a:rPr lang="en-US" b="1">
                 <a:solidFill>
                   <a:srgbClr val="FF0000"/>
                 </a:solidFill>
@@ -7623,36 +7661,36 @@
           <a:lstStyle/>
           <a:p>
             <a:r>
-              <a:rPr lang="en-US" dirty="0"/>
+              <a:rPr lang="en-US"/>
               <a:t>int </a:t>
             </a:r>
             <a:r>
-              <a:rPr lang="en-US" dirty="0" err="1"/>
+              <a:rPr lang="en-US" err="1"/>
               <a:t>OR_Id</a:t>
             </a:r>
-            <a:endParaRPr lang="en-US" dirty="0"/>
-          </a:p>
-          <a:p>
-            <a:r>
-              <a:rPr lang="en-US" dirty="0"/>
+            <a:endParaRPr lang="en-US"/>
+          </a:p>
+          <a:p>
+            <a:r>
+              <a:rPr lang="en-US"/>
               <a:t>RegionNameAR</a:t>
             </a:r>
           </a:p>
           <a:p>
             <a:r>
-              <a:rPr lang="en-US" dirty="0"/>
+              <a:rPr lang="en-US"/>
               <a:t>RegionNameEn</a:t>
             </a:r>
           </a:p>
           <a:p>
             <a:r>
-              <a:rPr lang="en-US" dirty="0"/>
+              <a:rPr lang="en-US"/>
               <a:t>GovId</a:t>
             </a:r>
           </a:p>
           <a:p>
             <a:r>
-              <a:rPr lang="en-US" dirty="0"/>
+              <a:rPr lang="en-US"/>
               <a:t>RegionId</a:t>
             </a:r>
           </a:p>
@@ -7717,7 +7755,7 @@
           <a:lstStyle/>
           <a:p>
             <a:r>
-              <a:rPr lang="en-US" b="1" dirty="0" err="1">
+              <a:rPr lang="en-US" b="1" err="1">
                 <a:solidFill>
                   <a:srgbClr val="FF0000"/>
                 </a:solidFill>
@@ -7725,7 +7763,7 @@
               <a:t>Flow_Branch_Type</a:t>
             </a:r>
             <a:r>
-              <a:rPr lang="en-US" b="1" dirty="0">
+              <a:rPr lang="en-US" b="1">
                 <a:solidFill>
                   <a:srgbClr val="FF0000"/>
                 </a:solidFill>
@@ -7762,29 +7800,29 @@
           <a:lstStyle/>
           <a:p>
             <a:r>
-              <a:rPr lang="en-US" dirty="0"/>
+              <a:rPr lang="en-US"/>
               <a:t>int FBT_ID</a:t>
             </a:r>
           </a:p>
           <a:p>
             <a:r>
-              <a:rPr lang="en-US" dirty="0"/>
+              <a:rPr lang="en-US"/>
               <a:t>string Type</a:t>
             </a:r>
           </a:p>
           <a:p>
             <a:r>
-              <a:rPr lang="en-US" dirty="0"/>
+              <a:rPr lang="en-US"/>
               <a:t>string </a:t>
             </a:r>
             <a:r>
-              <a:rPr lang="en-US" dirty="0" err="1"/>
+              <a:rPr lang="en-US" err="1"/>
               <a:t>TypeE</a:t>
             </a:r>
-            <a:endParaRPr lang="en-US" dirty="0"/>
-          </a:p>
-          <a:p>
-            <a:endParaRPr lang="en-US" dirty="0"/>
+            <a:endParaRPr lang="en-US"/>
+          </a:p>
+          <a:p>
+            <a:endParaRPr lang="en-US"/>
           </a:p>
         </p:txBody>
       </p:sp>
@@ -7847,14 +7885,14 @@
           <a:lstStyle/>
           <a:p>
             <a:r>
-              <a:rPr lang="en-US" b="1" dirty="0" err="1">
+              <a:rPr lang="en-US" b="1" err="1">
                 <a:solidFill>
                   <a:srgbClr val="FF0000"/>
                 </a:solidFill>
               </a:rPr>
               <a:t>Trans_GPS_Tracking</a:t>
             </a:r>
-            <a:endParaRPr lang="en-US" b="1" dirty="0">
+            <a:endParaRPr lang="en-US" b="1">
               <a:solidFill>
                 <a:srgbClr val="FF0000"/>
               </a:solidFill>
@@ -7889,87 +7927,87 @@
           <a:lstStyle/>
           <a:p>
             <a:r>
-              <a:rPr lang="en-US" dirty="0"/>
+              <a:rPr lang="en-US"/>
               <a:t>int </a:t>
             </a:r>
             <a:r>
-              <a:rPr lang="en-US" dirty="0" err="1"/>
+              <a:rPr lang="en-US" err="1"/>
               <a:t>GPST_Id</a:t>
             </a:r>
             <a:r>
-              <a:rPr lang="en-US" dirty="0"/>
+              <a:rPr lang="en-US"/>
               <a:t> </a:t>
             </a:r>
           </a:p>
           <a:p>
             <a:r>
-              <a:rPr lang="en-US" dirty="0"/>
+              <a:rPr lang="en-US"/>
               <a:t>int </a:t>
             </a:r>
             <a:r>
-              <a:rPr lang="en-US" dirty="0" err="1"/>
+              <a:rPr lang="en-US" err="1"/>
               <a:t>UserID</a:t>
             </a:r>
             <a:r>
-              <a:rPr lang="en-US" dirty="0"/>
+              <a:rPr lang="en-US"/>
               <a:t> </a:t>
             </a:r>
           </a:p>
           <a:p>
             <a:r>
-              <a:rPr lang="en-US" dirty="0"/>
+              <a:rPr lang="en-US"/>
               <a:t>DateTime </a:t>
             </a:r>
             <a:r>
-              <a:rPr lang="en-US" dirty="0" err="1"/>
+              <a:rPr lang="en-US" err="1"/>
               <a:t>ActionDate</a:t>
             </a:r>
             <a:r>
-              <a:rPr lang="en-US" dirty="0"/>
+              <a:rPr lang="en-US"/>
               <a:t>  </a:t>
             </a:r>
           </a:p>
           <a:p>
             <a:r>
-              <a:rPr lang="en-US" dirty="0"/>
+              <a:rPr lang="en-US"/>
               <a:t>string Step  </a:t>
             </a:r>
           </a:p>
           <a:p>
             <a:r>
-              <a:rPr lang="en-US" dirty="0"/>
+              <a:rPr lang="en-US"/>
               <a:t>string  Latitude </a:t>
             </a:r>
           </a:p>
           <a:p>
             <a:r>
-              <a:rPr lang="en-US" dirty="0"/>
+              <a:rPr lang="en-US"/>
               <a:t>string Longitude </a:t>
             </a:r>
           </a:p>
           <a:p>
             <a:r>
-              <a:rPr lang="en-US" dirty="0"/>
+              <a:rPr lang="en-US"/>
               <a:t>string Address </a:t>
             </a:r>
           </a:p>
           <a:p>
             <a:r>
-              <a:rPr lang="en-US" dirty="0"/>
+              <a:rPr lang="en-US"/>
               <a:t>decimal </a:t>
             </a:r>
             <a:r>
-              <a:rPr lang="en-US" dirty="0" err="1"/>
+              <a:rPr lang="en-US" err="1"/>
               <a:t>RequestID</a:t>
             </a:r>
             <a:r>
-              <a:rPr lang="en-US" dirty="0"/>
+              <a:rPr lang="en-US"/>
               <a:t> </a:t>
             </a:r>
           </a:p>
           <a:p>
             <a:r>
-              <a:rPr lang="en-US" dirty="0"/>
+              <a:rPr lang="en-US"/>
               <a:t>string Status </a:t>
             </a:r>
           </a:p>
@@ -8034,33 +8072,23 @@
           <a:lstStyle/>
           <a:p>
             <a:r>
-              <a:rPr lang="en-US" sz="2800" b="1" dirty="0" err="1">
+              <a:rPr lang="en-US" sz="2800" b="1">
+                <a:solidFill>
+                  <a:srgbClr val="FFFF00"/>
+                </a:solidFill>
+                <a:effectLst/>
+              </a:rPr>
+              <a:t>TWF</a:t>
+            </a:r>
+            <a:r>
+              <a:rPr lang="en-US" sz="2800" b="1">
                 <a:solidFill>
                   <a:srgbClr val="FF0000"/>
                 </a:solidFill>
-                <a:effectLst/>
-              </a:rPr>
-              <a:t>Funding_request</a:t>
-            </a:r>
-            <a:r>
-              <a:rPr lang="en-US" sz="2800" b="1" dirty="0">
-                <a:solidFill>
-                  <a:srgbClr val="FF0000"/>
-                </a:solidFill>
-                <a:effectLst/>
-              </a:rPr>
-              <a:t> entity at </a:t>
-            </a:r>
-            <a:r>
-              <a:rPr lang="en-US" sz="2800" b="1" dirty="0" err="1">
-                <a:solidFill>
-                  <a:srgbClr val="FF0000"/>
-                </a:solidFill>
-                <a:effectLst/>
-              </a:rPr>
-              <a:t>FlowChart.Transaction</a:t>
-            </a:r>
-            <a:endParaRPr lang="en-US" sz="2800" b="1" dirty="0">
+              </a:rPr>
+              <a:t>.Flow_Funding_request [cont.]</a:t>
+            </a:r>
+            <a:endParaRPr lang="en-US" sz="2800" b="1">
               <a:solidFill>
                 <a:srgbClr val="FF0000"/>
               </a:solidFill>
@@ -8098,7 +8126,7 @@
           <a:lstStyle/>
           <a:p>
             <a:r>
-              <a:rPr lang="en-US" sz="1800" b="1" dirty="0">
+              <a:rPr lang="en-US" sz="1800" b="1">
                 <a:solidFill>
                   <a:srgbClr val="FF0000"/>
                 </a:solidFill>
@@ -8106,18 +8134,18 @@
               <a:t>decimal</a:t>
             </a:r>
             <a:r>
-              <a:rPr lang="en-US" sz="1800" dirty="0"/>
+              <a:rPr lang="en-US" sz="1800"/>
               <a:t> </a:t>
             </a:r>
             <a:r>
-              <a:rPr lang="en-US" sz="1800" dirty="0" err="1"/>
+              <a:rPr lang="en-US" sz="1800" err="1"/>
               <a:t>Request_id</a:t>
             </a:r>
-            <a:endParaRPr lang="en-US" sz="1800" dirty="0"/>
-          </a:p>
-          <a:p>
-            <a:r>
-              <a:rPr lang="en-US" sz="1800" b="1" dirty="0">
+            <a:endParaRPr lang="en-US" sz="1800"/>
+          </a:p>
+          <a:p>
+            <a:r>
+              <a:rPr lang="en-US" sz="1800" b="1">
                 <a:solidFill>
                   <a:srgbClr val="FFFF00"/>
                 </a:solidFill>
@@ -8125,19 +8153,19 @@
               <a:t>int</a:t>
             </a:r>
             <a:r>
-              <a:rPr lang="en-US" sz="1800" dirty="0"/>
+              <a:rPr lang="en-US" sz="1800"/>
               <a:t> BranchId [FK]</a:t>
             </a:r>
           </a:p>
           <a:p>
             <a:r>
-              <a:rPr lang="en-US" sz="1800" dirty="0" err="1">
+              <a:rPr lang="en-US" sz="1800" err="1">
                 <a:effectLst/>
               </a:rPr>
               <a:t>ComId</a:t>
             </a:r>
             <a:r>
-              <a:rPr lang="en-US" sz="1800" dirty="0">
+              <a:rPr lang="en-US" sz="1800">
                 <a:effectLst/>
               </a:rPr>
               <a:t> [FK]</a:t>
@@ -8145,225 +8173,206 @@
           </a:p>
           <a:p>
             <a:r>
-              <a:rPr lang="en-US" sz="1800" dirty="0" err="1">
+              <a:rPr lang="en-US" sz="1800" err="1">
                 <a:effectLst/>
               </a:rPr>
               <a:t>product_Id</a:t>
             </a:r>
             <a:r>
-              <a:rPr lang="en-US" sz="1800" dirty="0">
+              <a:rPr lang="en-US" sz="1800">
                 <a:effectLst/>
               </a:rPr>
               <a:t> [FK] [</a:t>
             </a:r>
             <a:r>
-              <a:rPr lang="ar-EG" sz="1800" dirty="0">
+              <a:rPr lang="ar-EG" sz="1800">
                 <a:effectLst/>
               </a:rPr>
               <a:t>نوع التمويل</a:t>
             </a:r>
             <a:r>
-              <a:rPr lang="en-US" sz="1800" dirty="0">
+              <a:rPr lang="en-US" sz="1800">
                 <a:effectLst/>
               </a:rPr>
               <a:t>]</a:t>
             </a:r>
-            <a:endParaRPr lang="ar-EG" sz="1800" dirty="0">
+            <a:endParaRPr lang="ar-EG" sz="1800">
               <a:effectLst/>
             </a:endParaRPr>
           </a:p>
           <a:p>
             <a:r>
-              <a:rPr lang="en-US" sz="1800" dirty="0"/>
+              <a:rPr lang="en-US" sz="1800"/>
               <a:t>bool </a:t>
             </a:r>
             <a:r>
-              <a:rPr lang="en-US" sz="1800" dirty="0" err="1"/>
+              <a:rPr lang="en-US" sz="1800" err="1"/>
               <a:t>Request_status</a:t>
             </a:r>
             <a:r>
-              <a:rPr lang="en-US" sz="1800" dirty="0"/>
+              <a:rPr lang="en-US" sz="1800"/>
               <a:t> [1 new , 0 renew ]</a:t>
             </a:r>
-            <a:endParaRPr lang="ar-EG" sz="1800" dirty="0"/>
-          </a:p>
-          <a:p>
-            <a:r>
-              <a:rPr lang="en-US" sz="1800" dirty="0"/>
+            <a:endParaRPr lang="ar-EG" sz="1800"/>
+          </a:p>
+          <a:p>
+            <a:r>
+              <a:rPr lang="en-US" sz="1800"/>
               <a:t>decimal </a:t>
             </a:r>
             <a:r>
-              <a:rPr lang="en-US" sz="1800" dirty="0" err="1"/>
+              <a:rPr lang="en-US" sz="1800" err="1"/>
               <a:t>Customer_ID</a:t>
             </a:r>
             <a:r>
-              <a:rPr lang="en-US" sz="1800" dirty="0"/>
+              <a:rPr lang="en-US" sz="1800"/>
               <a:t> [FK] [</a:t>
             </a:r>
             <a:r>
-              <a:rPr lang="ar-EG" sz="1800" dirty="0"/>
+              <a:rPr lang="ar-EG" sz="1800"/>
               <a:t>رقم العميل</a:t>
             </a:r>
             <a:r>
-              <a:rPr lang="en-US" sz="1800" dirty="0"/>
+              <a:rPr lang="en-US" sz="1800"/>
               <a:t>]</a:t>
             </a:r>
-            <a:endParaRPr lang="ar-EG" sz="1800" dirty="0"/>
-          </a:p>
-          <a:p>
-            <a:r>
-              <a:rPr lang="en-US" sz="1800" dirty="0"/>
+            <a:endParaRPr lang="ar-EG" sz="1800"/>
+          </a:p>
+          <a:p>
+            <a:r>
+              <a:rPr lang="en-US" sz="1800"/>
               <a:t>decimal? </a:t>
             </a:r>
             <a:r>
-              <a:rPr lang="en-US" sz="1800" dirty="0" err="1"/>
+              <a:rPr lang="en-US" sz="1800" err="1"/>
               <a:t>Enterprise_ID</a:t>
             </a:r>
             <a:r>
-              <a:rPr lang="en-US" sz="1800" dirty="0"/>
+              <a:rPr lang="en-US" sz="1800"/>
               <a:t> [FK] [</a:t>
             </a:r>
             <a:r>
-              <a:rPr lang="ar-EG" sz="1800" dirty="0"/>
+              <a:rPr lang="ar-EG" sz="1800"/>
               <a:t>المنشأة</a:t>
             </a:r>
             <a:r>
-              <a:rPr lang="en-US" sz="1800" dirty="0"/>
+              <a:rPr lang="en-US" sz="1800"/>
               <a:t>]</a:t>
             </a:r>
-            <a:endParaRPr lang="ar-EG" sz="1800" dirty="0"/>
-          </a:p>
-          <a:p>
-            <a:r>
-              <a:rPr lang="en-US" sz="1800" dirty="0"/>
+            <a:endParaRPr lang="ar-EG" sz="1800"/>
+          </a:p>
+          <a:p>
+            <a:r>
+              <a:rPr lang="en-US" sz="1800"/>
               <a:t>decimal </a:t>
             </a:r>
             <a:r>
-              <a:rPr lang="en-US" sz="1800" dirty="0" err="1"/>
+              <a:rPr lang="en-US" sz="1800" err="1"/>
               <a:t>Required_amount</a:t>
             </a:r>
             <a:r>
-              <a:rPr lang="en-US" sz="1800" dirty="0"/>
+              <a:rPr lang="en-US" sz="1800"/>
               <a:t> // </a:t>
             </a:r>
             <a:r>
-              <a:rPr lang="ar-EG" sz="1800" dirty="0"/>
+              <a:rPr lang="ar-EG" sz="1800"/>
               <a:t> المبلغ الذي طلبه العميل</a:t>
             </a:r>
-            <a:endParaRPr lang="en-US" sz="1800" dirty="0"/>
-          </a:p>
-          <a:p>
-            <a:r>
-              <a:rPr lang="en-US" sz="1800" dirty="0"/>
+            <a:endParaRPr lang="en-US" sz="1800"/>
+          </a:p>
+          <a:p>
+            <a:r>
+              <a:rPr lang="en-US" sz="1800"/>
               <a:t>decimal </a:t>
             </a:r>
             <a:r>
-              <a:rPr lang="en-US" sz="1800" dirty="0" err="1"/>
+              <a:rPr lang="en-US" sz="1800" err="1"/>
               <a:t>Financing_amount</a:t>
             </a:r>
             <a:r>
-              <a:rPr lang="en-US" sz="1800" dirty="0"/>
+              <a:rPr lang="en-US" sz="1800"/>
               <a:t> // </a:t>
             </a:r>
             <a:r>
-              <a:rPr lang="ar-EG" sz="1800" dirty="0"/>
+              <a:rPr lang="ar-EG" sz="1800"/>
               <a:t>المبلغ الذي وافق عليه البنك أو جهة التمويل</a:t>
             </a:r>
-            <a:endParaRPr lang="en-US" sz="1800" dirty="0"/>
-          </a:p>
-          <a:p>
-            <a:r>
-              <a:rPr lang="en-US" sz="1800" dirty="0"/>
+            <a:endParaRPr lang="en-US" sz="1800"/>
+          </a:p>
+          <a:p>
+            <a:r>
+              <a:rPr lang="en-US" sz="1800"/>
+              <a:t>int Actual_financing // </a:t>
+            </a:r>
+            <a:r>
+              <a:rPr lang="ar-EG" sz="1800"/>
+              <a:t>المبلغ الذي تم صرفه فعلياً للعميل</a:t>
+            </a:r>
+          </a:p>
+          <a:p>
+            <a:r>
+              <a:rPr lang="en-US" sz="1800"/>
+              <a:t>int Repayment period // </a:t>
+            </a:r>
+            <a:r>
+              <a:rPr lang="ar-EG" sz="1800"/>
+              <a:t>عدد الاقساط</a:t>
+            </a:r>
+            <a:endParaRPr lang="en-US" sz="1800"/>
+          </a:p>
+          <a:p>
+            <a:r>
+              <a:rPr lang="en-US" sz="1800" err="1"/>
+              <a:t>purpose_Id</a:t>
+            </a:r>
+            <a:r>
+              <a:rPr lang="en-US" sz="1800"/>
+              <a:t> [FK] // </a:t>
+            </a:r>
+            <a:r>
+              <a:rPr lang="ar-EG" sz="1800"/>
+              <a:t>الهدف من التمويل</a:t>
+            </a:r>
+            <a:endParaRPr lang="en-US" sz="1800"/>
+          </a:p>
+          <a:p>
+            <a:r>
+              <a:rPr lang="en-US" sz="1800"/>
               <a:t>int </a:t>
             </a:r>
             <a:r>
-              <a:rPr lang="en-US" sz="1800" dirty="0" err="1"/>
-              <a:t>Actual_financing</a:t>
-            </a:r>
-            <a:r>
-              <a:rPr lang="en-US" sz="1800" dirty="0"/>
+              <a:rPr lang="en-US" sz="1800" err="1"/>
+              <a:t>status_code</a:t>
+            </a:r>
+            <a:r>
+              <a:rPr lang="en-US" sz="1800"/>
+              <a:t> // [from ] </a:t>
+            </a:r>
+            <a:endParaRPr lang="ar-EG" sz="1800"/>
+          </a:p>
+          <a:p>
+            <a:r>
+              <a:rPr lang="en-US" sz="1800"/>
+              <a:t>DateTime </a:t>
+            </a:r>
+            <a:r>
+              <a:rPr lang="en-US" sz="1800" err="1"/>
+              <a:t>Creation_Data</a:t>
+            </a:r>
+            <a:r>
+              <a:rPr lang="en-US" sz="1800"/>
               <a:t> // </a:t>
             </a:r>
-            <a:r>
-              <a:rPr lang="ar-EG" sz="1800" dirty="0"/>
-              <a:t>المبلغ الذي تم صرفه فعلياً للعميل</a:t>
-            </a:r>
-          </a:p>
-          <a:p>
-            <a:r>
-              <a:rPr lang="en-US" sz="1800" dirty="0"/>
-              <a:t>int Repayment period // </a:t>
-            </a:r>
-            <a:r>
-              <a:rPr lang="ar-EG" sz="1800" dirty="0"/>
-              <a:t>عدد الاقساط</a:t>
-            </a:r>
-            <a:endParaRPr lang="en-US" sz="1800" dirty="0"/>
-          </a:p>
-          <a:p>
-            <a:r>
-              <a:rPr lang="en-US" sz="1800" dirty="0" err="1"/>
-              <a:t>purpose_Id</a:t>
-            </a:r>
-            <a:r>
-              <a:rPr lang="en-US" sz="1800" dirty="0"/>
-              <a:t> [FK] // </a:t>
-            </a:r>
-            <a:r>
-              <a:rPr lang="ar-EG" sz="1800" dirty="0"/>
-              <a:t>الهدف من التمويل</a:t>
-            </a:r>
-            <a:endParaRPr lang="en-US" sz="1800" dirty="0"/>
-          </a:p>
-          <a:p>
-            <a:r>
-              <a:rPr lang="en-US" sz="1800" dirty="0"/>
-              <a:t>int </a:t>
-            </a:r>
-            <a:r>
-              <a:rPr lang="en-US" sz="1800" dirty="0" err="1"/>
-              <a:t>status_code</a:t>
-            </a:r>
-            <a:r>
-              <a:rPr lang="en-US" sz="1800" dirty="0"/>
-              <a:t> // </a:t>
-            </a:r>
-            <a:r>
-              <a:rPr lang="ar-EG" sz="1800" dirty="0"/>
-              <a:t>حالة الطلب</a:t>
-            </a:r>
-            <a:r>
-              <a:rPr lang="en-US" sz="1800" dirty="0"/>
-              <a:t> ,  </a:t>
-            </a:r>
-            <a:r>
-              <a:rPr lang="ar-EG" sz="1800" dirty="0"/>
-              <a:t>مرسل او غير مرسل</a:t>
-            </a:r>
-          </a:p>
-          <a:p>
-            <a:r>
-              <a:rPr lang="en-US" sz="1800" dirty="0"/>
-              <a:t>DateTime </a:t>
-            </a:r>
-            <a:r>
-              <a:rPr lang="en-US" sz="1800" dirty="0" err="1"/>
-              <a:t>Creation_Data</a:t>
-            </a:r>
-            <a:r>
-              <a:rPr lang="en-US" sz="1800" dirty="0"/>
-              <a:t> // </a:t>
-            </a:r>
-            <a:endParaRPr lang="ar-EG" sz="1800" dirty="0"/>
-          </a:p>
-          <a:p>
-            <a:endParaRPr lang="en-US" sz="1800" dirty="0"/>
-          </a:p>
-          <a:p>
-            <a:endParaRPr lang="en-US" sz="1800" dirty="0"/>
-          </a:p>
-          <a:p>
-            <a:endParaRPr lang="en-US" sz="1800" dirty="0"/>
+            <a:endParaRPr lang="ar-EG" sz="1800"/>
+          </a:p>
+          <a:p>
+            <a:endParaRPr lang="en-US" sz="1800"/>
+          </a:p>
+          <a:p>
+            <a:endParaRPr lang="en-US" sz="1800"/>
+          </a:p>
+          <a:p>
+            <a:endParaRPr lang="en-US" sz="1800"/>
           </a:p>
         </p:txBody>
       </p:sp>
@@ -8426,42 +8435,23 @@
           <a:lstStyle/>
           <a:p>
             <a:r>
-              <a:rPr lang="en-US" sz="2800" b="1" dirty="0" err="1">
+              <a:rPr lang="en-US" sz="2800" b="1">
+                <a:solidFill>
+                  <a:srgbClr val="FFFF00"/>
+                </a:solidFill>
+                <a:effectLst/>
+              </a:rPr>
+              <a:t>TWF</a:t>
+            </a:r>
+            <a:r>
+              <a:rPr lang="en-US" sz="2800" b="1">
                 <a:solidFill>
                   <a:srgbClr val="FF0000"/>
                 </a:solidFill>
-                <a:effectLst/>
-              </a:rPr>
-              <a:t>Funding_request</a:t>
-            </a:r>
-            <a:r>
-              <a:rPr lang="en-US" sz="2800" b="1" dirty="0">
-                <a:solidFill>
-                  <a:srgbClr val="FF0000"/>
-                </a:solidFill>
-                <a:effectLst/>
-              </a:rPr>
-              <a:t> entity at </a:t>
-            </a:r>
-            <a:r>
-              <a:rPr lang="en-US" sz="2800" b="1" dirty="0" err="1">
-                <a:solidFill>
-                  <a:srgbClr val="FF0000"/>
-                </a:solidFill>
-                <a:effectLst/>
-              </a:rPr>
-              <a:t>FlowChart.Transaction</a:t>
-            </a:r>
-            <a:r>
-              <a:rPr lang="en-US" sz="2800" b="1" dirty="0">
-                <a:solidFill>
-                  <a:srgbClr val="FF0000"/>
-                </a:solidFill>
-                <a:effectLst/>
-              </a:rPr>
-              <a:t> [cont.]</a:t>
-            </a:r>
-            <a:endParaRPr lang="en-US" sz="2800" dirty="0"/>
+              </a:rPr>
+              <a:t>.Flow_Funding_request [cont.]</a:t>
+            </a:r>
+            <a:endParaRPr lang="en-US" sz="2800"/>
           </a:p>
         </p:txBody>
       </p:sp>
@@ -8494,19 +8484,19 @@
           <a:lstStyle/>
           <a:p>
             <a:r>
-              <a:rPr lang="en-US" dirty="0"/>
+              <a:rPr lang="en-US"/>
               <a:t>String </a:t>
             </a:r>
             <a:r>
-              <a:rPr lang="en-US" dirty="0" err="1"/>
+              <a:rPr lang="en-US" err="1"/>
               <a:t>Account_Code</a:t>
             </a:r>
             <a:r>
-              <a:rPr lang="en-US" dirty="0"/>
+              <a:rPr lang="en-US"/>
               <a:t> // </a:t>
             </a:r>
             <a:r>
-              <a:rPr lang="ar-EG" dirty="0">
+              <a:rPr lang="ar-EG">
                 <a:effectLst/>
               </a:rPr>
               <a:t>يتم الاضافه وقت صرف التمويل , رقم حساب الدفعات المقدمة الخاصة بالعميل</a:t>
@@ -8514,13 +8504,13 @@
           </a:p>
           <a:p>
             <a:r>
-              <a:rPr lang="en-US" dirty="0">
+              <a:rPr lang="en-US">
                 <a:effectLst/>
               </a:rPr>
               <a:t>int DEBTNO	  // </a:t>
             </a:r>
             <a:r>
-              <a:rPr lang="ar-EG" dirty="0">
+              <a:rPr lang="ar-EG">
                 <a:effectLst/>
               </a:rPr>
               <a:t>العميل الواحد قد يكون لديه اكثر من قرض فى نفس الوقت فهذا التسلسل الذي يفرق بين القرض الاول والثانى</a:t>
@@ -8529,7 +8519,7 @@
           <a:p>
             <a:pPr lvl="1"/>
             <a:r>
-              <a:rPr lang="ar-EG" dirty="0">
+              <a:rPr lang="ar-EG">
                 <a:effectLst/>
               </a:rPr>
               <a:t>عدد القروض بالنسبه للعميل هذا لان العميل ممكن يأخذ اكثر من قرض ففي كل مره يأخذ فيها العميل قرض يتم مضاعفة الرقم الموجود في هذا الحقل بمعنى أوضح العميل اخذ اول قرض من الشركة يوضع في هذا الحقل رقم 1  واذا قام بسداد القرض واخذ قرض اخر يتم وضع في هذا الحقل 2 وهكذه</a:t>
@@ -8537,33 +8527,33 @@
           </a:p>
           <a:p>
             <a:r>
-              <a:rPr lang="en-US" dirty="0">
+              <a:rPr lang="en-US">
                 <a:effectLst/>
               </a:rPr>
               <a:t>int </a:t>
             </a:r>
             <a:r>
-              <a:rPr lang="en-US" dirty="0" err="1"/>
+              <a:rPr lang="en-US" err="1"/>
               <a:t>Layer_code</a:t>
             </a:r>
             <a:r>
-              <a:rPr lang="en-US" dirty="0"/>
+              <a:rPr lang="en-US"/>
               <a:t>  // </a:t>
             </a:r>
             <a:r>
-              <a:rPr lang="en-US" dirty="0">
+              <a:rPr lang="en-US">
                 <a:effectLst/>
               </a:rPr>
               <a:t>The value is obtained through a inquiry within the table </a:t>
             </a:r>
             <a:r>
-              <a:rPr lang="en-US" dirty="0" err="1">
+              <a:rPr lang="en-US" err="1">
                 <a:effectLst/>
               </a:rPr>
               <a:t>Flow_Products</a:t>
             </a:r>
             <a:r>
-              <a:rPr lang="en-US" dirty="0">
+              <a:rPr lang="en-US">
                 <a:effectLst/>
               </a:rPr>
               <a:t>.</a:t>
@@ -8571,69 +8561,69 @@
           </a:p>
           <a:p>
             <a:r>
-              <a:rPr lang="en-US" dirty="0">
+              <a:rPr lang="en-US">
                 <a:effectLst/>
               </a:rPr>
               <a:t> </a:t>
             </a:r>
             <a:r>
-              <a:rPr lang="en-US" sz="1800" dirty="0">
+              <a:rPr lang="en-US" sz="1800">
                 <a:effectLst/>
               </a:rPr>
               <a:t>decimal? </a:t>
             </a:r>
             <a:r>
-              <a:rPr lang="en-US" sz="1800" dirty="0"/>
+              <a:rPr lang="en-US" sz="1800"/>
               <a:t>DEBT_VALUE</a:t>
             </a:r>
-            <a:endParaRPr lang="en-US" dirty="0"/>
+            <a:endParaRPr lang="en-US"/>
           </a:p>
           <a:p>
             <a:pPr lvl="1"/>
             <a:r>
-              <a:rPr lang="en-US" sz="1750" dirty="0">
+              <a:rPr lang="en-US" sz="1750">
                 <a:effectLst/>
               </a:rPr>
               <a:t>It is calculated upon </a:t>
             </a:r>
             <a:r>
-              <a:rPr lang="en-US" sz="1750" b="1" dirty="0">
+              <a:rPr lang="en-US" sz="1750" b="1">
                 <a:effectLst/>
               </a:rPr>
               <a:t>Disbursement </a:t>
             </a:r>
             <a:r>
-              <a:rPr lang="en-US" sz="1750" dirty="0">
+              <a:rPr lang="en-US" sz="1750">
                 <a:effectLst/>
               </a:rPr>
               <a:t>and its value = </a:t>
             </a:r>
             <a:r>
-              <a:rPr lang="ar-EG" sz="1750" dirty="0">
+              <a:rPr lang="ar-EG" sz="1750">
                 <a:effectLst/>
               </a:rPr>
               <a:t>أصل مبلغ القرض الذي وافق عليه البنك</a:t>
             </a:r>
             <a:r>
-              <a:rPr lang="en-US" sz="1750" dirty="0">
+              <a:rPr lang="en-US" sz="1750">
                 <a:effectLst/>
               </a:rPr>
               <a:t> + </a:t>
             </a:r>
             <a:r>
-              <a:rPr lang="ar-EG" sz="1750" dirty="0">
+              <a:rPr lang="ar-EG" sz="1750">
                 <a:effectLst/>
               </a:rPr>
               <a:t>المصاريف الإدارية التي تضاف على القرض</a:t>
             </a:r>
-            <a:endParaRPr lang="en-US" sz="1750" dirty="0">
+            <a:endParaRPr lang="en-US" sz="1750">
               <a:effectLst/>
             </a:endParaRPr>
           </a:p>
           <a:p>
             <a:pPr lvl="1"/>
             <a:r>
-              <a:rPr lang="ar-EG" dirty="0">
+              <a:rPr lang="ar-EG">
                 <a:effectLst/>
               </a:rPr>
               <a:t>قيمة متناقصة مع السداد ويتم الانقاص من هذا المبلغ مع سداد كل قسط للعميل</a:t>
@@ -8641,62 +8631,62 @@
           </a:p>
           <a:p>
             <a:r>
-              <a:rPr lang="en-US" sz="1800" dirty="0">
+              <a:rPr lang="en-US" sz="1800">
                 <a:effectLst/>
               </a:rPr>
               <a:t>decimal? </a:t>
             </a:r>
             <a:r>
-              <a:rPr lang="en-US" sz="1800" dirty="0"/>
+              <a:rPr lang="en-US" sz="1800"/>
               <a:t>PRIMIUM_VALUE : </a:t>
             </a:r>
             <a:r>
-              <a:rPr lang="ar-EG" sz="1800" dirty="0"/>
+              <a:rPr lang="ar-EG" sz="1800"/>
               <a:t>مبلغ القسط</a:t>
             </a:r>
           </a:p>
           <a:p>
             <a:pPr lvl="1"/>
             <a:r>
-              <a:rPr lang="ar-EG" dirty="0">
+              <a:rPr lang="ar-EG">
                 <a:effectLst/>
               </a:rPr>
               <a:t>ويكون المصدر من مرحلة الزيارة الميدانية ويكون من خلال حقل قيمة القسط الموجود على شاشة الزيارة الميدانية</a:t>
             </a:r>
-            <a:endParaRPr lang="ar-EG" sz="1600" dirty="0"/>
-          </a:p>
-          <a:p>
-            <a:r>
-              <a:rPr lang="en-US" dirty="0" err="1">
+            <a:endParaRPr lang="ar-EG" sz="1600"/>
+          </a:p>
+          <a:p>
+            <a:r>
+              <a:rPr lang="en-US" err="1">
                 <a:effectLst/>
               </a:rPr>
               <a:t>FRC_Id</a:t>
             </a:r>
             <a:r>
-              <a:rPr lang="en-US" dirty="0">
+              <a:rPr lang="en-US">
                 <a:effectLst/>
               </a:rPr>
               <a:t>:  its table is </a:t>
             </a:r>
             <a:r>
-              <a:rPr lang="en-US" dirty="0" err="1"/>
+              <a:rPr lang="en-US" err="1"/>
               <a:t>Flow_repayment_cycle</a:t>
             </a:r>
             <a:r>
-              <a:rPr lang="en-US" dirty="0"/>
+              <a:rPr lang="en-US"/>
               <a:t> </a:t>
             </a:r>
-            <a:endParaRPr lang="en-US" dirty="0">
+            <a:endParaRPr lang="en-US">
               <a:effectLst/>
             </a:endParaRPr>
           </a:p>
           <a:p>
             <a:pPr lvl="1"/>
             <a:r>
-              <a:rPr lang="ar-EG" sz="1700" dirty="0"/>
+              <a:rPr lang="ar-EG" sz="1700"/>
               <a:t>مدة السداد للقسط سواء كان بالشهر او نصف شهر ا واسبوع وهكذه  وذلك من خلال شاشة تسجيل دورية السداد وجدولها هووأيضا   يتم استخدمه في  شاشة المنتجات  كتعريف من التعريفات الخاصه بالمنتج</a:t>
             </a:r>
-            <a:endParaRPr lang="en-US" sz="1700" dirty="0"/>
+            <a:endParaRPr lang="en-US" sz="1700"/>
           </a:p>
         </p:txBody>
       </p:sp>
@@ -8759,42 +8749,23 @@
           <a:lstStyle/>
           <a:p>
             <a:r>
-              <a:rPr lang="en-US" sz="3200" b="1" dirty="0" err="1">
+              <a:rPr lang="en-US" sz="3200" b="1">
+                <a:solidFill>
+                  <a:srgbClr val="FFFF00"/>
+                </a:solidFill>
+                <a:effectLst/>
+              </a:rPr>
+              <a:t>TWF</a:t>
+            </a:r>
+            <a:r>
+              <a:rPr lang="en-US" sz="3200" b="1">
                 <a:solidFill>
                   <a:srgbClr val="FF0000"/>
                 </a:solidFill>
-                <a:effectLst/>
-              </a:rPr>
-              <a:t>Funding_request</a:t>
-            </a:r>
-            <a:r>
-              <a:rPr lang="en-US" sz="3200" b="1" dirty="0">
-                <a:solidFill>
-                  <a:srgbClr val="FF0000"/>
-                </a:solidFill>
-                <a:effectLst/>
-              </a:rPr>
-              <a:t> entity at </a:t>
-            </a:r>
-            <a:r>
-              <a:rPr lang="en-US" sz="3200" b="1" dirty="0" err="1">
-                <a:solidFill>
-                  <a:srgbClr val="FF0000"/>
-                </a:solidFill>
-                <a:effectLst/>
-              </a:rPr>
-              <a:t>FlowChart.Transaction</a:t>
-            </a:r>
-            <a:r>
-              <a:rPr lang="en-US" sz="3200" b="1" dirty="0">
-                <a:solidFill>
-                  <a:srgbClr val="FF0000"/>
-                </a:solidFill>
-                <a:effectLst/>
-              </a:rPr>
-              <a:t> [cont.]</a:t>
-            </a:r>
-            <a:endParaRPr lang="en-US" sz="3200" dirty="0"/>
+              </a:rPr>
+              <a:t>.Flow_Funding_request [cont.]</a:t>
+            </a:r>
+            <a:endParaRPr lang="en-US" sz="3200"/>
           </a:p>
         </p:txBody>
       </p:sp>
@@ -8825,23 +8796,23 @@
           <a:lstStyle/>
           <a:p>
             <a:r>
-              <a:rPr lang="en-US" sz="1800" dirty="0"/>
+              <a:rPr lang="en-US" sz="1800"/>
               <a:t>F_PRIMIUM_DATE : </a:t>
             </a:r>
             <a:r>
-              <a:rPr lang="ar-EG" sz="1800" dirty="0"/>
+              <a:rPr lang="ar-EG" sz="1800"/>
               <a:t>تاريخ اول قسط</a:t>
             </a:r>
-            <a:endParaRPr lang="en-US" sz="1800" dirty="0"/>
+            <a:endParaRPr lang="en-US" sz="1800"/>
           </a:p>
           <a:p>
             <a:pPr lvl="1"/>
             <a:r>
-              <a:rPr lang="ar-EG" dirty="0"/>
+              <a:rPr lang="ar-EG"/>
               <a:t>يتم إضافة هذا الحقل  في صرف القرض فقط   ويتم تحديد تاريخ اول قسط من خلال معرفة نوع المنتج ودورية السداد المرتبطه به ولو هو شهر مثلا نقوم بإضافة </a:t>
             </a:r>
             <a:r>
-              <a:rPr lang="ar-EG" b="1" dirty="0">
+              <a:rPr lang="ar-EG" b="1">
                 <a:solidFill>
                   <a:srgbClr val="00B0F0"/>
                 </a:solidFill>
@@ -8849,145 +8820,145 @@
               <a:t>التاريخ شهر زيادة من تاريخ الصرف</a:t>
             </a:r>
             <a:r>
-              <a:rPr lang="ar-EG" dirty="0"/>
+              <a:rPr lang="ar-EG"/>
               <a:t> وهكذه في لو أسبوع او نصف شهر وهكذه</a:t>
             </a:r>
-            <a:endParaRPr lang="en-US" dirty="0"/>
-          </a:p>
-          <a:p>
-            <a:r>
-              <a:rPr lang="en-US" sz="1800" dirty="0"/>
+            <a:endParaRPr lang="en-US"/>
+          </a:p>
+          <a:p>
+            <a:r>
+              <a:rPr lang="en-US" sz="1800"/>
               <a:t>L_PRIMIUM_DATE</a:t>
             </a:r>
           </a:p>
           <a:p>
             <a:pPr lvl="1"/>
             <a:r>
-              <a:rPr lang="ar-EG" dirty="0"/>
+              <a:rPr lang="ar-EG"/>
               <a:t>يتم إضافة هذا الحقل  في صرف القرض فقط  ويتم تحديد تاريخ اخر قسط من خلال عدد الأشهر المحدد من قبل الزيارة الميدنية</a:t>
             </a:r>
-            <a:endParaRPr lang="en-US" dirty="0"/>
-          </a:p>
-          <a:p>
-            <a:r>
-              <a:rPr lang="en-US" sz="1800" dirty="0"/>
+            <a:endParaRPr lang="en-US"/>
+          </a:p>
+          <a:p>
+            <a:r>
+              <a:rPr lang="en-US" sz="1800"/>
               <a:t>DateTime  BUSDATE : </a:t>
             </a:r>
             <a:r>
-              <a:rPr lang="ar-EG" sz="1800" dirty="0"/>
+              <a:rPr lang="ar-EG" sz="1800"/>
               <a:t>تاريخ الصرف</a:t>
             </a:r>
           </a:p>
           <a:p>
             <a:r>
-              <a:rPr lang="en-US" sz="1800" dirty="0"/>
+              <a:rPr lang="en-US" sz="1800"/>
               <a:t>EXPDATE</a:t>
             </a:r>
             <a:r>
-              <a:rPr lang="ar-EG" sz="1800" dirty="0"/>
+              <a:rPr lang="ar-EG" sz="1800"/>
               <a:t> </a:t>
             </a:r>
             <a:r>
-              <a:rPr lang="en-US" sz="1800" dirty="0"/>
+              <a:rPr lang="en-US" sz="1800"/>
               <a:t> :  </a:t>
             </a:r>
             <a:r>
-              <a:rPr lang="ar-EG" sz="1800" dirty="0"/>
+              <a:rPr lang="ar-EG" sz="1800"/>
               <a:t>تاريخ انتهاء القرض</a:t>
             </a:r>
           </a:p>
           <a:p>
             <a:pPr lvl="1"/>
             <a:r>
-              <a:rPr lang="ar-EG" dirty="0"/>
+              <a:rPr lang="ar-EG"/>
               <a:t>يتم إضافة هذا الحقل  في صرف القرض فقط  ويتم تحديد تاريخ انتهاء القرض من خلال عدد الأشهر المحدد من قبل الزيارة الميدنية</a:t>
             </a:r>
           </a:p>
           <a:p>
             <a:pPr lvl="1"/>
             <a:r>
-              <a:rPr lang="ar-EG" dirty="0"/>
+              <a:rPr lang="ar-EG"/>
               <a:t>ويتم التحديث على هذا التاريخ اذا تم السداد قبل انتهار التمويل مثلا اذا سدد سداد معجل</a:t>
             </a:r>
           </a:p>
           <a:p>
             <a:r>
-              <a:rPr lang="en-US" sz="1800" dirty="0" err="1"/>
+              <a:rPr lang="en-US" sz="1800" err="1"/>
               <a:t>Curr_code</a:t>
             </a:r>
             <a:r>
-              <a:rPr lang="en-US" sz="1800" dirty="0"/>
+              <a:rPr lang="en-US" sz="1800"/>
               <a:t>: [FK]  </a:t>
             </a:r>
             <a:r>
-              <a:rPr lang="ar-EG" sz="1800" dirty="0"/>
+              <a:rPr lang="ar-EG" sz="1800"/>
               <a:t>العملة</a:t>
             </a:r>
-            <a:endParaRPr lang="en-US" sz="1800" dirty="0"/>
-          </a:p>
-          <a:p>
-            <a:r>
-              <a:rPr lang="en-US" sz="1800" dirty="0"/>
+            <a:endParaRPr lang="en-US" sz="1800"/>
+          </a:p>
+          <a:p>
+            <a:r>
+              <a:rPr lang="en-US" sz="1800"/>
               <a:t>decimal? Rate: </a:t>
             </a:r>
             <a:r>
-              <a:rPr lang="ar-EG" sz="1800" dirty="0"/>
+              <a:rPr lang="ar-EG" sz="1800"/>
               <a:t>سعر الفائدة الذي سيتم تطبيقه على مبلغ التمويل</a:t>
             </a:r>
-            <a:endParaRPr lang="en-US" sz="1800" dirty="0"/>
-          </a:p>
-          <a:p>
-            <a:r>
-              <a:rPr lang="en-US" sz="1800" dirty="0"/>
+            <a:endParaRPr lang="en-US" sz="1800"/>
+          </a:p>
+          <a:p>
+            <a:r>
+              <a:rPr lang="en-US" sz="1800"/>
               <a:t>decimal? COM_RAT : </a:t>
             </a:r>
             <a:r>
-              <a:rPr lang="ar-EG" sz="1800" dirty="0"/>
+              <a:rPr lang="ar-EG" sz="1800"/>
               <a:t>هي مبلغ مقطوع للمصاريف الادارية يتم استقطاعها مرة واحدة فقط عند بداية منح القرض أو التعلية</a:t>
             </a:r>
             <a:r>
-              <a:rPr lang="en-US" sz="1800" dirty="0"/>
+              <a:rPr lang="en-US" sz="1800"/>
               <a:t> </a:t>
             </a:r>
-            <a:endParaRPr lang="ar-EG" sz="1800" dirty="0"/>
-          </a:p>
-          <a:p>
-            <a:r>
-              <a:rPr lang="en-US" sz="1800" dirty="0"/>
+            <a:endParaRPr lang="ar-EG" sz="1800"/>
+          </a:p>
+          <a:p>
+            <a:r>
+              <a:rPr lang="en-US" sz="1800"/>
               <a:t>APP_FEE: </a:t>
             </a:r>
             <a:r>
-              <a:rPr lang="ar-EG" sz="1800" dirty="0"/>
+              <a:rPr lang="ar-EG" sz="1800"/>
               <a:t>عمولة الطلب  وهى رسوم غير مستردة لانها تغطى تكلفة مراجعة الاوراق والاستعلام الائتماني ايز كور</a:t>
             </a:r>
           </a:p>
           <a:p>
             <a:r>
-              <a:rPr lang="en-US" dirty="0"/>
+              <a:rPr lang="en-US"/>
               <a:t>int? </a:t>
             </a:r>
             <a:r>
-              <a:rPr lang="en-US" dirty="0" err="1"/>
+              <a:rPr lang="en-US" err="1"/>
               <a:t>bank_code</a:t>
             </a:r>
             <a:r>
-              <a:rPr lang="ar-EG" dirty="0"/>
+              <a:rPr lang="ar-EG"/>
               <a:t>: </a:t>
             </a:r>
             <a:r>
-              <a:rPr lang="en-US" dirty="0"/>
+              <a:rPr lang="en-US"/>
               <a:t> [FK]: </a:t>
             </a:r>
             <a:r>
-              <a:rPr lang="ar-EG" dirty="0">
+              <a:rPr lang="ar-EG">
                 <a:effectLst/>
               </a:rPr>
               <a:t>المعرّف الفريد للبنك</a:t>
             </a:r>
-            <a:endParaRPr lang="en-US" sz="1600" dirty="0"/>
-          </a:p>
-          <a:p>
-            <a:endParaRPr lang="ar-EG" sz="1800" dirty="0"/>
+            <a:endParaRPr lang="en-US" sz="1600"/>
+          </a:p>
+          <a:p>
+            <a:endParaRPr lang="ar-EG" sz="1800"/>
           </a:p>
         </p:txBody>
       </p:sp>
@@ -9050,7 +9021,7 @@
           <a:lstStyle/>
           <a:p>
             <a:r>
-              <a:rPr lang="en-US" sz="2800" b="1" dirty="0" err="1">
+              <a:rPr lang="en-US" sz="2800" b="1" err="1">
                 <a:solidFill>
                   <a:srgbClr val="FF0000"/>
                 </a:solidFill>
@@ -9059,7 +9030,7 @@
               <a:t>Funding_request</a:t>
             </a:r>
             <a:r>
-              <a:rPr lang="en-US" sz="2800" b="1" dirty="0">
+              <a:rPr lang="en-US" sz="2800" b="1">
                 <a:solidFill>
                   <a:srgbClr val="FF0000"/>
                 </a:solidFill>
@@ -9068,7 +9039,7 @@
               <a:t> entity at </a:t>
             </a:r>
             <a:r>
-              <a:rPr lang="en-US" sz="2800" b="1" dirty="0" err="1">
+              <a:rPr lang="en-US" sz="2800" b="1" err="1">
                 <a:solidFill>
                   <a:srgbClr val="FF0000"/>
                 </a:solidFill>
@@ -9077,7 +9048,7 @@
               <a:t>FlowChart.Transaction</a:t>
             </a:r>
             <a:r>
-              <a:rPr lang="en-US" sz="2800" b="1" dirty="0">
+              <a:rPr lang="en-US" sz="2800" b="1">
                 <a:solidFill>
                   <a:srgbClr val="FF0000"/>
                 </a:solidFill>
@@ -9085,7 +9056,7 @@
               </a:rPr>
               <a:t> [cont.]</a:t>
             </a:r>
-            <a:endParaRPr lang="en-US" sz="2800" dirty="0"/>
+            <a:endParaRPr lang="en-US" sz="2800"/>
           </a:p>
         </p:txBody>
       </p:sp>
@@ -9118,69 +9089,69 @@
           <a:lstStyle/>
           <a:p>
             <a:r>
-              <a:rPr lang="en-US" sz="1800" dirty="0" err="1"/>
+              <a:rPr lang="en-US" sz="1800" err="1"/>
               <a:t>UserId</a:t>
             </a:r>
             <a:r>
-              <a:rPr lang="en-US" sz="1800" dirty="0"/>
+              <a:rPr lang="en-US" sz="1800"/>
               <a:t>: FK , </a:t>
             </a:r>
             <a:r>
-              <a:rPr lang="ar-EG" sz="1800" dirty="0">
+              <a:rPr lang="ar-EG" sz="1800">
                 <a:effectLst/>
               </a:rPr>
               <a:t>كود الموظف الذى انشأ القرض</a:t>
             </a:r>
-            <a:endParaRPr lang="en-US" sz="1800" dirty="0">
+            <a:endParaRPr lang="en-US" sz="1800">
               <a:effectLst/>
             </a:endParaRPr>
           </a:p>
           <a:p>
             <a:r>
-              <a:rPr lang="en-US" sz="1800" dirty="0" err="1"/>
+              <a:rPr lang="en-US" sz="1800" err="1"/>
               <a:t>Approv_value</a:t>
             </a:r>
             <a:r>
-              <a:rPr lang="en-US" sz="1800" dirty="0"/>
+              <a:rPr lang="en-US" sz="1800"/>
               <a:t> : </a:t>
             </a:r>
             <a:r>
-              <a:rPr lang="ar-EG" sz="1800" dirty="0">
+              <a:rPr lang="ar-EG" sz="1800">
                 <a:effectLst/>
               </a:rPr>
               <a:t>المبلغ الموصى به من المسئول الاول فقط بدون اى اضافات</a:t>
             </a:r>
-            <a:endParaRPr lang="en-US" sz="1800" dirty="0"/>
-          </a:p>
-          <a:p>
-            <a:r>
-              <a:rPr lang="en-US" sz="1800" dirty="0" err="1"/>
+            <a:endParaRPr lang="en-US" sz="1800"/>
+          </a:p>
+          <a:p>
+            <a:r>
+              <a:rPr lang="en-US" sz="1800" err="1"/>
               <a:t>Approved_Amount</a:t>
             </a:r>
             <a:r>
-              <a:rPr lang="en-US" sz="1800" dirty="0"/>
+              <a:rPr lang="en-US" sz="1800"/>
               <a:t> : </a:t>
             </a:r>
             <a:r>
-              <a:rPr lang="en-US" sz="1800" b="1" dirty="0">
+              <a:rPr lang="en-US" sz="1800" b="1">
                 <a:solidFill>
                   <a:srgbClr val="00B0F0"/>
                 </a:solidFill>
               </a:rPr>
               <a:t>missed at docs</a:t>
             </a:r>
-            <a:endParaRPr lang="en-US" sz="1800" dirty="0"/>
-          </a:p>
-          <a:p>
-            <a:r>
-              <a:rPr lang="en-US" sz="1800" dirty="0"/>
+            <a:endParaRPr lang="en-US" sz="1800"/>
+          </a:p>
+          <a:p>
+            <a:r>
+              <a:rPr lang="en-US" sz="1800"/>
               <a:t>TOTAL_AMOUNT :  </a:t>
             </a:r>
             <a:r>
-              <a:rPr lang="ar-EG" sz="1800" dirty="0"/>
+              <a:rPr lang="ar-EG" sz="1800"/>
               <a:t>يتم إضافة هذا الحقل من مرحلة الزيارة الميدانية اجمالى المبلغ الموصى به وهو قيمة التمويل المطلوب + الفائده</a:t>
             </a:r>
-            <a:endParaRPr lang="en-US" sz="1800" b="1" dirty="0">
+            <a:endParaRPr lang="en-US" sz="1800" b="1">
               <a:solidFill>
                 <a:srgbClr val="00B0F0"/>
               </a:solidFill>
@@ -9188,60 +9159,60 @@
           </a:p>
           <a:p>
             <a:r>
-              <a:rPr lang="en-US" sz="1800" dirty="0" err="1"/>
+              <a:rPr lang="en-US" sz="1800" err="1"/>
               <a:t>NO_Months</a:t>
             </a:r>
             <a:r>
-              <a:rPr lang="en-US" sz="1800" dirty="0"/>
+              <a:rPr lang="en-US" sz="1800"/>
               <a:t> : </a:t>
             </a:r>
             <a:r>
-              <a:rPr lang="ar-EG" sz="1800" dirty="0"/>
+              <a:rPr lang="ar-EG" sz="1800"/>
               <a:t>عدد الأشهر الموصى به  من مسئول التمويل</a:t>
             </a:r>
-            <a:endParaRPr lang="en-US" sz="1800" dirty="0"/>
-          </a:p>
-          <a:p>
-            <a:r>
-              <a:rPr lang="en-US" sz="1800" dirty="0" err="1"/>
+            <a:endParaRPr lang="en-US" sz="1800"/>
+          </a:p>
+          <a:p>
+            <a:r>
+              <a:rPr lang="en-US" sz="1800" err="1"/>
               <a:t>Open_date</a:t>
             </a:r>
             <a:r>
-              <a:rPr lang="en-US" sz="1800" dirty="0"/>
+              <a:rPr lang="en-US" sz="1800"/>
               <a:t> : </a:t>
             </a:r>
             <a:r>
-              <a:rPr lang="en-US" sz="1800" dirty="0">
+              <a:rPr lang="en-US" sz="1800">
                 <a:effectLst/>
               </a:rPr>
               <a:t>date of request based on the </a:t>
             </a:r>
             <a:r>
-              <a:rPr lang="en-US" sz="1800" dirty="0" err="1">
+              <a:rPr lang="en-US" sz="1800" err="1">
                 <a:effectLst/>
               </a:rPr>
               <a:t>busdate</a:t>
             </a:r>
-            <a:endParaRPr lang="en-US" sz="1800" dirty="0"/>
-          </a:p>
-          <a:p>
-            <a:r>
-              <a:rPr lang="en-US" sz="1800" dirty="0" err="1"/>
+            <a:endParaRPr lang="en-US" sz="1800"/>
+          </a:p>
+          <a:p>
+            <a:r>
+              <a:rPr lang="en-US" sz="1800" err="1"/>
               <a:t>Yield_periodicity</a:t>
             </a:r>
             <a:r>
-              <a:rPr lang="en-US" sz="1800" dirty="0"/>
+              <a:rPr lang="en-US" sz="1800"/>
               <a:t> : </a:t>
             </a:r>
             <a:r>
-              <a:rPr lang="ar-EG" sz="1800" b="1" dirty="0">
+              <a:rPr lang="ar-EG" sz="1800" b="1">
                 <a:solidFill>
                   <a:srgbClr val="00B0F0"/>
                 </a:solidFill>
               </a:rPr>
               <a:t>دورية العائد من أجل برنامج الكشك</a:t>
             </a:r>
-            <a:endParaRPr lang="en-US" sz="1800" b="1" dirty="0">
+            <a:endParaRPr lang="en-US" sz="1800" b="1">
               <a:solidFill>
                 <a:srgbClr val="00B0F0"/>
               </a:solidFill>
@@ -9249,66 +9220,66 @@
           </a:p>
           <a:p>
             <a:r>
-              <a:rPr lang="en-US" sz="1800" dirty="0" err="1"/>
+              <a:rPr lang="en-US" sz="1800" err="1"/>
               <a:t>Code_ED</a:t>
             </a:r>
             <a:r>
-              <a:rPr lang="en-US" sz="1800" dirty="0"/>
+              <a:rPr lang="en-US" sz="1800"/>
               <a:t> : </a:t>
             </a:r>
             <a:r>
-              <a:rPr lang="ar-EG" b="1" dirty="0">
+              <a:rPr lang="ar-EG" b="1">
                 <a:effectLst/>
               </a:rPr>
               <a:t>المُعرّف الرقمي للجهة المنفذة للصرف</a:t>
             </a:r>
             <a:r>
-              <a:rPr lang="ar-EG" dirty="0">
+              <a:rPr lang="ar-EG">
                 <a:effectLst/>
               </a:rPr>
               <a:t>.</a:t>
             </a:r>
-            <a:endParaRPr lang="en-US" sz="1800" dirty="0"/>
-          </a:p>
-          <a:p>
-            <a:r>
-              <a:rPr lang="en-US" sz="1800" dirty="0"/>
+            <a:endParaRPr lang="en-US" sz="1800"/>
+          </a:p>
+          <a:p>
+            <a:r>
+              <a:rPr lang="en-US" sz="1800"/>
               <a:t>Grant : </a:t>
             </a:r>
             <a:r>
-              <a:rPr lang="ar-EG" sz="1800" dirty="0"/>
+              <a:rPr lang="ar-EG" sz="1800"/>
               <a:t>في حالة العميل لديه تمويل قائم وبياخد تمويل جديد علي منتج مختلف بقول التمويل الجديد قائم ولا لا قائم=0 وغير قائم =1</a:t>
             </a:r>
-            <a:endParaRPr lang="en-US" sz="1800" dirty="0"/>
-          </a:p>
-          <a:p>
-            <a:r>
-              <a:rPr lang="en-US" sz="1800" dirty="0" err="1"/>
+            <a:endParaRPr lang="en-US" sz="1800"/>
+          </a:p>
+          <a:p>
+            <a:r>
+              <a:rPr lang="en-US" sz="1800" err="1"/>
               <a:t>PenaltyAmount</a:t>
             </a:r>
             <a:r>
-              <a:rPr lang="en-US" sz="1800" dirty="0"/>
+              <a:rPr lang="en-US" sz="1800"/>
               <a:t> : </a:t>
             </a:r>
             <a:r>
-              <a:rPr lang="ar-EG" sz="1800" dirty="0"/>
+              <a:rPr lang="ar-EG" sz="1800"/>
               <a:t>اجمالى الغرامات</a:t>
             </a:r>
-            <a:endParaRPr lang="en-US" sz="1800" dirty="0"/>
-          </a:p>
-          <a:p>
-            <a:r>
-              <a:rPr lang="en-US" dirty="0" err="1"/>
+            <a:endParaRPr lang="en-US" sz="1800"/>
+          </a:p>
+          <a:p>
+            <a:r>
+              <a:rPr lang="en-US" err="1"/>
               <a:t>Flag_History</a:t>
             </a:r>
-            <a:endParaRPr lang="en-US" dirty="0"/>
-          </a:p>
-          <a:p>
-            <a:r>
-              <a:rPr lang="en-US" dirty="0" err="1"/>
+            <a:endParaRPr lang="en-US"/>
+          </a:p>
+          <a:p>
+            <a:r>
+              <a:rPr lang="en-US" err="1"/>
               <a:t>VisitCount</a:t>
             </a:r>
-            <a:endParaRPr lang="en-US" dirty="0"/>
+            <a:endParaRPr lang="en-US"/>
           </a:p>
         </p:txBody>
       </p:sp>
@@ -9371,42 +9342,22 @@
           <a:lstStyle/>
           <a:p>
             <a:r>
-              <a:rPr lang="en-US" sz="2800" b="1" dirty="0" err="1">
+              <a:rPr lang="en-US" sz="3600" b="1">
+                <a:solidFill>
+                  <a:srgbClr val="FFFF00"/>
+                </a:solidFill>
+                <a:effectLst/>
+              </a:rPr>
+              <a:t>TWF</a:t>
+            </a:r>
+            <a:r>
+              <a:rPr lang="en-US" sz="3600" b="1">
                 <a:solidFill>
                   <a:srgbClr val="FF0000"/>
                 </a:solidFill>
-                <a:effectLst/>
-              </a:rPr>
-              <a:t>Funding_request</a:t>
-            </a:r>
-            <a:r>
-              <a:rPr lang="en-US" sz="2800" b="1" dirty="0">
-                <a:solidFill>
-                  <a:srgbClr val="FF0000"/>
-                </a:solidFill>
-                <a:effectLst/>
-              </a:rPr>
-              <a:t> entity at </a:t>
-            </a:r>
-            <a:r>
-              <a:rPr lang="en-US" sz="2800" b="1" dirty="0" err="1">
-                <a:solidFill>
-                  <a:srgbClr val="FF0000"/>
-                </a:solidFill>
-                <a:effectLst/>
-              </a:rPr>
-              <a:t>FlowChart.Transaction</a:t>
-            </a:r>
-            <a:r>
-              <a:rPr lang="en-US" sz="2800" b="1" dirty="0">
-                <a:solidFill>
-                  <a:srgbClr val="FF0000"/>
-                </a:solidFill>
-                <a:effectLst/>
-              </a:rPr>
-              <a:t> [cont.]</a:t>
-            </a:r>
-            <a:endParaRPr lang="en-US" sz="2800" dirty="0"/>
+              </a:rPr>
+              <a:t>.Flow_Funding_request [cont.]</a:t>
+            </a:r>
           </a:p>
         </p:txBody>
       </p:sp>
@@ -9439,98 +9390,98 @@
           <a:lstStyle/>
           <a:p>
             <a:r>
-              <a:rPr lang="en-US" sz="1800" dirty="0" err="1"/>
+              <a:rPr lang="en-US" sz="1800" err="1"/>
               <a:t>GuarVisitCount</a:t>
             </a:r>
             <a:r>
-              <a:rPr lang="en-US" sz="1800" dirty="0"/>
+              <a:rPr lang="en-US" sz="1800"/>
               <a:t>: </a:t>
             </a:r>
-            <a:endParaRPr lang="ar-EG" sz="1800" dirty="0"/>
+            <a:endParaRPr lang="ar-EG" sz="1800"/>
           </a:p>
           <a:p>
             <a:pPr lvl="1"/>
             <a:r>
-              <a:rPr lang="ar-EG" sz="1600" dirty="0"/>
+              <a:rPr lang="ar-EG" sz="1600"/>
               <a:t>بخزن فيه عدد المرات التي لم يستدل علي الضامن فيه لو  الضامن لم يستدل عليه اكثر من  مراتين بيترفض رفض نهلائي</a:t>
             </a:r>
           </a:p>
           <a:p>
             <a:pPr lvl="1"/>
-            <a:endParaRPr lang="en-US" sz="1600" dirty="0"/>
-          </a:p>
-          <a:p>
-            <a:r>
-              <a:rPr lang="en-US" sz="1800" dirty="0" err="1"/>
+            <a:endParaRPr lang="en-US" sz="1600"/>
+          </a:p>
+          <a:p>
+            <a:r>
+              <a:rPr lang="en-US" sz="1800" err="1"/>
               <a:t>Loan_code</a:t>
             </a:r>
             <a:r>
-              <a:rPr lang="en-US" sz="1800" dirty="0"/>
+              <a:rPr lang="en-US" sz="1800"/>
               <a:t> : </a:t>
             </a:r>
             <a:r>
-              <a:rPr lang="ar-EG" sz="1800" dirty="0"/>
+              <a:rPr lang="ar-EG" sz="1800"/>
               <a:t>كود التمويل</a:t>
             </a:r>
-            <a:endParaRPr lang="en-US" sz="1800" dirty="0"/>
-          </a:p>
-          <a:p>
-            <a:r>
-              <a:rPr lang="en-US" sz="1800" dirty="0"/>
+            <a:endParaRPr lang="en-US" sz="1800"/>
+          </a:p>
+          <a:p>
+            <a:r>
+              <a:rPr lang="en-US" sz="1800"/>
               <a:t>int </a:t>
             </a:r>
             <a:r>
-              <a:rPr lang="en-US" sz="1800" dirty="0" err="1"/>
+              <a:rPr lang="en-US" sz="1800" err="1"/>
               <a:t>WriteOffFlag</a:t>
             </a:r>
             <a:r>
-              <a:rPr lang="en-US" sz="1800" dirty="0"/>
+              <a:rPr lang="en-US" sz="1800"/>
               <a:t>: </a:t>
             </a:r>
             <a:r>
-              <a:rPr lang="ar-EG" sz="1800" dirty="0"/>
+              <a:rPr lang="ar-EG" sz="1800"/>
               <a:t>التوريق</a:t>
             </a:r>
-            <a:endParaRPr lang="en-US" sz="1800" dirty="0"/>
-          </a:p>
-          <a:p>
-            <a:r>
-              <a:rPr lang="en-US" sz="1800" dirty="0" err="1"/>
+            <a:endParaRPr lang="en-US" sz="1800"/>
+          </a:p>
+          <a:p>
+            <a:r>
+              <a:rPr lang="en-US" sz="1800" err="1"/>
               <a:t>Securitization_Flag</a:t>
             </a:r>
             <a:r>
-              <a:rPr lang="en-US" sz="1800" dirty="0"/>
+              <a:rPr lang="en-US" sz="1800"/>
               <a:t> : </a:t>
             </a:r>
             <a:r>
-              <a:rPr lang="ar-EG" sz="1800" dirty="0"/>
+              <a:rPr lang="ar-EG" sz="1800"/>
               <a:t>اعدام</a:t>
             </a:r>
-            <a:endParaRPr lang="en-US" sz="1800" dirty="0"/>
-          </a:p>
-          <a:p>
-            <a:r>
-              <a:rPr lang="en-US" sz="1800" dirty="0" err="1"/>
+            <a:endParaRPr lang="en-US" sz="1800"/>
+          </a:p>
+          <a:p>
+            <a:r>
+              <a:rPr lang="en-US" sz="1800" err="1"/>
               <a:t>IsDisbursmented</a:t>
             </a:r>
             <a:r>
-              <a:rPr lang="en-US" sz="1800" dirty="0"/>
+              <a:rPr lang="en-US" sz="1800"/>
               <a:t> : // actually </a:t>
             </a:r>
             <a:r>
-              <a:rPr lang="en-US" sz="1800" dirty="0" err="1"/>
+              <a:rPr lang="en-US" sz="1800" err="1"/>
               <a:t>recieve</a:t>
             </a:r>
             <a:r>
-              <a:rPr lang="en-US" sz="1800" dirty="0"/>
+              <a:rPr lang="en-US" sz="1800"/>
               <a:t> money on his Hand Or not (but  </a:t>
             </a:r>
             <a:r>
-              <a:rPr lang="en-US" sz="1800" dirty="0" err="1"/>
+              <a:rPr lang="en-US" sz="1800" err="1"/>
               <a:t>StatusCode</a:t>
             </a:r>
             <a:r>
-              <a:rPr lang="en-US" sz="1800" dirty="0"/>
+              <a:rPr lang="en-US" sz="1800"/>
               <a:t> is still = 9 )</a:t>
             </a:r>
           </a:p>
@@ -9595,12 +9546,20 @@
           <a:lstStyle/>
           <a:p>
             <a:r>
-              <a:rPr lang="en-US" b="1" dirty="0">
+              <a:rPr lang="en-US" b="1">
+                <a:solidFill>
+                  <a:srgbClr val="FFFF00"/>
+                </a:solidFill>
+              </a:rPr>
+              <a:t>SWF</a:t>
+            </a:r>
+            <a:r>
+              <a:rPr lang="en-US" b="1">
                 <a:solidFill>
                   <a:srgbClr val="FF0000"/>
                 </a:solidFill>
               </a:rPr>
-              <a:t>Flow Status Entity</a:t>
+              <a:t>.Flow Status</a:t>
             </a:r>
           </a:p>
         </p:txBody>
@@ -9632,43 +9591,84 @@
           <a:lstStyle/>
           <a:p>
             <a:r>
-              <a:rPr lang="en-US" dirty="0"/>
+              <a:rPr lang="en-US"/>
               <a:t>Tamweely.Infrastruture.Data.Project_Modules.FlowChart.SetUp , SWF schema</a:t>
             </a:r>
           </a:p>
           <a:p>
             <a:r>
-              <a:rPr lang="en-US" dirty="0"/>
+              <a:rPr lang="en-US"/>
+              <a:t>int status_code  </a:t>
+            </a:r>
+            <a:r>
+              <a:rPr lang="en-US" b="1">
+                <a:solidFill>
+                  <a:srgbClr val="FFFF00"/>
+                </a:solidFill>
+              </a:rPr>
+              <a:t>[PK]</a:t>
+            </a:r>
+          </a:p>
+          <a:p>
+            <a:r>
+              <a:rPr lang="en-US"/>
               <a:t>int </a:t>
             </a:r>
             <a:r>
-              <a:rPr lang="en-US" dirty="0" err="1"/>
+              <a:rPr lang="en-US" err="1"/>
               <a:t>status_id</a:t>
             </a:r>
             <a:r>
-              <a:rPr lang="en-US" dirty="0"/>
+              <a:rPr lang="en-US"/>
               <a:t> </a:t>
             </a:r>
-          </a:p>
-          <a:p>
-            <a:r>
-              <a:rPr lang="en-US" dirty="0"/>
-              <a:t>string name</a:t>
-            </a:r>
-          </a:p>
-          <a:p>
-            <a:r>
-              <a:rPr lang="en-US" dirty="0"/>
-              <a:t>int </a:t>
-            </a:r>
-            <a:r>
-              <a:rPr lang="en-US" dirty="0" err="1"/>
-              <a:t>status_code</a:t>
-            </a:r>
-            <a:endParaRPr lang="en-US" dirty="0"/>
-          </a:p>
-        </p:txBody>
-      </p:sp>
+            <a:r>
+              <a:rPr lang="en-US" b="1">
+                <a:solidFill>
+                  <a:srgbClr val="FF0000"/>
+                </a:solidFill>
+              </a:rPr>
+              <a:t>[identity]</a:t>
+            </a:r>
+          </a:p>
+          <a:p>
+            <a:r>
+              <a:rPr lang="en-US"/>
+              <a:t>string name </a:t>
+            </a:r>
+          </a:p>
+        </p:txBody>
+      </p:sp>
+      <p:pic>
+        <p:nvPicPr>
+          <p:cNvPr id="5" name="Picture 4">
+            <a:extLst>
+              <a:ext uri="{FF2B5EF4-FFF2-40B4-BE49-F238E27FC236}">
+                <a16:creationId xmlns:a16="http://schemas.microsoft.com/office/drawing/2014/main" id="{25385219-4098-4FB5-D56B-9E4C6C5BB8C6}"/>
+              </a:ext>
+            </a:extLst>
+          </p:cNvPr>
+          <p:cNvPicPr>
+            <a:picLocks noChangeAspect="1"/>
+          </p:cNvPicPr>
+          <p:nvPr/>
+        </p:nvPicPr>
+        <p:blipFill>
+          <a:blip r:embed="rId2"/>
+          <a:stretch>
+            <a:fillRect/>
+          </a:stretch>
+        </p:blipFill>
+        <p:spPr>
+          <a:xfrm>
+            <a:off x="6202018" y="1101213"/>
+            <a:ext cx="4671392" cy="4381692"/>
+          </a:xfrm>
+          <a:prstGeom prst="rect">
+            <a:avLst/>
+          </a:prstGeom>
+        </p:spPr>
+      </p:pic>
     </p:spTree>
     <p:extLst>
       <p:ext uri="{BB962C8B-B14F-4D97-AF65-F5344CB8AC3E}">
@@ -9728,7 +9728,7 @@
           <a:lstStyle/>
           <a:p>
             <a:r>
-              <a:rPr lang="en-US" b="1" dirty="0">
+              <a:rPr lang="en-US" b="1">
                 <a:solidFill>
                   <a:srgbClr val="FF0000"/>
                 </a:solidFill>
@@ -9765,28 +9765,28 @@
           <a:lstStyle/>
           <a:p>
             <a:r>
-              <a:rPr lang="en-US" dirty="0"/>
+              <a:rPr lang="en-US"/>
               <a:t>int </a:t>
             </a:r>
             <a:r>
-              <a:rPr lang="en-US" dirty="0" err="1"/>
+              <a:rPr lang="en-US" err="1"/>
               <a:t>ComId</a:t>
             </a:r>
-            <a:endParaRPr lang="en-US" dirty="0"/>
-          </a:p>
-          <a:p>
-            <a:r>
-              <a:rPr lang="en-US" dirty="0" err="1"/>
+            <a:endParaRPr lang="en-US"/>
+          </a:p>
+          <a:p>
+            <a:r>
+              <a:rPr lang="en-US" err="1"/>
               <a:t>ComNameAR</a:t>
             </a:r>
-            <a:endParaRPr lang="en-US" dirty="0"/>
-          </a:p>
-          <a:p>
-            <a:r>
-              <a:rPr lang="en-US" dirty="0" err="1"/>
+            <a:endParaRPr lang="en-US"/>
+          </a:p>
+          <a:p>
+            <a:r>
+              <a:rPr lang="en-US" err="1"/>
               <a:t>ComNameEn</a:t>
             </a:r>
-            <a:endParaRPr lang="en-US" dirty="0"/>
+            <a:endParaRPr lang="en-US"/>
           </a:p>
         </p:txBody>
       </p:sp>
@@ -9849,10 +9849,10 @@
           <a:lstStyle/>
           <a:p>
             <a:r>
-              <a:rPr lang="ar-EG" dirty="0"/>
+              <a:rPr lang="ar-EG"/>
               <a:t>أنواع التأمين الخاص بالتمويل ؟</a:t>
             </a:r>
-            <a:endParaRPr lang="en-US" dirty="0"/>
+            <a:endParaRPr lang="en-US"/>
           </a:p>
         </p:txBody>
       </p:sp>
@@ -9886,80 +9886,80 @@
           <a:p>
             <a:pPr algn="r" rtl="1"/>
             <a:r>
-              <a:rPr lang="ar-EG" sz="2400" dirty="0"/>
+              <a:rPr lang="ar-EG" sz="2400"/>
               <a:t>أنا مأمَّن على إيه؟</a:t>
             </a:r>
           </a:p>
           <a:p>
             <a:pPr algn="r" rtl="1"/>
             <a:r>
-              <a:rPr lang="ar-EG" sz="2400" dirty="0"/>
+              <a:rPr lang="ar-EG" sz="2400"/>
               <a:t>تأمين حياة المقترض (الوفاة)</a:t>
             </a:r>
           </a:p>
           <a:p>
             <a:pPr algn="r" rtl="1"/>
             <a:r>
-              <a:rPr lang="ar-EG" sz="2400" dirty="0"/>
+              <a:rPr lang="ar-EG" sz="2400"/>
               <a:t>تأمين فقدان الوظيفة </a:t>
             </a:r>
           </a:p>
           <a:p>
             <a:pPr algn="r" rtl="1"/>
             <a:r>
-              <a:rPr lang="ar-EG" sz="2400" dirty="0"/>
+              <a:rPr lang="ar-EG" sz="2400"/>
               <a:t>تأمين على الإفلاس</a:t>
             </a:r>
           </a:p>
           <a:p>
             <a:pPr algn="r" rtl="1"/>
             <a:r>
-              <a:rPr lang="ar-EG" sz="2400" dirty="0"/>
+              <a:rPr lang="ar-EG" sz="2400"/>
               <a:t>تأمين على العجز الكلى العجز الكلي</a:t>
             </a:r>
           </a:p>
           <a:p>
             <a:pPr algn="r" rtl="1"/>
             <a:r>
-              <a:rPr lang="ar-EG" sz="2400" dirty="0"/>
+              <a:rPr lang="ar-EG" sz="2400"/>
               <a:t>تأمين على الأصل الممول: ده تأمين على </a:t>
             </a:r>
             <a:r>
-              <a:rPr lang="ar-EG" sz="2400" b="1" dirty="0"/>
+              <a:rPr lang="ar-EG" sz="2400" b="1"/>
               <a:t>الشيء نفسه</a:t>
             </a:r>
             <a:r>
-              <a:rPr lang="ar-EG" sz="2400" dirty="0"/>
+              <a:rPr lang="ar-EG" sz="2400"/>
               <a:t> اللي </a:t>
             </a:r>
             <a:r>
-              <a:rPr lang="ar-EG" sz="2400" dirty="0" err="1"/>
+              <a:rPr lang="ar-EG" sz="2400" err="1"/>
               <a:t>اتاخد</a:t>
             </a:r>
             <a:r>
-              <a:rPr lang="ar-EG" sz="2400" dirty="0"/>
+              <a:rPr lang="ar-EG" sz="2400"/>
               <a:t> بالقرض </a:t>
             </a:r>
             <a:r>
-              <a:rPr lang="ar-EG" sz="2400" dirty="0" err="1"/>
+              <a:rPr lang="ar-EG" sz="2400" err="1"/>
               <a:t>زى</a:t>
             </a:r>
             <a:r>
-              <a:rPr lang="ar-EG" sz="2400" dirty="0"/>
+              <a:rPr lang="ar-EG" sz="2400"/>
               <a:t> عربية او عقار</a:t>
             </a:r>
           </a:p>
           <a:p>
             <a:pPr algn="r" rtl="1"/>
-            <a:endParaRPr lang="ar-EG" sz="2200" dirty="0"/>
+            <a:endParaRPr lang="ar-EG" sz="2200"/>
           </a:p>
           <a:p>
             <a:pPr algn="r" rtl="1"/>
-            <a:endParaRPr lang="ar-EG" sz="2400" dirty="0"/>
+            <a:endParaRPr lang="ar-EG" sz="2400"/>
           </a:p>
           <a:p>
             <a:pPr algn="r" rtl="1"/>
-            <a:endParaRPr lang="en-US" sz="2400" dirty="0"/>
+            <a:endParaRPr lang="en-US" sz="2400"/>
           </a:p>
         </p:txBody>
       </p:sp>
@@ -10022,7 +10022,7 @@
           <a:lstStyle/>
           <a:p>
             <a:r>
-              <a:rPr lang="en-US" b="1" dirty="0" err="1">
+              <a:rPr lang="en-US" b="1" err="1">
                 <a:solidFill>
                   <a:srgbClr val="FF0000"/>
                 </a:solidFill>
@@ -10030,7 +10030,7 @@
               <a:t>Acc_Chart_Account</a:t>
             </a:r>
             <a:r>
-              <a:rPr lang="en-US" b="1" dirty="0">
+              <a:rPr lang="en-US" b="1">
                 <a:solidFill>
                   <a:srgbClr val="FF0000"/>
                 </a:solidFill>
@@ -10067,17 +10067,17 @@
           <a:lstStyle/>
           <a:p>
             <a:r>
-              <a:rPr lang="en-US" dirty="0"/>
+              <a:rPr lang="en-US"/>
               <a:t>namespace </a:t>
             </a:r>
             <a:r>
-              <a:rPr lang="en-US" dirty="0" err="1"/>
+              <a:rPr lang="en-US" err="1"/>
               <a:t>Tamweely.Infrastruture.Data.Project_Modules.Accounts</a:t>
             </a:r>
-            <a:endParaRPr lang="en-US" dirty="0"/>
-          </a:p>
-          <a:p>
-            <a:endParaRPr lang="en-US" dirty="0"/>
+            <a:endParaRPr lang="en-US"/>
+          </a:p>
+          <a:p>
+            <a:endParaRPr lang="en-US"/>
           </a:p>
         </p:txBody>
       </p:sp>
@@ -10129,30 +10129,45 @@
         </p:nvSpPr>
         <p:spPr>
           <a:xfrm>
-            <a:off x="913795" y="0"/>
-            <a:ext cx="10353762" cy="707923"/>
-          </a:xfrm>
-        </p:spPr>
-        <p:txBody>
-          <a:bodyPr/>
-          <a:lstStyle/>
-          <a:p>
-            <a:r>
-              <a:rPr lang="en-US" dirty="0" err="1">
+            <a:off x="913795" y="1"/>
+            <a:ext cx="10353762" cy="521110"/>
+          </a:xfrm>
+        </p:spPr>
+        <p:txBody>
+          <a:bodyPr>
+            <a:normAutofit fontScale="90000"/>
+          </a:bodyPr>
+          <a:lstStyle/>
+          <a:p>
+            <a:r>
+              <a:rPr lang="en-US" sz="3600" b="1">
+                <a:solidFill>
+                  <a:srgbClr val="FFFF00"/>
+                </a:solidFill>
+                <a:effectLst/>
+              </a:rPr>
+              <a:t>TWT</a:t>
+            </a:r>
+            <a:r>
+              <a:rPr lang="en-US" sz="3600" b="1">
+                <a:effectLst/>
+              </a:rPr>
+              <a:t>.</a:t>
+            </a:r>
+            <a:r>
+              <a:rPr lang="en-US" sz="3600" b="1">
                 <a:solidFill>
                   <a:srgbClr val="FF0000"/>
                 </a:solidFill>
+                <a:effectLst/>
               </a:rPr>
               <a:t>Flow_Products</a:t>
             </a:r>
-            <a:r>
-              <a:rPr lang="en-US" dirty="0">
-                <a:solidFill>
-                  <a:srgbClr val="FF0000"/>
-                </a:solidFill>
-              </a:rPr>
-              <a:t> entity</a:t>
-            </a:r>
+            <a:endParaRPr lang="en-US" sz="3600">
+              <a:solidFill>
+                <a:srgbClr val="FF0000"/>
+              </a:solidFill>
+            </a:endParaRPr>
           </a:p>
         </p:txBody>
       </p:sp>
@@ -10179,49 +10194,58 @@
           </a:xfrm>
         </p:spPr>
         <p:txBody>
-          <a:bodyPr/>
-          <a:lstStyle/>
-          <a:p>
-            <a:r>
-              <a:rPr lang="en-US" dirty="0"/>
-              <a:t>namespace Tamweely.Infrastruture.Data.Project_Modules.FlowChart.SetUp , [TWF schema]</a:t>
-            </a:r>
-          </a:p>
-          <a:p>
-            <a:r>
-              <a:rPr lang="en-US" dirty="0" err="1"/>
-              <a:t>product_Id</a:t>
-            </a:r>
-            <a:r>
-              <a:rPr lang="en-US" dirty="0"/>
-              <a:t>: X</a:t>
-            </a:r>
-          </a:p>
-          <a:p>
-            <a:r>
-              <a:rPr lang="en-US" dirty="0" err="1"/>
+          <a:bodyPr>
+            <a:normAutofit/>
+          </a:bodyPr>
+          <a:lstStyle/>
+          <a:p>
+            <a:r>
+              <a:rPr lang="en-US" sz="1800"/>
+              <a:t>product</a:t>
+            </a:r>
+            <a:r>
+              <a:rPr lang="en-US" sz="1800" err="1"/>
+              <a:t>_Id</a:t>
+            </a:r>
+            <a:r>
+              <a:rPr lang="en-US" sz="1800"/>
+              <a:t>: int , PK</a:t>
+            </a:r>
+          </a:p>
+          <a:p>
+            <a:r>
+              <a:rPr lang="en-US" sz="1800" err="1"/>
               <a:t>Loan_code</a:t>
             </a:r>
             <a:r>
-              <a:rPr lang="en-US" dirty="0"/>
-              <a:t>:</a:t>
-            </a:r>
-          </a:p>
-          <a:p>
-            <a:r>
-              <a:rPr lang="en-US" dirty="0" err="1"/>
+              <a:rPr lang="en-US" sz="1800"/>
+              <a:t>: int</a:t>
+            </a:r>
+          </a:p>
+          <a:p>
+            <a:r>
+              <a:rPr lang="en-US" sz="1800" err="1"/>
               <a:t>Layer_code</a:t>
             </a:r>
             <a:r>
-              <a:rPr lang="en-US" dirty="0"/>
-              <a:t>: </a:t>
-            </a:r>
-          </a:p>
-          <a:p>
-            <a:endParaRPr lang="en-US" dirty="0"/>
-          </a:p>
-          <a:p>
-            <a:endParaRPr lang="en-US" dirty="0"/>
+              <a:rPr lang="en-US" sz="1800"/>
+              <a:t>: int</a:t>
+            </a:r>
+          </a:p>
+          <a:p>
+            <a:r>
+              <a:rPr lang="en-US" sz="1800"/>
+              <a:t>name_AR: string</a:t>
+            </a:r>
+          </a:p>
+          <a:p>
+            <a:r>
+              <a:rPr lang="en-US" sz="1800"/>
+              <a:t>name_Eng: string</a:t>
+            </a:r>
+          </a:p>
+          <a:p>
+            <a:endParaRPr lang="en-US" sz="1800"/>
           </a:p>
         </p:txBody>
       </p:sp>
@@ -10284,7 +10308,7 @@
           <a:lstStyle/>
           <a:p>
             <a:r>
-              <a:rPr lang="en-US" b="1" dirty="0" err="1">
+              <a:rPr lang="en-US" b="1" err="1">
                 <a:solidFill>
                   <a:srgbClr val="FF0000"/>
                 </a:solidFill>
@@ -10292,7 +10316,7 @@
               <a:t>Flow_repayment_cycle</a:t>
             </a:r>
             <a:r>
-              <a:rPr lang="en-US" b="1" dirty="0">
+              <a:rPr lang="en-US" b="1">
                 <a:solidFill>
                   <a:srgbClr val="FF0000"/>
                 </a:solidFill>
@@ -10329,84 +10353,84 @@
           <a:lstStyle/>
           <a:p>
             <a:r>
-              <a:rPr lang="en-US" dirty="0"/>
+              <a:rPr lang="en-US"/>
               <a:t>namespace Tamweely.Infrastruture.Data.Project_Modules.FlowChart.SetUp</a:t>
             </a:r>
           </a:p>
           <a:p>
             <a:r>
-              <a:rPr lang="en-US" dirty="0"/>
+              <a:rPr lang="en-US"/>
               <a:t>int </a:t>
             </a:r>
             <a:r>
-              <a:rPr lang="en-US" dirty="0" err="1"/>
+              <a:rPr lang="en-US" err="1"/>
               <a:t>FRC_Id</a:t>
             </a:r>
             <a:r>
-              <a:rPr lang="en-US" dirty="0"/>
+              <a:rPr lang="en-US"/>
               <a:t> </a:t>
             </a:r>
           </a:p>
           <a:p>
             <a:r>
-              <a:rPr lang="en-US" dirty="0"/>
+              <a:rPr lang="en-US"/>
               <a:t>string </a:t>
             </a:r>
             <a:r>
-              <a:rPr lang="en-US" dirty="0" err="1"/>
+              <a:rPr lang="en-US" err="1"/>
               <a:t>Name_AR</a:t>
             </a:r>
             <a:r>
-              <a:rPr lang="en-US" dirty="0"/>
+              <a:rPr lang="en-US"/>
               <a:t> </a:t>
             </a:r>
           </a:p>
           <a:p>
             <a:r>
-              <a:rPr lang="en-US" dirty="0"/>
+              <a:rPr lang="en-US"/>
               <a:t>string </a:t>
             </a:r>
             <a:r>
-              <a:rPr lang="en-US" dirty="0" err="1"/>
+              <a:rPr lang="en-US" err="1"/>
               <a:t>Name_EN</a:t>
             </a:r>
             <a:r>
-              <a:rPr lang="en-US" dirty="0"/>
+              <a:rPr lang="en-US"/>
               <a:t> </a:t>
             </a:r>
           </a:p>
           <a:p>
             <a:r>
-              <a:rPr lang="en-US" dirty="0"/>
+              <a:rPr lang="en-US"/>
               <a:t>int </a:t>
             </a:r>
             <a:r>
-              <a:rPr lang="en-US" dirty="0" err="1"/>
+              <a:rPr lang="en-US" err="1"/>
               <a:t>Count_days</a:t>
             </a:r>
-            <a:endParaRPr lang="en-US" dirty="0"/>
-          </a:p>
-          <a:p>
-            <a:r>
-              <a:rPr lang="en-US" dirty="0"/>
+            <a:endParaRPr lang="en-US"/>
+          </a:p>
+          <a:p>
+            <a:r>
+              <a:rPr lang="en-US"/>
               <a:t>int </a:t>
             </a:r>
             <a:r>
-              <a:rPr lang="en-US" dirty="0" err="1"/>
+              <a:rPr lang="en-US" err="1"/>
               <a:t>Day_Month</a:t>
             </a:r>
-            <a:endParaRPr lang="en-US" dirty="0"/>
-          </a:p>
-          <a:p>
-            <a:r>
-              <a:rPr lang="en-US" dirty="0"/>
+            <a:endParaRPr lang="en-US"/>
+          </a:p>
+          <a:p>
+            <a:r>
+              <a:rPr lang="en-US"/>
               <a:t>int </a:t>
             </a:r>
             <a:r>
-              <a:rPr lang="en-US" dirty="0" err="1"/>
+              <a:rPr lang="en-US" err="1"/>
               <a:t>Days_in_months</a:t>
             </a:r>
-            <a:endParaRPr lang="en-US" dirty="0"/>
+            <a:endParaRPr lang="en-US"/>
           </a:p>
         </p:txBody>
       </p:sp>
@@ -10445,7 +10469,7 @@
           <p:cNvPr id="2" name="Title 1">
             <a:extLst>
               <a:ext uri="{FF2B5EF4-FFF2-40B4-BE49-F238E27FC236}">
-                <a16:creationId xmlns:a16="http://schemas.microsoft.com/office/drawing/2014/main" id="{09B9A69E-06CE-97FD-204E-1EAB56654B9A}"/>
+                <a16:creationId xmlns:a16="http://schemas.microsoft.com/office/drawing/2014/main" id="{6E019171-CFF6-1A0B-D5F8-FB1D0D257193}"/>
               </a:ext>
             </a:extLst>
           </p:cNvPr>
@@ -10458,8 +10482,8 @@
         </p:nvSpPr>
         <p:spPr>
           <a:xfrm>
-            <a:off x="795808" y="0"/>
-            <a:ext cx="10353762" cy="530942"/>
+            <a:off x="815472" y="0"/>
+            <a:ext cx="10353762" cy="589935"/>
           </a:xfrm>
         </p:spPr>
         <p:txBody>
@@ -10469,21 +10493,28 @@
           <a:lstStyle/>
           <a:p>
             <a:r>
-              <a:rPr lang="en-US" b="1" dirty="0" err="1">
+              <a:rPr lang="en-US" b="1" err="1">
+                <a:solidFill>
+                  <a:srgbClr val="FFFF00"/>
+                </a:solidFill>
+                <a:effectLst/>
+              </a:rPr>
+              <a:t>TWF</a:t>
+            </a:r>
+            <a:r>
+              <a:rPr lang="en-US" b="1" err="1">
                 <a:solidFill>
                   <a:srgbClr val="FF0000"/>
                 </a:solidFill>
-              </a:rPr>
-              <a:t>BranchGovernRegion</a:t>
-            </a:r>
-            <a:r>
-              <a:rPr lang="en-US" b="1" dirty="0">
-                <a:solidFill>
-                  <a:srgbClr val="FF0000"/>
-                </a:solidFill>
-              </a:rPr>
-              <a:t> VM</a:t>
-            </a:r>
+                <a:effectLst/>
+              </a:rPr>
+              <a:t>.Flow_GeneralSettings</a:t>
+            </a:r>
+            <a:endParaRPr lang="en-US">
+              <a:solidFill>
+                <a:srgbClr val="FF0000"/>
+              </a:solidFill>
+            </a:endParaRPr>
           </a:p>
         </p:txBody>
       </p:sp>
@@ -10492,7 +10523,7 @@
           <p:cNvPr id="3" name="Content Placeholder 2">
             <a:extLst>
               <a:ext uri="{FF2B5EF4-FFF2-40B4-BE49-F238E27FC236}">
-                <a16:creationId xmlns:a16="http://schemas.microsoft.com/office/drawing/2014/main" id="{8C64C52F-88D2-D45B-14B5-1C9472A1F8DB}"/>
+                <a16:creationId xmlns:a16="http://schemas.microsoft.com/office/drawing/2014/main" id="{24CF6193-02AE-67B5-1622-4AF1A099973F}"/>
               </a:ext>
             </a:extLst>
           </p:cNvPr>
@@ -10505,50 +10536,87 @@
         </p:nvSpPr>
         <p:spPr>
           <a:xfrm>
-            <a:off x="353960" y="530943"/>
-            <a:ext cx="11533239" cy="6135328"/>
-          </a:xfrm>
-        </p:spPr>
-        <p:txBody>
-          <a:bodyPr>
-            <a:normAutofit/>
-          </a:bodyPr>
-          <a:lstStyle/>
-          <a:p>
-            <a:r>
-              <a:rPr lang="en-US" sz="1800" dirty="0"/>
-              <a:t>BranchId     		// From Table branch</a:t>
-            </a:r>
-          </a:p>
-          <a:p>
-            <a:r>
-              <a:rPr lang="en-US" sz="1800" dirty="0" err="1"/>
-              <a:t>Branch_code</a:t>
-            </a:r>
-            <a:r>
-              <a:rPr lang="en-US" sz="1800" dirty="0"/>
-              <a:t>		// From Table branch</a:t>
-            </a:r>
-          </a:p>
-          <a:p>
-            <a:r>
-              <a:rPr lang="en-US" sz="1800" dirty="0" err="1"/>
-              <a:t>ExterNum</a:t>
-            </a:r>
-            <a:r>
-              <a:rPr lang="en-US" sz="1800" dirty="0"/>
-              <a:t>		// From Table branch</a:t>
-            </a:r>
-          </a:p>
-          <a:p>
-            <a:endParaRPr lang="en-US" sz="1800" dirty="0"/>
+            <a:off x="78658" y="589935"/>
+            <a:ext cx="12024851" cy="5948517"/>
+          </a:xfrm>
+        </p:spPr>
+        <p:txBody>
+          <a:bodyPr/>
+          <a:lstStyle/>
+          <a:p>
+            <a:r>
+              <a:rPr lang="en-US"/>
+              <a:t>GeneralSettings_Id : PK</a:t>
+            </a:r>
+          </a:p>
+          <a:p>
+            <a:r>
+              <a:rPr lang="en-US"/>
+              <a:t>FinanceAmount_Approximation: decimal , </a:t>
+            </a:r>
+            <a:r>
+              <a:rPr lang="ar-EG" sz="1650"/>
+              <a:t>تقريب قيمة التمويل وليكن لاقرب الف بعد ادخال المبلغ المطلوب فشاشات ادخال طلب وزيارة وتحليل</a:t>
+            </a:r>
+            <a:endParaRPr lang="en-US" sz="1650"/>
+          </a:p>
+          <a:p>
+            <a:r>
+              <a:rPr lang="en-US"/>
+              <a:t>AllowInsertFund: int , </a:t>
+            </a:r>
+            <a:r>
+              <a:rPr lang="ar-EG"/>
+              <a:t>عند إدخال طلب تمويل </a:t>
+            </a:r>
+          </a:p>
+          <a:p>
+            <a:pPr lvl="1"/>
+            <a:r>
+              <a:rPr lang="en-US"/>
+              <a:t>AllowInsertFund == 1 // </a:t>
+            </a:r>
+            <a:r>
+              <a:rPr lang="en-US" b="1">
+                <a:latin typeface="Tahoma" panose="020B0604030504040204" pitchFamily="34" charset="0"/>
+                <a:ea typeface="Tahoma" panose="020B0604030504040204" pitchFamily="34" charset="0"/>
+                <a:cs typeface="Tahoma" panose="020B0604030504040204" pitchFamily="34" charset="0"/>
+              </a:rPr>
+              <a:t>allow insert fund</a:t>
+            </a:r>
+          </a:p>
+          <a:p>
+            <a:pPr lvl="1"/>
+            <a:r>
+              <a:rPr lang="en-US"/>
+              <a:t>AllowInsertFund ==0 // not allow insert fund</a:t>
+            </a:r>
+          </a:p>
+          <a:p>
+            <a:r>
+              <a:rPr lang="en-US"/>
+              <a:t>Approximation: decimal, </a:t>
+            </a:r>
+          </a:p>
+          <a:p>
+            <a:endParaRPr lang="en-US"/>
+          </a:p>
+          <a:p>
+            <a:endParaRPr lang="en-US"/>
+          </a:p>
+          <a:p>
+            <a:endParaRPr lang="en-US"/>
+          </a:p>
+          <a:p>
+            <a:pPr lvl="1"/>
+            <a:endParaRPr lang="en-US" sz="1400"/>
           </a:p>
         </p:txBody>
       </p:sp>
     </p:spTree>
     <p:extLst>
       <p:ext uri="{BB962C8B-B14F-4D97-AF65-F5344CB8AC3E}">
-        <p14:creationId xmlns:p14="http://schemas.microsoft.com/office/powerpoint/2010/main" val="1678316031"/>
+        <p14:creationId xmlns:p14="http://schemas.microsoft.com/office/powerpoint/2010/main" val="1655039974"/>
       </p:ext>
     </p:extLst>
   </p:cSld>
@@ -10580,7 +10648,7 @@
           <p:cNvPr id="2" name="Title 1">
             <a:extLst>
               <a:ext uri="{FF2B5EF4-FFF2-40B4-BE49-F238E27FC236}">
-                <a16:creationId xmlns:a16="http://schemas.microsoft.com/office/drawing/2014/main" id="{4EF5FE32-DD82-CBD6-386F-93F17B98F119}"/>
+                <a16:creationId xmlns:a16="http://schemas.microsoft.com/office/drawing/2014/main" id="{9D736718-CD91-8036-6E3E-58E76553F235}"/>
               </a:ext>
             </a:extLst>
           </p:cNvPr>
@@ -10604,8 +10672,20 @@
           <a:lstStyle/>
           <a:p>
             <a:r>
-              <a:rPr lang="en-US" dirty="0"/>
-              <a:t>Amounts of Funding request</a:t>
+              <a:rPr lang="en-US" b="1">
+                <a:solidFill>
+                  <a:srgbClr val="FFFF00"/>
+                </a:solidFill>
+              </a:rPr>
+              <a:t>SWF</a:t>
+            </a:r>
+            <a:r>
+              <a:rPr lang="en-US" b="1">
+                <a:solidFill>
+                  <a:srgbClr val="FF0000"/>
+                </a:solidFill>
+              </a:rPr>
+              <a:t>.Flow_Relationships</a:t>
             </a:r>
           </a:p>
         </p:txBody>
@@ -10615,7 +10695,7 @@
           <p:cNvPr id="3" name="Content Placeholder 2">
             <a:extLst>
               <a:ext uri="{FF2B5EF4-FFF2-40B4-BE49-F238E27FC236}">
-                <a16:creationId xmlns:a16="http://schemas.microsoft.com/office/drawing/2014/main" id="{D1726BCA-1DA4-81E2-3DF2-D1E1CF687B83}"/>
+                <a16:creationId xmlns:a16="http://schemas.microsoft.com/office/drawing/2014/main" id="{9D71FCDA-98E2-D135-C67C-DB3B026CF36C}"/>
               </a:ext>
             </a:extLst>
           </p:cNvPr>
@@ -10628,129 +10708,908 @@
         </p:nvSpPr>
         <p:spPr>
           <a:xfrm>
-            <a:off x="353960" y="530942"/>
-            <a:ext cx="11533239" cy="6056671"/>
+            <a:off x="353961" y="530942"/>
+            <a:ext cx="11552904" cy="6115663"/>
           </a:xfrm>
         </p:spPr>
         <p:txBody>
           <a:bodyPr/>
           <a:lstStyle/>
           <a:p>
-            <a:pPr algn="r" rtl="1"/>
-            <a:r>
-              <a:rPr lang="en-US" dirty="0" err="1">
-                <a:effectLst/>
-              </a:rPr>
-              <a:t>Required_amount</a:t>
-            </a:r>
-            <a:r>
-              <a:rPr lang="ar-EG" dirty="0">
-                <a:effectLst/>
-              </a:rPr>
-              <a:t> : المبلغ الذي كتبه العميل في "نموذج الطلب" بناءً على احتياجه الشخصي.</a:t>
-            </a:r>
-          </a:p>
-          <a:p>
-            <a:pPr algn="r" rtl="1"/>
-            <a:r>
-              <a:rPr lang="en-US" dirty="0" err="1">
-                <a:effectLst/>
-              </a:rPr>
-              <a:t>Financing_amount</a:t>
-            </a:r>
-            <a:r>
-              <a:rPr lang="ar-EG" dirty="0">
-                <a:effectLst/>
-              </a:rPr>
-              <a:t> : قيمة التمويل بعد التعلية</a:t>
-            </a:r>
-          </a:p>
-          <a:p>
-            <a:pPr algn="r" rtl="1"/>
-            <a:r>
-              <a:rPr lang="en-US" dirty="0" err="1">
-                <a:effectLst/>
-              </a:rPr>
-              <a:t>Actual_financing</a:t>
-            </a:r>
-            <a:r>
-              <a:rPr lang="ar-EG" dirty="0">
-                <a:effectLst/>
-              </a:rPr>
-              <a:t> : المبلغ الصافى الذى خرج من الخزينة وذهب للعميل</a:t>
-            </a:r>
-            <a:endParaRPr lang="en-US" dirty="0">
-              <a:effectLst/>
-            </a:endParaRPr>
-          </a:p>
-          <a:p>
-            <a:pPr algn="r" rtl="1"/>
-            <a:r>
-              <a:rPr lang="en-US" dirty="0">
-                <a:effectLst/>
-              </a:rPr>
-              <a:t>APP_FEE </a:t>
-            </a:r>
-            <a:r>
-              <a:rPr lang="ar-EG">
-                <a:effectLst/>
-              </a:rPr>
-              <a:t> </a:t>
-            </a:r>
-            <a:r>
-              <a:rPr lang="ar-EG"/>
-              <a:t>: </a:t>
-            </a:r>
-            <a:r>
-              <a:rPr lang="ar-EG">
-                <a:effectLst/>
-              </a:rPr>
-              <a:t>رسوم إدارية ثابتة تُدفع نقداً عند تقديم الورق، وغالباً لا تُسترد حتى لو رُفض الطلب</a:t>
-            </a:r>
-            <a:endParaRPr lang="ar-EG" dirty="0"/>
-          </a:p>
-          <a:p>
-            <a:pPr algn="r" rtl="1"/>
-            <a:r>
-              <a:rPr lang="ar-EG" dirty="0"/>
-              <a:t>: </a:t>
-            </a:r>
-          </a:p>
-          <a:p>
-            <a:pPr algn="r" rtl="1"/>
-            <a:r>
-              <a:rPr lang="ar-EG" dirty="0"/>
-              <a:t> :</a:t>
-            </a:r>
-          </a:p>
-          <a:p>
-            <a:pPr algn="r" rtl="1"/>
-            <a:r>
-              <a:rPr lang="ar-EG" dirty="0"/>
-              <a:t> : </a:t>
-            </a:r>
-          </a:p>
-          <a:p>
-            <a:pPr algn="r" rtl="1"/>
-            <a:r>
-              <a:rPr lang="ar-EG" dirty="0"/>
-              <a:t> : </a:t>
-            </a:r>
-          </a:p>
-          <a:p>
-            <a:pPr algn="r" rtl="1"/>
-            <a:r>
-              <a:rPr lang="ar-EG" dirty="0"/>
-              <a:t> :  </a:t>
-            </a:r>
-            <a:endParaRPr lang="en-US" dirty="0"/>
-          </a:p>
-        </p:txBody>
-      </p:sp>
+            <a:r>
+              <a:rPr lang="en-US"/>
+              <a:t> code_relation: int [PK]</a:t>
+            </a:r>
+          </a:p>
+          <a:p>
+            <a:r>
+              <a:rPr lang="en-US"/>
+              <a:t> name_Ar : string </a:t>
+            </a:r>
+          </a:p>
+          <a:p>
+            <a:r>
+              <a:rPr lang="en-US"/>
+              <a:t> name_Eng : string</a:t>
+            </a:r>
+            <a:endParaRPr lang="ar-EG"/>
+          </a:p>
+          <a:p>
+            <a:endParaRPr lang="en-US"/>
+          </a:p>
+        </p:txBody>
+      </p:sp>
+      <p:pic>
+        <p:nvPicPr>
+          <p:cNvPr id="7" name="Picture 6">
+            <a:extLst>
+              <a:ext uri="{FF2B5EF4-FFF2-40B4-BE49-F238E27FC236}">
+                <a16:creationId xmlns:a16="http://schemas.microsoft.com/office/drawing/2014/main" id="{95B5E2DA-2922-4310-7254-CE8696B703F4}"/>
+              </a:ext>
+            </a:extLst>
+          </p:cNvPr>
+          <p:cNvPicPr>
+            <a:picLocks noChangeAspect="1"/>
+          </p:cNvPicPr>
+          <p:nvPr/>
+        </p:nvPicPr>
+        <p:blipFill>
+          <a:blip r:embed="rId2"/>
+          <a:stretch>
+            <a:fillRect/>
+          </a:stretch>
+        </p:blipFill>
+        <p:spPr>
+          <a:xfrm>
+            <a:off x="3988992" y="704793"/>
+            <a:ext cx="2107007" cy="1546344"/>
+          </a:xfrm>
+          <a:prstGeom prst="rect">
+            <a:avLst/>
+          </a:prstGeom>
+        </p:spPr>
+      </p:pic>
     </p:spTree>
     <p:extLst>
       <p:ext uri="{BB962C8B-B14F-4D97-AF65-F5344CB8AC3E}">
-        <p14:creationId xmlns:p14="http://schemas.microsoft.com/office/powerpoint/2010/main" val="4263840768"/>
+        <p14:creationId xmlns:p14="http://schemas.microsoft.com/office/powerpoint/2010/main" val="2209266919"/>
+      </p:ext>
+    </p:extLst>
+  </p:cSld>
+  <p:clrMapOvr>
+    <a:masterClrMapping/>
+  </p:clrMapOvr>
+</p:sld>
+</file>
+
+<file path=ppt/slides/slide35.xml><?xml version="1.0" encoding="utf-8"?>
+<p:sld xmlns:a="http://schemas.openxmlformats.org/drawingml/2006/main" xmlns:r="http://schemas.openxmlformats.org/officeDocument/2006/relationships" xmlns:p="http://schemas.openxmlformats.org/presentationml/2006/main">
+  <p:cSld>
+    <p:spTree>
+      <p:nvGrpSpPr>
+        <p:cNvPr id="1" name=""/>
+        <p:cNvGrpSpPr/>
+        <p:nvPr/>
+      </p:nvGrpSpPr>
+      <p:grpSpPr>
+        <a:xfrm>
+          <a:off x="0" y="0"/>
+          <a:ext cx="0" cy="0"/>
+          <a:chOff x="0" y="0"/>
+          <a:chExt cx="0" cy="0"/>
+        </a:xfrm>
+      </p:grpSpPr>
+      <p:sp>
+        <p:nvSpPr>
+          <p:cNvPr id="2" name="Title 1">
+            <a:extLst>
+              <a:ext uri="{FF2B5EF4-FFF2-40B4-BE49-F238E27FC236}">
+                <a16:creationId xmlns:a16="http://schemas.microsoft.com/office/drawing/2014/main" id="{FC644BE0-7FCA-9F05-5A0B-F1E727580102}"/>
+              </a:ext>
+            </a:extLst>
+          </p:cNvPr>
+          <p:cNvSpPr>
+            <a:spLocks noGrp="1"/>
+          </p:cNvSpPr>
+          <p:nvPr>
+            <p:ph type="title"/>
+          </p:nvPr>
+        </p:nvSpPr>
+        <p:spPr>
+          <a:xfrm>
+            <a:off x="913795" y="0"/>
+            <a:ext cx="10353762" cy="491613"/>
+          </a:xfrm>
+        </p:spPr>
+        <p:txBody>
+          <a:bodyPr>
+            <a:normAutofit fontScale="90000"/>
+          </a:bodyPr>
+          <a:lstStyle/>
+          <a:p>
+            <a:r>
+              <a:rPr lang="en-US" b="1">
+                <a:solidFill>
+                  <a:srgbClr val="FFFF00"/>
+                </a:solidFill>
+              </a:rPr>
+              <a:t>SWF</a:t>
+            </a:r>
+            <a:r>
+              <a:rPr lang="en-US" b="1"/>
+              <a:t>.</a:t>
+            </a:r>
+            <a:r>
+              <a:rPr lang="en-US" b="1">
+                <a:solidFill>
+                  <a:srgbClr val="FF0000"/>
+                </a:solidFill>
+              </a:rPr>
+              <a:t>Flow_Purpose_loan</a:t>
+            </a:r>
+          </a:p>
+        </p:txBody>
+      </p:sp>
+      <p:sp>
+        <p:nvSpPr>
+          <p:cNvPr id="3" name="Content Placeholder 2">
+            <a:extLst>
+              <a:ext uri="{FF2B5EF4-FFF2-40B4-BE49-F238E27FC236}">
+                <a16:creationId xmlns:a16="http://schemas.microsoft.com/office/drawing/2014/main" id="{A1BB4664-5AD0-3304-20B3-8D964D0DDC14}"/>
+              </a:ext>
+            </a:extLst>
+          </p:cNvPr>
+          <p:cNvSpPr>
+            <a:spLocks noGrp="1"/>
+          </p:cNvSpPr>
+          <p:nvPr>
+            <p:ph idx="1"/>
+          </p:nvPr>
+        </p:nvSpPr>
+        <p:spPr>
+          <a:xfrm>
+            <a:off x="363794" y="737419"/>
+            <a:ext cx="11484077" cy="5053781"/>
+          </a:xfrm>
+        </p:spPr>
+        <p:txBody>
+          <a:bodyPr/>
+          <a:lstStyle/>
+          <a:p>
+            <a:r>
+              <a:rPr lang="en-US"/>
+              <a:t>purpose_Id: int,  [Key]</a:t>
+            </a:r>
+          </a:p>
+          <a:p>
+            <a:r>
+              <a:rPr lang="en-US"/>
+              <a:t>purpose: string </a:t>
+            </a:r>
+          </a:p>
+          <a:p>
+            <a:endParaRPr lang="en-US"/>
+          </a:p>
+          <a:p>
+            <a:endParaRPr lang="en-US"/>
+          </a:p>
+          <a:p>
+            <a:endParaRPr lang="en-US"/>
+          </a:p>
+        </p:txBody>
+      </p:sp>
+      <p:pic>
+        <p:nvPicPr>
+          <p:cNvPr id="5" name="Picture 4">
+            <a:extLst>
+              <a:ext uri="{FF2B5EF4-FFF2-40B4-BE49-F238E27FC236}">
+                <a16:creationId xmlns:a16="http://schemas.microsoft.com/office/drawing/2014/main" id="{4EB67A28-E5BF-56BD-A7EA-172A8BA6C45F}"/>
+              </a:ext>
+            </a:extLst>
+          </p:cNvPr>
+          <p:cNvPicPr>
+            <a:picLocks noChangeAspect="1"/>
+          </p:cNvPicPr>
+          <p:nvPr/>
+        </p:nvPicPr>
+        <p:blipFill>
+          <a:blip r:embed="rId2"/>
+          <a:stretch>
+            <a:fillRect/>
+          </a:stretch>
+        </p:blipFill>
+        <p:spPr>
+          <a:xfrm>
+            <a:off x="4350456" y="747250"/>
+            <a:ext cx="3790951" cy="1956621"/>
+          </a:xfrm>
+          <a:prstGeom prst="rect">
+            <a:avLst/>
+          </a:prstGeom>
+        </p:spPr>
+      </p:pic>
+    </p:spTree>
+    <p:extLst>
+      <p:ext uri="{BB962C8B-B14F-4D97-AF65-F5344CB8AC3E}">
+        <p14:creationId xmlns:p14="http://schemas.microsoft.com/office/powerpoint/2010/main" val="1293081978"/>
+      </p:ext>
+    </p:extLst>
+  </p:cSld>
+  <p:clrMapOvr>
+    <a:masterClrMapping/>
+  </p:clrMapOvr>
+</p:sld>
+</file>
+
+<file path=ppt/slides/slide36.xml><?xml version="1.0" encoding="utf-8"?>
+<p:sld xmlns:a="http://schemas.openxmlformats.org/drawingml/2006/main" xmlns:r="http://schemas.openxmlformats.org/officeDocument/2006/relationships" xmlns:p="http://schemas.openxmlformats.org/presentationml/2006/main">
+  <p:cSld>
+    <p:spTree>
+      <p:nvGrpSpPr>
+        <p:cNvPr id="1" name=""/>
+        <p:cNvGrpSpPr/>
+        <p:nvPr/>
+      </p:nvGrpSpPr>
+      <p:grpSpPr>
+        <a:xfrm>
+          <a:off x="0" y="0"/>
+          <a:ext cx="0" cy="0"/>
+          <a:chOff x="0" y="0"/>
+          <a:chExt cx="0" cy="0"/>
+        </a:xfrm>
+      </p:grpSpPr>
+      <p:sp>
+        <p:nvSpPr>
+          <p:cNvPr id="2" name="Title 1">
+            <a:extLst>
+              <a:ext uri="{FF2B5EF4-FFF2-40B4-BE49-F238E27FC236}">
+                <a16:creationId xmlns:a16="http://schemas.microsoft.com/office/drawing/2014/main" id="{16CD2FC7-BCA3-0947-4C4F-377029E22462}"/>
+              </a:ext>
+            </a:extLst>
+          </p:cNvPr>
+          <p:cNvSpPr>
+            <a:spLocks noGrp="1"/>
+          </p:cNvSpPr>
+          <p:nvPr>
+            <p:ph type="title"/>
+          </p:nvPr>
+        </p:nvSpPr>
+        <p:spPr>
+          <a:xfrm>
+            <a:off x="919119" y="98323"/>
+            <a:ext cx="10353762" cy="766916"/>
+          </a:xfrm>
+        </p:spPr>
+        <p:txBody>
+          <a:bodyPr/>
+          <a:lstStyle/>
+          <a:p>
+            <a:r>
+              <a:rPr lang="en-US" b="1">
+                <a:solidFill>
+                  <a:srgbClr val="FFFF00"/>
+                </a:solidFill>
+                <a:effectLst/>
+              </a:rPr>
+              <a:t>SWF</a:t>
+            </a:r>
+            <a:r>
+              <a:rPr lang="en-US" b="1">
+                <a:effectLst/>
+              </a:rPr>
+              <a:t>.</a:t>
+            </a:r>
+            <a:r>
+              <a:rPr lang="en-US" b="1">
+                <a:solidFill>
+                  <a:srgbClr val="FF0000"/>
+                </a:solidFill>
+                <a:effectLst/>
+              </a:rPr>
+              <a:t>Flow_Customers_jobs</a:t>
+            </a:r>
+            <a:endParaRPr lang="en-US">
+              <a:solidFill>
+                <a:srgbClr val="FF0000"/>
+              </a:solidFill>
+            </a:endParaRPr>
+          </a:p>
+        </p:txBody>
+      </p:sp>
+      <p:sp>
+        <p:nvSpPr>
+          <p:cNvPr id="7" name="Content Placeholder 6">
+            <a:extLst>
+              <a:ext uri="{FF2B5EF4-FFF2-40B4-BE49-F238E27FC236}">
+                <a16:creationId xmlns:a16="http://schemas.microsoft.com/office/drawing/2014/main" id="{05F54450-0FD0-65BB-EFB7-DDF37D562034}"/>
+              </a:ext>
+            </a:extLst>
+          </p:cNvPr>
+          <p:cNvSpPr>
+            <a:spLocks noGrp="1"/>
+          </p:cNvSpPr>
+          <p:nvPr>
+            <p:ph idx="1"/>
+          </p:nvPr>
+        </p:nvSpPr>
+        <p:spPr>
+          <a:xfrm>
+            <a:off x="324466" y="1149639"/>
+            <a:ext cx="11326760" cy="5398645"/>
+          </a:xfrm>
+        </p:spPr>
+        <p:txBody>
+          <a:bodyPr/>
+          <a:lstStyle/>
+          <a:p>
+            <a:r>
+              <a:rPr lang="en-US"/>
+              <a:t>public int Code_job { get; set; }</a:t>
+            </a:r>
+          </a:p>
+          <a:p>
+            <a:r>
+              <a:rPr lang="en-US"/>
+              <a:t>public string name_Ar { get; set; }</a:t>
+            </a:r>
+          </a:p>
+          <a:p>
+            <a:r>
+              <a:rPr lang="en-US"/>
+              <a:t>public string name_Eng { get; set; }</a:t>
+            </a:r>
+          </a:p>
+          <a:p>
+            <a:r>
+              <a:rPr lang="en-US"/>
+              <a:t>public int I_score { get; set; }</a:t>
+            </a:r>
+          </a:p>
+        </p:txBody>
+      </p:sp>
+      <p:pic>
+        <p:nvPicPr>
+          <p:cNvPr id="8" name="Content Placeholder 4">
+            <a:extLst>
+              <a:ext uri="{FF2B5EF4-FFF2-40B4-BE49-F238E27FC236}">
+                <a16:creationId xmlns:a16="http://schemas.microsoft.com/office/drawing/2014/main" id="{0045C470-86DA-1BAD-F025-6D3EAC01831E}"/>
+              </a:ext>
+            </a:extLst>
+          </p:cNvPr>
+          <p:cNvPicPr>
+            <a:picLocks noChangeAspect="1"/>
+          </p:cNvPicPr>
+          <p:nvPr/>
+        </p:nvPicPr>
+        <p:blipFill>
+          <a:blip r:embed="rId2"/>
+          <a:stretch>
+            <a:fillRect/>
+          </a:stretch>
+        </p:blipFill>
+        <p:spPr>
+          <a:xfrm>
+            <a:off x="6999937" y="1149639"/>
+            <a:ext cx="4464450" cy="2802501"/>
+          </a:xfrm>
+          <a:prstGeom prst="rect">
+            <a:avLst/>
+          </a:prstGeom>
+          <a:effectLst>
+            <a:outerShdw blurRad="25400" dir="17880000">
+              <a:srgbClr val="000000">
+                <a:alpha val="46000"/>
+              </a:srgbClr>
+            </a:outerShdw>
+          </a:effectLst>
+        </p:spPr>
+      </p:pic>
+    </p:spTree>
+    <p:extLst>
+      <p:ext uri="{BB962C8B-B14F-4D97-AF65-F5344CB8AC3E}">
+        <p14:creationId xmlns:p14="http://schemas.microsoft.com/office/powerpoint/2010/main" val="1523134920"/>
+      </p:ext>
+    </p:extLst>
+  </p:cSld>
+  <p:clrMapOvr>
+    <a:masterClrMapping/>
+  </p:clrMapOvr>
+</p:sld>
+</file>
+
+<file path=ppt/slides/slide37.xml><?xml version="1.0" encoding="utf-8"?>
+<p:sld xmlns:a="http://schemas.openxmlformats.org/drawingml/2006/main" xmlns:r="http://schemas.openxmlformats.org/officeDocument/2006/relationships" xmlns:p="http://schemas.openxmlformats.org/presentationml/2006/main">
+  <p:cSld>
+    <p:spTree>
+      <p:nvGrpSpPr>
+        <p:cNvPr id="1" name=""/>
+        <p:cNvGrpSpPr/>
+        <p:nvPr/>
+      </p:nvGrpSpPr>
+      <p:grpSpPr>
+        <a:xfrm>
+          <a:off x="0" y="0"/>
+          <a:ext cx="0" cy="0"/>
+          <a:chOff x="0" y="0"/>
+          <a:chExt cx="0" cy="0"/>
+        </a:xfrm>
+      </p:grpSpPr>
+      <p:sp>
+        <p:nvSpPr>
+          <p:cNvPr id="2" name="Title 1">
+            <a:extLst>
+              <a:ext uri="{FF2B5EF4-FFF2-40B4-BE49-F238E27FC236}">
+                <a16:creationId xmlns:a16="http://schemas.microsoft.com/office/drawing/2014/main" id="{F5D5051E-20B0-456A-27A0-A849223FE5DE}"/>
+              </a:ext>
+            </a:extLst>
+          </p:cNvPr>
+          <p:cNvSpPr>
+            <a:spLocks noGrp="1"/>
+          </p:cNvSpPr>
+          <p:nvPr>
+            <p:ph type="title"/>
+          </p:nvPr>
+        </p:nvSpPr>
+        <p:spPr>
+          <a:xfrm>
+            <a:off x="913795" y="0"/>
+            <a:ext cx="10353762" cy="550606"/>
+          </a:xfrm>
+        </p:spPr>
+        <p:txBody>
+          <a:bodyPr>
+            <a:normAutofit fontScale="90000"/>
+          </a:bodyPr>
+          <a:lstStyle/>
+          <a:p>
+            <a:r>
+              <a:rPr lang="en-US" b="1">
+                <a:solidFill>
+                  <a:srgbClr val="FFFF00"/>
+                </a:solidFill>
+              </a:rPr>
+              <a:t>SWF</a:t>
+            </a:r>
+            <a:r>
+              <a:rPr lang="en-US"/>
+              <a:t>.</a:t>
+            </a:r>
+            <a:r>
+              <a:rPr lang="en-US" b="1">
+                <a:solidFill>
+                  <a:srgbClr val="FF0000"/>
+                </a:solidFill>
+              </a:rPr>
+              <a:t>Flow_districts</a:t>
+            </a:r>
+          </a:p>
+        </p:txBody>
+      </p:sp>
+      <p:sp>
+        <p:nvSpPr>
+          <p:cNvPr id="3" name="Content Placeholder 2">
+            <a:extLst>
+              <a:ext uri="{FF2B5EF4-FFF2-40B4-BE49-F238E27FC236}">
+                <a16:creationId xmlns:a16="http://schemas.microsoft.com/office/drawing/2014/main" id="{7CABE9C4-1036-08DF-688D-224BA7DC9F6A}"/>
+              </a:ext>
+            </a:extLst>
+          </p:cNvPr>
+          <p:cNvSpPr>
+            <a:spLocks noGrp="1"/>
+          </p:cNvSpPr>
+          <p:nvPr>
+            <p:ph idx="1"/>
+          </p:nvPr>
+        </p:nvSpPr>
+        <p:spPr>
+          <a:xfrm>
+            <a:off x="383458" y="550606"/>
+            <a:ext cx="11405419" cy="6076335"/>
+          </a:xfrm>
+        </p:spPr>
+        <p:txBody>
+          <a:bodyPr/>
+          <a:lstStyle/>
+          <a:p>
+            <a:r>
+              <a:rPr lang="en-US"/>
+              <a:t>public int Code_district { get; set; }  </a:t>
+            </a:r>
+            <a:r>
+              <a:rPr lang="en-US" b="1"/>
+              <a:t>[FK]</a:t>
+            </a:r>
+          </a:p>
+          <a:p>
+            <a:r>
+              <a:rPr lang="en-US"/>
+              <a:t>public string name_ar { get; set; }</a:t>
+            </a:r>
+          </a:p>
+          <a:p>
+            <a:r>
+              <a:rPr lang="en-US"/>
+              <a:t>public string name_eng { get; set; }</a:t>
+            </a:r>
+          </a:p>
+          <a:p>
+            <a:r>
+              <a:rPr lang="en-US"/>
+              <a:t>public int GovId { get; set; }</a:t>
+            </a:r>
+          </a:p>
+          <a:p>
+            <a:r>
+              <a:rPr lang="en-US"/>
+              <a:t>public string District_DB_Code { get; set; }</a:t>
+            </a:r>
+          </a:p>
+        </p:txBody>
+      </p:sp>
+      <p:pic>
+        <p:nvPicPr>
+          <p:cNvPr id="5" name="Picture 4">
+            <a:extLst>
+              <a:ext uri="{FF2B5EF4-FFF2-40B4-BE49-F238E27FC236}">
+                <a16:creationId xmlns:a16="http://schemas.microsoft.com/office/drawing/2014/main" id="{DF86862D-330E-AEFE-3F7C-1878620572C9}"/>
+              </a:ext>
+            </a:extLst>
+          </p:cNvPr>
+          <p:cNvPicPr>
+            <a:picLocks noChangeAspect="1"/>
+          </p:cNvPicPr>
+          <p:nvPr/>
+        </p:nvPicPr>
+        <p:blipFill>
+          <a:blip r:embed="rId2"/>
+          <a:stretch>
+            <a:fillRect/>
+          </a:stretch>
+        </p:blipFill>
+        <p:spPr>
+          <a:xfrm>
+            <a:off x="7236142" y="734029"/>
+            <a:ext cx="4552735" cy="2138406"/>
+          </a:xfrm>
+          <a:prstGeom prst="rect">
+            <a:avLst/>
+          </a:prstGeom>
+        </p:spPr>
+      </p:pic>
+    </p:spTree>
+    <p:extLst>
+      <p:ext uri="{BB962C8B-B14F-4D97-AF65-F5344CB8AC3E}">
+        <p14:creationId xmlns:p14="http://schemas.microsoft.com/office/powerpoint/2010/main" val="1815671470"/>
+      </p:ext>
+    </p:extLst>
+  </p:cSld>
+  <p:clrMapOvr>
+    <a:masterClrMapping/>
+  </p:clrMapOvr>
+</p:sld>
+</file>
+
+<file path=ppt/slides/slide38.xml><?xml version="1.0" encoding="utf-8"?>
+<p:sld xmlns:a="http://schemas.openxmlformats.org/drawingml/2006/main" xmlns:r="http://schemas.openxmlformats.org/officeDocument/2006/relationships" xmlns:p="http://schemas.openxmlformats.org/presentationml/2006/main">
+  <p:cSld>
+    <p:spTree>
+      <p:nvGrpSpPr>
+        <p:cNvPr id="1" name=""/>
+        <p:cNvGrpSpPr/>
+        <p:nvPr/>
+      </p:nvGrpSpPr>
+      <p:grpSpPr>
+        <a:xfrm>
+          <a:off x="0" y="0"/>
+          <a:ext cx="0" cy="0"/>
+          <a:chOff x="0" y="0"/>
+          <a:chExt cx="0" cy="0"/>
+        </a:xfrm>
+      </p:grpSpPr>
+      <p:sp>
+        <p:nvSpPr>
+          <p:cNvPr id="2" name="Title 1">
+            <a:extLst>
+              <a:ext uri="{FF2B5EF4-FFF2-40B4-BE49-F238E27FC236}">
+                <a16:creationId xmlns:a16="http://schemas.microsoft.com/office/drawing/2014/main" id="{1BCCF5D2-C14B-752B-7094-17DF4075385B}"/>
+              </a:ext>
+            </a:extLst>
+          </p:cNvPr>
+          <p:cNvSpPr>
+            <a:spLocks noGrp="1"/>
+          </p:cNvSpPr>
+          <p:nvPr>
+            <p:ph type="title"/>
+          </p:nvPr>
+        </p:nvSpPr>
+        <p:spPr>
+          <a:xfrm>
+            <a:off x="919119" y="16721"/>
+            <a:ext cx="10353762" cy="573214"/>
+          </a:xfrm>
+        </p:spPr>
+        <p:txBody>
+          <a:bodyPr>
+            <a:normAutofit fontScale="90000"/>
+          </a:bodyPr>
+          <a:lstStyle/>
+          <a:p>
+            <a:r>
+              <a:rPr lang="en-US" b="1">
+                <a:solidFill>
+                  <a:srgbClr val="FFFF00"/>
+                </a:solidFill>
+                <a:effectLst/>
+              </a:rPr>
+              <a:t>SWF</a:t>
+            </a:r>
+            <a:r>
+              <a:rPr lang="en-US" b="1">
+                <a:effectLst/>
+              </a:rPr>
+              <a:t>.</a:t>
+            </a:r>
+            <a:r>
+              <a:rPr lang="en-US" b="1">
+                <a:solidFill>
+                  <a:srgbClr val="FF0000"/>
+                </a:solidFill>
+                <a:effectLst/>
+              </a:rPr>
+              <a:t>Flow_Sections</a:t>
+            </a:r>
+            <a:endParaRPr lang="en-US">
+              <a:solidFill>
+                <a:srgbClr val="FF0000"/>
+              </a:solidFill>
+            </a:endParaRPr>
+          </a:p>
+        </p:txBody>
+      </p:sp>
+      <p:sp>
+        <p:nvSpPr>
+          <p:cNvPr id="3" name="Content Placeholder 2">
+            <a:extLst>
+              <a:ext uri="{FF2B5EF4-FFF2-40B4-BE49-F238E27FC236}">
+                <a16:creationId xmlns:a16="http://schemas.microsoft.com/office/drawing/2014/main" id="{EA4AE190-22B5-6065-BB91-B8685FAF1481}"/>
+              </a:ext>
+            </a:extLst>
+          </p:cNvPr>
+          <p:cNvSpPr>
+            <a:spLocks noGrp="1"/>
+          </p:cNvSpPr>
+          <p:nvPr>
+            <p:ph idx="1"/>
+          </p:nvPr>
+        </p:nvSpPr>
+        <p:spPr>
+          <a:xfrm>
+            <a:off x="570271" y="704979"/>
+            <a:ext cx="11503742" cy="5980956"/>
+          </a:xfrm>
+        </p:spPr>
+        <p:txBody>
+          <a:bodyPr/>
+          <a:lstStyle/>
+          <a:p>
+            <a:r>
+              <a:rPr lang="en-US"/>
+              <a:t>Code_Section [PK]</a:t>
+            </a:r>
+          </a:p>
+          <a:p>
+            <a:endParaRPr lang="en-US"/>
+          </a:p>
+        </p:txBody>
+      </p:sp>
+      <p:pic>
+        <p:nvPicPr>
+          <p:cNvPr id="5" name="Picture 4">
+            <a:extLst>
+              <a:ext uri="{FF2B5EF4-FFF2-40B4-BE49-F238E27FC236}">
+                <a16:creationId xmlns:a16="http://schemas.microsoft.com/office/drawing/2014/main" id="{A01B557B-65C1-8D4D-AFB5-EEC7C2124C93}"/>
+              </a:ext>
+            </a:extLst>
+          </p:cNvPr>
+          <p:cNvPicPr>
+            <a:picLocks noChangeAspect="1"/>
+          </p:cNvPicPr>
+          <p:nvPr/>
+        </p:nvPicPr>
+        <p:blipFill>
+          <a:blip r:embed="rId2"/>
+          <a:stretch>
+            <a:fillRect/>
+          </a:stretch>
+        </p:blipFill>
+        <p:spPr>
+          <a:xfrm>
+            <a:off x="6712176" y="704979"/>
+            <a:ext cx="5361837" cy="2647821"/>
+          </a:xfrm>
+          <a:prstGeom prst="rect">
+            <a:avLst/>
+          </a:prstGeom>
+        </p:spPr>
+      </p:pic>
+    </p:spTree>
+    <p:extLst>
+      <p:ext uri="{BB962C8B-B14F-4D97-AF65-F5344CB8AC3E}">
+        <p14:creationId xmlns:p14="http://schemas.microsoft.com/office/powerpoint/2010/main" val="828287174"/>
+      </p:ext>
+    </p:extLst>
+  </p:cSld>
+  <p:clrMapOvr>
+    <a:masterClrMapping/>
+  </p:clrMapOvr>
+</p:sld>
+</file>
+
+<file path=ppt/slides/slide39.xml><?xml version="1.0" encoding="utf-8"?>
+<p:sld xmlns:a="http://schemas.openxmlformats.org/drawingml/2006/main" xmlns:r="http://schemas.openxmlformats.org/officeDocument/2006/relationships" xmlns:p="http://schemas.openxmlformats.org/presentationml/2006/main">
+  <p:cSld>
+    <p:spTree>
+      <p:nvGrpSpPr>
+        <p:cNvPr id="1" name=""/>
+        <p:cNvGrpSpPr/>
+        <p:nvPr/>
+      </p:nvGrpSpPr>
+      <p:grpSpPr>
+        <a:xfrm>
+          <a:off x="0" y="0"/>
+          <a:ext cx="0" cy="0"/>
+          <a:chOff x="0" y="0"/>
+          <a:chExt cx="0" cy="0"/>
+        </a:xfrm>
+      </p:grpSpPr>
+      <p:sp>
+        <p:nvSpPr>
+          <p:cNvPr id="2" name="Title 1">
+            <a:extLst>
+              <a:ext uri="{FF2B5EF4-FFF2-40B4-BE49-F238E27FC236}">
+                <a16:creationId xmlns:a16="http://schemas.microsoft.com/office/drawing/2014/main" id="{59B8C28E-61F7-6D4E-F31C-C60F41193EE4}"/>
+              </a:ext>
+            </a:extLst>
+          </p:cNvPr>
+          <p:cNvSpPr>
+            <a:spLocks noGrp="1"/>
+          </p:cNvSpPr>
+          <p:nvPr>
+            <p:ph type="title"/>
+          </p:nvPr>
+        </p:nvSpPr>
+        <p:spPr>
+          <a:xfrm>
+            <a:off x="913795" y="0"/>
+            <a:ext cx="10353762" cy="648929"/>
+          </a:xfrm>
+        </p:spPr>
+        <p:txBody>
+          <a:bodyPr>
+            <a:normAutofit fontScale="90000"/>
+          </a:bodyPr>
+          <a:lstStyle/>
+          <a:p>
+            <a:r>
+              <a:rPr lang="en-US" b="1">
+                <a:solidFill>
+                  <a:srgbClr val="FFFF00"/>
+                </a:solidFill>
+                <a:effectLst/>
+              </a:rPr>
+              <a:t>SWF</a:t>
+            </a:r>
+            <a:r>
+              <a:rPr lang="en-US" b="1">
+                <a:effectLst/>
+              </a:rPr>
+              <a:t>.</a:t>
+            </a:r>
+            <a:r>
+              <a:rPr lang="en-US" b="1">
+                <a:solidFill>
+                  <a:srgbClr val="FF0000"/>
+                </a:solidFill>
+                <a:effectLst/>
+              </a:rPr>
+              <a:t>Flow_Identity_Expiry</a:t>
+            </a:r>
+            <a:endParaRPr lang="en-US">
+              <a:solidFill>
+                <a:srgbClr val="FF0000"/>
+              </a:solidFill>
+            </a:endParaRPr>
+          </a:p>
+        </p:txBody>
+      </p:sp>
+      <p:sp>
+        <p:nvSpPr>
+          <p:cNvPr id="3" name="Content Placeholder 2">
+            <a:extLst>
+              <a:ext uri="{FF2B5EF4-FFF2-40B4-BE49-F238E27FC236}">
+                <a16:creationId xmlns:a16="http://schemas.microsoft.com/office/drawing/2014/main" id="{D4D3C5DB-79B9-56B6-11BF-ABC07DE1220D}"/>
+              </a:ext>
+            </a:extLst>
+          </p:cNvPr>
+          <p:cNvSpPr>
+            <a:spLocks noGrp="1"/>
+          </p:cNvSpPr>
+          <p:nvPr>
+            <p:ph idx="1"/>
+          </p:nvPr>
+        </p:nvSpPr>
+        <p:spPr>
+          <a:xfrm>
+            <a:off x="913795" y="648929"/>
+            <a:ext cx="10353762" cy="5142271"/>
+          </a:xfrm>
+        </p:spPr>
+        <p:txBody>
+          <a:bodyPr/>
+          <a:lstStyle/>
+          <a:p>
+            <a:r>
+              <a:rPr lang="en-US"/>
+              <a:t>ssn_code : int</a:t>
+            </a:r>
+          </a:p>
+          <a:p>
+            <a:r>
+              <a:rPr lang="en-US"/>
+              <a:t>name_ar: string</a:t>
+            </a:r>
+          </a:p>
+          <a:p>
+            <a:r>
+              <a:rPr lang="en-US"/>
+              <a:t>name_eng: string</a:t>
+            </a:r>
+          </a:p>
+          <a:p>
+            <a:r>
+              <a:rPr lang="en-US"/>
+              <a:t>Expiry_date : string </a:t>
+            </a:r>
+          </a:p>
+          <a:p>
+            <a:endParaRPr lang="en-US"/>
+          </a:p>
+        </p:txBody>
+      </p:sp>
+      <p:pic>
+        <p:nvPicPr>
+          <p:cNvPr id="5" name="Picture 4">
+            <a:extLst>
+              <a:ext uri="{FF2B5EF4-FFF2-40B4-BE49-F238E27FC236}">
+                <a16:creationId xmlns:a16="http://schemas.microsoft.com/office/drawing/2014/main" id="{F245421B-EB2A-8CF4-9A6E-F2E8FF8537E8}"/>
+              </a:ext>
+            </a:extLst>
+          </p:cNvPr>
+          <p:cNvPicPr>
+            <a:picLocks noChangeAspect="1"/>
+          </p:cNvPicPr>
+          <p:nvPr/>
+        </p:nvPicPr>
+        <p:blipFill>
+          <a:blip r:embed="rId2"/>
+          <a:stretch>
+            <a:fillRect/>
+          </a:stretch>
+        </p:blipFill>
+        <p:spPr>
+          <a:xfrm>
+            <a:off x="5801242" y="782700"/>
+            <a:ext cx="3698661" cy="568200"/>
+          </a:xfrm>
+          <a:prstGeom prst="rect">
+            <a:avLst/>
+          </a:prstGeom>
+        </p:spPr>
+      </p:pic>
+    </p:spTree>
+    <p:extLst>
+      <p:ext uri="{BB962C8B-B14F-4D97-AF65-F5344CB8AC3E}">
+        <p14:creationId xmlns:p14="http://schemas.microsoft.com/office/powerpoint/2010/main" val="430898061"/>
       </p:ext>
     </p:extLst>
   </p:cSld>
@@ -10806,10 +11665,10 @@
           <a:lstStyle/>
           <a:p>
             <a:r>
-              <a:rPr lang="ar-EG" dirty="0"/>
+              <a:rPr lang="ar-EG"/>
               <a:t>الحالات التأمينية</a:t>
             </a:r>
-            <a:endParaRPr lang="en-US" dirty="0"/>
+            <a:endParaRPr lang="en-US"/>
           </a:p>
         </p:txBody>
       </p:sp>
@@ -10843,31 +11702,31 @@
           <a:p>
             <a:pPr algn="r" rtl="1"/>
             <a:r>
-              <a:rPr lang="ar-EG" sz="2200" b="1" dirty="0"/>
+              <a:rPr lang="ar-EG" sz="2200" b="1"/>
               <a:t>الظروف أو الأحداث التي إذا وقعت تلتزم شركة التأمين بدفع التعويض</a:t>
             </a:r>
           </a:p>
           <a:p>
             <a:pPr lvl="1" algn="r" rtl="1"/>
             <a:r>
-              <a:rPr lang="ar-EG" sz="2000" b="1" dirty="0"/>
+              <a:rPr lang="ar-EG" sz="2000" b="1"/>
               <a:t>العجز الكلي الدائم</a:t>
             </a:r>
           </a:p>
           <a:p>
             <a:pPr lvl="1" algn="r" rtl="1"/>
             <a:r>
-              <a:rPr lang="ar-EG" sz="2000" b="1" dirty="0"/>
+              <a:rPr lang="ar-EG" sz="2000" b="1"/>
               <a:t>الوفاة</a:t>
             </a:r>
           </a:p>
           <a:p>
             <a:pPr algn="r" rtl="1"/>
-            <a:endParaRPr lang="ar-EG" sz="2200" b="1" dirty="0"/>
+            <a:endParaRPr lang="ar-EG" sz="2200" b="1"/>
           </a:p>
           <a:p>
             <a:pPr algn="r" rtl="1"/>
-            <a:endParaRPr lang="en-US" sz="2200" dirty="0"/>
+            <a:endParaRPr lang="en-US" sz="2200"/>
           </a:p>
         </p:txBody>
       </p:sp>
@@ -10875,6 +11734,1818 @@
     <p:extLst>
       <p:ext uri="{BB962C8B-B14F-4D97-AF65-F5344CB8AC3E}">
         <p14:creationId xmlns:p14="http://schemas.microsoft.com/office/powerpoint/2010/main" val="2944723032"/>
+      </p:ext>
+    </p:extLst>
+  </p:cSld>
+  <p:clrMapOvr>
+    <a:masterClrMapping/>
+  </p:clrMapOvr>
+</p:sld>
+</file>
+
+<file path=ppt/slides/slide40.xml><?xml version="1.0" encoding="utf-8"?>
+<p:sld xmlns:a="http://schemas.openxmlformats.org/drawingml/2006/main" xmlns:r="http://schemas.openxmlformats.org/officeDocument/2006/relationships" xmlns:p="http://schemas.openxmlformats.org/presentationml/2006/main">
+  <p:cSld>
+    <p:spTree>
+      <p:nvGrpSpPr>
+        <p:cNvPr id="1" name=""/>
+        <p:cNvGrpSpPr/>
+        <p:nvPr/>
+      </p:nvGrpSpPr>
+      <p:grpSpPr>
+        <a:xfrm>
+          <a:off x="0" y="0"/>
+          <a:ext cx="0" cy="0"/>
+          <a:chOff x="0" y="0"/>
+          <a:chExt cx="0" cy="0"/>
+        </a:xfrm>
+      </p:grpSpPr>
+      <p:sp>
+        <p:nvSpPr>
+          <p:cNvPr id="2" name="Title 1">
+            <a:extLst>
+              <a:ext uri="{FF2B5EF4-FFF2-40B4-BE49-F238E27FC236}">
+                <a16:creationId xmlns:a16="http://schemas.microsoft.com/office/drawing/2014/main" id="{331F7D08-A393-98DE-9C45-6689A32A2C38}"/>
+              </a:ext>
+            </a:extLst>
+          </p:cNvPr>
+          <p:cNvSpPr>
+            <a:spLocks noGrp="1"/>
+          </p:cNvSpPr>
+          <p:nvPr>
+            <p:ph type="title"/>
+          </p:nvPr>
+        </p:nvSpPr>
+        <p:spPr>
+          <a:xfrm>
+            <a:off x="919119" y="0"/>
+            <a:ext cx="10353762" cy="668594"/>
+          </a:xfrm>
+        </p:spPr>
+        <p:txBody>
+          <a:bodyPr>
+            <a:normAutofit fontScale="90000"/>
+          </a:bodyPr>
+          <a:lstStyle/>
+          <a:p>
+            <a:r>
+              <a:rPr lang="en-US" b="1">
+                <a:solidFill>
+                  <a:srgbClr val="FFFF00"/>
+                </a:solidFill>
+              </a:rPr>
+              <a:t>Security</a:t>
+            </a:r>
+            <a:r>
+              <a:rPr lang="en-US"/>
+              <a:t>.</a:t>
+            </a:r>
+            <a:r>
+              <a:rPr lang="en-US" b="1">
+                <a:solidFill>
+                  <a:srgbClr val="FF0000"/>
+                </a:solidFill>
+              </a:rPr>
+              <a:t>SEC_Group</a:t>
+            </a:r>
+          </a:p>
+        </p:txBody>
+      </p:sp>
+      <p:pic>
+        <p:nvPicPr>
+          <p:cNvPr id="5" name="Content Placeholder 4">
+            <a:extLst>
+              <a:ext uri="{FF2B5EF4-FFF2-40B4-BE49-F238E27FC236}">
+                <a16:creationId xmlns:a16="http://schemas.microsoft.com/office/drawing/2014/main" id="{FDF058CE-131C-13EF-9962-3C2C8DBF70F1}"/>
+              </a:ext>
+            </a:extLst>
+          </p:cNvPr>
+          <p:cNvPicPr>
+            <a:picLocks noGrp="1" noChangeAspect="1"/>
+          </p:cNvPicPr>
+          <p:nvPr>
+            <p:ph idx="1"/>
+          </p:nvPr>
+        </p:nvPicPr>
+        <p:blipFill>
+          <a:blip r:embed="rId2"/>
+          <a:stretch>
+            <a:fillRect/>
+          </a:stretch>
+        </p:blipFill>
+        <p:spPr>
+          <a:xfrm>
+            <a:off x="278774" y="890828"/>
+            <a:ext cx="4971651" cy="4102949"/>
+          </a:xfrm>
+          <a:prstGeom prst="rect">
+            <a:avLst/>
+          </a:prstGeom>
+          <a:effectLst>
+            <a:outerShdw blurRad="25400" dir="17880000">
+              <a:srgbClr val="000000">
+                <a:alpha val="46000"/>
+              </a:srgbClr>
+            </a:outerShdw>
+          </a:effectLst>
+        </p:spPr>
+      </p:pic>
+    </p:spTree>
+    <p:extLst>
+      <p:ext uri="{BB962C8B-B14F-4D97-AF65-F5344CB8AC3E}">
+        <p14:creationId xmlns:p14="http://schemas.microsoft.com/office/powerpoint/2010/main" val="3910347904"/>
+      </p:ext>
+    </p:extLst>
+  </p:cSld>
+  <p:clrMapOvr>
+    <a:masterClrMapping/>
+  </p:clrMapOvr>
+</p:sld>
+</file>
+
+<file path=ppt/slides/slide41.xml><?xml version="1.0" encoding="utf-8"?>
+<p:sld xmlns:a="http://schemas.openxmlformats.org/drawingml/2006/main" xmlns:r="http://schemas.openxmlformats.org/officeDocument/2006/relationships" xmlns:p="http://schemas.openxmlformats.org/presentationml/2006/main">
+  <p:cSld>
+    <p:spTree>
+      <p:nvGrpSpPr>
+        <p:cNvPr id="1" name=""/>
+        <p:cNvGrpSpPr/>
+        <p:nvPr/>
+      </p:nvGrpSpPr>
+      <p:grpSpPr>
+        <a:xfrm>
+          <a:off x="0" y="0"/>
+          <a:ext cx="0" cy="0"/>
+          <a:chOff x="0" y="0"/>
+          <a:chExt cx="0" cy="0"/>
+        </a:xfrm>
+      </p:grpSpPr>
+      <p:sp>
+        <p:nvSpPr>
+          <p:cNvPr id="2" name="Title 1">
+            <a:extLst>
+              <a:ext uri="{FF2B5EF4-FFF2-40B4-BE49-F238E27FC236}">
+                <a16:creationId xmlns:a16="http://schemas.microsoft.com/office/drawing/2014/main" id="{0DCBBD2D-BC72-9321-F9E7-A67BCB410D4C}"/>
+              </a:ext>
+            </a:extLst>
+          </p:cNvPr>
+          <p:cNvSpPr>
+            <a:spLocks noGrp="1"/>
+          </p:cNvSpPr>
+          <p:nvPr>
+            <p:ph type="title"/>
+          </p:nvPr>
+        </p:nvSpPr>
+        <p:spPr/>
+        <p:txBody>
+          <a:bodyPr/>
+          <a:lstStyle/>
+          <a:p>
+            <a:r>
+              <a:rPr lang="en-US" b="1">
+                <a:solidFill>
+                  <a:srgbClr val="FFFF00"/>
+                </a:solidFill>
+              </a:rPr>
+              <a:t>Security</a:t>
+            </a:r>
+            <a:r>
+              <a:rPr lang="en-US"/>
+              <a:t>.</a:t>
+            </a:r>
+            <a:r>
+              <a:rPr lang="en-US" b="1">
+                <a:solidFill>
+                  <a:srgbClr val="FF0000"/>
+                </a:solidFill>
+              </a:rPr>
+              <a:t>SEC_Menu</a:t>
+            </a:r>
+            <a:endParaRPr lang="en-US"/>
+          </a:p>
+        </p:txBody>
+      </p:sp>
+      <p:pic>
+        <p:nvPicPr>
+          <p:cNvPr id="5" name="Content Placeholder 4">
+            <a:extLst>
+              <a:ext uri="{FF2B5EF4-FFF2-40B4-BE49-F238E27FC236}">
+                <a16:creationId xmlns:a16="http://schemas.microsoft.com/office/drawing/2014/main" id="{A6EED765-6B26-3831-32AB-6C4D7F9CBE7E}"/>
+              </a:ext>
+            </a:extLst>
+          </p:cNvPr>
+          <p:cNvPicPr>
+            <a:picLocks noGrp="1" noChangeAspect="1"/>
+          </p:cNvPicPr>
+          <p:nvPr>
+            <p:ph idx="1"/>
+          </p:nvPr>
+        </p:nvPicPr>
+        <p:blipFill>
+          <a:blip r:embed="rId2"/>
+          <a:stretch>
+            <a:fillRect/>
+          </a:stretch>
+        </p:blipFill>
+        <p:spPr>
+          <a:xfrm>
+            <a:off x="663301" y="1580050"/>
+            <a:ext cx="7985453" cy="2195537"/>
+          </a:xfrm>
+          <a:prstGeom prst="rect">
+            <a:avLst/>
+          </a:prstGeom>
+          <a:effectLst>
+            <a:outerShdw blurRad="25400" dir="17880000">
+              <a:srgbClr val="000000">
+                <a:alpha val="46000"/>
+              </a:srgbClr>
+            </a:outerShdw>
+          </a:effectLst>
+        </p:spPr>
+      </p:pic>
+    </p:spTree>
+    <p:extLst>
+      <p:ext uri="{BB962C8B-B14F-4D97-AF65-F5344CB8AC3E}">
+        <p14:creationId xmlns:p14="http://schemas.microsoft.com/office/powerpoint/2010/main" val="3576081585"/>
+      </p:ext>
+    </p:extLst>
+  </p:cSld>
+  <p:clrMapOvr>
+    <a:masterClrMapping/>
+  </p:clrMapOvr>
+</p:sld>
+</file>
+
+<file path=ppt/slides/slide42.xml><?xml version="1.0" encoding="utf-8"?>
+<p:sld xmlns:a="http://schemas.openxmlformats.org/drawingml/2006/main" xmlns:r="http://schemas.openxmlformats.org/officeDocument/2006/relationships" xmlns:p="http://schemas.openxmlformats.org/presentationml/2006/main">
+  <p:cSld>
+    <p:spTree>
+      <p:nvGrpSpPr>
+        <p:cNvPr id="1" name=""/>
+        <p:cNvGrpSpPr/>
+        <p:nvPr/>
+      </p:nvGrpSpPr>
+      <p:grpSpPr>
+        <a:xfrm>
+          <a:off x="0" y="0"/>
+          <a:ext cx="0" cy="0"/>
+          <a:chOff x="0" y="0"/>
+          <a:chExt cx="0" cy="0"/>
+        </a:xfrm>
+      </p:grpSpPr>
+      <p:sp>
+        <p:nvSpPr>
+          <p:cNvPr id="2" name="Title 1">
+            <a:extLst>
+              <a:ext uri="{FF2B5EF4-FFF2-40B4-BE49-F238E27FC236}">
+                <a16:creationId xmlns:a16="http://schemas.microsoft.com/office/drawing/2014/main" id="{A6EE02EF-272C-634F-E677-280B413E4B0C}"/>
+              </a:ext>
+            </a:extLst>
+          </p:cNvPr>
+          <p:cNvSpPr>
+            <a:spLocks noGrp="1"/>
+          </p:cNvSpPr>
+          <p:nvPr>
+            <p:ph type="title"/>
+          </p:nvPr>
+        </p:nvSpPr>
+        <p:spPr>
+          <a:xfrm>
+            <a:off x="913795" y="0"/>
+            <a:ext cx="10353762" cy="688258"/>
+          </a:xfrm>
+        </p:spPr>
+        <p:txBody>
+          <a:bodyPr>
+            <a:normAutofit fontScale="90000"/>
+          </a:bodyPr>
+          <a:lstStyle/>
+          <a:p>
+            <a:r>
+              <a:rPr lang="en-US" b="1">
+                <a:solidFill>
+                  <a:srgbClr val="FFFF00"/>
+                </a:solidFill>
+                <a:effectLst/>
+              </a:rPr>
+              <a:t>TWF</a:t>
+            </a:r>
+            <a:r>
+              <a:rPr lang="en-US" b="1">
+                <a:effectLst/>
+              </a:rPr>
+              <a:t>.</a:t>
+            </a:r>
+            <a:r>
+              <a:rPr lang="en-US" b="1">
+                <a:solidFill>
+                  <a:srgbClr val="FF0000"/>
+                </a:solidFill>
+                <a:effectLst/>
+              </a:rPr>
+              <a:t>Flow_ISCORE_Data</a:t>
+            </a:r>
+            <a:endParaRPr lang="en-US">
+              <a:solidFill>
+                <a:srgbClr val="FF0000"/>
+              </a:solidFill>
+            </a:endParaRPr>
+          </a:p>
+        </p:txBody>
+      </p:sp>
+      <p:sp>
+        <p:nvSpPr>
+          <p:cNvPr id="3" name="Content Placeholder 2">
+            <a:extLst>
+              <a:ext uri="{FF2B5EF4-FFF2-40B4-BE49-F238E27FC236}">
+                <a16:creationId xmlns:a16="http://schemas.microsoft.com/office/drawing/2014/main" id="{C73E78E3-34C6-E811-8BA5-3DA8C61B8FD3}"/>
+              </a:ext>
+            </a:extLst>
+          </p:cNvPr>
+          <p:cNvSpPr>
+            <a:spLocks noGrp="1"/>
+          </p:cNvSpPr>
+          <p:nvPr>
+            <p:ph idx="1"/>
+          </p:nvPr>
+        </p:nvSpPr>
+        <p:spPr>
+          <a:xfrm>
+            <a:off x="353961" y="688259"/>
+            <a:ext cx="11503742" cy="6037006"/>
+          </a:xfrm>
+        </p:spPr>
+        <p:txBody>
+          <a:bodyPr>
+            <a:normAutofit lnSpcReduction="10000"/>
+          </a:bodyPr>
+          <a:lstStyle/>
+          <a:p>
+            <a:r>
+              <a:rPr lang="en-US"/>
+              <a:t>int Code_FID  [PK]</a:t>
+            </a:r>
+          </a:p>
+          <a:p>
+            <a:r>
+              <a:rPr lang="en-US" b="1">
+                <a:effectLst/>
+              </a:rPr>
+              <a:t>Cust_IDNO: string // customer nationalId</a:t>
+            </a:r>
+          </a:p>
+          <a:p>
+            <a:r>
+              <a:rPr lang="en-US" b="1"/>
+              <a:t>Inquiry_Date: DateTime</a:t>
+            </a:r>
+            <a:r>
+              <a:rPr lang="en-US"/>
+              <a:t> // </a:t>
+            </a:r>
+          </a:p>
+          <a:p>
+            <a:r>
+              <a:rPr lang="en-US" b="1">
+                <a:effectLst/>
+              </a:rPr>
+              <a:t>Score: int   	// </a:t>
+            </a:r>
+            <a:r>
+              <a:rPr lang="ar-EG">
+                <a:effectLst/>
+              </a:rPr>
+              <a:t>هو رقم يعبر عن مدى التزام العميل</a:t>
+            </a:r>
+          </a:p>
+          <a:p>
+            <a:r>
+              <a:rPr lang="en-US">
+                <a:effectLst/>
+              </a:rPr>
+              <a:t>Open_credits // </a:t>
+            </a:r>
+            <a:r>
+              <a:rPr lang="ar-EG">
+                <a:effectLst/>
+              </a:rPr>
+              <a:t>أي عدد القروض أو البطاقات الائتمانية التي يستخدمها العميل حالياً ولم يغلقها.</a:t>
+            </a:r>
+            <a:endParaRPr lang="en-US">
+              <a:effectLst/>
+            </a:endParaRPr>
+          </a:p>
+          <a:p>
+            <a:r>
+              <a:rPr lang="en-US"/>
+              <a:t>Days_Due: int </a:t>
+            </a:r>
+            <a:r>
+              <a:rPr lang="ar-EG" sz="1800"/>
+              <a:t>أيام التأخير؛ ويقصد بها عدد الأيام التي تأخر فيها العميل عن سداد الأقساط المستحقة عليه (مؤشر خطر إذا كان الرقم </a:t>
+            </a:r>
+            <a:r>
+              <a:rPr lang="ar-EG"/>
+              <a:t>كبيراً).</a:t>
+            </a:r>
+            <a:endParaRPr lang="en-US"/>
+          </a:p>
+          <a:p>
+            <a:r>
+              <a:rPr lang="en-US"/>
+              <a:t>NO_OF_INQUIRES: </a:t>
+            </a:r>
+            <a:r>
+              <a:rPr lang="ar-EG"/>
+              <a:t>عدد الكرات التى تم فيها الاستعلام عن هذا الرقم</a:t>
+            </a:r>
+            <a:endParaRPr lang="en-US"/>
+          </a:p>
+          <a:p>
+            <a:r>
+              <a:rPr lang="en-US"/>
+              <a:t>Request_id</a:t>
+            </a:r>
+          </a:p>
+          <a:p>
+            <a:r>
+              <a:rPr lang="en-US"/>
+              <a:t>REF_NO</a:t>
+            </a:r>
+          </a:p>
+          <a:p>
+            <a:r>
+              <a:rPr lang="en-US"/>
+              <a:t>NotFound , int : </a:t>
+            </a:r>
+            <a:r>
+              <a:rPr lang="ar-EG"/>
+              <a:t>حالة العميل</a:t>
+            </a:r>
+          </a:p>
+          <a:p>
+            <a:pPr lvl="1"/>
+            <a:r>
+              <a:rPr lang="en-US"/>
+              <a:t>0 : </a:t>
+            </a:r>
+            <a:r>
+              <a:rPr lang="ar-EG"/>
+              <a:t>يوجد للعميل هذا بيانات فى الأيزكور</a:t>
+            </a:r>
+          </a:p>
+          <a:p>
+            <a:pPr lvl="1"/>
+            <a:r>
+              <a:rPr lang="en-US"/>
+              <a:t>1 : </a:t>
+            </a:r>
+            <a:r>
+              <a:rPr lang="ar-EG"/>
+              <a:t>العميل هذا لا توجد له بيانات فى الايزكور لأنه لم يأخذ قروض من اى بنك او اى جهة من قبل </a:t>
+            </a:r>
+          </a:p>
+          <a:p>
+            <a:pPr lvl="1"/>
+            <a:r>
+              <a:rPr lang="en-US"/>
+              <a:t>2 :</a:t>
+            </a:r>
+            <a:r>
+              <a:rPr lang="ar-EG"/>
+              <a:t> </a:t>
+            </a:r>
+            <a:r>
+              <a:rPr lang="en-US"/>
+              <a:t> </a:t>
+            </a:r>
+            <a:r>
+              <a:rPr lang="ar-EG"/>
+              <a:t>  يوجد مشكلة في الاتصال او اى مشكله أخرى لم تمكننى من الاستعلام عنه وبالتالي لايتم ترحيل الطلب الا اذا تم التحميل</a:t>
+            </a:r>
+            <a:r>
+              <a:rPr lang="en-US"/>
+              <a:t> </a:t>
+            </a:r>
+          </a:p>
+          <a:p>
+            <a:r>
+              <a:rPr lang="en-US"/>
+              <a:t>New_ISCORE</a:t>
+            </a:r>
+          </a:p>
+          <a:p>
+            <a:r>
+              <a:rPr lang="en-US"/>
+              <a:t>File_Code</a:t>
+            </a:r>
+          </a:p>
+        </p:txBody>
+      </p:sp>
+    </p:spTree>
+    <p:extLst>
+      <p:ext uri="{BB962C8B-B14F-4D97-AF65-F5344CB8AC3E}">
+        <p14:creationId xmlns:p14="http://schemas.microsoft.com/office/powerpoint/2010/main" val="3449858060"/>
+      </p:ext>
+    </p:extLst>
+  </p:cSld>
+  <p:clrMapOvr>
+    <a:masterClrMapping/>
+  </p:clrMapOvr>
+</p:sld>
+</file>
+
+<file path=ppt/slides/slide43.xml><?xml version="1.0" encoding="utf-8"?>
+<p:sld xmlns:a="http://schemas.openxmlformats.org/drawingml/2006/main" xmlns:r="http://schemas.openxmlformats.org/officeDocument/2006/relationships" xmlns:p="http://schemas.openxmlformats.org/presentationml/2006/main">
+  <p:cSld>
+    <p:spTree>
+      <p:nvGrpSpPr>
+        <p:cNvPr id="1" name=""/>
+        <p:cNvGrpSpPr/>
+        <p:nvPr/>
+      </p:nvGrpSpPr>
+      <p:grpSpPr>
+        <a:xfrm>
+          <a:off x="0" y="0"/>
+          <a:ext cx="0" cy="0"/>
+          <a:chOff x="0" y="0"/>
+          <a:chExt cx="0" cy="0"/>
+        </a:xfrm>
+      </p:grpSpPr>
+      <p:sp>
+        <p:nvSpPr>
+          <p:cNvPr id="2" name="Title 1">
+            <a:extLst>
+              <a:ext uri="{FF2B5EF4-FFF2-40B4-BE49-F238E27FC236}">
+                <a16:creationId xmlns:a16="http://schemas.microsoft.com/office/drawing/2014/main" id="{09B9A69E-06CE-97FD-204E-1EAB56654B9A}"/>
+              </a:ext>
+            </a:extLst>
+          </p:cNvPr>
+          <p:cNvSpPr>
+            <a:spLocks noGrp="1"/>
+          </p:cNvSpPr>
+          <p:nvPr>
+            <p:ph type="title"/>
+          </p:nvPr>
+        </p:nvSpPr>
+        <p:spPr>
+          <a:xfrm>
+            <a:off x="795808" y="0"/>
+            <a:ext cx="10353762" cy="530942"/>
+          </a:xfrm>
+        </p:spPr>
+        <p:txBody>
+          <a:bodyPr>
+            <a:normAutofit fontScale="90000"/>
+          </a:bodyPr>
+          <a:lstStyle/>
+          <a:p>
+            <a:r>
+              <a:rPr lang="en-US" b="1" err="1">
+                <a:solidFill>
+                  <a:srgbClr val="FF0000"/>
+                </a:solidFill>
+              </a:rPr>
+              <a:t>BranchGovernRegion</a:t>
+            </a:r>
+            <a:r>
+              <a:rPr lang="en-US" b="1">
+                <a:solidFill>
+                  <a:srgbClr val="FF0000"/>
+                </a:solidFill>
+              </a:rPr>
+              <a:t> VM</a:t>
+            </a:r>
+          </a:p>
+        </p:txBody>
+      </p:sp>
+      <p:sp>
+        <p:nvSpPr>
+          <p:cNvPr id="3" name="Content Placeholder 2">
+            <a:extLst>
+              <a:ext uri="{FF2B5EF4-FFF2-40B4-BE49-F238E27FC236}">
+                <a16:creationId xmlns:a16="http://schemas.microsoft.com/office/drawing/2014/main" id="{8C64C52F-88D2-D45B-14B5-1C9472A1F8DB}"/>
+              </a:ext>
+            </a:extLst>
+          </p:cNvPr>
+          <p:cNvSpPr>
+            <a:spLocks noGrp="1"/>
+          </p:cNvSpPr>
+          <p:nvPr>
+            <p:ph idx="1"/>
+          </p:nvPr>
+        </p:nvSpPr>
+        <p:spPr>
+          <a:xfrm>
+            <a:off x="353960" y="530943"/>
+            <a:ext cx="11533239" cy="6135328"/>
+          </a:xfrm>
+        </p:spPr>
+        <p:txBody>
+          <a:bodyPr>
+            <a:normAutofit/>
+          </a:bodyPr>
+          <a:lstStyle/>
+          <a:p>
+            <a:r>
+              <a:rPr lang="en-US" sz="1800"/>
+              <a:t>BranchId     		// From Table branch</a:t>
+            </a:r>
+          </a:p>
+          <a:p>
+            <a:r>
+              <a:rPr lang="en-US" sz="1800" err="1"/>
+              <a:t>Branch_code</a:t>
+            </a:r>
+            <a:r>
+              <a:rPr lang="en-US" sz="1800"/>
+              <a:t>		// From Table branch</a:t>
+            </a:r>
+          </a:p>
+          <a:p>
+            <a:r>
+              <a:rPr lang="en-US" sz="1800" err="1"/>
+              <a:t>ExterNum</a:t>
+            </a:r>
+            <a:r>
+              <a:rPr lang="en-US" sz="1800"/>
+              <a:t>		// From Table branch</a:t>
+            </a:r>
+          </a:p>
+          <a:p>
+            <a:endParaRPr lang="en-US" sz="1800"/>
+          </a:p>
+        </p:txBody>
+      </p:sp>
+    </p:spTree>
+    <p:extLst>
+      <p:ext uri="{BB962C8B-B14F-4D97-AF65-F5344CB8AC3E}">
+        <p14:creationId xmlns:p14="http://schemas.microsoft.com/office/powerpoint/2010/main" val="1678316031"/>
+      </p:ext>
+    </p:extLst>
+  </p:cSld>
+  <p:clrMapOvr>
+    <a:masterClrMapping/>
+  </p:clrMapOvr>
+</p:sld>
+</file>
+
+<file path=ppt/slides/slide44.xml><?xml version="1.0" encoding="utf-8"?>
+<p:sld xmlns:a="http://schemas.openxmlformats.org/drawingml/2006/main" xmlns:r="http://schemas.openxmlformats.org/officeDocument/2006/relationships" xmlns:p="http://schemas.openxmlformats.org/presentationml/2006/main">
+  <p:cSld>
+    <p:spTree>
+      <p:nvGrpSpPr>
+        <p:cNvPr id="1" name=""/>
+        <p:cNvGrpSpPr/>
+        <p:nvPr/>
+      </p:nvGrpSpPr>
+      <p:grpSpPr>
+        <a:xfrm>
+          <a:off x="0" y="0"/>
+          <a:ext cx="0" cy="0"/>
+          <a:chOff x="0" y="0"/>
+          <a:chExt cx="0" cy="0"/>
+        </a:xfrm>
+      </p:grpSpPr>
+      <p:sp>
+        <p:nvSpPr>
+          <p:cNvPr id="2" name="Title 1">
+            <a:extLst>
+              <a:ext uri="{FF2B5EF4-FFF2-40B4-BE49-F238E27FC236}">
+                <a16:creationId xmlns:a16="http://schemas.microsoft.com/office/drawing/2014/main" id="{4EF5FE32-DD82-CBD6-386F-93F17B98F119}"/>
+              </a:ext>
+            </a:extLst>
+          </p:cNvPr>
+          <p:cNvSpPr>
+            <a:spLocks noGrp="1"/>
+          </p:cNvSpPr>
+          <p:nvPr>
+            <p:ph type="title"/>
+          </p:nvPr>
+        </p:nvSpPr>
+        <p:spPr>
+          <a:xfrm>
+            <a:off x="913795" y="0"/>
+            <a:ext cx="10353762" cy="530942"/>
+          </a:xfrm>
+        </p:spPr>
+        <p:txBody>
+          <a:bodyPr>
+            <a:normAutofit fontScale="90000"/>
+          </a:bodyPr>
+          <a:lstStyle/>
+          <a:p>
+            <a:r>
+              <a:rPr lang="en-US"/>
+              <a:t>Amounts of Funding request</a:t>
+            </a:r>
+          </a:p>
+        </p:txBody>
+      </p:sp>
+      <p:sp>
+        <p:nvSpPr>
+          <p:cNvPr id="3" name="Content Placeholder 2">
+            <a:extLst>
+              <a:ext uri="{FF2B5EF4-FFF2-40B4-BE49-F238E27FC236}">
+                <a16:creationId xmlns:a16="http://schemas.microsoft.com/office/drawing/2014/main" id="{D1726BCA-1DA4-81E2-3DF2-D1E1CF687B83}"/>
+              </a:ext>
+            </a:extLst>
+          </p:cNvPr>
+          <p:cNvSpPr>
+            <a:spLocks noGrp="1"/>
+          </p:cNvSpPr>
+          <p:nvPr>
+            <p:ph idx="1"/>
+          </p:nvPr>
+        </p:nvSpPr>
+        <p:spPr>
+          <a:xfrm>
+            <a:off x="108156" y="530942"/>
+            <a:ext cx="11779044" cy="6056671"/>
+          </a:xfrm>
+        </p:spPr>
+        <p:txBody>
+          <a:bodyPr/>
+          <a:lstStyle/>
+          <a:p>
+            <a:pPr algn="r" rtl="1"/>
+            <a:r>
+              <a:rPr lang="en-US" b="1">
+                <a:solidFill>
+                  <a:srgbClr val="FF0000"/>
+                </a:solidFill>
+                <a:effectLst/>
+              </a:rPr>
+              <a:t>Required_amount</a:t>
+            </a:r>
+            <a:r>
+              <a:rPr lang="ar-EG" b="1">
+                <a:solidFill>
+                  <a:srgbClr val="FF0000"/>
+                </a:solidFill>
+                <a:effectLst/>
+              </a:rPr>
+              <a:t> </a:t>
+            </a:r>
+            <a:r>
+              <a:rPr lang="ar-EG">
+                <a:effectLst/>
+              </a:rPr>
+              <a:t>: المبلغ الذي كتبه العميل في "نموذج الطلب" بناءً على احتياجه الشخصي.</a:t>
+            </a:r>
+          </a:p>
+          <a:p>
+            <a:pPr algn="r" rtl="1"/>
+            <a:r>
+              <a:rPr lang="en-US" b="1">
+                <a:solidFill>
+                  <a:srgbClr val="FF0000"/>
+                </a:solidFill>
+                <a:effectLst/>
+              </a:rPr>
+              <a:t>Financing_amount</a:t>
+            </a:r>
+            <a:r>
+              <a:rPr lang="ar-EG">
+                <a:effectLst/>
+              </a:rPr>
+              <a:t> : قيمة التمويل بعد التعلية</a:t>
+            </a:r>
+          </a:p>
+          <a:p>
+            <a:pPr algn="r" rtl="1"/>
+            <a:r>
+              <a:rPr lang="en-US" b="1">
+                <a:solidFill>
+                  <a:srgbClr val="FF0000"/>
+                </a:solidFill>
+                <a:effectLst/>
+              </a:rPr>
+              <a:t>Actual_financing</a:t>
+            </a:r>
+            <a:r>
+              <a:rPr lang="ar-EG" b="1">
+                <a:solidFill>
+                  <a:srgbClr val="FF0000"/>
+                </a:solidFill>
+                <a:effectLst/>
+              </a:rPr>
+              <a:t> </a:t>
+            </a:r>
+            <a:r>
+              <a:rPr lang="ar-EG">
+                <a:effectLst/>
+              </a:rPr>
+              <a:t>: المبلغ الصافى الذى خرج من الخزينة وذهب للعميل</a:t>
+            </a:r>
+            <a:endParaRPr lang="en-US">
+              <a:effectLst/>
+            </a:endParaRPr>
+          </a:p>
+          <a:p>
+            <a:pPr algn="r" rtl="1"/>
+            <a:r>
+              <a:rPr lang="en-US" b="1">
+                <a:solidFill>
+                  <a:srgbClr val="FF0000"/>
+                </a:solidFill>
+              </a:rPr>
+              <a:t>COM_RAT</a:t>
+            </a:r>
+            <a:r>
+              <a:rPr lang="ar-EG"/>
+              <a:t> : </a:t>
+            </a:r>
+            <a:r>
+              <a:rPr lang="ar-EG">
+                <a:effectLst/>
+              </a:rPr>
+              <a:t>عمولة المنح و</a:t>
+            </a:r>
+            <a:r>
+              <a:rPr lang="ar-EG"/>
+              <a:t>هي مبلغ مقطوع للمصاريف الادارية </a:t>
+            </a:r>
+            <a:endParaRPr lang="en-US">
+              <a:effectLst/>
+            </a:endParaRPr>
+          </a:p>
+          <a:p>
+            <a:pPr algn="r" rtl="1"/>
+            <a:r>
+              <a:rPr lang="en-US" b="1">
+                <a:solidFill>
+                  <a:srgbClr val="FF0000"/>
+                </a:solidFill>
+                <a:effectLst/>
+              </a:rPr>
+              <a:t>DEBT_VALUE</a:t>
+            </a:r>
+            <a:r>
+              <a:rPr lang="en-US">
+                <a:effectLst/>
+              </a:rPr>
+              <a:t> </a:t>
+            </a:r>
+            <a:r>
+              <a:rPr lang="ar-EG">
+                <a:effectLst/>
+              </a:rPr>
+              <a:t>: قيمة المديونية (أصل القرض + الفوائد + عمولة المنح). وهي قيمة متناقصة تقل مع كل عملية سداد يقوم بها العميل.</a:t>
+            </a:r>
+            <a:endParaRPr lang="en-US">
+              <a:effectLst/>
+            </a:endParaRPr>
+          </a:p>
+          <a:p>
+            <a:pPr algn="r" rtl="1"/>
+            <a:r>
+              <a:rPr lang="en-US" b="1">
+                <a:solidFill>
+                  <a:srgbClr val="FF0000"/>
+                </a:solidFill>
+                <a:effectLst/>
+              </a:rPr>
+              <a:t>APP_FEE</a:t>
+            </a:r>
+            <a:r>
+              <a:rPr lang="ar-EG" b="1">
+                <a:solidFill>
+                  <a:srgbClr val="FF0000"/>
+                </a:solidFill>
+                <a:effectLst/>
+              </a:rPr>
+              <a:t> </a:t>
+            </a:r>
+            <a:r>
+              <a:rPr lang="ar-EG">
+                <a:effectLst/>
+              </a:rPr>
+              <a:t>: رسوم إدارية ثابتة تُدفع نقداً عند تقديم الورق، وغالباً لا تُسترد حتى لو رُفض الطلب</a:t>
+            </a:r>
+            <a:endParaRPr lang="ar-EG"/>
+          </a:p>
+          <a:p>
+            <a:pPr algn="r" rtl="1"/>
+            <a:r>
+              <a:rPr lang="en-US"/>
+              <a:t> </a:t>
+            </a:r>
+            <a:r>
+              <a:rPr lang="en-US" b="1">
+                <a:solidFill>
+                  <a:srgbClr val="FF0000"/>
+                </a:solidFill>
+              </a:rPr>
+              <a:t>PRIMIUM_VALUE </a:t>
+            </a:r>
+            <a:r>
+              <a:rPr lang="ar-EG"/>
+              <a:t>: مبلغ القسط </a:t>
+            </a:r>
+          </a:p>
+          <a:p>
+            <a:pPr algn="r" rtl="1"/>
+            <a:r>
+              <a:rPr lang="en-US" b="1">
+                <a:solidFill>
+                  <a:srgbClr val="FF0000"/>
+                </a:solidFill>
+              </a:rPr>
+              <a:t>Rate</a:t>
+            </a:r>
+            <a:r>
+              <a:rPr lang="ar-EG"/>
+              <a:t> : سعر الفائدة الذي سيتم تطبيقه على مبلغ التمويل</a:t>
+            </a:r>
+          </a:p>
+          <a:p>
+            <a:pPr algn="r" rtl="1"/>
+            <a:r>
+              <a:rPr lang="en-US" b="1" err="1">
+                <a:solidFill>
+                  <a:srgbClr val="FF0000"/>
+                </a:solidFill>
+              </a:rPr>
+              <a:t>Approve_Value</a:t>
+            </a:r>
+            <a:r>
+              <a:rPr lang="ar-EG" b="1">
+                <a:solidFill>
+                  <a:srgbClr val="FF0000"/>
+                </a:solidFill>
+              </a:rPr>
+              <a:t> </a:t>
+            </a:r>
+            <a:r>
+              <a:rPr lang="ar-EG"/>
+              <a:t>: </a:t>
+            </a:r>
+          </a:p>
+          <a:p>
+            <a:pPr algn="r" rtl="1"/>
+            <a:r>
+              <a:rPr lang="en-US"/>
+              <a:t> </a:t>
+            </a:r>
+            <a:r>
+              <a:rPr lang="en-US" b="1" err="1">
+                <a:solidFill>
+                  <a:srgbClr val="FF0000"/>
+                </a:solidFill>
+              </a:rPr>
+              <a:t>Approved_Amount</a:t>
+            </a:r>
+            <a:r>
+              <a:rPr lang="ar-EG"/>
+              <a:t>: </a:t>
+            </a:r>
+          </a:p>
+          <a:p>
+            <a:pPr algn="r" rtl="1"/>
+            <a:r>
+              <a:rPr lang="en-US" b="1" err="1">
+                <a:solidFill>
+                  <a:srgbClr val="FF0000"/>
+                </a:solidFill>
+              </a:rPr>
+              <a:t>Total_Amount</a:t>
+            </a:r>
+            <a:r>
+              <a:rPr lang="ar-EG" b="1">
+                <a:solidFill>
+                  <a:srgbClr val="FF0000"/>
+                </a:solidFill>
+              </a:rPr>
+              <a:t> </a:t>
+            </a:r>
+            <a:r>
+              <a:rPr lang="ar-EG"/>
+              <a:t>:</a:t>
+            </a:r>
+          </a:p>
+          <a:p>
+            <a:pPr algn="r" rtl="1"/>
+            <a:r>
+              <a:rPr lang="en-US" b="1" err="1">
+                <a:solidFill>
+                  <a:srgbClr val="FF0000"/>
+                </a:solidFill>
+              </a:rPr>
+              <a:t>PenaltyAmount</a:t>
+            </a:r>
+            <a:r>
+              <a:rPr lang="ar-EG"/>
+              <a:t> : إجمالى الغرامات </a:t>
+            </a:r>
+          </a:p>
+          <a:p>
+            <a:pPr algn="r" rtl="1"/>
+            <a:r>
+              <a:rPr lang="ar-EG"/>
+              <a:t>  </a:t>
+            </a:r>
+            <a:endParaRPr lang="en-US"/>
+          </a:p>
+        </p:txBody>
+      </p:sp>
+    </p:spTree>
+    <p:extLst>
+      <p:ext uri="{BB962C8B-B14F-4D97-AF65-F5344CB8AC3E}">
+        <p14:creationId xmlns:p14="http://schemas.microsoft.com/office/powerpoint/2010/main" val="4263840768"/>
+      </p:ext>
+    </p:extLst>
+  </p:cSld>
+  <p:clrMapOvr>
+    <a:masterClrMapping/>
+  </p:clrMapOvr>
+</p:sld>
+</file>
+
+<file path=ppt/slides/slide45.xml><?xml version="1.0" encoding="utf-8"?>
+<p:sld xmlns:a="http://schemas.openxmlformats.org/drawingml/2006/main" xmlns:r="http://schemas.openxmlformats.org/officeDocument/2006/relationships" xmlns:p="http://schemas.openxmlformats.org/presentationml/2006/main">
+  <p:cSld>
+    <p:spTree>
+      <p:nvGrpSpPr>
+        <p:cNvPr id="1" name=""/>
+        <p:cNvGrpSpPr/>
+        <p:nvPr/>
+      </p:nvGrpSpPr>
+      <p:grpSpPr>
+        <a:xfrm>
+          <a:off x="0" y="0"/>
+          <a:ext cx="0" cy="0"/>
+          <a:chOff x="0" y="0"/>
+          <a:chExt cx="0" cy="0"/>
+        </a:xfrm>
+      </p:grpSpPr>
+      <p:sp>
+        <p:nvSpPr>
+          <p:cNvPr id="2" name="Title 1">
+            <a:extLst>
+              <a:ext uri="{FF2B5EF4-FFF2-40B4-BE49-F238E27FC236}">
+                <a16:creationId xmlns:a16="http://schemas.microsoft.com/office/drawing/2014/main" id="{BF5A5E12-8432-92CF-A8BC-5AC20707DA1D}"/>
+              </a:ext>
+            </a:extLst>
+          </p:cNvPr>
+          <p:cNvSpPr>
+            <a:spLocks noGrp="1"/>
+          </p:cNvSpPr>
+          <p:nvPr>
+            <p:ph type="title"/>
+          </p:nvPr>
+        </p:nvSpPr>
+        <p:spPr>
+          <a:xfrm>
+            <a:off x="913795" y="0"/>
+            <a:ext cx="10353762" cy="511277"/>
+          </a:xfrm>
+        </p:spPr>
+        <p:txBody>
+          <a:bodyPr>
+            <a:normAutofit fontScale="90000"/>
+          </a:bodyPr>
+          <a:lstStyle/>
+          <a:p>
+            <a:r>
+              <a:rPr lang="en-US" sz="3600" b="1"/>
+              <a:t>Jobs</a:t>
+            </a:r>
+          </a:p>
+        </p:txBody>
+      </p:sp>
+      <p:sp>
+        <p:nvSpPr>
+          <p:cNvPr id="3" name="Content Placeholder 2">
+            <a:extLst>
+              <a:ext uri="{FF2B5EF4-FFF2-40B4-BE49-F238E27FC236}">
+                <a16:creationId xmlns:a16="http://schemas.microsoft.com/office/drawing/2014/main" id="{36881377-3BA7-64BF-2C6C-7C38762A6F09}"/>
+              </a:ext>
+            </a:extLst>
+          </p:cNvPr>
+          <p:cNvSpPr>
+            <a:spLocks noGrp="1"/>
+          </p:cNvSpPr>
+          <p:nvPr>
+            <p:ph idx="1"/>
+          </p:nvPr>
+        </p:nvSpPr>
+        <p:spPr>
+          <a:xfrm>
+            <a:off x="422787" y="511277"/>
+            <a:ext cx="11444748" cy="6154994"/>
+          </a:xfrm>
+        </p:spPr>
+        <p:txBody>
+          <a:bodyPr/>
+          <a:lstStyle/>
+          <a:p>
+            <a:endParaRPr lang="en-US"/>
+          </a:p>
+          <a:p>
+            <a:endParaRPr lang="en-US"/>
+          </a:p>
+          <a:p>
+            <a:endParaRPr lang="en-US"/>
+          </a:p>
+          <a:p>
+            <a:endParaRPr lang="en-US"/>
+          </a:p>
+          <a:p>
+            <a:endParaRPr lang="en-US"/>
+          </a:p>
+          <a:p>
+            <a:endParaRPr lang="en-US"/>
+          </a:p>
+          <a:p>
+            <a:r>
+              <a:rPr lang="en-US"/>
+              <a:t>Loan officer login: 10100 , P@ssw0rd </a:t>
+            </a:r>
+          </a:p>
+          <a:p>
+            <a:endParaRPr lang="en-US"/>
+          </a:p>
+        </p:txBody>
+      </p:sp>
+      <p:graphicFrame>
+        <p:nvGraphicFramePr>
+          <p:cNvPr id="4" name="Table 3">
+            <a:extLst>
+              <a:ext uri="{FF2B5EF4-FFF2-40B4-BE49-F238E27FC236}">
+                <a16:creationId xmlns:a16="http://schemas.microsoft.com/office/drawing/2014/main" id="{0F150A59-3F97-6127-7928-0F075A6A3BF7}"/>
+              </a:ext>
+            </a:extLst>
+          </p:cNvPr>
+          <p:cNvGraphicFramePr>
+            <a:graphicFrameLocks noGrp="1"/>
+          </p:cNvGraphicFramePr>
+          <p:nvPr>
+            <p:extLst>
+              <p:ext uri="{D42A27DB-BD31-4B8C-83A1-F6EECF244321}">
+                <p14:modId xmlns:p14="http://schemas.microsoft.com/office/powerpoint/2010/main" val="978963200"/>
+              </p:ext>
+            </p:extLst>
+          </p:nvPr>
+        </p:nvGraphicFramePr>
+        <p:xfrm>
+          <a:off x="586658" y="1022554"/>
+          <a:ext cx="8127999" cy="1854200"/>
+        </p:xfrm>
+        <a:graphic>
+          <a:graphicData uri="http://schemas.openxmlformats.org/drawingml/2006/table">
+            <a:tbl>
+              <a:tblPr firstRow="1" bandRow="1">
+                <a:tableStyleId>{5C22544A-7EE6-4342-B048-85BDC9FD1C3A}</a:tableStyleId>
+              </a:tblPr>
+              <a:tblGrid>
+                <a:gridCol w="4329471">
+                  <a:extLst>
+                    <a:ext uri="{9D8B030D-6E8A-4147-A177-3AD203B41FA5}">
+                      <a16:colId xmlns:a16="http://schemas.microsoft.com/office/drawing/2014/main" val="3086131423"/>
+                    </a:ext>
+                  </a:extLst>
+                </a:gridCol>
+                <a:gridCol w="2015613">
+                  <a:extLst>
+                    <a:ext uri="{9D8B030D-6E8A-4147-A177-3AD203B41FA5}">
+                      <a16:colId xmlns:a16="http://schemas.microsoft.com/office/drawing/2014/main" val="317690790"/>
+                    </a:ext>
+                  </a:extLst>
+                </a:gridCol>
+                <a:gridCol w="1782915">
+                  <a:extLst>
+                    <a:ext uri="{9D8B030D-6E8A-4147-A177-3AD203B41FA5}">
+                      <a16:colId xmlns:a16="http://schemas.microsoft.com/office/drawing/2014/main" val="3599473225"/>
+                    </a:ext>
+                  </a:extLst>
+                </a:gridCol>
+              </a:tblGrid>
+              <a:tr h="370840">
+                <a:tc>
+                  <a:txBody>
+                    <a:bodyPr/>
+                    <a:lstStyle/>
+                    <a:p>
+                      <a:r>
+                        <a:rPr lang="en-US" err="1"/>
+                        <a:t>JobName</a:t>
+                      </a:r>
+                      <a:endParaRPr lang="en-US"/>
+                    </a:p>
+                  </a:txBody>
+                  <a:tcPr/>
+                </a:tc>
+                <a:tc>
+                  <a:txBody>
+                    <a:bodyPr/>
+                    <a:lstStyle/>
+                    <a:p>
+                      <a:r>
+                        <a:rPr lang="en-US"/>
+                        <a:t>Job Id</a:t>
+                      </a:r>
+                    </a:p>
+                  </a:txBody>
+                  <a:tcPr/>
+                </a:tc>
+                <a:tc>
+                  <a:txBody>
+                    <a:bodyPr/>
+                    <a:lstStyle/>
+                    <a:p>
+                      <a:pPr marL="0" marR="0" lvl="0" indent="0" algn="l" defTabSz="457200" rtl="0" eaLnBrk="1" fontAlgn="auto" latinLnBrk="0" hangingPunct="1">
+                        <a:lnSpc>
+                          <a:spcPct val="100000"/>
+                        </a:lnSpc>
+                        <a:spcBef>
+                          <a:spcPts val="0"/>
+                        </a:spcBef>
+                        <a:spcAft>
+                          <a:spcPts val="0"/>
+                        </a:spcAft>
+                        <a:buClrTx/>
+                        <a:buSzTx/>
+                        <a:buFontTx/>
+                        <a:buNone/>
+                        <a:tabLst/>
+                        <a:defRPr/>
+                      </a:pPr>
+                      <a:r>
+                        <a:rPr lang="en-US"/>
+                        <a:t>Job Code</a:t>
+                      </a:r>
+                    </a:p>
+                  </a:txBody>
+                  <a:tcPr/>
+                </a:tc>
+                <a:extLst>
+                  <a:ext uri="{0D108BD9-81ED-4DB2-BD59-A6C34878D82A}">
+                    <a16:rowId xmlns:a16="http://schemas.microsoft.com/office/drawing/2014/main" val="59362486"/>
+                  </a:ext>
+                </a:extLst>
+              </a:tr>
+              <a:tr h="370840">
+                <a:tc>
+                  <a:txBody>
+                    <a:bodyPr/>
+                    <a:lstStyle/>
+                    <a:p>
+                      <a:r>
+                        <a:rPr lang="en-US"/>
+                        <a:t>Loan officer (LO) </a:t>
+                      </a:r>
+                      <a:r>
+                        <a:rPr lang="ar-EG"/>
+                        <a:t>مسؤول تمويل</a:t>
+                      </a:r>
+                      <a:endParaRPr lang="en-US"/>
+                    </a:p>
+                  </a:txBody>
+                  <a:tcPr/>
+                </a:tc>
+                <a:tc>
+                  <a:txBody>
+                    <a:bodyPr/>
+                    <a:lstStyle/>
+                    <a:p>
+                      <a:r>
+                        <a:rPr lang="en-US"/>
+                        <a:t>10</a:t>
+                      </a:r>
+                    </a:p>
+                  </a:txBody>
+                  <a:tcPr/>
+                </a:tc>
+                <a:tc>
+                  <a:txBody>
+                    <a:bodyPr/>
+                    <a:lstStyle/>
+                    <a:p>
+                      <a:r>
+                        <a:rPr lang="en-US"/>
+                        <a:t>0</a:t>
+                      </a:r>
+                    </a:p>
+                  </a:txBody>
+                  <a:tcPr/>
+                </a:tc>
+                <a:extLst>
+                  <a:ext uri="{0D108BD9-81ED-4DB2-BD59-A6C34878D82A}">
+                    <a16:rowId xmlns:a16="http://schemas.microsoft.com/office/drawing/2014/main" val="2991341697"/>
+                  </a:ext>
+                </a:extLst>
+              </a:tr>
+              <a:tr h="370840">
+                <a:tc>
+                  <a:txBody>
+                    <a:bodyPr/>
+                    <a:lstStyle/>
+                    <a:p>
+                      <a:r>
+                        <a:rPr lang="en-US"/>
+                        <a:t>Branch Manager </a:t>
+                      </a:r>
+                      <a:r>
+                        <a:rPr lang="ar-EG"/>
+                        <a:t>مدير فرع</a:t>
+                      </a:r>
+                      <a:endParaRPr lang="en-US"/>
+                    </a:p>
+                  </a:txBody>
+                  <a:tcPr/>
+                </a:tc>
+                <a:tc>
+                  <a:txBody>
+                    <a:bodyPr/>
+                    <a:lstStyle/>
+                    <a:p>
+                      <a:r>
+                        <a:rPr lang="en-US"/>
+                        <a:t>13</a:t>
+                      </a:r>
+                    </a:p>
+                  </a:txBody>
+                  <a:tcPr/>
+                </a:tc>
+                <a:tc>
+                  <a:txBody>
+                    <a:bodyPr/>
+                    <a:lstStyle/>
+                    <a:p>
+                      <a:r>
+                        <a:rPr lang="en-US"/>
+                        <a:t>3</a:t>
+                      </a:r>
+                    </a:p>
+                  </a:txBody>
+                  <a:tcPr/>
+                </a:tc>
+                <a:extLst>
+                  <a:ext uri="{0D108BD9-81ED-4DB2-BD59-A6C34878D82A}">
+                    <a16:rowId xmlns:a16="http://schemas.microsoft.com/office/drawing/2014/main" val="3437649632"/>
+                  </a:ext>
+                </a:extLst>
+              </a:tr>
+              <a:tr h="370840">
+                <a:tc>
+                  <a:txBody>
+                    <a:bodyPr/>
+                    <a:lstStyle/>
+                    <a:p>
+                      <a:r>
+                        <a:rPr lang="en-US"/>
+                        <a:t>Teller (money man) </a:t>
+                      </a:r>
+                      <a:r>
+                        <a:rPr lang="ar-EG"/>
+                        <a:t>صراف</a:t>
+                      </a:r>
+                      <a:endParaRPr lang="en-US"/>
+                    </a:p>
+                  </a:txBody>
+                  <a:tcPr/>
+                </a:tc>
+                <a:tc>
+                  <a:txBody>
+                    <a:bodyPr/>
+                    <a:lstStyle/>
+                    <a:p>
+                      <a:r>
+                        <a:rPr lang="en-US"/>
+                        <a:t>12</a:t>
+                      </a:r>
+                    </a:p>
+                  </a:txBody>
+                  <a:tcPr/>
+                </a:tc>
+                <a:tc>
+                  <a:txBody>
+                    <a:bodyPr/>
+                    <a:lstStyle/>
+                    <a:p>
+                      <a:r>
+                        <a:rPr lang="ar-EG"/>
+                        <a:t>2</a:t>
+                      </a:r>
+                      <a:endParaRPr lang="en-US"/>
+                    </a:p>
+                  </a:txBody>
+                  <a:tcPr/>
+                </a:tc>
+                <a:extLst>
+                  <a:ext uri="{0D108BD9-81ED-4DB2-BD59-A6C34878D82A}">
+                    <a16:rowId xmlns:a16="http://schemas.microsoft.com/office/drawing/2014/main" val="4123986371"/>
+                  </a:ext>
+                </a:extLst>
+              </a:tr>
+              <a:tr h="370840">
+                <a:tc>
+                  <a:txBody>
+                    <a:bodyPr/>
+                    <a:lstStyle/>
+                    <a:p>
+                      <a:r>
+                        <a:rPr lang="en-US"/>
+                        <a:t>CO</a:t>
+                      </a:r>
+                    </a:p>
+                  </a:txBody>
+                  <a:tcPr/>
+                </a:tc>
+                <a:tc>
+                  <a:txBody>
+                    <a:bodyPr/>
+                    <a:lstStyle/>
+                    <a:p>
+                      <a:r>
+                        <a:rPr lang="en-US"/>
+                        <a:t>1</a:t>
+                      </a:r>
+                    </a:p>
+                  </a:txBody>
+                  <a:tcPr/>
+                </a:tc>
+                <a:tc>
+                  <a:txBody>
+                    <a:bodyPr/>
+                    <a:lstStyle/>
+                    <a:p>
+                      <a:r>
+                        <a:rPr lang="en-US"/>
+                        <a:t>1</a:t>
+                      </a:r>
+                    </a:p>
+                  </a:txBody>
+                  <a:tcPr/>
+                </a:tc>
+                <a:extLst>
+                  <a:ext uri="{0D108BD9-81ED-4DB2-BD59-A6C34878D82A}">
+                    <a16:rowId xmlns:a16="http://schemas.microsoft.com/office/drawing/2014/main" val="1665867047"/>
+                  </a:ext>
+                </a:extLst>
+              </a:tr>
+            </a:tbl>
+          </a:graphicData>
+        </a:graphic>
+      </p:graphicFrame>
+    </p:spTree>
+    <p:extLst>
+      <p:ext uri="{BB962C8B-B14F-4D97-AF65-F5344CB8AC3E}">
+        <p14:creationId xmlns:p14="http://schemas.microsoft.com/office/powerpoint/2010/main" val="775675100"/>
+      </p:ext>
+    </p:extLst>
+  </p:cSld>
+  <p:clrMapOvr>
+    <a:masterClrMapping/>
+  </p:clrMapOvr>
+</p:sld>
+</file>
+
+<file path=ppt/slides/slide46.xml><?xml version="1.0" encoding="utf-8"?>
+<p:sld xmlns:a="http://schemas.openxmlformats.org/drawingml/2006/main" xmlns:r="http://schemas.openxmlformats.org/officeDocument/2006/relationships" xmlns:p="http://schemas.openxmlformats.org/presentationml/2006/main">
+  <p:cSld>
+    <p:spTree>
+      <p:nvGrpSpPr>
+        <p:cNvPr id="1" name=""/>
+        <p:cNvGrpSpPr/>
+        <p:nvPr/>
+      </p:nvGrpSpPr>
+      <p:grpSpPr>
+        <a:xfrm>
+          <a:off x="0" y="0"/>
+          <a:ext cx="0" cy="0"/>
+          <a:chOff x="0" y="0"/>
+          <a:chExt cx="0" cy="0"/>
+        </a:xfrm>
+      </p:grpSpPr>
+      <p:sp>
+        <p:nvSpPr>
+          <p:cNvPr id="2" name="Title 1">
+            <a:extLst>
+              <a:ext uri="{FF2B5EF4-FFF2-40B4-BE49-F238E27FC236}">
+                <a16:creationId xmlns:a16="http://schemas.microsoft.com/office/drawing/2014/main" id="{2D479AA4-7A27-F7BB-18CC-807B27549E5F}"/>
+              </a:ext>
+            </a:extLst>
+          </p:cNvPr>
+          <p:cNvSpPr>
+            <a:spLocks noGrp="1"/>
+          </p:cNvSpPr>
+          <p:nvPr>
+            <p:ph type="title"/>
+          </p:nvPr>
+        </p:nvSpPr>
+        <p:spPr>
+          <a:xfrm>
+            <a:off x="992453" y="0"/>
+            <a:ext cx="10353762" cy="570271"/>
+          </a:xfrm>
+        </p:spPr>
+        <p:txBody>
+          <a:bodyPr>
+            <a:normAutofit fontScale="90000"/>
+          </a:bodyPr>
+          <a:lstStyle/>
+          <a:p>
+            <a:r>
+              <a:rPr lang="en-US" b="1">
+                <a:solidFill>
+                  <a:srgbClr val="00B0F0"/>
+                </a:solidFill>
+              </a:rPr>
+              <a:t>TransactionVM</a:t>
+            </a:r>
+          </a:p>
+        </p:txBody>
+      </p:sp>
+      <p:pic>
+        <p:nvPicPr>
+          <p:cNvPr id="5" name="Content Placeholder 4">
+            <a:extLst>
+              <a:ext uri="{FF2B5EF4-FFF2-40B4-BE49-F238E27FC236}">
+                <a16:creationId xmlns:a16="http://schemas.microsoft.com/office/drawing/2014/main" id="{551D13E4-7622-8C7C-0DCB-AF259538F592}"/>
+              </a:ext>
+            </a:extLst>
+          </p:cNvPr>
+          <p:cNvPicPr>
+            <a:picLocks noGrp="1" noChangeAspect="1"/>
+          </p:cNvPicPr>
+          <p:nvPr>
+            <p:ph idx="1"/>
+          </p:nvPr>
+        </p:nvPicPr>
+        <p:blipFill>
+          <a:blip r:embed="rId2"/>
+          <a:stretch>
+            <a:fillRect/>
+          </a:stretch>
+        </p:blipFill>
+        <p:spPr>
+          <a:xfrm>
+            <a:off x="167951" y="570271"/>
+            <a:ext cx="3342165" cy="2003594"/>
+          </a:xfrm>
+          <a:prstGeom prst="rect">
+            <a:avLst/>
+          </a:prstGeom>
+          <a:effectLst>
+            <a:outerShdw blurRad="25400" dir="17880000">
+              <a:srgbClr val="000000">
+                <a:alpha val="46000"/>
+              </a:srgbClr>
+            </a:outerShdw>
+          </a:effectLst>
+        </p:spPr>
+      </p:pic>
+      <p:pic>
+        <p:nvPicPr>
+          <p:cNvPr id="7" name="Picture 6">
+            <a:extLst>
+              <a:ext uri="{FF2B5EF4-FFF2-40B4-BE49-F238E27FC236}">
+                <a16:creationId xmlns:a16="http://schemas.microsoft.com/office/drawing/2014/main" id="{B2000730-5033-72F2-C16F-B5D5DFF5876B}"/>
+              </a:ext>
+            </a:extLst>
+          </p:cNvPr>
+          <p:cNvPicPr>
+            <a:picLocks noChangeAspect="1"/>
+          </p:cNvPicPr>
+          <p:nvPr/>
+        </p:nvPicPr>
+        <p:blipFill>
+          <a:blip r:embed="rId3"/>
+          <a:stretch>
+            <a:fillRect/>
+          </a:stretch>
+        </p:blipFill>
+        <p:spPr>
+          <a:xfrm>
+            <a:off x="167950" y="2682469"/>
+            <a:ext cx="6055263" cy="3605260"/>
+          </a:xfrm>
+          <a:prstGeom prst="rect">
+            <a:avLst/>
+          </a:prstGeom>
+        </p:spPr>
+      </p:pic>
+    </p:spTree>
+    <p:extLst>
+      <p:ext uri="{BB962C8B-B14F-4D97-AF65-F5344CB8AC3E}">
+        <p14:creationId xmlns:p14="http://schemas.microsoft.com/office/powerpoint/2010/main" val="4049467895"/>
+      </p:ext>
+    </p:extLst>
+  </p:cSld>
+  <p:clrMapOvr>
+    <a:masterClrMapping/>
+  </p:clrMapOvr>
+</p:sld>
+</file>
+
+<file path=ppt/slides/slide47.xml><?xml version="1.0" encoding="utf-8"?>
+<p:sld xmlns:a="http://schemas.openxmlformats.org/drawingml/2006/main" xmlns:r="http://schemas.openxmlformats.org/officeDocument/2006/relationships" xmlns:p="http://schemas.openxmlformats.org/presentationml/2006/main">
+  <p:cSld>
+    <p:spTree>
+      <p:nvGrpSpPr>
+        <p:cNvPr id="1" name=""/>
+        <p:cNvGrpSpPr/>
+        <p:nvPr/>
+      </p:nvGrpSpPr>
+      <p:grpSpPr>
+        <a:xfrm>
+          <a:off x="0" y="0"/>
+          <a:ext cx="0" cy="0"/>
+          <a:chOff x="0" y="0"/>
+          <a:chExt cx="0" cy="0"/>
+        </a:xfrm>
+      </p:grpSpPr>
+      <p:sp>
+        <p:nvSpPr>
+          <p:cNvPr id="2" name="Title 1">
+            <a:extLst>
+              <a:ext uri="{FF2B5EF4-FFF2-40B4-BE49-F238E27FC236}">
+                <a16:creationId xmlns:a16="http://schemas.microsoft.com/office/drawing/2014/main" id="{CF1E26FB-A5E8-3CCA-EA68-AC697347FD56}"/>
+              </a:ext>
+            </a:extLst>
+          </p:cNvPr>
+          <p:cNvSpPr>
+            <a:spLocks noGrp="1"/>
+          </p:cNvSpPr>
+          <p:nvPr>
+            <p:ph type="title"/>
+          </p:nvPr>
+        </p:nvSpPr>
+        <p:spPr>
+          <a:xfrm>
+            <a:off x="835137" y="0"/>
+            <a:ext cx="10353762" cy="970450"/>
+          </a:xfrm>
+        </p:spPr>
+        <p:txBody>
+          <a:bodyPr/>
+          <a:lstStyle/>
+          <a:p>
+            <a:r>
+              <a:rPr lang="en-US"/>
+              <a:t>LoginVM</a:t>
+            </a:r>
+          </a:p>
+        </p:txBody>
+      </p:sp>
+      <p:sp>
+        <p:nvSpPr>
+          <p:cNvPr id="3" name="Content Placeholder 2">
+            <a:extLst>
+              <a:ext uri="{FF2B5EF4-FFF2-40B4-BE49-F238E27FC236}">
+                <a16:creationId xmlns:a16="http://schemas.microsoft.com/office/drawing/2014/main" id="{B5F1CE3E-8FBA-4720-E027-74C182BEE6B6}"/>
+              </a:ext>
+            </a:extLst>
+          </p:cNvPr>
+          <p:cNvSpPr>
+            <a:spLocks noGrp="1"/>
+          </p:cNvSpPr>
+          <p:nvPr>
+            <p:ph idx="1"/>
+          </p:nvPr>
+        </p:nvSpPr>
+        <p:spPr>
+          <a:xfrm>
+            <a:off x="324464" y="970450"/>
+            <a:ext cx="11631561" cy="5794143"/>
+          </a:xfrm>
+        </p:spPr>
+        <p:txBody>
+          <a:bodyPr>
+            <a:normAutofit/>
+          </a:bodyPr>
+          <a:lstStyle/>
+          <a:p>
+            <a:r>
+              <a:rPr lang="en-US" sz="1600">
+                <a:effectLst/>
+              </a:rPr>
+              <a:t>UserId</a:t>
+            </a:r>
+          </a:p>
+          <a:p>
+            <a:r>
+              <a:rPr lang="en-US" sz="1600">
+                <a:effectLst/>
+              </a:rPr>
+              <a:t>UserNameAR</a:t>
+            </a:r>
+          </a:p>
+          <a:p>
+            <a:r>
+              <a:rPr lang="en-US" sz="1600">
+                <a:effectLst/>
+              </a:rPr>
+              <a:t>UserNameEng</a:t>
+            </a:r>
+          </a:p>
+          <a:p>
+            <a:r>
+              <a:rPr lang="en-US" sz="1600">
+                <a:effectLst/>
+              </a:rPr>
+              <a:t>BranchNameAR</a:t>
+            </a:r>
+          </a:p>
+          <a:p>
+            <a:r>
+              <a:rPr lang="en-US" sz="1600">
+                <a:effectLst/>
+              </a:rPr>
+              <a:t>BranchNameEN</a:t>
+            </a:r>
+          </a:p>
+          <a:p>
+            <a:r>
+              <a:rPr lang="en-US" sz="1600">
+                <a:effectLst/>
+              </a:rPr>
+              <a:t>JobNameAR</a:t>
+            </a:r>
+          </a:p>
+          <a:p>
+            <a:r>
+              <a:rPr lang="en-US" sz="1600">
+                <a:effectLst/>
+              </a:rPr>
+              <a:t>BranchId</a:t>
+            </a:r>
+          </a:p>
+          <a:p>
+            <a:r>
+              <a:rPr lang="en-US" sz="1600">
+                <a:effectLst/>
+              </a:rPr>
+              <a:t>RegionId</a:t>
+            </a:r>
+          </a:p>
+          <a:p>
+            <a:r>
+              <a:rPr lang="en-US" sz="1600">
+                <a:effectLst/>
+              </a:rPr>
+              <a:t>Branch_code</a:t>
+            </a:r>
+          </a:p>
+          <a:p>
+            <a:r>
+              <a:rPr lang="en-US" sz="1600">
+                <a:effectLst/>
+              </a:rPr>
+              <a:t>ComId</a:t>
+            </a:r>
+          </a:p>
+          <a:p>
+            <a:r>
+              <a:rPr lang="en-US" sz="1600">
+                <a:effectLst/>
+              </a:rPr>
+              <a:t>JobId</a:t>
+            </a:r>
+          </a:p>
+          <a:p>
+            <a:r>
+              <a:rPr lang="en-US" sz="1600">
+                <a:effectLst/>
+              </a:rPr>
+              <a:t>JobCode</a:t>
+            </a:r>
+          </a:p>
+          <a:p>
+            <a:r>
+              <a:rPr lang="en-US" sz="1600">
+                <a:effectLst/>
+              </a:rPr>
+              <a:t>UserCode</a:t>
+            </a:r>
+          </a:p>
+          <a:p>
+            <a:r>
+              <a:rPr lang="en-US" sz="1600">
+                <a:effectLst/>
+              </a:rPr>
+              <a:t>Numberofmonthsofappointment</a:t>
+            </a:r>
+          </a:p>
+          <a:p>
+            <a:endParaRPr lang="en-US" sz="1600">
+              <a:effectLst/>
+            </a:endParaRPr>
+          </a:p>
+          <a:p>
+            <a:endParaRPr lang="en-US" sz="1600">
+              <a:effectLst/>
+            </a:endParaRPr>
+          </a:p>
+        </p:txBody>
+      </p:sp>
+    </p:spTree>
+    <p:extLst>
+      <p:ext uri="{BB962C8B-B14F-4D97-AF65-F5344CB8AC3E}">
+        <p14:creationId xmlns:p14="http://schemas.microsoft.com/office/powerpoint/2010/main" val="3033957200"/>
       </p:ext>
     </p:extLst>
   </p:cSld>
@@ -10928,10 +13599,10 @@
           <a:lstStyle/>
           <a:p>
             <a:r>
-              <a:rPr lang="ar-EG" b="1" dirty="0"/>
+              <a:rPr lang="ar-EG" b="1"/>
               <a:t>أسباب رفض التعويض</a:t>
             </a:r>
-            <a:endParaRPr lang="en-US" b="1" dirty="0"/>
+            <a:endParaRPr lang="en-US" b="1"/>
           </a:p>
         </p:txBody>
       </p:sp>
@@ -10965,46 +13636,46 @@
           <a:p>
             <a:pPr algn="r" rtl="1"/>
             <a:r>
-              <a:rPr lang="ar-EG" sz="2400" b="1" dirty="0"/>
+              <a:rPr lang="ar-EG" sz="2400" b="1"/>
               <a:t>التعويض: المبلغ الذي تدفعه شركة التأمين للجهة الممولة عند وقوع الخطر المؤمن عليه، لتعويض الضرر أو فقدان القيمة المالية.</a:t>
             </a:r>
           </a:p>
           <a:p>
             <a:pPr algn="r" rtl="1"/>
             <a:r>
-              <a:rPr lang="ar-EG" sz="2400" dirty="0"/>
+              <a:rPr lang="ar-EG" sz="2400"/>
               <a:t>أسباب رفض التعويض في سياق التمويلات</a:t>
             </a:r>
           </a:p>
           <a:p>
             <a:pPr lvl="1" algn="r" rtl="1"/>
             <a:r>
-              <a:rPr lang="ar-EG" sz="2400" dirty="0"/>
+              <a:rPr lang="ar-EG" sz="2400"/>
               <a:t>العميل متعثر لفترة طويلة بدون مبرر</a:t>
             </a:r>
           </a:p>
           <a:p>
             <a:pPr lvl="1" algn="r" rtl="1"/>
             <a:r>
-              <a:rPr lang="ar-EG" sz="2400" dirty="0"/>
+              <a:rPr lang="ar-EG" sz="2400"/>
               <a:t>التمويل استُخدم في غير الغرض المحدد</a:t>
             </a:r>
-            <a:endParaRPr lang="ar-EG" sz="2400" b="1" dirty="0"/>
+            <a:endParaRPr lang="ar-EG" sz="2400" b="1"/>
           </a:p>
           <a:p>
             <a:pPr lvl="1" algn="r" rtl="1"/>
             <a:r>
-              <a:rPr lang="ar-EG" sz="2400" dirty="0"/>
+              <a:rPr lang="ar-EG" sz="2400"/>
               <a:t>الخطر غير مغطى.</a:t>
             </a:r>
           </a:p>
           <a:p>
             <a:pPr lvl="1" algn="r" rtl="1"/>
-            <a:endParaRPr lang="ar-EG" sz="2200" b="1" dirty="0"/>
+            <a:endParaRPr lang="ar-EG" sz="2200" b="1"/>
           </a:p>
           <a:p>
             <a:pPr algn="r" rtl="1"/>
-            <a:endParaRPr lang="en-US" sz="2400" b="1" dirty="0"/>
+            <a:endParaRPr lang="en-US" sz="2400" b="1"/>
           </a:p>
         </p:txBody>
       </p:sp>
@@ -11203,10 +13874,10 @@
           <a:lstStyle/>
           <a:p>
             <a:r>
-              <a:rPr lang="ar-EG" b="1" dirty="0"/>
+              <a:rPr lang="ar-EG" b="1"/>
               <a:t>تعاقد شركة التأمين</a:t>
             </a:r>
-            <a:endParaRPr lang="en-US" b="1" dirty="0"/>
+            <a:endParaRPr lang="en-US" b="1"/>
           </a:p>
         </p:txBody>
       </p:sp>
@@ -11238,98 +13909,98 @@
           <a:p>
             <a:pPr algn="r" rtl="1"/>
             <a:r>
-              <a:rPr lang="ar-EG" b="1" dirty="0"/>
+              <a:rPr lang="ar-EG" b="1"/>
               <a:t>نوع التأمين</a:t>
             </a:r>
           </a:p>
           <a:p>
             <a:pPr algn="r" rtl="1"/>
             <a:r>
-              <a:rPr lang="ar-EG" b="1" dirty="0"/>
+              <a:rPr lang="ar-EG" b="1"/>
               <a:t>اسم شركة التأمين</a:t>
             </a:r>
           </a:p>
           <a:p>
             <a:pPr algn="r" rtl="1"/>
             <a:r>
-              <a:rPr lang="ar-EG" b="1" dirty="0"/>
+              <a:rPr lang="ar-EG" b="1"/>
               <a:t>تاريخ بداية التعاقد</a:t>
             </a:r>
           </a:p>
           <a:p>
             <a:pPr algn="r" rtl="1"/>
             <a:r>
-              <a:rPr lang="ar-EG" b="1" dirty="0"/>
+              <a:rPr lang="ar-EG" b="1"/>
               <a:t>تاريخ نهاية التعاقد</a:t>
             </a:r>
           </a:p>
           <a:p>
             <a:pPr algn="r" rtl="1"/>
             <a:r>
-              <a:rPr lang="ar-EG" b="1" dirty="0"/>
+              <a:rPr lang="ar-EG" b="1"/>
               <a:t>أقصى مبلغ للتأمين : الحد الأقصى الذي تلتزم به شركة التأمين بدفعه للمستفيد عند وقوع الخطر المؤمن عليه.</a:t>
             </a:r>
           </a:p>
           <a:p>
             <a:pPr algn="r" rtl="1"/>
             <a:r>
-              <a:rPr lang="ar-EG" b="1" dirty="0"/>
+              <a:rPr lang="ar-EG" b="1"/>
               <a:t>الحد الأدنى للقسط التأميني ؟ أقل مبلغ يجب دفعه للحصول على التغطية التأمينية، حتى لو كانت قيمة القرض أو الأصل صغيرة.</a:t>
             </a:r>
           </a:p>
           <a:p>
             <a:pPr algn="r" rtl="1"/>
             <a:r>
-              <a:rPr lang="ar-EG" b="1" dirty="0"/>
+              <a:rPr lang="ar-EG" b="1"/>
               <a:t>الجزء المحمل من الشركة فقط (</a:t>
             </a:r>
             <a:r>
-              <a:rPr lang="ar-EG" dirty="0"/>
+              <a:rPr lang="ar-EG"/>
               <a:t>شركة التمويل</a:t>
             </a:r>
             <a:r>
-              <a:rPr lang="ar-EG" b="1" dirty="0"/>
+              <a:rPr lang="ar-EG" b="1"/>
               <a:t>) : القسط التأميني في نسبة التحمل </a:t>
             </a:r>
             <a:r>
-              <a:rPr lang="ar-EG" dirty="0"/>
+              <a:rPr lang="ar-EG"/>
               <a:t>للشركة الممولة</a:t>
             </a:r>
-            <a:endParaRPr lang="ar-EG" b="1" dirty="0"/>
+            <a:endParaRPr lang="ar-EG" b="1"/>
           </a:p>
           <a:p>
             <a:pPr algn="r" rtl="1"/>
             <a:r>
-              <a:rPr lang="ar-EG" b="1" dirty="0"/>
+              <a:rPr lang="ar-EG" b="1"/>
               <a:t>نسبة تحمل شركة التأمين </a:t>
             </a:r>
             <a:r>
-              <a:rPr lang="en-US" b="1" dirty="0"/>
+              <a:rPr lang="en-US" b="1"/>
               <a:t>:</a:t>
             </a:r>
           </a:p>
           <a:p>
             <a:pPr algn="r" rtl="1"/>
             <a:r>
-              <a:rPr lang="ar-EG" b="1" dirty="0"/>
+              <a:rPr lang="ar-EG" b="1"/>
               <a:t>مثال بحالة خسارة 50000</a:t>
             </a:r>
           </a:p>
           <a:p>
             <a:pPr algn="r" rtl="1"/>
-            <a:endParaRPr lang="ar-EG" b="1" dirty="0"/>
+            <a:endParaRPr lang="ar-EG" b="1"/>
           </a:p>
           <a:p>
             <a:pPr algn="r" rtl="1"/>
-            <a:endParaRPr lang="ar-EG" dirty="0"/>
+            <a:endParaRPr lang="ar-EG"/>
           </a:p>
           <a:p>
             <a:pPr algn="r" rtl="1"/>
-            <a:endParaRPr lang="ar-EG" dirty="0"/>
+            <a:endParaRPr lang="ar-EG"/>
           </a:p>
           <a:p>
             <a:pPr algn="r" rtl="1"/>
-            <a:endParaRPr lang="en-US" b="1" dirty="0"/>
+            <a:endParaRPr lang="en-US" b="1"/>
           </a:p>
         </p:txBody>
       </p:sp>
@@ -11422,7 +14093,7 @@
           <a:lstStyle/>
           <a:p>
             <a:r>
-              <a:rPr lang="en-US" sz="4400" b="1" dirty="0">
+              <a:rPr lang="en-US" sz="4400" b="1">
                 <a:solidFill>
                   <a:srgbClr val="FF0000"/>
                 </a:solidFill>
@@ -11491,7 +14162,7 @@
           <a:lstStyle/>
           <a:p>
             <a:r>
-              <a:rPr lang="en-US" b="1" dirty="0">
+              <a:rPr lang="en-US" b="1">
                 <a:solidFill>
                   <a:srgbClr val="FF0000"/>
                 </a:solidFill>
@@ -11534,7 +14205,7 @@
               <a:buAutoNum type="arabicPeriod"/>
             </a:pPr>
             <a:r>
-              <a:rPr lang="ar-EG" sz="2200" b="1" dirty="0">
+              <a:rPr lang="ar-EG" sz="2200" b="1">
                 <a:solidFill>
                   <a:srgbClr val="FF0000"/>
                 </a:solidFill>
@@ -11545,14 +14216,10 @@
           <a:p>
             <a:pPr marL="871200" lvl="1" indent="-457200" algn="r" rtl="1"/>
             <a:r>
-              <a:rPr lang="en-US" b="1" dirty="0"/>
-              <a:t>Operator: loan </a:t>
-            </a:r>
-            <a:r>
               <a:rPr lang="en-US" b="1"/>
-              <a:t>officer ()</a:t>
-            </a:r>
-            <a:endParaRPr lang="ar-EG" b="1" dirty="0"/>
+              <a:t>Operator: loan officer ()</a:t>
+            </a:r>
+            <a:endParaRPr lang="ar-EG" b="1"/>
           </a:p>
           <a:p>
             <a:pPr marL="494100" indent="-457200" algn="r" rtl="1">
@@ -11560,14 +14227,14 @@
               <a:buAutoNum type="arabicPeriod"/>
             </a:pPr>
             <a:r>
-              <a:rPr lang="ar-EG" sz="2200" b="1" dirty="0">
+              <a:rPr lang="ar-EG" sz="2200" b="1">
                 <a:solidFill>
                   <a:srgbClr val="FF0000"/>
                 </a:solidFill>
               </a:rPr>
               <a:t>مراجعة أولية</a:t>
             </a:r>
-            <a:endParaRPr lang="en-US" sz="2200" b="1" dirty="0">
+            <a:endParaRPr lang="en-US" sz="2200" b="1">
               <a:solidFill>
                 <a:srgbClr val="FF0000"/>
               </a:solidFill>
@@ -11576,10 +14243,10 @@
           <a:p>
             <a:pPr marL="871200" lvl="1" indent="-457200" algn="r" rtl="1"/>
             <a:r>
-              <a:rPr lang="en-US" b="1" dirty="0"/>
+              <a:rPr lang="en-US" b="1"/>
               <a:t>Operator: CO</a:t>
             </a:r>
-            <a:endParaRPr lang="ar-EG" b="1" dirty="0"/>
+            <a:endParaRPr lang="ar-EG" b="1"/>
           </a:p>
           <a:p>
             <a:pPr marL="494100" indent="-457200" algn="r" rtl="1">
@@ -11587,14 +14254,14 @@
               <a:buAutoNum type="arabicPeriod"/>
             </a:pPr>
             <a:r>
-              <a:rPr lang="ar-EG" sz="2200" b="1" dirty="0">
+              <a:rPr lang="ar-EG" sz="2200" b="1">
                 <a:solidFill>
                   <a:srgbClr val="FF0000"/>
                 </a:solidFill>
               </a:rPr>
               <a:t>زيارة ميدانية</a:t>
             </a:r>
-            <a:endParaRPr lang="en-US" sz="2200" b="1" dirty="0">
+            <a:endParaRPr lang="en-US" sz="2200" b="1">
               <a:solidFill>
                 <a:srgbClr val="FF0000"/>
               </a:solidFill>
@@ -11603,10 +14270,10 @@
           <a:p>
             <a:pPr marL="871200" lvl="1" indent="-457200" algn="r" rtl="1"/>
             <a:r>
-              <a:rPr lang="en-US" b="1" dirty="0"/>
+              <a:rPr lang="en-US" b="1"/>
               <a:t>Operator: CO</a:t>
             </a:r>
-            <a:endParaRPr lang="ar-EG" b="1" dirty="0"/>
+            <a:endParaRPr lang="ar-EG" b="1"/>
           </a:p>
           <a:p>
             <a:pPr marL="494100" indent="-457200" algn="r" rtl="1">
@@ -11614,14 +14281,14 @@
               <a:buAutoNum type="arabicPeriod"/>
             </a:pPr>
             <a:r>
-              <a:rPr lang="ar-EG" sz="2200" b="1" dirty="0">
+              <a:rPr lang="ar-EG" sz="2200" b="1">
                 <a:solidFill>
                   <a:srgbClr val="FF0000"/>
                 </a:solidFill>
               </a:rPr>
               <a:t>تحليل الائتمانى</a:t>
             </a:r>
-            <a:endParaRPr lang="en-US" sz="2200" b="1" dirty="0">
+            <a:endParaRPr lang="en-US" sz="2200" b="1">
               <a:solidFill>
                 <a:srgbClr val="FF0000"/>
               </a:solidFill>
@@ -11630,7 +14297,7 @@
           <a:p>
             <a:pPr marL="871200" lvl="1" indent="-457200" algn="r" rtl="1"/>
             <a:r>
-              <a:rPr lang="en-US" b="1" dirty="0"/>
+              <a:rPr lang="en-US" b="1"/>
               <a:t>Operator: CO</a:t>
             </a:r>
           </a:p>
@@ -11640,14 +14307,14 @@
               <a:buAutoNum type="arabicPeriod"/>
             </a:pPr>
             <a:r>
-              <a:rPr lang="ar-EG" sz="2200" b="1" dirty="0">
+              <a:rPr lang="ar-EG" sz="2200" b="1">
                 <a:solidFill>
                   <a:srgbClr val="FF0000"/>
                 </a:solidFill>
               </a:rPr>
               <a:t>تحميل المستندات</a:t>
             </a:r>
-            <a:endParaRPr lang="en-US" sz="2200" b="1" dirty="0">
+            <a:endParaRPr lang="en-US" sz="2200" b="1">
               <a:solidFill>
                 <a:srgbClr val="FF0000"/>
               </a:solidFill>
@@ -11656,10 +14323,10 @@
           <a:p>
             <a:pPr marL="871200" lvl="1" indent="-457200" algn="r" rtl="1"/>
             <a:r>
-              <a:rPr lang="en-US" b="1" dirty="0"/>
+              <a:rPr lang="en-US" b="1"/>
               <a:t>Operator: Branch Manager</a:t>
             </a:r>
-            <a:endParaRPr lang="ar-EG" b="1" dirty="0"/>
+            <a:endParaRPr lang="ar-EG" b="1"/>
           </a:p>
           <a:p>
             <a:pPr marL="494100" indent="-457200" algn="r" rtl="1">
@@ -11667,14 +14334,14 @@
               <a:buAutoNum type="arabicPeriod"/>
             </a:pPr>
             <a:r>
-              <a:rPr lang="ar-EG" sz="2200" b="1" dirty="0">
+              <a:rPr lang="ar-EG" sz="2200" b="1">
                 <a:solidFill>
                   <a:srgbClr val="FF0000"/>
                 </a:solidFill>
               </a:rPr>
               <a:t>المراجعة المركزية</a:t>
             </a:r>
-            <a:endParaRPr lang="en-US" sz="2200" b="1" dirty="0">
+            <a:endParaRPr lang="en-US" sz="2200" b="1">
               <a:solidFill>
                 <a:srgbClr val="FF0000"/>
               </a:solidFill>
@@ -11683,10 +14350,10 @@
           <a:p>
             <a:pPr marL="871200" lvl="1" indent="-457200" algn="r" rtl="1"/>
             <a:r>
-              <a:rPr lang="en-US" b="1" dirty="0"/>
+              <a:rPr lang="en-US" b="1"/>
               <a:t>Operator: Credit</a:t>
             </a:r>
-            <a:endParaRPr lang="ar-EG" b="1" dirty="0"/>
+            <a:endParaRPr lang="ar-EG" b="1"/>
           </a:p>
           <a:p>
             <a:pPr marL="494100" indent="-457200" algn="r" rtl="1">
@@ -11694,7 +14361,7 @@
               <a:buAutoNum type="arabicPeriod"/>
             </a:pPr>
             <a:r>
-              <a:rPr lang="ar-EG" sz="2200" b="1" dirty="0">
+              <a:rPr lang="ar-EG" sz="2200" b="1">
                 <a:solidFill>
                   <a:srgbClr val="FF0000"/>
                 </a:solidFill>
@@ -11763,7 +14430,7 @@
           <a:lstStyle/>
           <a:p>
             <a:r>
-              <a:rPr lang="ar-EG" sz="3200" b="1" dirty="0">
+              <a:rPr lang="ar-EG" sz="3200" b="1">
                 <a:solidFill>
                   <a:srgbClr val="FF0000"/>
                 </a:solidFill>
@@ -11771,7 +14438,7 @@
               <a:t>إدخال طلب</a:t>
             </a:r>
             <a:r>
-              <a:rPr lang="en-US" sz="3200" b="1" dirty="0">
+              <a:rPr lang="en-US" sz="3200" b="1">
                 <a:solidFill>
                   <a:srgbClr val="FF0000"/>
                 </a:solidFill>
@@ -11809,11 +14476,11 @@
           <a:p>
             <a:pPr algn="r" rtl="1"/>
             <a:r>
-              <a:rPr lang="ar-EG" dirty="0"/>
+              <a:rPr lang="ar-EG"/>
               <a:t>نوع التمويل: </a:t>
             </a:r>
             <a:r>
-              <a:rPr lang="ar-EG" dirty="0">
+              <a:rPr lang="ar-EG">
                 <a:effectLst/>
               </a:rPr>
               <a:t>(مثل تمويل شخصي، تمويل عقاري، أو تمويل مشروعات صغيرة)</a:t>
@@ -11822,43 +14489,43 @@
           <a:p>
             <a:pPr algn="r" rtl="1"/>
             <a:r>
-              <a:rPr lang="ar-EG" dirty="0">
+              <a:rPr lang="ar-EG">
                 <a:effectLst/>
               </a:rPr>
               <a:t>الحالة: </a:t>
             </a:r>
             <a:r>
-              <a:rPr lang="ar-EG" b="1" dirty="0">
+              <a:rPr lang="ar-EG" b="1">
                 <a:effectLst/>
               </a:rPr>
               <a:t>(جديد/تجديد) </a:t>
             </a:r>
             <a:r>
-              <a:rPr lang="ar-EG" dirty="0">
+              <a:rPr lang="ar-EG">
                 <a:effectLst/>
               </a:rPr>
               <a:t>تُحدد ما إذا كان العميل يتقدم بطلب </a:t>
             </a:r>
             <a:r>
-              <a:rPr lang="ar-EG" b="1" dirty="0">
+              <a:rPr lang="ar-EG" b="1">
                 <a:effectLst/>
               </a:rPr>
               <a:t>لأول مرة</a:t>
             </a:r>
             <a:r>
-              <a:rPr lang="ar-EG" dirty="0">
+              <a:rPr lang="ar-EG">
                 <a:effectLst/>
               </a:rPr>
               <a:t> (جديد) أو يطلب </a:t>
             </a:r>
             <a:r>
-              <a:rPr lang="ar-EG" b="1" dirty="0">
+              <a:rPr lang="ar-EG" b="1">
                 <a:effectLst/>
               </a:rPr>
               <a:t>إعادة تمويل</a:t>
             </a:r>
             <a:r>
-              <a:rPr lang="ar-EG" dirty="0">
+              <a:rPr lang="ar-EG">
                 <a:effectLst/>
               </a:rPr>
               <a:t> أو تجديد لقرض قائم بالفعل</a:t>
@@ -11867,13 +14534,13 @@
           <a:p>
             <a:pPr algn="r" rtl="1"/>
             <a:r>
-              <a:rPr lang="ar-EG" b="1" dirty="0">
+              <a:rPr lang="ar-EG" b="1">
                 <a:effectLst/>
               </a:rPr>
               <a:t>إسم العميل:</a:t>
             </a:r>
             <a:r>
-              <a:rPr lang="ar-EG" dirty="0">
+              <a:rPr lang="ar-EG">
                 <a:effectLst/>
               </a:rPr>
               <a:t> الاسم الكامل لمقدم الطلب كما هو مسجل في الأوراق الرسمية</a:t>
@@ -11882,37 +14549,37 @@
           <a:p>
             <a:pPr algn="r" rtl="1"/>
             <a:r>
-              <a:rPr lang="ar-EG" b="1" dirty="0">
+              <a:rPr lang="ar-EG" b="1">
                 <a:effectLst/>
               </a:rPr>
               <a:t>المنشأة:</a:t>
             </a:r>
             <a:r>
-              <a:rPr lang="ar-EG" dirty="0">
+              <a:rPr lang="ar-EG">
                 <a:effectLst/>
               </a:rPr>
               <a:t> تشير إلى </a:t>
             </a:r>
             <a:r>
-              <a:rPr lang="ar-EG" b="1" dirty="0">
+              <a:rPr lang="ar-EG" b="1">
                 <a:effectLst/>
               </a:rPr>
               <a:t>جهة العمل</a:t>
             </a:r>
             <a:r>
-              <a:rPr lang="ar-EG" dirty="0">
+              <a:rPr lang="ar-EG">
                 <a:effectLst/>
               </a:rPr>
               <a:t> التي يعمل بها العميل أو اسم </a:t>
             </a:r>
             <a:r>
-              <a:rPr lang="ar-EG" b="1" dirty="0">
+              <a:rPr lang="ar-EG" b="1">
                 <a:effectLst/>
               </a:rPr>
               <a:t>المشروع/الشركة</a:t>
             </a:r>
             <a:r>
-              <a:rPr lang="ar-EG" dirty="0">
+              <a:rPr lang="ar-EG">
                 <a:effectLst/>
               </a:rPr>
               <a:t> التي يمتلكها ويرغب في تمويلها.</a:t>
@@ -11921,13 +14588,13 @@
           <a:p>
             <a:pPr algn="r" rtl="1"/>
             <a:r>
-              <a:rPr lang="ar-EG" b="1" dirty="0">
+              <a:rPr lang="ar-EG" b="1">
                 <a:effectLst/>
               </a:rPr>
               <a:t>إسم الضامن:</a:t>
             </a:r>
             <a:r>
-              <a:rPr lang="ar-EG" dirty="0">
+              <a:rPr lang="ar-EG">
                 <a:effectLst/>
               </a:rPr>
               <a:t> الشخص الذي يتعهد بسداد القرض في حال تعثر العميل الأساسي.</a:t>
@@ -11936,13 +14603,13 @@
           <a:p>
             <a:pPr algn="r" rtl="1"/>
             <a:r>
-              <a:rPr lang="ar-EG" b="1" dirty="0">
+              <a:rPr lang="ar-EG" b="1">
                 <a:effectLst/>
               </a:rPr>
               <a:t>الرقم القومي للضامن:</a:t>
             </a:r>
             <a:r>
-              <a:rPr lang="ar-EG" dirty="0">
+              <a:rPr lang="ar-EG">
                 <a:effectLst/>
               </a:rPr>
               <a:t> بيانات الهوية الخاصة بالضامن للتحقق من أهليته القانونية والائتمانية.</a:t>
@@ -11951,13 +14618,13 @@
           <a:p>
             <a:pPr algn="r" rtl="1"/>
             <a:r>
-              <a:rPr lang="ar-EG" b="1" dirty="0">
+              <a:rPr lang="ar-EG" b="1">
                 <a:effectLst/>
               </a:rPr>
               <a:t>صلة العميل بالضامن:</a:t>
             </a:r>
             <a:r>
-              <a:rPr lang="ar-EG" dirty="0">
+              <a:rPr lang="ar-EG">
                 <a:effectLst/>
               </a:rPr>
               <a:t> طبيعة العلاقة بينهما (مثل: درجة أولى، صديق، زميل عمل) لتقييم مدى قوة الضمانة</a:t>
@@ -11966,7 +14633,7 @@
           <a:p>
             <a:pPr algn="r" rtl="1"/>
             <a:r>
-              <a:rPr lang="ar-EG" b="1" dirty="0">
+              <a:rPr lang="ar-EG" b="1">
                 <a:solidFill>
                   <a:srgbClr val="FFFF00"/>
                 </a:solidFill>
@@ -11975,25 +14642,25 @@
               <a:t>المبلغ المطلوب</a:t>
             </a:r>
             <a:r>
-              <a:rPr lang="ar-EG" b="1" dirty="0">
+              <a:rPr lang="ar-EG" b="1">
                 <a:effectLst/>
               </a:rPr>
               <a:t>:</a:t>
             </a:r>
             <a:r>
-              <a:rPr lang="ar-EG" dirty="0">
+              <a:rPr lang="ar-EG">
                 <a:effectLst/>
               </a:rPr>
               <a:t> إجمالي المبلغ الذي </a:t>
             </a:r>
             <a:r>
-              <a:rPr lang="ar-EG" b="1" dirty="0">
+              <a:rPr lang="ar-EG" b="1">
                 <a:effectLst/>
               </a:rPr>
               <a:t>يأمل</a:t>
             </a:r>
             <a:r>
-              <a:rPr lang="ar-EG" dirty="0">
+              <a:rPr lang="ar-EG">
                 <a:effectLst/>
               </a:rPr>
               <a:t> العميل في الحصول عليه من جهة التمويل</a:t>
@@ -12002,7 +14669,7 @@
           <a:p>
             <a:pPr algn="r" rtl="1"/>
             <a:r>
-              <a:rPr lang="ar-EG" b="1" dirty="0">
+              <a:rPr lang="ar-EG" b="1">
                 <a:solidFill>
                   <a:srgbClr val="FFFF00"/>
                 </a:solidFill>
@@ -12011,19 +14678,19 @@
               <a:t>قيمة التمويل</a:t>
             </a:r>
             <a:r>
-              <a:rPr lang="ar-EG" b="1" dirty="0">
+              <a:rPr lang="ar-EG" b="1">
                 <a:effectLst/>
               </a:rPr>
               <a:t>:</a:t>
             </a:r>
             <a:r>
-              <a:rPr lang="ar-EG" dirty="0">
+              <a:rPr lang="ar-EG">
                 <a:effectLst/>
               </a:rPr>
               <a:t> </a:t>
             </a:r>
             <a:r>
-              <a:rPr lang="ar-EG" b="1" dirty="0">
+              <a:rPr lang="ar-EG" b="1">
                 <a:solidFill>
                   <a:schemeClr val="tx1"/>
                 </a:solidFill>
@@ -12032,7 +14699,7 @@
               <a:t>مبلغ التمويل الذي توافق </a:t>
             </a:r>
             <a:r>
-              <a:rPr lang="ar-EG" dirty="0">
+              <a:rPr lang="ar-EG">
                 <a:effectLst/>
               </a:rPr>
               <a:t>جهة التمويل مبدئياً على منحه بناءً على دراسة حالة العميل</a:t>
@@ -12041,7 +14708,7 @@
           <a:p>
             <a:pPr algn="r" rtl="1"/>
             <a:r>
-              <a:rPr lang="ar-EG" b="1" dirty="0">
+              <a:rPr lang="ar-EG" b="1">
                 <a:solidFill>
                   <a:srgbClr val="FFFF00"/>
                 </a:solidFill>
@@ -12050,13 +14717,13 @@
               <a:t>القيمة الفعلية للتمويل</a:t>
             </a:r>
             <a:r>
-              <a:rPr lang="ar-EG" b="1" dirty="0">
+              <a:rPr lang="ar-EG" b="1">
                 <a:effectLst/>
               </a:rPr>
               <a:t>:</a:t>
             </a:r>
             <a:r>
-              <a:rPr lang="ar-EG" dirty="0">
+              <a:rPr lang="ar-EG">
                 <a:effectLst/>
               </a:rPr>
               <a:t> المبلغ الصافي الذي سيستلمه العميل فعلياً بعد خصم أي رسوم إدارية أو مصاريف بنكية</a:t>
@@ -12065,13 +14732,13 @@
           <a:p>
             <a:pPr algn="r" rtl="1"/>
             <a:r>
-              <a:rPr lang="ar-EG" b="1" dirty="0">
+              <a:rPr lang="ar-EG" b="1">
                 <a:effectLst/>
               </a:rPr>
               <a:t>الهدف من التمويل : </a:t>
             </a:r>
             <a:r>
-              <a:rPr lang="ar-EG" dirty="0">
+              <a:rPr lang="ar-EG">
                 <a:effectLst/>
               </a:rPr>
               <a:t>الغرض من الحصول على المال (مثل: شراء أصول، توسعة مشروع، سداد ديون أخرى).</a:t>
@@ -12080,13 +14747,13 @@
           <a:p>
             <a:pPr algn="r" rtl="1"/>
             <a:r>
-              <a:rPr lang="ar-EG" b="1" dirty="0">
+              <a:rPr lang="ar-EG" b="1">
                 <a:effectLst/>
               </a:rPr>
               <a:t>جهة الصرف : ا</a:t>
             </a:r>
             <a:r>
-              <a:rPr lang="ar-EG" dirty="0">
+              <a:rPr lang="ar-EG">
                 <a:effectLst/>
               </a:rPr>
               <a:t>لمكان أو الطريقة التي سيتم بها تحويل الأموال (مثل: صرف نقدي، شيك لجهة موردة، أو إيداع في حساب بنكي محدد).</a:t>
@@ -12094,7 +14761,7 @@
           </a:p>
           <a:p>
             <a:pPr algn="r" rtl="1"/>
-            <a:endParaRPr lang="en-US" dirty="0"/>
+            <a:endParaRPr lang="en-US"/>
           </a:p>
         </p:txBody>
       </p:sp>
